--- a/2조 프로젝트 과제(제작중).pptx
+++ b/2조 프로젝트 과제(제작중).pptx
@@ -5,31 +5,30 @@
     <p:sldMasterId id="2147483648" r:id="rId1"/>
   </p:sldMasterIdLst>
   <p:sldIdLst>
-    <p:sldId id="256" r:id="rId2"/>
-    <p:sldId id="257" r:id="rId3"/>
-    <p:sldId id="258" r:id="rId4"/>
-    <p:sldId id="279" r:id="rId5"/>
-    <p:sldId id="259" r:id="rId6"/>
-    <p:sldId id="260" r:id="rId7"/>
-    <p:sldId id="261" r:id="rId8"/>
-    <p:sldId id="262" r:id="rId9"/>
-    <p:sldId id="280" r:id="rId10"/>
-    <p:sldId id="263" r:id="rId11"/>
+    <p:sldId id="281" r:id="rId2"/>
+    <p:sldId id="256" r:id="rId3"/>
+    <p:sldId id="257" r:id="rId4"/>
+    <p:sldId id="258" r:id="rId5"/>
+    <p:sldId id="279" r:id="rId6"/>
+    <p:sldId id="259" r:id="rId7"/>
+    <p:sldId id="260" r:id="rId8"/>
+    <p:sldId id="261" r:id="rId9"/>
+    <p:sldId id="262" r:id="rId10"/>
+    <p:sldId id="280" r:id="rId11"/>
     <p:sldId id="264" r:id="rId12"/>
     <p:sldId id="265" r:id="rId13"/>
     <p:sldId id="266" r:id="rId14"/>
-    <p:sldId id="267" r:id="rId15"/>
-    <p:sldId id="268" r:id="rId16"/>
-    <p:sldId id="269" r:id="rId17"/>
-    <p:sldId id="270" r:id="rId18"/>
-    <p:sldId id="271" r:id="rId19"/>
+    <p:sldId id="263" r:id="rId15"/>
+    <p:sldId id="267" r:id="rId16"/>
+    <p:sldId id="268" r:id="rId17"/>
+    <p:sldId id="269" r:id="rId18"/>
+    <p:sldId id="270" r:id="rId19"/>
     <p:sldId id="272" r:id="rId20"/>
     <p:sldId id="273" r:id="rId21"/>
-    <p:sldId id="274" r:id="rId22"/>
-    <p:sldId id="275" r:id="rId23"/>
-    <p:sldId id="276" r:id="rId24"/>
-    <p:sldId id="277" r:id="rId25"/>
-    <p:sldId id="278" r:id="rId26"/>
+    <p:sldId id="275" r:id="rId22"/>
+    <p:sldId id="276" r:id="rId23"/>
+    <p:sldId id="277" r:id="rId24"/>
+    <p:sldId id="278" r:id="rId25"/>
   </p:sldIdLst>
   <p:sldSz cx="9144000" cy="6858000" type="screen4x3"/>
   <p:notesSz cx="6858000" cy="9144000"/>
@@ -574,7 +573,7 @@
           <a:p>
             <a:fld id="{5BCAD085-E8A6-8845-BD4E-CB4CCA059FC4}" type="datetimeFigureOut">
               <a:rPr lang="en-US" smtClean="0"/>
-              <a:t>11/27/2025</a:t>
+              <a:t>11/29/2025</a:t>
             </a:fld>
             <a:endParaRPr lang="en-US"/>
           </a:p>
@@ -742,7 +741,7 @@
           <a:p>
             <a:fld id="{5BCAD085-E8A6-8845-BD4E-CB4CCA059FC4}" type="datetimeFigureOut">
               <a:rPr lang="en-US" smtClean="0"/>
-              <a:t>11/27/2025</a:t>
+              <a:t>11/29/2025</a:t>
             </a:fld>
             <a:endParaRPr lang="en-US"/>
           </a:p>
@@ -920,7 +919,7 @@
           <a:p>
             <a:fld id="{5BCAD085-E8A6-8845-BD4E-CB4CCA059FC4}" type="datetimeFigureOut">
               <a:rPr lang="en-US" smtClean="0"/>
-              <a:t>11/27/2025</a:t>
+              <a:t>11/29/2025</a:t>
             </a:fld>
             <a:endParaRPr lang="en-US"/>
           </a:p>
@@ -1088,7 +1087,7 @@
           <a:p>
             <a:fld id="{5BCAD085-E8A6-8845-BD4E-CB4CCA059FC4}" type="datetimeFigureOut">
               <a:rPr lang="en-US" smtClean="0"/>
-              <a:t>11/27/2025</a:t>
+              <a:t>11/29/2025</a:t>
             </a:fld>
             <a:endParaRPr lang="en-US"/>
           </a:p>
@@ -1333,7 +1332,7 @@
           <a:p>
             <a:fld id="{5BCAD085-E8A6-8845-BD4E-CB4CCA059FC4}" type="datetimeFigureOut">
               <a:rPr lang="en-US" smtClean="0"/>
-              <a:t>11/27/2025</a:t>
+              <a:t>11/29/2025</a:t>
             </a:fld>
             <a:endParaRPr lang="en-US"/>
           </a:p>
@@ -1618,7 +1617,7 @@
           <a:p>
             <a:fld id="{5BCAD085-E8A6-8845-BD4E-CB4CCA059FC4}" type="datetimeFigureOut">
               <a:rPr lang="en-US" smtClean="0"/>
-              <a:t>11/27/2025</a:t>
+              <a:t>11/29/2025</a:t>
             </a:fld>
             <a:endParaRPr lang="en-US"/>
           </a:p>
@@ -2037,7 +2036,7 @@
           <a:p>
             <a:fld id="{5BCAD085-E8A6-8845-BD4E-CB4CCA059FC4}" type="datetimeFigureOut">
               <a:rPr lang="en-US" smtClean="0"/>
-              <a:t>11/27/2025</a:t>
+              <a:t>11/29/2025</a:t>
             </a:fld>
             <a:endParaRPr lang="en-US"/>
           </a:p>
@@ -2154,7 +2153,7 @@
           <a:p>
             <a:fld id="{5BCAD085-E8A6-8845-BD4E-CB4CCA059FC4}" type="datetimeFigureOut">
               <a:rPr lang="en-US" smtClean="0"/>
-              <a:t>11/27/2025</a:t>
+              <a:t>11/29/2025</a:t>
             </a:fld>
             <a:endParaRPr lang="en-US"/>
           </a:p>
@@ -2249,7 +2248,7 @@
           <a:p>
             <a:fld id="{5BCAD085-E8A6-8845-BD4E-CB4CCA059FC4}" type="datetimeFigureOut">
               <a:rPr lang="en-US" smtClean="0"/>
-              <a:t>11/27/2025</a:t>
+              <a:t>11/29/2025</a:t>
             </a:fld>
             <a:endParaRPr lang="en-US"/>
           </a:p>
@@ -2294,6 +2293,56 @@
               <a:t>‹#›</a:t>
             </a:fld>
             <a:endParaRPr lang="en-US"/>
+          </a:p>
+        </p:txBody>
+      </p:sp>
+      <p:sp>
+        <p:nvSpPr>
+          <p:cNvPr id="5" name="직사각형 4">
+            <a:extLst>
+              <a:ext uri="{FF2B5EF4-FFF2-40B4-BE49-F238E27FC236}">
+                <a16:creationId xmlns:a16="http://schemas.microsoft.com/office/drawing/2014/main" id="{33D8DF94-25AE-BD02-89DA-5709572D8F5F}"/>
+              </a:ext>
+            </a:extLst>
+          </p:cNvPr>
+          <p:cNvSpPr/>
+          <p:nvPr userDrawn="1"/>
+        </p:nvSpPr>
+        <p:spPr>
+          <a:xfrm>
+            <a:off x="0" y="0"/>
+            <a:ext cx="9144000" cy="6858000"/>
+          </a:xfrm>
+          <a:prstGeom prst="rect">
+            <a:avLst/>
+          </a:prstGeom>
+          <a:solidFill>
+            <a:schemeClr val="tx2">
+              <a:lumMod val="60000"/>
+              <a:lumOff val="40000"/>
+            </a:schemeClr>
+          </a:solidFill>
+        </p:spPr>
+        <p:style>
+          <a:lnRef idx="1">
+            <a:schemeClr val="accent1"/>
+          </a:lnRef>
+          <a:fillRef idx="3">
+            <a:schemeClr val="accent1"/>
+          </a:fillRef>
+          <a:effectRef idx="2">
+            <a:schemeClr val="accent1"/>
+          </a:effectRef>
+          <a:fontRef idx="minor">
+            <a:schemeClr val="lt1"/>
+          </a:fontRef>
+        </p:style>
+        <p:txBody>
+          <a:bodyPr rtlCol="0" anchor="ctr"/>
+          <a:lstStyle/>
+          <a:p>
+            <a:pPr algn="ctr"/>
+            <a:endParaRPr lang="ko-KR" altLang="en-US"/>
           </a:p>
         </p:txBody>
       </p:sp>
@@ -2524,7 +2573,7 @@
           <a:p>
             <a:fld id="{5BCAD085-E8A6-8845-BD4E-CB4CCA059FC4}" type="datetimeFigureOut">
               <a:rPr lang="en-US" smtClean="0"/>
-              <a:t>11/27/2025</a:t>
+              <a:t>11/29/2025</a:t>
             </a:fld>
             <a:endParaRPr lang="en-US"/>
           </a:p>
@@ -2776,7 +2825,7 @@
           <a:p>
             <a:fld id="{5BCAD085-E8A6-8845-BD4E-CB4CCA059FC4}" type="datetimeFigureOut">
               <a:rPr lang="en-US" smtClean="0"/>
-              <a:t>11/27/2025</a:t>
+              <a:t>11/29/2025</a:t>
             </a:fld>
             <a:endParaRPr lang="en-US"/>
           </a:p>
@@ -2987,7 +3036,7 @@
           <a:p>
             <a:fld id="{5BCAD085-E8A6-8845-BD4E-CB4CCA059FC4}" type="datetimeFigureOut">
               <a:rPr lang="en-US" smtClean="0"/>
-              <a:t>11/27/2025</a:t>
+              <a:t>11/29/2025</a:t>
             </a:fld>
             <a:endParaRPr lang="en-US"/>
           </a:p>
@@ -3362,56 +3411,31 @@
           <a:chExt cx="0" cy="0"/>
         </a:xfrm>
       </p:grpSpPr>
-      <p:pic>
-        <p:nvPicPr>
-          <p:cNvPr id="2" name="Picture 1" descr="gradient_bg.png"/>
-          <p:cNvPicPr>
-            <a:picLocks noChangeAspect="1"/>
-          </p:cNvPicPr>
-          <p:nvPr/>
-        </p:nvPicPr>
-        <p:blipFill>
-          <a:blip r:embed="rId2"/>
-          <a:stretch>
-            <a:fillRect/>
-          </a:stretch>
-        </p:blipFill>
-        <p:spPr>
-          <a:xfrm>
-            <a:off x="0" y="0"/>
-            <a:ext cx="9144000" cy="6858000"/>
-          </a:xfrm>
-          <a:prstGeom prst="rect">
-            <a:avLst/>
-          </a:prstGeom>
-        </p:spPr>
-      </p:pic>
-      <p:sp>
-        <p:nvSpPr>
-          <p:cNvPr id="6" name="Rounded Rectangle 3">
+      <p:cxnSp>
+        <p:nvCxnSpPr>
+          <p:cNvPr id="4" name="직선 연결선 3">
             <a:extLst>
               <a:ext uri="{FF2B5EF4-FFF2-40B4-BE49-F238E27FC236}">
-                <a16:creationId xmlns:a16="http://schemas.microsoft.com/office/drawing/2014/main" id="{B91B532A-E7ED-E6A6-5ED0-8606627AF0D0}"/>
+                <a16:creationId xmlns:a16="http://schemas.microsoft.com/office/drawing/2014/main" id="{CF691E6F-673E-E79A-545C-5206BEDF69CC}"/>
               </a:ext>
             </a:extLst>
           </p:cNvPr>
-          <p:cNvSpPr/>
+          <p:cNvCxnSpPr>
+            <a:cxnSpLocks/>
+          </p:cNvCxnSpPr>
           <p:nvPr/>
-        </p:nvSpPr>
-        <p:spPr>
-          <a:xfrm>
-            <a:off x="249382" y="1097280"/>
-            <a:ext cx="8765309" cy="4754880"/>
-          </a:xfrm>
-          <a:prstGeom prst="roundRect">
+        </p:nvCxnSpPr>
+        <p:spPr>
+          <a:xfrm>
+            <a:off x="372670" y="3893172"/>
+            <a:ext cx="7927268" cy="0"/>
+          </a:xfrm>
+          <a:prstGeom prst="line">
             <a:avLst/>
           </a:prstGeom>
-          <a:solidFill>
-            <a:srgbClr val="FFFFFF"/>
-          </a:solidFill>
-          <a:ln>
+          <a:ln w="3175">
             <a:solidFill>
-              <a:srgbClr val="F0F0F0"/>
+              <a:schemeClr val="bg1"/>
             </a:solidFill>
           </a:ln>
         </p:spPr>
@@ -3419,35 +3443,33 @@
           <a:lnRef idx="1">
             <a:schemeClr val="accent1"/>
           </a:lnRef>
-          <a:fillRef idx="3">
+          <a:fillRef idx="0">
             <a:schemeClr val="accent1"/>
           </a:fillRef>
-          <a:effectRef idx="2">
+          <a:effectRef idx="0">
             <a:schemeClr val="accent1"/>
           </a:effectRef>
           <a:fontRef idx="minor">
-            <a:schemeClr val="lt1"/>
+            <a:schemeClr val="tx1"/>
           </a:fontRef>
         </p:style>
-        <p:txBody>
-          <a:bodyPr rtlCol="0" anchor="ctr"/>
-          <a:lstStyle/>
-          <a:p>
-            <a:pPr algn="ctr"/>
-            <a:endParaRPr/>
-          </a:p>
-        </p:txBody>
-      </p:sp>
-      <p:sp>
-        <p:nvSpPr>
-          <p:cNvPr id="3" name="TextBox 2"/>
+      </p:cxnSp>
+      <p:sp>
+        <p:nvSpPr>
+          <p:cNvPr id="6" name="TextBox 5">
+            <a:extLst>
+              <a:ext uri="{FF2B5EF4-FFF2-40B4-BE49-F238E27FC236}">
+                <a16:creationId xmlns:a16="http://schemas.microsoft.com/office/drawing/2014/main" id="{DBECE118-7D51-63D5-79E3-8454280254E7}"/>
+              </a:ext>
+            </a:extLst>
+          </p:cNvPr>
           <p:cNvSpPr txBox="1"/>
           <p:nvPr/>
         </p:nvSpPr>
         <p:spPr>
           <a:xfrm>
-            <a:off x="640080" y="274320"/>
-            <a:ext cx="10972800" cy="731520"/>
+            <a:off x="465221" y="1373833"/>
+            <a:ext cx="7792518" cy="2434000"/>
           </a:xfrm>
           <a:prstGeom prst="rect">
             <a:avLst/>
@@ -3455,27 +3477,126 @@
           <a:noFill/>
         </p:spPr>
         <p:txBody>
-          <a:bodyPr wrap="none">
+          <a:bodyPr wrap="none" rtlCol="0">
             <a:spAutoFit/>
           </a:bodyPr>
           <a:lstStyle/>
           <a:p>
-            <a:r>
-              <a:t>SauceDemo E2E Test Automation</a:t>
-            </a:r>
-          </a:p>
-        </p:txBody>
-      </p:sp>
-      <p:sp>
-        <p:nvSpPr>
-          <p:cNvPr id="5" name="TextBox 4"/>
+            <a:pPr>
+              <a:lnSpc>
+                <a:spcPct val="150000"/>
+              </a:lnSpc>
+            </a:pPr>
+            <a:r>
+              <a:rPr lang="en-US" altLang="ko-KR" sz="5500" b="1" spc="-150" dirty="0">
+                <a:solidFill>
+                  <a:schemeClr val="bg1"/>
+                </a:solidFill>
+                <a:latin typeface="HY견고딕" panose="02030600000101010101" pitchFamily="18" charset="-127"/>
+                <a:ea typeface="HY견고딕" panose="02030600000101010101" pitchFamily="18" charset="-127"/>
+              </a:rPr>
+              <a:t>2</a:t>
+            </a:r>
+            <a:r>
+              <a:rPr lang="ko-KR" altLang="en-US" sz="5500" b="1" spc="-150" dirty="0">
+                <a:solidFill>
+                  <a:schemeClr val="bg1"/>
+                </a:solidFill>
+                <a:latin typeface="HY견고딕" panose="02030600000101010101" pitchFamily="18" charset="-127"/>
+                <a:ea typeface="HY견고딕" panose="02030600000101010101" pitchFamily="18" charset="-127"/>
+              </a:rPr>
+              <a:t>조 </a:t>
+            </a:r>
+            <a:r>
+              <a:rPr lang="en-US" altLang="ko-KR" sz="5500" b="1" spc="-150" dirty="0">
+                <a:solidFill>
+                  <a:schemeClr val="bg1"/>
+                </a:solidFill>
+                <a:latin typeface="HY견고딕" panose="02030600000101010101" pitchFamily="18" charset="-127"/>
+                <a:ea typeface="HY견고딕" panose="02030600000101010101" pitchFamily="18" charset="-127"/>
+              </a:rPr>
+              <a:t>SW </a:t>
+            </a:r>
+            <a:r>
+              <a:rPr lang="ko-KR" altLang="en-US" sz="5500" b="1" spc="-150" dirty="0">
+                <a:solidFill>
+                  <a:schemeClr val="bg1"/>
+                </a:solidFill>
+                <a:latin typeface="HY견고딕" panose="02030600000101010101" pitchFamily="18" charset="-127"/>
+                <a:ea typeface="HY견고딕" panose="02030600000101010101" pitchFamily="18" charset="-127"/>
+              </a:rPr>
+              <a:t>테스팅 프로젝트</a:t>
+            </a:r>
+            <a:endParaRPr lang="en-US" altLang="ko-KR" sz="5500" b="1" spc="-150" dirty="0">
+              <a:solidFill>
+                <a:schemeClr val="bg1"/>
+              </a:solidFill>
+              <a:latin typeface="HY견고딕" panose="02030600000101010101" pitchFamily="18" charset="-127"/>
+              <a:ea typeface="HY견고딕" panose="02030600000101010101" pitchFamily="18" charset="-127"/>
+            </a:endParaRPr>
+          </a:p>
+          <a:p>
+            <a:pPr algn="ctr">
+              <a:lnSpc>
+                <a:spcPct val="150000"/>
+              </a:lnSpc>
+            </a:pPr>
+            <a:r>
+              <a:rPr lang="en-US" altLang="ko-KR" sz="5500" b="1" spc="-150" dirty="0">
+                <a:solidFill>
+                  <a:schemeClr val="bg1"/>
+                </a:solidFill>
+                <a:latin typeface="HY견고딕" panose="02030600000101010101" pitchFamily="18" charset="-127"/>
+                <a:ea typeface="HY견고딕" panose="02030600000101010101" pitchFamily="18" charset="-127"/>
+              </a:rPr>
+              <a:t>(</a:t>
+            </a:r>
+            <a:r>
+              <a:rPr lang="en-US" altLang="ko-KR" sz="5500" b="1" spc="-150" dirty="0" err="1">
+                <a:solidFill>
+                  <a:schemeClr val="bg1"/>
+                </a:solidFill>
+                <a:latin typeface="HY견고딕" panose="02030600000101010101" pitchFamily="18" charset="-127"/>
+                <a:ea typeface="HY견고딕" panose="02030600000101010101" pitchFamily="18" charset="-127"/>
+              </a:rPr>
+              <a:t>catshop</a:t>
+            </a:r>
+            <a:r>
+              <a:rPr lang="en-US" altLang="ko-KR" sz="5500" b="1" spc="-150" dirty="0">
+                <a:solidFill>
+                  <a:schemeClr val="bg1"/>
+                </a:solidFill>
+                <a:latin typeface="HY견고딕" panose="02030600000101010101" pitchFamily="18" charset="-127"/>
+                <a:ea typeface="HY견고딕" panose="02030600000101010101" pitchFamily="18" charset="-127"/>
+              </a:rPr>
+              <a:t>)</a:t>
+            </a:r>
+            <a:endParaRPr lang="ko-KR" altLang="en-US" sz="5500" spc="-150" dirty="0">
+              <a:solidFill>
+                <a:schemeClr val="bg1"/>
+              </a:solidFill>
+              <a:latin typeface="HY견고딕" panose="02030600000101010101" pitchFamily="18" charset="-127"/>
+              <a:ea typeface="HY견고딕" panose="02030600000101010101" pitchFamily="18" charset="-127"/>
+            </a:endParaRPr>
+          </a:p>
+        </p:txBody>
+      </p:sp>
+      <p:sp>
+        <p:nvSpPr>
+          <p:cNvPr id="7" name="TextBox 6">
+            <a:extLst>
+              <a:ext uri="{FF2B5EF4-FFF2-40B4-BE49-F238E27FC236}">
+                <a16:creationId xmlns:a16="http://schemas.microsoft.com/office/drawing/2014/main" id="{2D709190-4A3F-9DD5-342B-CF3C30F3DC81}"/>
+              </a:ext>
+            </a:extLst>
+          </p:cNvPr>
           <p:cNvSpPr txBox="1"/>
           <p:nvPr/>
         </p:nvSpPr>
         <p:spPr>
           <a:xfrm>
-            <a:off x="822960" y="1280160"/>
-            <a:ext cx="10789920" cy="1015663"/>
+            <a:off x="6696221" y="4224956"/>
+            <a:ext cx="2419643" cy="2326278"/>
           </a:xfrm>
           <a:prstGeom prst="rect">
             <a:avLst/>
@@ -3483,64 +3604,137 @@
           <a:noFill/>
         </p:spPr>
         <p:txBody>
-          <a:bodyPr wrap="square">
+          <a:bodyPr wrap="square" rtlCol="0">
             <a:spAutoFit/>
           </a:bodyPr>
           <a:lstStyle/>
           <a:p>
             <a:pPr>
-              <a:defRPr sz="2000">
+              <a:lnSpc>
+                <a:spcPct val="150000"/>
+              </a:lnSpc>
+            </a:pPr>
+            <a:r>
+              <a:rPr lang="ko-KR" altLang="en-US" sz="2500" b="1" dirty="0">
                 <a:solidFill>
-                  <a:srgbClr val="1E1E1E"/>
+                  <a:schemeClr val="bg1"/>
                 </a:solidFill>
-              </a:defRPr>
+                <a:latin typeface="+mj-ea"/>
+                <a:ea typeface="+mj-ea"/>
+              </a:rPr>
+              <a:t>백종우</a:t>
+            </a:r>
+            <a:r>
+              <a:rPr lang="en-US" altLang="ko-KR" sz="2500" b="1" dirty="0">
+                <a:solidFill>
+                  <a:schemeClr val="bg1"/>
+                </a:solidFill>
+                <a:latin typeface="+mj-ea"/>
+                <a:ea typeface="+mj-ea"/>
+              </a:rPr>
+              <a:t>(</a:t>
+            </a:r>
+            <a:r>
+              <a:rPr lang="ko-KR" altLang="en-US" sz="2500" b="1" dirty="0">
+                <a:solidFill>
+                  <a:schemeClr val="bg1"/>
+                </a:solidFill>
+                <a:latin typeface="+mj-ea"/>
+                <a:ea typeface="+mj-ea"/>
+              </a:rPr>
+              <a:t>조장</a:t>
+            </a:r>
+            <a:r>
+              <a:rPr lang="en-US" altLang="ko-KR" sz="2500" b="1" dirty="0">
+                <a:solidFill>
+                  <a:schemeClr val="bg1"/>
+                </a:solidFill>
+                <a:latin typeface="+mj-ea"/>
+                <a:ea typeface="+mj-ea"/>
+              </a:rPr>
+              <a:t>)</a:t>
+            </a:r>
+          </a:p>
+          <a:p>
+            <a:pPr>
+              <a:lnSpc>
+                <a:spcPct val="150000"/>
+              </a:lnSpc>
             </a:pPr>
             <a:r>
-              <a:rPr lang="en-US" dirty="0" err="1"/>
-              <a:t>P</a:t>
-            </a:r>
-            <a:r>
-              <a:rPr dirty="0" err="1"/>
-              <a:t>ytest</a:t>
-            </a:r>
-            <a:r>
-              <a:rPr lang="en-US" dirty="0"/>
-              <a:t> </a:t>
-            </a:r>
-            <a:r>
-              <a:rPr dirty="0"/>
-              <a:t>GitHub Actions</a:t>
-            </a:r>
+              <a:rPr lang="ko-KR" altLang="en-US" sz="2500" b="1" dirty="0" err="1">
+                <a:solidFill>
+                  <a:schemeClr val="bg1"/>
+                </a:solidFill>
+                <a:latin typeface="+mj-ea"/>
+                <a:ea typeface="+mj-ea"/>
+              </a:rPr>
+              <a:t>박서아</a:t>
+            </a:r>
+            <a:endParaRPr lang="en-US" altLang="ko-KR" sz="2500" b="1" dirty="0">
+              <a:solidFill>
+                <a:schemeClr val="bg1"/>
+              </a:solidFill>
+              <a:latin typeface="+mj-ea"/>
+              <a:ea typeface="+mj-ea"/>
+            </a:endParaRPr>
           </a:p>
           <a:p>
             <a:pPr>
-              <a:defRPr sz="2000">
+              <a:lnSpc>
+                <a:spcPct val="150000"/>
+              </a:lnSpc>
+            </a:pPr>
+            <a:r>
+              <a:rPr lang="ko-KR" altLang="en-US" sz="2500" b="1" dirty="0">
                 <a:solidFill>
-                  <a:srgbClr val="1E1E1E"/>
+                  <a:schemeClr val="bg1"/>
                 </a:solidFill>
-              </a:defRPr>
+                <a:latin typeface="+mj-ea"/>
+                <a:ea typeface="+mj-ea"/>
+              </a:rPr>
+              <a:t>안재원</a:t>
+            </a:r>
+            <a:endParaRPr lang="en-US" altLang="ko-KR" sz="2500" b="1" dirty="0">
+              <a:solidFill>
+                <a:schemeClr val="bg1"/>
+              </a:solidFill>
+              <a:latin typeface="+mj-ea"/>
+              <a:ea typeface="+mj-ea"/>
+            </a:endParaRPr>
+          </a:p>
+          <a:p>
+            <a:pPr>
+              <a:lnSpc>
+                <a:spcPct val="150000"/>
+              </a:lnSpc>
             </a:pPr>
             <a:r>
-              <a:rPr dirty="0"/>
-              <a:t>Gradient Startup Template (Clean Ver.)</a:t>
-            </a:r>
-          </a:p>
-          <a:p>
-            <a:pPr>
-              <a:defRPr sz="2000">
+              <a:rPr lang="ko-KR" altLang="en-US" sz="2500" b="1" dirty="0" err="1">
                 <a:solidFill>
-                  <a:srgbClr val="1E1E1E"/>
+                  <a:schemeClr val="bg1"/>
                 </a:solidFill>
-              </a:defRPr>
-            </a:pPr>
-            <a:r>
-              <a:rPr dirty="0"/>
-              <a:t>Actual UI + Test Case Based</a:t>
-            </a:r>
+                <a:latin typeface="+mj-ea"/>
+                <a:ea typeface="+mj-ea"/>
+              </a:rPr>
+              <a:t>오예림</a:t>
+            </a:r>
+            <a:endParaRPr lang="ko-KR" altLang="en-US" sz="2500" b="1" dirty="0">
+              <a:solidFill>
+                <a:schemeClr val="bg1"/>
+              </a:solidFill>
+              <a:latin typeface="+mj-ea"/>
+              <a:ea typeface="+mj-ea"/>
+            </a:endParaRPr>
           </a:p>
         </p:txBody>
       </p:sp>
     </p:spTree>
+    <p:extLst>
+      <p:ext uri="{BB962C8B-B14F-4D97-AF65-F5344CB8AC3E}">
+        <p14:creationId xmlns:p14="http://schemas.microsoft.com/office/powerpoint/2010/main" val="81799223"/>
+      </p:ext>
+    </p:extLst>
   </p:cSld>
   <p:clrMapOvr>
     <a:masterClrMapping/>
@@ -3565,30 +3759,6 @@
           <a:chExt cx="0" cy="0"/>
         </a:xfrm>
       </p:grpSpPr>
-      <p:pic>
-        <p:nvPicPr>
-          <p:cNvPr id="2" name="Picture 1" descr="gradient_bg.png"/>
-          <p:cNvPicPr>
-            <a:picLocks noChangeAspect="1"/>
-          </p:cNvPicPr>
-          <p:nvPr/>
-        </p:nvPicPr>
-        <p:blipFill>
-          <a:blip r:embed="rId2"/>
-          <a:stretch>
-            <a:fillRect/>
-          </a:stretch>
-        </p:blipFill>
-        <p:spPr>
-          <a:xfrm>
-            <a:off x="0" y="0"/>
-            <a:ext cx="9144000" cy="6858000"/>
-          </a:xfrm>
-          <a:prstGeom prst="rect">
-            <a:avLst/>
-          </a:prstGeom>
-        </p:spPr>
-      </p:pic>
       <p:sp>
         <p:nvSpPr>
           <p:cNvPr id="3" name="TextBox 2"/>
@@ -3598,7 +3768,7 @@
         <p:spPr>
           <a:xfrm>
             <a:off x="640080" y="274320"/>
-            <a:ext cx="10972800" cy="731520"/>
+            <a:ext cx="1910523" cy="369332"/>
           </a:xfrm>
           <a:prstGeom prst="rect">
             <a:avLst/>
@@ -3612,7 +3782,16 @@
           <a:lstStyle/>
           <a:p>
             <a:r>
-              <a:t>UI — 상품 목록 Page</a:t>
+              <a:rPr b="1" dirty="0"/>
+              <a:t>UI — </a:t>
+            </a:r>
+            <a:r>
+              <a:rPr b="1" dirty="0" err="1"/>
+              <a:t>로그인</a:t>
+            </a:r>
+            <a:r>
+              <a:rPr b="1" dirty="0"/>
+              <a:t> Page</a:t>
             </a:r>
           </a:p>
         </p:txBody>
@@ -3625,8 +3804,8 @@
         </p:nvSpPr>
         <p:spPr>
           <a:xfrm>
-            <a:off x="83128" y="748145"/>
-            <a:ext cx="8931564" cy="5938981"/>
+            <a:off x="129309" y="1097280"/>
+            <a:ext cx="9014691" cy="4937760"/>
           </a:xfrm>
           <a:prstGeom prst="roundRect">
             <a:avLst/>
@@ -3663,7 +3842,41 @@
           </a:p>
         </p:txBody>
       </p:sp>
+      <p:pic>
+        <p:nvPicPr>
+          <p:cNvPr id="6" name="그림 5" descr="텍스트, 스크린샷, 폰트이(가) 표시된 사진&#10;&#10;AI가 생성한 콘텐츠는 부정확할 수 있습니다.">
+            <a:extLst>
+              <a:ext uri="{FF2B5EF4-FFF2-40B4-BE49-F238E27FC236}">
+                <a16:creationId xmlns:a16="http://schemas.microsoft.com/office/drawing/2014/main" id="{FDEB1DF0-7D50-B9AE-4191-1F9F9514C44A}"/>
+              </a:ext>
+            </a:extLst>
+          </p:cNvPr>
+          <p:cNvPicPr>
+            <a:picLocks noChangeAspect="1"/>
+          </p:cNvPicPr>
+          <p:nvPr/>
+        </p:nvPicPr>
+        <p:blipFill>
+          <a:blip r:embed="rId2"/>
+          <a:srcRect r="12626"/>
+          <a:stretch/>
+        </p:blipFill>
+        <p:spPr>
+          <a:xfrm>
+            <a:off x="193174" y="1874982"/>
+            <a:ext cx="8821517" cy="2840147"/>
+          </a:xfrm>
+          <a:prstGeom prst="rect">
+            <a:avLst/>
+          </a:prstGeom>
+        </p:spPr>
+      </p:pic>
     </p:spTree>
+    <p:extLst>
+      <p:ext uri="{BB962C8B-B14F-4D97-AF65-F5344CB8AC3E}">
+        <p14:creationId xmlns:p14="http://schemas.microsoft.com/office/powerpoint/2010/main" val="876417687"/>
+      </p:ext>
+    </p:extLst>
   </p:cSld>
   <p:clrMapOvr>
     <a:masterClrMapping/>
@@ -3688,30 +3901,6 @@
           <a:chExt cx="0" cy="0"/>
         </a:xfrm>
       </p:grpSpPr>
-      <p:pic>
-        <p:nvPicPr>
-          <p:cNvPr id="2" name="Picture 1" descr="gradient_bg.png"/>
-          <p:cNvPicPr>
-            <a:picLocks noChangeAspect="1"/>
-          </p:cNvPicPr>
-          <p:nvPr/>
-        </p:nvPicPr>
-        <p:blipFill>
-          <a:blip r:embed="rId2"/>
-          <a:stretch>
-            <a:fillRect/>
-          </a:stretch>
-        </p:blipFill>
-        <p:spPr>
-          <a:xfrm>
-            <a:off x="0" y="0"/>
-            <a:ext cx="9144000" cy="6858000"/>
-          </a:xfrm>
-          <a:prstGeom prst="rect">
-            <a:avLst/>
-          </a:prstGeom>
-        </p:spPr>
-      </p:pic>
       <p:sp>
         <p:nvSpPr>
           <p:cNvPr id="3" name="TextBox 2"/>
@@ -3721,7 +3910,7 @@
         <p:spPr>
           <a:xfrm>
             <a:off x="640080" y="274320"/>
-            <a:ext cx="10972800" cy="731520"/>
+            <a:ext cx="1433469" cy="369332"/>
           </a:xfrm>
           <a:prstGeom prst="rect">
             <a:avLst/>
@@ -3735,8 +3924,14 @@
           <a:lstStyle/>
           <a:p>
             <a:r>
-              <a:t>UI — Item Detail Page</a:t>
-            </a:r>
+              <a:rPr b="1" dirty="0"/>
+              <a:t>UI — </a:t>
+            </a:r>
+            <a:r>
+              <a:rPr lang="en-US" b="1" dirty="0"/>
+              <a:t>register</a:t>
+            </a:r>
+            <a:endParaRPr b="1" dirty="0"/>
           </a:p>
         </p:txBody>
       </p:sp>
@@ -3786,6 +3981,36 @@
           </a:p>
         </p:txBody>
       </p:sp>
+      <p:pic>
+        <p:nvPicPr>
+          <p:cNvPr id="6" name="그림 5" descr="텍스트, 소프트웨어, 폰트, 번호이(가) 표시된 사진&#10;&#10;AI가 생성한 콘텐츠는 부정확할 수 있습니다.">
+            <a:extLst>
+              <a:ext uri="{FF2B5EF4-FFF2-40B4-BE49-F238E27FC236}">
+                <a16:creationId xmlns:a16="http://schemas.microsoft.com/office/drawing/2014/main" id="{D831EDEA-5387-B74A-C095-A82E90C2DE7B}"/>
+              </a:ext>
+            </a:extLst>
+          </p:cNvPr>
+          <p:cNvPicPr>
+            <a:picLocks noChangeAspect="1"/>
+          </p:cNvPicPr>
+          <p:nvPr/>
+        </p:nvPicPr>
+        <p:blipFill>
+          <a:blip r:embed="rId2"/>
+          <a:stretch>
+            <a:fillRect/>
+          </a:stretch>
+        </p:blipFill>
+        <p:spPr>
+          <a:xfrm>
+            <a:off x="0" y="2007877"/>
+            <a:ext cx="9144000" cy="3116565"/>
+          </a:xfrm>
+          <a:prstGeom prst="rect">
+            <a:avLst/>
+          </a:prstGeom>
+        </p:spPr>
+      </p:pic>
     </p:spTree>
   </p:cSld>
   <p:clrMapOvr>
@@ -3811,30 +4036,6 @@
           <a:chExt cx="0" cy="0"/>
         </a:xfrm>
       </p:grpSpPr>
-      <p:pic>
-        <p:nvPicPr>
-          <p:cNvPr id="2" name="Picture 1" descr="gradient_bg.png"/>
-          <p:cNvPicPr>
-            <a:picLocks noChangeAspect="1"/>
-          </p:cNvPicPr>
-          <p:nvPr/>
-        </p:nvPicPr>
-        <p:blipFill>
-          <a:blip r:embed="rId2"/>
-          <a:stretch>
-            <a:fillRect/>
-          </a:stretch>
-        </p:blipFill>
-        <p:spPr>
-          <a:xfrm>
-            <a:off x="0" y="0"/>
-            <a:ext cx="9144000" cy="6858000"/>
-          </a:xfrm>
-          <a:prstGeom prst="rect">
-            <a:avLst/>
-          </a:prstGeom>
-        </p:spPr>
-      </p:pic>
       <p:sp>
         <p:nvSpPr>
           <p:cNvPr id="3" name="TextBox 2"/>
@@ -3844,7 +4045,7 @@
         <p:spPr>
           <a:xfrm>
             <a:off x="640080" y="274320"/>
-            <a:ext cx="10972800" cy="731520"/>
+            <a:ext cx="2141355" cy="369332"/>
           </a:xfrm>
           <a:prstGeom prst="rect">
             <a:avLst/>
@@ -3858,7 +4059,16 @@
           <a:lstStyle/>
           <a:p>
             <a:r>
-              <a:t>UI — 장바구니 Page</a:t>
+              <a:rPr b="1" dirty="0"/>
+              <a:t>UI — </a:t>
+            </a:r>
+            <a:r>
+              <a:rPr b="1" dirty="0" err="1"/>
+              <a:t>장바구니</a:t>
+            </a:r>
+            <a:r>
+              <a:rPr b="1" dirty="0"/>
+              <a:t> Page</a:t>
             </a:r>
           </a:p>
         </p:txBody>
@@ -3909,6 +4119,35 @@
           </a:p>
         </p:txBody>
       </p:sp>
+      <p:pic>
+        <p:nvPicPr>
+          <p:cNvPr id="6" name="그림 5" descr="텍스트, 스크린샷, 소프트웨어, 웹 페이지이(가) 표시된 사진&#10;&#10;AI가 생성한 콘텐츠는 부정확할 수 있습니다.">
+            <a:extLst>
+              <a:ext uri="{FF2B5EF4-FFF2-40B4-BE49-F238E27FC236}">
+                <a16:creationId xmlns:a16="http://schemas.microsoft.com/office/drawing/2014/main" id="{2C55BB73-FEC2-62F0-81DD-106F263A8731}"/>
+              </a:ext>
+            </a:extLst>
+          </p:cNvPr>
+          <p:cNvPicPr>
+            <a:picLocks noChangeAspect="1"/>
+          </p:cNvPicPr>
+          <p:nvPr/>
+        </p:nvPicPr>
+        <p:blipFill>
+          <a:blip r:embed="rId2"/>
+          <a:srcRect r="13232"/>
+          <a:stretch/>
+        </p:blipFill>
+        <p:spPr>
+          <a:xfrm>
+            <a:off x="238382" y="1736453"/>
+            <a:ext cx="8667236" cy="3385093"/>
+          </a:xfrm>
+          <a:prstGeom prst="rect">
+            <a:avLst/>
+          </a:prstGeom>
+        </p:spPr>
+      </p:pic>
     </p:spTree>
   </p:cSld>
   <p:clrMapOvr>
@@ -3934,30 +4173,6 @@
           <a:chExt cx="0" cy="0"/>
         </a:xfrm>
       </p:grpSpPr>
-      <p:pic>
-        <p:nvPicPr>
-          <p:cNvPr id="2" name="Picture 1" descr="gradient_bg.png"/>
-          <p:cNvPicPr>
-            <a:picLocks noChangeAspect="1"/>
-          </p:cNvPicPr>
-          <p:nvPr/>
-        </p:nvPicPr>
-        <p:blipFill>
-          <a:blip r:embed="rId2"/>
-          <a:stretch>
-            <a:fillRect/>
-          </a:stretch>
-        </p:blipFill>
-        <p:spPr>
-          <a:xfrm>
-            <a:off x="0" y="0"/>
-            <a:ext cx="9144000" cy="6858000"/>
-          </a:xfrm>
-          <a:prstGeom prst="rect">
-            <a:avLst/>
-          </a:prstGeom>
-        </p:spPr>
-      </p:pic>
       <p:sp>
         <p:nvSpPr>
           <p:cNvPr id="3" name="TextBox 2"/>
@@ -3967,7 +4182,7 @@
         <p:spPr>
           <a:xfrm>
             <a:off x="640080" y="274320"/>
-            <a:ext cx="10972800" cy="731520"/>
+            <a:ext cx="1627369" cy="369332"/>
           </a:xfrm>
           <a:prstGeom prst="rect">
             <a:avLst/>
@@ -3981,8 +4196,14 @@
           <a:lstStyle/>
           <a:p>
             <a:r>
-              <a:t>UI — 체크아웃 Info Page</a:t>
-            </a:r>
+              <a:rPr b="1" dirty="0"/>
+              <a:t>UI — </a:t>
+            </a:r>
+            <a:r>
+              <a:rPr lang="ko-KR" altLang="en-US" b="1" dirty="0"/>
+              <a:t>로그아웃</a:t>
+            </a:r>
+            <a:endParaRPr b="1" dirty="0"/>
           </a:p>
         </p:txBody>
       </p:sp>
@@ -4034,22 +4255,28 @@
       </p:sp>
       <p:pic>
         <p:nvPicPr>
-          <p:cNvPr id="5" name="Picture 4" descr="checkout_info.png"/>
+          <p:cNvPr id="7" name="그림 6" descr="텍스트, 고양잇과, 포유류, 고양이이(가) 표시된 사진&#10;&#10;AI가 생성한 콘텐츠는 부정확할 수 있습니다.">
+            <a:extLst>
+              <a:ext uri="{FF2B5EF4-FFF2-40B4-BE49-F238E27FC236}">
+                <a16:creationId xmlns:a16="http://schemas.microsoft.com/office/drawing/2014/main" id="{B46733FD-7AEF-B6FF-63D4-72D1F85E2C4C}"/>
+              </a:ext>
+            </a:extLst>
+          </p:cNvPr>
           <p:cNvPicPr>
             <a:picLocks noChangeAspect="1"/>
           </p:cNvPicPr>
           <p:nvPr/>
         </p:nvPicPr>
         <p:blipFill>
-          <a:blip r:embed="rId3"/>
+          <a:blip r:embed="rId2"/>
           <a:stretch>
             <a:fillRect/>
           </a:stretch>
         </p:blipFill>
         <p:spPr>
           <a:xfrm>
-            <a:off x="369455" y="1371600"/>
-            <a:ext cx="8442737" cy="3904619"/>
+            <a:off x="1128232" y="1237944"/>
+            <a:ext cx="6887536" cy="4382112"/>
           </a:xfrm>
           <a:prstGeom prst="rect">
             <a:avLst/>
@@ -4081,30 +4308,6 @@
           <a:chExt cx="0" cy="0"/>
         </a:xfrm>
       </p:grpSpPr>
-      <p:pic>
-        <p:nvPicPr>
-          <p:cNvPr id="2" name="Picture 1" descr="gradient_bg.png"/>
-          <p:cNvPicPr>
-            <a:picLocks noChangeAspect="1"/>
-          </p:cNvPicPr>
-          <p:nvPr/>
-        </p:nvPicPr>
-        <p:blipFill>
-          <a:blip r:embed="rId2"/>
-          <a:stretch>
-            <a:fillRect/>
-          </a:stretch>
-        </p:blipFill>
-        <p:spPr>
-          <a:xfrm>
-            <a:off x="0" y="0"/>
-            <a:ext cx="9144000" cy="6858000"/>
-          </a:xfrm>
-          <a:prstGeom prst="rect">
-            <a:avLst/>
-          </a:prstGeom>
-        </p:spPr>
-      </p:pic>
       <p:sp>
         <p:nvSpPr>
           <p:cNvPr id="3" name="TextBox 2"/>
@@ -4114,7 +4317,7 @@
         <p:spPr>
           <a:xfrm>
             <a:off x="640080" y="274320"/>
-            <a:ext cx="10972800" cy="731520"/>
+            <a:ext cx="2021259" cy="369332"/>
           </a:xfrm>
           <a:prstGeom prst="rect">
             <a:avLst/>
@@ -4128,7 +4331,16 @@
           <a:lstStyle/>
           <a:p>
             <a:r>
-              <a:t>UI — 체크아웃 주문 완료 페이지 Page</a:t>
+              <a:rPr b="1" dirty="0"/>
+              <a:t>UI —</a:t>
+            </a:r>
+            <a:r>
+              <a:rPr lang="ko-KR" altLang="en-US" b="1" dirty="0"/>
+              <a:t>체크아웃</a:t>
+            </a:r>
+            <a:r>
+              <a:rPr b="1" dirty="0"/>
+              <a:t>Page</a:t>
             </a:r>
           </a:p>
         </p:txBody>
@@ -4141,8 +4353,8 @@
         </p:nvSpPr>
         <p:spPr>
           <a:xfrm>
-            <a:off x="184728" y="1097280"/>
-            <a:ext cx="8672946" cy="4937760"/>
+            <a:off x="83128" y="748145"/>
+            <a:ext cx="8931564" cy="5938981"/>
           </a:xfrm>
           <a:prstGeom prst="roundRect">
             <a:avLst/>
@@ -4181,22 +4393,28 @@
       </p:sp>
       <p:pic>
         <p:nvPicPr>
-          <p:cNvPr id="5" name="Picture 4" descr="checkout_complete.png"/>
+          <p:cNvPr id="6" name="그림 5" descr="텍스트, 스크린샷, 번호, 폰트이(가) 표시된 사진&#10;&#10;AI가 생성한 콘텐츠는 부정확할 수 있습니다.">
+            <a:extLst>
+              <a:ext uri="{FF2B5EF4-FFF2-40B4-BE49-F238E27FC236}">
+                <a16:creationId xmlns:a16="http://schemas.microsoft.com/office/drawing/2014/main" id="{24482512-3D64-5E06-6BA2-04FAEE04F004}"/>
+              </a:ext>
+            </a:extLst>
+          </p:cNvPr>
           <p:cNvPicPr>
             <a:picLocks noChangeAspect="1"/>
           </p:cNvPicPr>
           <p:nvPr/>
         </p:nvPicPr>
         <p:blipFill>
-          <a:blip r:embed="rId3"/>
+          <a:blip r:embed="rId2"/>
           <a:stretch>
             <a:fillRect/>
           </a:stretch>
         </p:blipFill>
         <p:spPr>
           <a:xfrm>
-            <a:off x="485610" y="1371600"/>
-            <a:ext cx="8167024" cy="3469772"/>
+            <a:off x="1318758" y="1147443"/>
+            <a:ext cx="7253632" cy="5087101"/>
           </a:xfrm>
           <a:prstGeom prst="rect">
             <a:avLst/>
@@ -4228,30 +4446,6 @@
           <a:chExt cx="0" cy="0"/>
         </a:xfrm>
       </p:grpSpPr>
-      <p:pic>
-        <p:nvPicPr>
-          <p:cNvPr id="2" name="Picture 1" descr="gradient_bg.png"/>
-          <p:cNvPicPr>
-            <a:picLocks noChangeAspect="1"/>
-          </p:cNvPicPr>
-          <p:nvPr/>
-        </p:nvPicPr>
-        <p:blipFill>
-          <a:blip r:embed="rId2"/>
-          <a:stretch>
-            <a:fillRect/>
-          </a:stretch>
-        </p:blipFill>
-        <p:spPr>
-          <a:xfrm>
-            <a:off x="0" y="0"/>
-            <a:ext cx="9144000" cy="6858000"/>
-          </a:xfrm>
-          <a:prstGeom prst="rect">
-            <a:avLst/>
-          </a:prstGeom>
-        </p:spPr>
-      </p:pic>
       <p:sp>
         <p:nvSpPr>
           <p:cNvPr id="3" name="TextBox 2"/>
@@ -4261,7 +4455,7 @@
         <p:spPr>
           <a:xfrm>
             <a:off x="640080" y="274320"/>
-            <a:ext cx="10972800" cy="731520"/>
+            <a:ext cx="3915880" cy="369332"/>
           </a:xfrm>
           <a:prstGeom prst="rect">
             <a:avLst/>
@@ -4275,7 +4469,40 @@
           <a:lstStyle/>
           <a:p>
             <a:r>
-              <a:t>6. User Flow with UI Thumbnails</a:t>
+              <a:rPr b="1" dirty="0"/>
+              <a:t>UI — </a:t>
+            </a:r>
+            <a:r>
+              <a:rPr b="1" dirty="0" err="1"/>
+              <a:t>체크아웃</a:t>
+            </a:r>
+            <a:r>
+              <a:rPr b="1" dirty="0"/>
+              <a:t> </a:t>
+            </a:r>
+            <a:r>
+              <a:rPr b="1" dirty="0" err="1"/>
+              <a:t>주문</a:t>
+            </a:r>
+            <a:r>
+              <a:rPr b="1" dirty="0"/>
+              <a:t> </a:t>
+            </a:r>
+            <a:r>
+              <a:rPr b="1" dirty="0" err="1"/>
+              <a:t>완료</a:t>
+            </a:r>
+            <a:r>
+              <a:rPr b="1" dirty="0"/>
+              <a:t> </a:t>
+            </a:r>
+            <a:r>
+              <a:rPr b="1" dirty="0" err="1"/>
+              <a:t>페이지</a:t>
+            </a:r>
+            <a:r>
+              <a:rPr b="1" dirty="0"/>
+              <a:t> Page</a:t>
             </a:r>
           </a:p>
         </p:txBody>
@@ -4288,8 +4515,8 @@
         </p:nvSpPr>
         <p:spPr>
           <a:xfrm>
-            <a:off x="36948" y="894080"/>
-            <a:ext cx="9070108" cy="4937760"/>
+            <a:off x="184728" y="1097280"/>
+            <a:ext cx="8672946" cy="4937760"/>
           </a:xfrm>
           <a:prstGeom prst="roundRect">
             <a:avLst/>
@@ -4328,491 +4555,34 @@
       </p:sp>
       <p:pic>
         <p:nvPicPr>
-          <p:cNvPr id="5" name="Picture 4" descr="login.png"/>
+          <p:cNvPr id="7" name="그림 6" descr="텍스트, 웹 페이지, 웹사이트, 스크린샷이(가) 표시된 사진&#10;&#10;AI가 생성한 콘텐츠는 부정확할 수 있습니다.">
+            <a:extLst>
+              <a:ext uri="{FF2B5EF4-FFF2-40B4-BE49-F238E27FC236}">
+                <a16:creationId xmlns:a16="http://schemas.microsoft.com/office/drawing/2014/main" id="{12FE1236-7AEF-CB0B-5679-350DCCFCDE39}"/>
+              </a:ext>
+            </a:extLst>
+          </p:cNvPr>
           <p:cNvPicPr>
             <a:picLocks noChangeAspect="1"/>
           </p:cNvPicPr>
           <p:nvPr/>
         </p:nvPicPr>
         <p:blipFill>
-          <a:blip r:embed="rId3"/>
+          <a:blip r:embed="rId2"/>
           <a:stretch>
             <a:fillRect/>
           </a:stretch>
         </p:blipFill>
         <p:spPr>
           <a:xfrm>
-            <a:off x="226290" y="1874520"/>
-            <a:ext cx="1395153" cy="914400"/>
+            <a:off x="2162670" y="1200713"/>
+            <a:ext cx="4717061" cy="4730894"/>
           </a:xfrm>
           <a:prstGeom prst="rect">
             <a:avLst/>
           </a:prstGeom>
         </p:spPr>
       </p:pic>
-      <p:sp>
-        <p:nvSpPr>
-          <p:cNvPr id="6" name="TextBox 5"/>
-          <p:cNvSpPr txBox="1"/>
-          <p:nvPr/>
-        </p:nvSpPr>
-        <p:spPr>
-          <a:xfrm>
-            <a:off x="226290" y="2834640"/>
-            <a:ext cx="1395153" cy="369332"/>
-          </a:xfrm>
-          <a:prstGeom prst="rect">
-            <a:avLst/>
-          </a:prstGeom>
-          <a:noFill/>
-        </p:spPr>
-        <p:txBody>
-          <a:bodyPr wrap="square">
-            <a:spAutoFit/>
-          </a:bodyPr>
-          <a:lstStyle/>
-          <a:p>
-            <a:r>
-              <a:t>로그인</a:t>
-            </a:r>
-          </a:p>
-        </p:txBody>
-      </p:sp>
-      <p:pic>
-        <p:nvPicPr>
-          <p:cNvPr id="7" name="Picture 6" descr="inventory.png"/>
-          <p:cNvPicPr>
-            <a:picLocks noChangeAspect="1"/>
-          </p:cNvPicPr>
-          <p:nvPr/>
-        </p:nvPicPr>
-        <p:blipFill>
-          <a:blip r:embed="rId4"/>
-          <a:stretch>
-            <a:fillRect/>
-          </a:stretch>
-        </p:blipFill>
-        <p:spPr>
-          <a:xfrm>
-            <a:off x="1661622" y="1874520"/>
-            <a:ext cx="1395153" cy="914400"/>
-          </a:xfrm>
-          <a:prstGeom prst="rect">
-            <a:avLst/>
-          </a:prstGeom>
-        </p:spPr>
-      </p:pic>
-      <p:sp>
-        <p:nvSpPr>
-          <p:cNvPr id="8" name="TextBox 7"/>
-          <p:cNvSpPr txBox="1"/>
-          <p:nvPr/>
-        </p:nvSpPr>
-        <p:spPr>
-          <a:xfrm>
-            <a:off x="1661622" y="2834640"/>
-            <a:ext cx="1395153" cy="369332"/>
-          </a:xfrm>
-          <a:prstGeom prst="rect">
-            <a:avLst/>
-          </a:prstGeom>
-          <a:noFill/>
-        </p:spPr>
-        <p:txBody>
-          <a:bodyPr wrap="square">
-            <a:spAutoFit/>
-          </a:bodyPr>
-          <a:lstStyle/>
-          <a:p>
-            <a:r>
-              <a:t>상품 목록</a:t>
-            </a:r>
-          </a:p>
-        </p:txBody>
-      </p:sp>
-      <p:pic>
-        <p:nvPicPr>
-          <p:cNvPr id="9" name="Picture 8" descr="item detail.png"/>
-          <p:cNvPicPr>
-            <a:picLocks noChangeAspect="1"/>
-          </p:cNvPicPr>
-          <p:nvPr/>
-        </p:nvPicPr>
-        <p:blipFill>
-          <a:blip r:embed="rId5"/>
-          <a:stretch>
-            <a:fillRect/>
-          </a:stretch>
-        </p:blipFill>
-        <p:spPr>
-          <a:xfrm>
-            <a:off x="3181465" y="1874520"/>
-            <a:ext cx="1395153" cy="914400"/>
-          </a:xfrm>
-          <a:prstGeom prst="rect">
-            <a:avLst/>
-          </a:prstGeom>
-        </p:spPr>
-      </p:pic>
-      <p:sp>
-        <p:nvSpPr>
-          <p:cNvPr id="10" name="TextBox 9"/>
-          <p:cNvSpPr txBox="1"/>
-          <p:nvPr/>
-        </p:nvSpPr>
-        <p:spPr>
-          <a:xfrm>
-            <a:off x="3181465" y="2834640"/>
-            <a:ext cx="1395153" cy="369332"/>
-          </a:xfrm>
-          <a:prstGeom prst="rect">
-            <a:avLst/>
-          </a:prstGeom>
-          <a:noFill/>
-        </p:spPr>
-        <p:txBody>
-          <a:bodyPr wrap="square">
-            <a:spAutoFit/>
-          </a:bodyPr>
-          <a:lstStyle/>
-          <a:p>
-            <a:r>
-              <a:t>Detail</a:t>
-            </a:r>
-          </a:p>
-        </p:txBody>
-      </p:sp>
-      <p:pic>
-        <p:nvPicPr>
-          <p:cNvPr id="11" name="Picture 10" descr="cart.png"/>
-          <p:cNvPicPr>
-            <a:picLocks noChangeAspect="1"/>
-          </p:cNvPicPr>
-          <p:nvPr/>
-        </p:nvPicPr>
-        <p:blipFill>
-          <a:blip r:embed="rId6"/>
-          <a:stretch>
-            <a:fillRect/>
-          </a:stretch>
-        </p:blipFill>
-        <p:spPr>
-          <a:xfrm>
-            <a:off x="4701309" y="1874520"/>
-            <a:ext cx="1395153" cy="914400"/>
-          </a:xfrm>
-          <a:prstGeom prst="rect">
-            <a:avLst/>
-          </a:prstGeom>
-        </p:spPr>
-      </p:pic>
-      <p:sp>
-        <p:nvSpPr>
-          <p:cNvPr id="12" name="TextBox 11"/>
-          <p:cNvSpPr txBox="1"/>
-          <p:nvPr/>
-        </p:nvSpPr>
-        <p:spPr>
-          <a:xfrm>
-            <a:off x="4701309" y="2834640"/>
-            <a:ext cx="1395153" cy="369332"/>
-          </a:xfrm>
-          <a:prstGeom prst="rect">
-            <a:avLst/>
-          </a:prstGeom>
-          <a:noFill/>
-        </p:spPr>
-        <p:txBody>
-          <a:bodyPr wrap="square">
-            <a:spAutoFit/>
-          </a:bodyPr>
-          <a:lstStyle/>
-          <a:p>
-            <a:r>
-              <a:t>장바구니</a:t>
-            </a:r>
-          </a:p>
-        </p:txBody>
-      </p:sp>
-      <p:pic>
-        <p:nvPicPr>
-          <p:cNvPr id="13" name="Picture 12" descr="checkout_info.png"/>
-          <p:cNvPicPr>
-            <a:picLocks noChangeAspect="1"/>
-          </p:cNvPicPr>
-          <p:nvPr/>
-        </p:nvPicPr>
-        <p:blipFill>
-          <a:blip r:embed="rId7"/>
-          <a:stretch>
-            <a:fillRect/>
-          </a:stretch>
-        </p:blipFill>
-        <p:spPr>
-          <a:xfrm>
-            <a:off x="6221153" y="1874520"/>
-            <a:ext cx="1395153" cy="914400"/>
-          </a:xfrm>
-          <a:prstGeom prst="rect">
-            <a:avLst/>
-          </a:prstGeom>
-        </p:spPr>
-      </p:pic>
-      <p:sp>
-        <p:nvSpPr>
-          <p:cNvPr id="14" name="TextBox 13"/>
-          <p:cNvSpPr txBox="1"/>
-          <p:nvPr/>
-        </p:nvSpPr>
-        <p:spPr>
-          <a:xfrm>
-            <a:off x="6221153" y="2834640"/>
-            <a:ext cx="1395153" cy="369332"/>
-          </a:xfrm>
-          <a:prstGeom prst="rect">
-            <a:avLst/>
-          </a:prstGeom>
-          <a:noFill/>
-        </p:spPr>
-        <p:txBody>
-          <a:bodyPr wrap="square">
-            <a:spAutoFit/>
-          </a:bodyPr>
-          <a:lstStyle/>
-          <a:p>
-            <a:r>
-              <a:t>체크아웃</a:t>
-            </a:r>
-          </a:p>
-        </p:txBody>
-      </p:sp>
-      <p:pic>
-        <p:nvPicPr>
-          <p:cNvPr id="15" name="Picture 14" descr="checkout_complete.png"/>
-          <p:cNvPicPr>
-            <a:picLocks noChangeAspect="1"/>
-          </p:cNvPicPr>
-          <p:nvPr/>
-        </p:nvPicPr>
-        <p:blipFill>
-          <a:blip r:embed="rId8"/>
-          <a:stretch>
-            <a:fillRect/>
-          </a:stretch>
-        </p:blipFill>
-        <p:spPr>
-          <a:xfrm>
-            <a:off x="7674955" y="1920240"/>
-            <a:ext cx="1395153" cy="914400"/>
-          </a:xfrm>
-          <a:prstGeom prst="rect">
-            <a:avLst/>
-          </a:prstGeom>
-        </p:spPr>
-      </p:pic>
-      <p:sp>
-        <p:nvSpPr>
-          <p:cNvPr id="16" name="TextBox 15"/>
-          <p:cNvSpPr txBox="1"/>
-          <p:nvPr/>
-        </p:nvSpPr>
-        <p:spPr>
-          <a:xfrm>
-            <a:off x="7674955" y="2880360"/>
-            <a:ext cx="1395153" cy="646331"/>
-          </a:xfrm>
-          <a:prstGeom prst="rect">
-            <a:avLst/>
-          </a:prstGeom>
-          <a:noFill/>
-        </p:spPr>
-        <p:txBody>
-          <a:bodyPr wrap="square">
-            <a:spAutoFit/>
-          </a:bodyPr>
-          <a:lstStyle/>
-          <a:p>
-            <a:r>
-              <a:t>주문 완료 페이지</a:t>
-            </a:r>
-          </a:p>
-        </p:txBody>
-      </p:sp>
-      <p:cxnSp>
-        <p:nvCxnSpPr>
-          <p:cNvPr id="17" name="Connector 16"/>
-          <p:cNvCxnSpPr/>
-          <p:nvPr/>
-        </p:nvCxnSpPr>
-        <p:spPr>
-          <a:xfrm>
-            <a:off x="2468880" y="0"/>
-            <a:ext cx="411480" cy="0"/>
-          </a:xfrm>
-          <a:prstGeom prst="line">
-            <a:avLst/>
-          </a:prstGeom>
-          <a:ln w="25400">
-            <a:solidFill>
-              <a:srgbClr val="3C3C3C"/>
-            </a:solidFill>
-          </a:ln>
-        </p:spPr>
-        <p:style>
-          <a:lnRef idx="2">
-            <a:schemeClr val="accent1"/>
-          </a:lnRef>
-          <a:fillRef idx="0">
-            <a:schemeClr val="accent1"/>
-          </a:fillRef>
-          <a:effectRef idx="1">
-            <a:schemeClr val="accent1"/>
-          </a:effectRef>
-          <a:fontRef idx="minor">
-            <a:schemeClr val="tx1"/>
-          </a:fontRef>
-        </p:style>
-      </p:cxnSp>
-      <p:cxnSp>
-        <p:nvCxnSpPr>
-          <p:cNvPr id="18" name="Connector 17"/>
-          <p:cNvCxnSpPr/>
-          <p:nvPr/>
-        </p:nvCxnSpPr>
-        <p:spPr>
-          <a:xfrm>
-            <a:off x="4434840" y="0"/>
-            <a:ext cx="411480" cy="0"/>
-          </a:xfrm>
-          <a:prstGeom prst="line">
-            <a:avLst/>
-          </a:prstGeom>
-          <a:ln w="25400">
-            <a:solidFill>
-              <a:srgbClr val="3C3C3C"/>
-            </a:solidFill>
-          </a:ln>
-        </p:spPr>
-        <p:style>
-          <a:lnRef idx="2">
-            <a:schemeClr val="accent1"/>
-          </a:lnRef>
-          <a:fillRef idx="0">
-            <a:schemeClr val="accent1"/>
-          </a:fillRef>
-          <a:effectRef idx="1">
-            <a:schemeClr val="accent1"/>
-          </a:effectRef>
-          <a:fontRef idx="minor">
-            <a:schemeClr val="tx1"/>
-          </a:fontRef>
-        </p:style>
-      </p:cxnSp>
-      <p:cxnSp>
-        <p:nvCxnSpPr>
-          <p:cNvPr id="19" name="Connector 18"/>
-          <p:cNvCxnSpPr/>
-          <p:nvPr/>
-        </p:nvCxnSpPr>
-        <p:spPr>
-          <a:xfrm>
-            <a:off x="6400800" y="0"/>
-            <a:ext cx="411480" cy="0"/>
-          </a:xfrm>
-          <a:prstGeom prst="line">
-            <a:avLst/>
-          </a:prstGeom>
-          <a:ln w="25400">
-            <a:solidFill>
-              <a:srgbClr val="3C3C3C"/>
-            </a:solidFill>
-          </a:ln>
-        </p:spPr>
-        <p:style>
-          <a:lnRef idx="2">
-            <a:schemeClr val="accent1"/>
-          </a:lnRef>
-          <a:fillRef idx="0">
-            <a:schemeClr val="accent1"/>
-          </a:fillRef>
-          <a:effectRef idx="1">
-            <a:schemeClr val="accent1"/>
-          </a:effectRef>
-          <a:fontRef idx="minor">
-            <a:schemeClr val="tx1"/>
-          </a:fontRef>
-        </p:style>
-      </p:cxnSp>
-      <p:cxnSp>
-        <p:nvCxnSpPr>
-          <p:cNvPr id="20" name="Connector 19"/>
-          <p:cNvCxnSpPr/>
-          <p:nvPr/>
-        </p:nvCxnSpPr>
-        <p:spPr>
-          <a:xfrm>
-            <a:off x="8366760" y="0"/>
-            <a:ext cx="411480" cy="0"/>
-          </a:xfrm>
-          <a:prstGeom prst="line">
-            <a:avLst/>
-          </a:prstGeom>
-          <a:ln w="25400">
-            <a:solidFill>
-              <a:srgbClr val="3C3C3C"/>
-            </a:solidFill>
-          </a:ln>
-        </p:spPr>
-        <p:style>
-          <a:lnRef idx="2">
-            <a:schemeClr val="accent1"/>
-          </a:lnRef>
-          <a:fillRef idx="0">
-            <a:schemeClr val="accent1"/>
-          </a:fillRef>
-          <a:effectRef idx="1">
-            <a:schemeClr val="accent1"/>
-          </a:effectRef>
-          <a:fontRef idx="minor">
-            <a:schemeClr val="tx1"/>
-          </a:fontRef>
-        </p:style>
-      </p:cxnSp>
-      <p:cxnSp>
-        <p:nvCxnSpPr>
-          <p:cNvPr id="21" name="Connector 20"/>
-          <p:cNvCxnSpPr/>
-          <p:nvPr/>
-        </p:nvCxnSpPr>
-        <p:spPr>
-          <a:xfrm>
-            <a:off x="10332720" y="0"/>
-            <a:ext cx="411480" cy="0"/>
-          </a:xfrm>
-          <a:prstGeom prst="line">
-            <a:avLst/>
-          </a:prstGeom>
-          <a:ln w="25400">
-            <a:solidFill>
-              <a:srgbClr val="3C3C3C"/>
-            </a:solidFill>
-          </a:ln>
-        </p:spPr>
-        <p:style>
-          <a:lnRef idx="2">
-            <a:schemeClr val="accent1"/>
-          </a:lnRef>
-          <a:fillRef idx="0">
-            <a:schemeClr val="accent1"/>
-          </a:fillRef>
-          <a:effectRef idx="1">
-            <a:schemeClr val="accent1"/>
-          </a:effectRef>
-          <a:fontRef idx="minor">
-            <a:schemeClr val="tx1"/>
-          </a:fontRef>
-        </p:style>
-      </p:cxnSp>
     </p:spTree>
   </p:cSld>
   <p:clrMapOvr>
@@ -4838,30 +4608,6 @@
           <a:chExt cx="0" cy="0"/>
         </a:xfrm>
       </p:grpSpPr>
-      <p:pic>
-        <p:nvPicPr>
-          <p:cNvPr id="2" name="Picture 1" descr="gradient_bg.png"/>
-          <p:cNvPicPr>
-            <a:picLocks noChangeAspect="1"/>
-          </p:cNvPicPr>
-          <p:nvPr/>
-        </p:nvPicPr>
-        <p:blipFill>
-          <a:blip r:embed="rId2"/>
-          <a:stretch>
-            <a:fillRect/>
-          </a:stretch>
-        </p:blipFill>
-        <p:spPr>
-          <a:xfrm>
-            <a:off x="0" y="0"/>
-            <a:ext cx="9144000" cy="6858000"/>
-          </a:xfrm>
-          <a:prstGeom prst="rect">
-            <a:avLst/>
-          </a:prstGeom>
-        </p:spPr>
-      </p:pic>
       <p:sp>
         <p:nvSpPr>
           <p:cNvPr id="3" name="TextBox 2"/>
@@ -4885,149 +4631,21 @@
           <a:lstStyle/>
           <a:p>
             <a:r>
-              <a:t>TC‑001 로그인 Success</a:t>
-            </a:r>
-          </a:p>
-        </p:txBody>
-      </p:sp>
-      <p:sp>
-        <p:nvSpPr>
-          <p:cNvPr id="6" name="TextBox 5"/>
-          <p:cNvSpPr txBox="1"/>
-          <p:nvPr/>
-        </p:nvSpPr>
-        <p:spPr>
-          <a:xfrm>
-            <a:off x="822960" y="5669280"/>
-            <a:ext cx="10789920" cy="861774"/>
-          </a:xfrm>
-          <a:prstGeom prst="rect">
-            <a:avLst/>
-          </a:prstGeom>
-          <a:noFill/>
-        </p:spPr>
-        <p:txBody>
-          <a:bodyPr wrap="square">
-            <a:spAutoFit/>
-          </a:bodyPr>
-          <a:lstStyle/>
-          <a:p>
-            <a:pPr lvl="0" defTabSz="914400" eaLnBrk="0" fontAlgn="base" hangingPunct="0">
-              <a:spcBef>
-                <a:spcPct val="0"/>
-              </a:spcBef>
-              <a:spcAft>
-                <a:spcPct val="0"/>
-              </a:spcAft>
-              <a:buFontTx/>
-              <a:buChar char="•"/>
-            </a:pPr>
-            <a:r>
-              <a:rPr lang="ko-KR" altLang="ko-KR" sz="1600" b="1" dirty="0">
-                <a:latin typeface="Arial" panose="020B0604020202020204" pitchFamily="34" charset="0"/>
-              </a:rPr>
-              <a:t>목적:</a:t>
-            </a:r>
-            <a:r>
-              <a:rPr lang="ko-KR" altLang="ko-KR" sz="1600" dirty="0">
-                <a:latin typeface="Arial" panose="020B0604020202020204" pitchFamily="34" charset="0"/>
-              </a:rPr>
-              <a:t> 정상 계정 로그인 가능 여부 확인</a:t>
-            </a:r>
-          </a:p>
-          <a:p>
-            <a:pPr lvl="0" defTabSz="914400" eaLnBrk="0" fontAlgn="base" hangingPunct="0">
-              <a:spcBef>
-                <a:spcPct val="0"/>
-              </a:spcBef>
-              <a:spcAft>
-                <a:spcPct val="0"/>
-              </a:spcAft>
-              <a:buFontTx/>
-              <a:buChar char="•"/>
-            </a:pPr>
-            <a:r>
-              <a:rPr lang="ko-KR" altLang="ko-KR" sz="1600" b="1" dirty="0">
-                <a:latin typeface="Arial" panose="020B0604020202020204" pitchFamily="34" charset="0"/>
-              </a:rPr>
-              <a:t>절차:</a:t>
-            </a:r>
-            <a:r>
-              <a:rPr lang="ko-KR" altLang="ko-KR" sz="1600" dirty="0">
-                <a:latin typeface="Arial" panose="020B0604020202020204" pitchFamily="34" charset="0"/>
-              </a:rPr>
-              <a:t> </a:t>
-            </a:r>
-            <a:r>
-              <a:rPr lang="ko-KR" altLang="ko-KR" sz="1600" dirty="0" err="1">
-                <a:latin typeface="Arial Unicode MS"/>
-              </a:rPr>
-              <a:t>standard_user</a:t>
-            </a:r>
-            <a:r>
-              <a:rPr lang="ko-KR" altLang="ko-KR" sz="1050" dirty="0"/>
-              <a:t> / </a:t>
-            </a:r>
-            <a:r>
-              <a:rPr lang="ko-KR" altLang="ko-KR" sz="1600" dirty="0" err="1">
-                <a:latin typeface="Arial Unicode MS"/>
-              </a:rPr>
-              <a:t>secret_sauce</a:t>
-            </a:r>
-            <a:r>
-              <a:rPr lang="ko-KR" altLang="ko-KR" sz="1050" dirty="0"/>
-              <a:t> </a:t>
-            </a:r>
-            <a:r>
-              <a:rPr lang="ko-KR" altLang="ko-KR" sz="1600" dirty="0"/>
-              <a:t>입력 → 로그인</a:t>
-            </a:r>
-            <a:endParaRPr lang="ko-KR" altLang="ko-KR" sz="3600" dirty="0">
-              <a:latin typeface="Arial" panose="020B0604020202020204" pitchFamily="34" charset="0"/>
-            </a:endParaRPr>
-          </a:p>
-          <a:p>
-            <a:pPr lvl="0" defTabSz="914400" eaLnBrk="0" fontAlgn="base" hangingPunct="0">
-              <a:spcBef>
-                <a:spcPct val="0"/>
-              </a:spcBef>
-              <a:spcAft>
-                <a:spcPct val="0"/>
-              </a:spcAft>
-              <a:buFontTx/>
-              <a:buChar char="•"/>
-            </a:pPr>
-            <a:r>
-              <a:rPr lang="ko-KR" altLang="ko-KR" sz="1600" b="1" dirty="0">
-                <a:latin typeface="Arial" panose="020B0604020202020204" pitchFamily="34" charset="0"/>
-              </a:rPr>
-              <a:t>기대 결과:</a:t>
-            </a:r>
-            <a:r>
-              <a:rPr lang="ko-KR" altLang="ko-KR" sz="1600" dirty="0">
-                <a:latin typeface="Arial" panose="020B0604020202020204" pitchFamily="34" charset="0"/>
-              </a:rPr>
-              <a:t> 상품 목록 페이지(Products) 로딩</a:t>
-            </a:r>
-          </a:p>
-        </p:txBody>
-      </p:sp>
-      <p:sp>
-        <p:nvSpPr>
-          <p:cNvPr id="7" name="Rounded Rectangle 3">
-            <a:extLst>
-              <a:ext uri="{FF2B5EF4-FFF2-40B4-BE49-F238E27FC236}">
-                <a16:creationId xmlns:a16="http://schemas.microsoft.com/office/drawing/2014/main" id="{2CF45290-2357-07ED-8E46-2AEB56CD7101}"/>
-              </a:ext>
-            </a:extLst>
-          </p:cNvPr>
+              <a:t>6. User Flow with UI Thumbnails</a:t>
+            </a:r>
+          </a:p>
+        </p:txBody>
+      </p:sp>
+      <p:sp>
+        <p:nvSpPr>
+          <p:cNvPr id="4" name="Rounded Rectangle 3"/>
           <p:cNvSpPr/>
           <p:nvPr/>
         </p:nvSpPr>
         <p:spPr>
           <a:xfrm>
-            <a:off x="393931" y="766618"/>
-            <a:ext cx="8356138" cy="4756727"/>
+            <a:off x="36948" y="894080"/>
+            <a:ext cx="9070108" cy="4937760"/>
           </a:xfrm>
           <a:prstGeom prst="roundRect">
             <a:avLst/>
@@ -5064,12 +4682,360 @@
           </a:p>
         </p:txBody>
       </p:sp>
+      <p:sp>
+        <p:nvSpPr>
+          <p:cNvPr id="6" name="TextBox 5"/>
+          <p:cNvSpPr txBox="1"/>
+          <p:nvPr/>
+        </p:nvSpPr>
+        <p:spPr>
+          <a:xfrm>
+            <a:off x="226290" y="2834640"/>
+            <a:ext cx="1395153" cy="369332"/>
+          </a:xfrm>
+          <a:prstGeom prst="rect">
+            <a:avLst/>
+          </a:prstGeom>
+          <a:noFill/>
+        </p:spPr>
+        <p:txBody>
+          <a:bodyPr wrap="square">
+            <a:spAutoFit/>
+          </a:bodyPr>
+          <a:lstStyle/>
+          <a:p>
+            <a:r>
+              <a:t>로그인</a:t>
+            </a:r>
+          </a:p>
+        </p:txBody>
+      </p:sp>
+      <p:sp>
+        <p:nvSpPr>
+          <p:cNvPr id="8" name="TextBox 7"/>
+          <p:cNvSpPr txBox="1"/>
+          <p:nvPr/>
+        </p:nvSpPr>
+        <p:spPr>
+          <a:xfrm>
+            <a:off x="1661622" y="2834640"/>
+            <a:ext cx="1395153" cy="369332"/>
+          </a:xfrm>
+          <a:prstGeom prst="rect">
+            <a:avLst/>
+          </a:prstGeom>
+          <a:noFill/>
+        </p:spPr>
+        <p:txBody>
+          <a:bodyPr wrap="square">
+            <a:spAutoFit/>
+          </a:bodyPr>
+          <a:lstStyle/>
+          <a:p>
+            <a:r>
+              <a:rPr lang="ko-KR" altLang="en-US" dirty="0"/>
+              <a:t>베이스</a:t>
+            </a:r>
+            <a:endParaRPr dirty="0"/>
+          </a:p>
+        </p:txBody>
+      </p:sp>
+      <p:sp>
+        <p:nvSpPr>
+          <p:cNvPr id="10" name="TextBox 9"/>
+          <p:cNvSpPr txBox="1"/>
+          <p:nvPr/>
+        </p:nvSpPr>
+        <p:spPr>
+          <a:xfrm>
+            <a:off x="3181465" y="2834640"/>
+            <a:ext cx="1395153" cy="369332"/>
+          </a:xfrm>
+          <a:prstGeom prst="rect">
+            <a:avLst/>
+          </a:prstGeom>
+          <a:noFill/>
+        </p:spPr>
+        <p:txBody>
+          <a:bodyPr wrap="square">
+            <a:spAutoFit/>
+          </a:bodyPr>
+          <a:lstStyle/>
+          <a:p>
+            <a:r>
+              <a:rPr lang="ko-KR" altLang="en-US" dirty="0"/>
+              <a:t>장바구니</a:t>
+            </a:r>
+            <a:endParaRPr dirty="0"/>
+          </a:p>
+        </p:txBody>
+      </p:sp>
+      <p:sp>
+        <p:nvSpPr>
+          <p:cNvPr id="14" name="TextBox 13"/>
+          <p:cNvSpPr txBox="1"/>
+          <p:nvPr/>
+        </p:nvSpPr>
+        <p:spPr>
+          <a:xfrm>
+            <a:off x="6457767" y="2834640"/>
+            <a:ext cx="1395153" cy="369332"/>
+          </a:xfrm>
+          <a:prstGeom prst="rect">
+            <a:avLst/>
+          </a:prstGeom>
+          <a:noFill/>
+        </p:spPr>
+        <p:txBody>
+          <a:bodyPr wrap="square">
+            <a:spAutoFit/>
+          </a:bodyPr>
+          <a:lstStyle/>
+          <a:p>
+            <a:r>
+              <a:t>체크아웃</a:t>
+            </a:r>
+          </a:p>
+        </p:txBody>
+      </p:sp>
+      <p:sp>
+        <p:nvSpPr>
+          <p:cNvPr id="16" name="TextBox 15"/>
+          <p:cNvSpPr txBox="1"/>
+          <p:nvPr/>
+        </p:nvSpPr>
+        <p:spPr>
+          <a:xfrm>
+            <a:off x="7874923" y="2833255"/>
+            <a:ext cx="1395153" cy="646331"/>
+          </a:xfrm>
+          <a:prstGeom prst="rect">
+            <a:avLst/>
+          </a:prstGeom>
+          <a:noFill/>
+        </p:spPr>
+        <p:txBody>
+          <a:bodyPr wrap="square">
+            <a:spAutoFit/>
+          </a:bodyPr>
+          <a:lstStyle/>
+          <a:p>
+            <a:r>
+              <a:t>주문 완료 페이지</a:t>
+            </a:r>
+          </a:p>
+        </p:txBody>
+      </p:sp>
+      <p:cxnSp>
+        <p:nvCxnSpPr>
+          <p:cNvPr id="17" name="Connector 16"/>
+          <p:cNvCxnSpPr/>
+          <p:nvPr/>
+        </p:nvCxnSpPr>
+        <p:spPr>
+          <a:xfrm>
+            <a:off x="2468880" y="0"/>
+            <a:ext cx="411480" cy="0"/>
+          </a:xfrm>
+          <a:prstGeom prst="line">
+            <a:avLst/>
+          </a:prstGeom>
+          <a:ln w="25400">
+            <a:solidFill>
+              <a:srgbClr val="3C3C3C"/>
+            </a:solidFill>
+          </a:ln>
+        </p:spPr>
+        <p:style>
+          <a:lnRef idx="2">
+            <a:schemeClr val="accent1"/>
+          </a:lnRef>
+          <a:fillRef idx="0">
+            <a:schemeClr val="accent1"/>
+          </a:fillRef>
+          <a:effectRef idx="1">
+            <a:schemeClr val="accent1"/>
+          </a:effectRef>
+          <a:fontRef idx="minor">
+            <a:schemeClr val="tx1"/>
+          </a:fontRef>
+        </p:style>
+      </p:cxnSp>
+      <p:cxnSp>
+        <p:nvCxnSpPr>
+          <p:cNvPr id="18" name="Connector 17"/>
+          <p:cNvCxnSpPr/>
+          <p:nvPr/>
+        </p:nvCxnSpPr>
+        <p:spPr>
+          <a:xfrm>
+            <a:off x="4434840" y="0"/>
+            <a:ext cx="411480" cy="0"/>
+          </a:xfrm>
+          <a:prstGeom prst="line">
+            <a:avLst/>
+          </a:prstGeom>
+          <a:ln w="25400">
+            <a:solidFill>
+              <a:srgbClr val="3C3C3C"/>
+            </a:solidFill>
+          </a:ln>
+        </p:spPr>
+        <p:style>
+          <a:lnRef idx="2">
+            <a:schemeClr val="accent1"/>
+          </a:lnRef>
+          <a:fillRef idx="0">
+            <a:schemeClr val="accent1"/>
+          </a:fillRef>
+          <a:effectRef idx="1">
+            <a:schemeClr val="accent1"/>
+          </a:effectRef>
+          <a:fontRef idx="minor">
+            <a:schemeClr val="tx1"/>
+          </a:fontRef>
+        </p:style>
+      </p:cxnSp>
+      <p:cxnSp>
+        <p:nvCxnSpPr>
+          <p:cNvPr id="19" name="Connector 18"/>
+          <p:cNvCxnSpPr/>
+          <p:nvPr/>
+        </p:nvCxnSpPr>
+        <p:spPr>
+          <a:xfrm>
+            <a:off x="6400800" y="0"/>
+            <a:ext cx="411480" cy="0"/>
+          </a:xfrm>
+          <a:prstGeom prst="line">
+            <a:avLst/>
+          </a:prstGeom>
+          <a:ln w="25400">
+            <a:solidFill>
+              <a:srgbClr val="3C3C3C"/>
+            </a:solidFill>
+          </a:ln>
+        </p:spPr>
+        <p:style>
+          <a:lnRef idx="2">
+            <a:schemeClr val="accent1"/>
+          </a:lnRef>
+          <a:fillRef idx="0">
+            <a:schemeClr val="accent1"/>
+          </a:fillRef>
+          <a:effectRef idx="1">
+            <a:schemeClr val="accent1"/>
+          </a:effectRef>
+          <a:fontRef idx="minor">
+            <a:schemeClr val="tx1"/>
+          </a:fontRef>
+        </p:style>
+      </p:cxnSp>
+      <p:cxnSp>
+        <p:nvCxnSpPr>
+          <p:cNvPr id="20" name="Connector 19"/>
+          <p:cNvCxnSpPr/>
+          <p:nvPr/>
+        </p:nvCxnSpPr>
+        <p:spPr>
+          <a:xfrm>
+            <a:off x="8366760" y="0"/>
+            <a:ext cx="411480" cy="0"/>
+          </a:xfrm>
+          <a:prstGeom prst="line">
+            <a:avLst/>
+          </a:prstGeom>
+          <a:ln w="25400">
+            <a:solidFill>
+              <a:srgbClr val="3C3C3C"/>
+            </a:solidFill>
+          </a:ln>
+        </p:spPr>
+        <p:style>
+          <a:lnRef idx="2">
+            <a:schemeClr val="accent1"/>
+          </a:lnRef>
+          <a:fillRef idx="0">
+            <a:schemeClr val="accent1"/>
+          </a:fillRef>
+          <a:effectRef idx="1">
+            <a:schemeClr val="accent1"/>
+          </a:effectRef>
+          <a:fontRef idx="minor">
+            <a:schemeClr val="tx1"/>
+          </a:fontRef>
+        </p:style>
+      </p:cxnSp>
+      <p:cxnSp>
+        <p:nvCxnSpPr>
+          <p:cNvPr id="21" name="Connector 20"/>
+          <p:cNvCxnSpPr/>
+          <p:nvPr/>
+        </p:nvCxnSpPr>
+        <p:spPr>
+          <a:xfrm>
+            <a:off x="10332720" y="0"/>
+            <a:ext cx="411480" cy="0"/>
+          </a:xfrm>
+          <a:prstGeom prst="line">
+            <a:avLst/>
+          </a:prstGeom>
+          <a:ln w="25400">
+            <a:solidFill>
+              <a:srgbClr val="3C3C3C"/>
+            </a:solidFill>
+          </a:ln>
+        </p:spPr>
+        <p:style>
+          <a:lnRef idx="2">
+            <a:schemeClr val="accent1"/>
+          </a:lnRef>
+          <a:fillRef idx="0">
+            <a:schemeClr val="accent1"/>
+          </a:fillRef>
+          <a:effectRef idx="1">
+            <a:schemeClr val="accent1"/>
+          </a:effectRef>
+          <a:fontRef idx="minor">
+            <a:schemeClr val="tx1"/>
+          </a:fontRef>
+        </p:style>
+      </p:cxnSp>
       <p:pic>
         <p:nvPicPr>
-          <p:cNvPr id="8" name="Picture 4" descr="login.png">
+          <p:cNvPr id="23" name="그림 22" descr="텍스트, 스크린샷, 폰트이(가) 표시된 사진&#10;&#10;AI가 생성한 콘텐츠는 부정확할 수 있습니다.">
             <a:extLst>
               <a:ext uri="{FF2B5EF4-FFF2-40B4-BE49-F238E27FC236}">
-                <a16:creationId xmlns:a16="http://schemas.microsoft.com/office/drawing/2014/main" id="{F256E703-EB40-6720-FA9A-FDDA563F7651}"/>
+                <a16:creationId xmlns:a16="http://schemas.microsoft.com/office/drawing/2014/main" id="{9194D88F-7911-802E-2251-FD1076E7BD1E}"/>
+              </a:ext>
+            </a:extLst>
+          </p:cNvPr>
+          <p:cNvPicPr>
+            <a:picLocks noChangeAspect="1"/>
+          </p:cNvPicPr>
+          <p:nvPr/>
+        </p:nvPicPr>
+        <p:blipFill>
+          <a:blip r:embed="rId2"/>
+          <a:srcRect l="24343" r="38586" b="7718"/>
+          <a:stretch/>
+        </p:blipFill>
+        <p:spPr>
+          <a:xfrm>
+            <a:off x="115515" y="1702525"/>
+            <a:ext cx="1616701" cy="1132115"/>
+          </a:xfrm>
+          <a:prstGeom prst="rect">
+            <a:avLst/>
+          </a:prstGeom>
+        </p:spPr>
+      </p:pic>
+      <p:pic>
+        <p:nvPicPr>
+          <p:cNvPr id="25" name="그림 24" descr="텍스트, 포유류, 고양이이(가) 표시된 사진&#10;&#10;AI가 생성한 콘텐츠는 부정확할 수 있습니다.">
+            <a:extLst>
+              <a:ext uri="{FF2B5EF4-FFF2-40B4-BE49-F238E27FC236}">
+                <a16:creationId xmlns:a16="http://schemas.microsoft.com/office/drawing/2014/main" id="{2741C151-DE47-9EC4-3C07-EBBF3B559D1E}"/>
               </a:ext>
             </a:extLst>
           </p:cNvPr>
@@ -5086,8 +5052,96 @@
         </p:blipFill>
         <p:spPr>
           <a:xfrm>
-            <a:off x="1463027" y="1041861"/>
-            <a:ext cx="5680988" cy="4206240"/>
+            <a:off x="1790865" y="1589677"/>
+            <a:ext cx="1199868" cy="1290683"/>
+          </a:xfrm>
+          <a:prstGeom prst="rect">
+            <a:avLst/>
+          </a:prstGeom>
+        </p:spPr>
+      </p:pic>
+      <p:pic>
+        <p:nvPicPr>
+          <p:cNvPr id="27" name="그림 26" descr="텍스트, 스크린샷, 소프트웨어, 웹 페이지이(가) 표시된 사진&#10;&#10;AI가 생성한 콘텐츠는 부정확할 수 있습니다.">
+            <a:extLst>
+              <a:ext uri="{FF2B5EF4-FFF2-40B4-BE49-F238E27FC236}">
+                <a16:creationId xmlns:a16="http://schemas.microsoft.com/office/drawing/2014/main" id="{842D0EEC-3E7F-EFBA-D357-D72C6D9DB47D}"/>
+              </a:ext>
+            </a:extLst>
+          </p:cNvPr>
+          <p:cNvPicPr>
+            <a:picLocks noChangeAspect="1"/>
+          </p:cNvPicPr>
+          <p:nvPr/>
+        </p:nvPicPr>
+        <p:blipFill>
+          <a:blip r:embed="rId4"/>
+          <a:srcRect r="11583" b="9449"/>
+          <a:stretch/>
+        </p:blipFill>
+        <p:spPr>
+          <a:xfrm>
+            <a:off x="3056775" y="1690945"/>
+            <a:ext cx="3112339" cy="1080173"/>
+          </a:xfrm>
+          <a:prstGeom prst="rect">
+            <a:avLst/>
+          </a:prstGeom>
+        </p:spPr>
+      </p:pic>
+      <p:pic>
+        <p:nvPicPr>
+          <p:cNvPr id="29" name="그림 28" descr="텍스트, 스크린샷, 번호, 폰트이(가) 표시된 사진&#10;&#10;AI가 생성한 콘텐츠는 부정확할 수 있습니다.">
+            <a:extLst>
+              <a:ext uri="{FF2B5EF4-FFF2-40B4-BE49-F238E27FC236}">
+                <a16:creationId xmlns:a16="http://schemas.microsoft.com/office/drawing/2014/main" id="{969737CC-2C99-2905-E49D-EF710D42FC9E}"/>
+              </a:ext>
+            </a:extLst>
+          </p:cNvPr>
+          <p:cNvPicPr>
+            <a:picLocks noChangeAspect="1"/>
+          </p:cNvPicPr>
+          <p:nvPr/>
+        </p:nvPicPr>
+        <p:blipFill>
+          <a:blip r:embed="rId5"/>
+          <a:stretch>
+            <a:fillRect/>
+          </a:stretch>
+        </p:blipFill>
+        <p:spPr>
+          <a:xfrm>
+            <a:off x="6237264" y="1671786"/>
+            <a:ext cx="1637659" cy="1148519"/>
+          </a:xfrm>
+          <a:prstGeom prst="rect">
+            <a:avLst/>
+          </a:prstGeom>
+        </p:spPr>
+      </p:pic>
+      <p:pic>
+        <p:nvPicPr>
+          <p:cNvPr id="31" name="그림 30" descr="텍스트, 웹 페이지, 웹사이트, 스크린샷이(가) 표시된 사진&#10;&#10;AI가 생성한 콘텐츠는 부정확할 수 있습니다.">
+            <a:extLst>
+              <a:ext uri="{FF2B5EF4-FFF2-40B4-BE49-F238E27FC236}">
+                <a16:creationId xmlns:a16="http://schemas.microsoft.com/office/drawing/2014/main" id="{CAEE793F-030B-4A2E-51B7-C383D37F1B75}"/>
+              </a:ext>
+            </a:extLst>
+          </p:cNvPr>
+          <p:cNvPicPr>
+            <a:picLocks noChangeAspect="1"/>
+          </p:cNvPicPr>
+          <p:nvPr/>
+        </p:nvPicPr>
+        <p:blipFill>
+          <a:blip r:embed="rId6"/>
+          <a:srcRect r="32380" b="70329"/>
+          <a:stretch/>
+        </p:blipFill>
+        <p:spPr>
+          <a:xfrm>
+            <a:off x="7940965" y="2129444"/>
+            <a:ext cx="1662273" cy="731520"/>
           </a:xfrm>
           <a:prstGeom prst="rect">
             <a:avLst/>
@@ -5119,30 +5173,6 @@
           <a:chExt cx="0" cy="0"/>
         </a:xfrm>
       </p:grpSpPr>
-      <p:pic>
-        <p:nvPicPr>
-          <p:cNvPr id="2" name="Picture 1" descr="gradient_bg.png"/>
-          <p:cNvPicPr>
-            <a:picLocks noChangeAspect="1"/>
-          </p:cNvPicPr>
-          <p:nvPr/>
-        </p:nvPicPr>
-        <p:blipFill>
-          <a:blip r:embed="rId2"/>
-          <a:stretch>
-            <a:fillRect/>
-          </a:stretch>
-        </p:blipFill>
-        <p:spPr>
-          <a:xfrm>
-            <a:off x="0" y="0"/>
-            <a:ext cx="9144000" cy="6858000"/>
-          </a:xfrm>
-          <a:prstGeom prst="rect">
-            <a:avLst/>
-          </a:prstGeom>
-        </p:spPr>
-      </p:pic>
       <p:sp>
         <p:nvSpPr>
           <p:cNvPr id="3" name="TextBox 2"/>
@@ -5166,14 +5196,151 @@
           <a:lstStyle/>
           <a:p>
             <a:r>
-              <a:t>TC‑002 로그인 Failure (Invalid)</a:t>
-            </a:r>
-          </a:p>
-        </p:txBody>
-      </p:sp>
-      <p:sp>
-        <p:nvSpPr>
-          <p:cNvPr id="4" name="Rounded Rectangle 3"/>
+              <a:t>TC‑001 로그인 Success</a:t>
+            </a:r>
+          </a:p>
+        </p:txBody>
+      </p:sp>
+      <p:sp>
+        <p:nvSpPr>
+          <p:cNvPr id="6" name="TextBox 5"/>
+          <p:cNvSpPr txBox="1"/>
+          <p:nvPr/>
+        </p:nvSpPr>
+        <p:spPr>
+          <a:xfrm>
+            <a:off x="822960" y="5669280"/>
+            <a:ext cx="10789920" cy="861774"/>
+          </a:xfrm>
+          <a:prstGeom prst="rect">
+            <a:avLst/>
+          </a:prstGeom>
+          <a:noFill/>
+        </p:spPr>
+        <p:txBody>
+          <a:bodyPr wrap="square">
+            <a:spAutoFit/>
+          </a:bodyPr>
+          <a:lstStyle/>
+          <a:p>
+            <a:pPr lvl="0" defTabSz="914400" eaLnBrk="0" fontAlgn="base" hangingPunct="0">
+              <a:spcBef>
+                <a:spcPct val="0"/>
+              </a:spcBef>
+              <a:spcAft>
+                <a:spcPct val="0"/>
+              </a:spcAft>
+              <a:buFontTx/>
+              <a:buChar char="•"/>
+            </a:pPr>
+            <a:r>
+              <a:rPr lang="ko-KR" altLang="ko-KR" sz="1600" b="1" dirty="0">
+                <a:latin typeface="Arial" panose="020B0604020202020204" pitchFamily="34" charset="0"/>
+              </a:rPr>
+              <a:t>목적:</a:t>
+            </a:r>
+            <a:r>
+              <a:rPr lang="ko-KR" altLang="ko-KR" sz="1600" dirty="0">
+                <a:latin typeface="Arial" panose="020B0604020202020204" pitchFamily="34" charset="0"/>
+              </a:rPr>
+              <a:t> 정상 계정 로그인 가능 여부 확인</a:t>
+            </a:r>
+          </a:p>
+          <a:p>
+            <a:pPr lvl="0" defTabSz="914400" eaLnBrk="0" fontAlgn="base" hangingPunct="0">
+              <a:spcBef>
+                <a:spcPct val="0"/>
+              </a:spcBef>
+              <a:spcAft>
+                <a:spcPct val="0"/>
+              </a:spcAft>
+              <a:buFontTx/>
+              <a:buChar char="•"/>
+            </a:pPr>
+            <a:r>
+              <a:rPr lang="ko-KR" altLang="ko-KR" sz="1600" b="1" dirty="0">
+                <a:latin typeface="Arial" panose="020B0604020202020204" pitchFamily="34" charset="0"/>
+              </a:rPr>
+              <a:t>절차</a:t>
+            </a:r>
+            <a:r>
+              <a:rPr lang="ko-KR" altLang="ko-KR" sz="1600" b="1" dirty="0">
+                <a:latin typeface="Arial" panose="020B0604020202020204" pitchFamily="34" charset="0"/>
+                <a:cs typeface="Arial" panose="020B0604020202020204" pitchFamily="34" charset="0"/>
+              </a:rPr>
+              <a:t>:</a:t>
+            </a:r>
+            <a:r>
+              <a:rPr lang="ko-KR" altLang="ko-KR" sz="1600" dirty="0">
+                <a:latin typeface="Arial" panose="020B0604020202020204" pitchFamily="34" charset="0"/>
+                <a:cs typeface="Arial" panose="020B0604020202020204" pitchFamily="34" charset="0"/>
+              </a:rPr>
+              <a:t> </a:t>
+            </a:r>
+            <a:r>
+              <a:rPr lang="en-US" altLang="ko-KR" sz="1600" dirty="0" err="1">
+                <a:latin typeface="Arial" panose="020B0604020202020204" pitchFamily="34" charset="0"/>
+                <a:cs typeface="Arial" panose="020B0604020202020204" pitchFamily="34" charset="0"/>
+              </a:rPr>
+              <a:t>testuser</a:t>
+            </a:r>
+            <a:r>
+              <a:rPr lang="ko-KR" altLang="ko-KR" sz="1600" dirty="0">
+                <a:latin typeface="Arial" panose="020B0604020202020204" pitchFamily="34" charset="0"/>
+                <a:cs typeface="Arial" panose="020B0604020202020204" pitchFamily="34" charset="0"/>
+              </a:rPr>
+              <a:t>/ </a:t>
+            </a:r>
+            <a:r>
+              <a:rPr lang="en-US" altLang="ko-KR" sz="1600" dirty="0">
+                <a:latin typeface="Arial" panose="020B0604020202020204" pitchFamily="34" charset="0"/>
+                <a:cs typeface="Arial" panose="020B0604020202020204" pitchFamily="34" charset="0"/>
+              </a:rPr>
+              <a:t>password123</a:t>
+            </a:r>
+            <a:r>
+              <a:rPr lang="ko-KR" altLang="ko-KR" sz="1600" dirty="0"/>
+              <a:t>입력 → 로그인</a:t>
+            </a:r>
+            <a:endParaRPr lang="ko-KR" altLang="ko-KR" sz="3600" dirty="0">
+              <a:latin typeface="Arial" panose="020B0604020202020204" pitchFamily="34" charset="0"/>
+            </a:endParaRPr>
+          </a:p>
+          <a:p>
+            <a:pPr lvl="0" defTabSz="914400" eaLnBrk="0" fontAlgn="base" hangingPunct="0">
+              <a:spcBef>
+                <a:spcPct val="0"/>
+              </a:spcBef>
+              <a:spcAft>
+                <a:spcPct val="0"/>
+              </a:spcAft>
+              <a:buFontTx/>
+              <a:buChar char="•"/>
+            </a:pPr>
+            <a:r>
+              <a:rPr lang="ko-KR" altLang="ko-KR" sz="1600" b="1" dirty="0">
+                <a:latin typeface="Arial" panose="020B0604020202020204" pitchFamily="34" charset="0"/>
+              </a:rPr>
+              <a:t>기대 결과:</a:t>
+            </a:r>
+            <a:r>
+              <a:rPr lang="ko-KR" altLang="ko-KR" sz="1600" dirty="0">
+                <a:latin typeface="Arial" panose="020B0604020202020204" pitchFamily="34" charset="0"/>
+              </a:rPr>
+              <a:t> 상품 목록 페이지(Products) 로딩</a:t>
+            </a:r>
+          </a:p>
+        </p:txBody>
+      </p:sp>
+      <p:sp>
+        <p:nvSpPr>
+          <p:cNvPr id="7" name="Rounded Rectangle 3">
+            <a:extLst>
+              <a:ext uri="{FF2B5EF4-FFF2-40B4-BE49-F238E27FC236}">
+                <a16:creationId xmlns:a16="http://schemas.microsoft.com/office/drawing/2014/main" id="{2CF45290-2357-07ED-8E46-2AEB56CD7101}"/>
+              </a:ext>
+            </a:extLst>
+          </p:cNvPr>
           <p:cNvSpPr/>
           <p:nvPr/>
         </p:nvSpPr>
@@ -5219,132 +5386,34 @@
       </p:sp>
       <p:pic>
         <p:nvPicPr>
-          <p:cNvPr id="5" name="Picture 4" descr="login.png"/>
+          <p:cNvPr id="5" name="그림 4" descr="텍스트, 웹 페이지, 웹사이트, 스크린샷이(가) 표시된 사진&#10;&#10;AI가 생성한 콘텐츠는 부정확할 수 있습니다.">
+            <a:extLst>
+              <a:ext uri="{FF2B5EF4-FFF2-40B4-BE49-F238E27FC236}">
+                <a16:creationId xmlns:a16="http://schemas.microsoft.com/office/drawing/2014/main" id="{C46A3F4C-06CA-05EB-3A96-23EDB2D039AD}"/>
+              </a:ext>
+            </a:extLst>
+          </p:cNvPr>
           <p:cNvPicPr>
             <a:picLocks noChangeAspect="1"/>
           </p:cNvPicPr>
           <p:nvPr/>
         </p:nvPicPr>
         <p:blipFill>
-          <a:blip r:embed="rId3"/>
+          <a:blip r:embed="rId2"/>
           <a:stretch>
             <a:fillRect/>
           </a:stretch>
         </p:blipFill>
         <p:spPr>
           <a:xfrm>
-            <a:off x="1463027" y="1041861"/>
-            <a:ext cx="5680988" cy="4206240"/>
+            <a:off x="2195668" y="848451"/>
+            <a:ext cx="4593060" cy="4593060"/>
           </a:xfrm>
           <a:prstGeom prst="rect">
             <a:avLst/>
           </a:prstGeom>
         </p:spPr>
       </p:pic>
-      <p:sp>
-        <p:nvSpPr>
-          <p:cNvPr id="9" name="TextBox 8">
-            <a:extLst>
-              <a:ext uri="{FF2B5EF4-FFF2-40B4-BE49-F238E27FC236}">
-                <a16:creationId xmlns:a16="http://schemas.microsoft.com/office/drawing/2014/main" id="{56C0A337-90EF-479F-4556-860BB65F6B9D}"/>
-              </a:ext>
-            </a:extLst>
-          </p:cNvPr>
-          <p:cNvSpPr txBox="1"/>
-          <p:nvPr/>
-        </p:nvSpPr>
-        <p:spPr>
-          <a:xfrm>
-            <a:off x="563418" y="5689798"/>
-            <a:ext cx="6276077" cy="1200329"/>
-          </a:xfrm>
-          <a:prstGeom prst="rect">
-            <a:avLst/>
-          </a:prstGeom>
-          <a:noFill/>
-        </p:spPr>
-        <p:txBody>
-          <a:bodyPr wrap="none" rtlCol="0">
-            <a:spAutoFit/>
-          </a:bodyPr>
-          <a:lstStyle/>
-          <a:p>
-            <a:pPr lvl="0" defTabSz="914400" eaLnBrk="0" fontAlgn="base" hangingPunct="0">
-              <a:spcBef>
-                <a:spcPct val="0"/>
-              </a:spcBef>
-              <a:spcAft>
-                <a:spcPct val="0"/>
-              </a:spcAft>
-              <a:buFontTx/>
-              <a:buChar char="•"/>
-            </a:pPr>
-            <a:r>
-              <a:rPr lang="ko-KR" altLang="ko-KR" b="1" dirty="0">
-                <a:latin typeface="Arial" panose="020B0604020202020204" pitchFamily="34" charset="0"/>
-              </a:rPr>
-              <a:t>목적:</a:t>
-            </a:r>
-            <a:r>
-              <a:rPr lang="ko-KR" altLang="ko-KR" dirty="0">
-                <a:latin typeface="Arial" panose="020B0604020202020204" pitchFamily="34" charset="0"/>
-              </a:rPr>
-              <a:t> 잘못된 계정 정보 입력 시 오류 표시</a:t>
-            </a:r>
-          </a:p>
-          <a:p>
-            <a:pPr lvl="0" defTabSz="914400" eaLnBrk="0" fontAlgn="base" hangingPunct="0">
-              <a:spcBef>
-                <a:spcPct val="0"/>
-              </a:spcBef>
-              <a:spcAft>
-                <a:spcPct val="0"/>
-              </a:spcAft>
-              <a:buFontTx/>
-              <a:buChar char="•"/>
-            </a:pPr>
-            <a:r>
-              <a:rPr lang="ko-KR" altLang="ko-KR" b="1" dirty="0">
-                <a:latin typeface="Arial" panose="020B0604020202020204" pitchFamily="34" charset="0"/>
-              </a:rPr>
-              <a:t>절차:</a:t>
-            </a:r>
-            <a:r>
-              <a:rPr lang="ko-KR" altLang="ko-KR" dirty="0">
-                <a:latin typeface="Arial" panose="020B0604020202020204" pitchFamily="34" charset="0"/>
-              </a:rPr>
-              <a:t> 잘못된 ID/비밀번호 입력 → 로그인</a:t>
-            </a:r>
-          </a:p>
-          <a:p>
-            <a:pPr lvl="0" defTabSz="914400" eaLnBrk="0" fontAlgn="base" hangingPunct="0">
-              <a:spcBef>
-                <a:spcPct val="0"/>
-              </a:spcBef>
-              <a:spcAft>
-                <a:spcPct val="0"/>
-              </a:spcAft>
-              <a:buFontTx/>
-              <a:buChar char="•"/>
-            </a:pPr>
-            <a:r>
-              <a:rPr lang="ko-KR" altLang="ko-KR" b="1" dirty="0">
-                <a:latin typeface="Arial" panose="020B0604020202020204" pitchFamily="34" charset="0"/>
-              </a:rPr>
-              <a:t>기대 결과:</a:t>
-            </a:r>
-            <a:r>
-              <a:rPr lang="ko-KR" altLang="ko-KR" dirty="0">
-                <a:latin typeface="Arial" panose="020B0604020202020204" pitchFamily="34" charset="0"/>
-              </a:rPr>
-              <a:t> “사용자명이 일치하지 않습니다” 오류 배너 출력</a:t>
-            </a:r>
-          </a:p>
-          <a:p>
-            <a:endParaRPr lang="ko-KR" altLang="en-US" dirty="0"/>
-          </a:p>
-        </p:txBody>
-      </p:sp>
     </p:spTree>
   </p:cSld>
   <p:clrMapOvr>
@@ -5370,30 +5439,6 @@
           <a:chExt cx="0" cy="0"/>
         </a:xfrm>
       </p:grpSpPr>
-      <p:pic>
-        <p:nvPicPr>
-          <p:cNvPr id="2" name="Picture 1" descr="gradient_bg.png"/>
-          <p:cNvPicPr>
-            <a:picLocks noChangeAspect="1"/>
-          </p:cNvPicPr>
-          <p:nvPr/>
-        </p:nvPicPr>
-        <p:blipFill>
-          <a:blip r:embed="rId2"/>
-          <a:stretch>
-            <a:fillRect/>
-          </a:stretch>
-        </p:blipFill>
-        <p:spPr>
-          <a:xfrm>
-            <a:off x="0" y="0"/>
-            <a:ext cx="9144000" cy="6858000"/>
-          </a:xfrm>
-          <a:prstGeom prst="rect">
-            <a:avLst/>
-          </a:prstGeom>
-        </p:spPr>
-      </p:pic>
       <p:sp>
         <p:nvSpPr>
           <p:cNvPr id="3" name="TextBox 2"/>
@@ -5417,7 +5462,7 @@
           <a:lstStyle/>
           <a:p>
             <a:r>
-              <a:t>TC‑003 상품 목록 정렬 기능</a:t>
+              <a:t>TC‑002 로그인 Failure (Invalid)</a:t>
             </a:r>
           </a:p>
         </p:txBody>
@@ -5430,8 +5475,8 @@
         </p:nvSpPr>
         <p:spPr>
           <a:xfrm>
-            <a:off x="640080" y="1097280"/>
-            <a:ext cx="8023629" cy="4572000"/>
+            <a:off x="393931" y="766618"/>
+            <a:ext cx="8356138" cy="4756727"/>
           </a:xfrm>
           <a:prstGeom prst="roundRect">
             <a:avLst/>
@@ -5468,117 +5513,140 @@
           </a:p>
         </p:txBody>
       </p:sp>
+      <p:sp>
+        <p:nvSpPr>
+          <p:cNvPr id="9" name="TextBox 8">
+            <a:extLst>
+              <a:ext uri="{FF2B5EF4-FFF2-40B4-BE49-F238E27FC236}">
+                <a16:creationId xmlns:a16="http://schemas.microsoft.com/office/drawing/2014/main" id="{56C0A337-90EF-479F-4556-860BB65F6B9D}"/>
+              </a:ext>
+            </a:extLst>
+          </p:cNvPr>
+          <p:cNvSpPr txBox="1"/>
+          <p:nvPr/>
+        </p:nvSpPr>
+        <p:spPr>
+          <a:xfrm>
+            <a:off x="563418" y="5689798"/>
+            <a:ext cx="6276077" cy="1200329"/>
+          </a:xfrm>
+          <a:prstGeom prst="rect">
+            <a:avLst/>
+          </a:prstGeom>
+          <a:noFill/>
+        </p:spPr>
+        <p:txBody>
+          <a:bodyPr wrap="none" rtlCol="0">
+            <a:spAutoFit/>
+          </a:bodyPr>
+          <a:lstStyle/>
+          <a:p>
+            <a:pPr lvl="0" defTabSz="914400" eaLnBrk="0" fontAlgn="base" hangingPunct="0">
+              <a:spcBef>
+                <a:spcPct val="0"/>
+              </a:spcBef>
+              <a:spcAft>
+                <a:spcPct val="0"/>
+              </a:spcAft>
+              <a:buFontTx/>
+              <a:buChar char="•"/>
+            </a:pPr>
+            <a:r>
+              <a:rPr lang="ko-KR" altLang="ko-KR" b="1" dirty="0">
+                <a:latin typeface="Arial" panose="020B0604020202020204" pitchFamily="34" charset="0"/>
+              </a:rPr>
+              <a:t>목적:</a:t>
+            </a:r>
+            <a:r>
+              <a:rPr lang="ko-KR" altLang="ko-KR" dirty="0">
+                <a:latin typeface="Arial" panose="020B0604020202020204" pitchFamily="34" charset="0"/>
+              </a:rPr>
+              <a:t> 잘못된 계정 정보 입력 시 오류 표시</a:t>
+            </a:r>
+          </a:p>
+          <a:p>
+            <a:pPr lvl="0" defTabSz="914400" eaLnBrk="0" fontAlgn="base" hangingPunct="0">
+              <a:spcBef>
+                <a:spcPct val="0"/>
+              </a:spcBef>
+              <a:spcAft>
+                <a:spcPct val="0"/>
+              </a:spcAft>
+              <a:buFontTx/>
+              <a:buChar char="•"/>
+            </a:pPr>
+            <a:r>
+              <a:rPr lang="ko-KR" altLang="ko-KR" b="1" dirty="0">
+                <a:latin typeface="Arial" panose="020B0604020202020204" pitchFamily="34" charset="0"/>
+              </a:rPr>
+              <a:t>절차:</a:t>
+            </a:r>
+            <a:r>
+              <a:rPr lang="ko-KR" altLang="ko-KR" dirty="0">
+                <a:latin typeface="Arial" panose="020B0604020202020204" pitchFamily="34" charset="0"/>
+              </a:rPr>
+              <a:t> 잘못된 ID/비밀번호 입력 → 로그인</a:t>
+            </a:r>
+          </a:p>
+          <a:p>
+            <a:pPr lvl="0" defTabSz="914400" eaLnBrk="0" fontAlgn="base" hangingPunct="0">
+              <a:spcBef>
+                <a:spcPct val="0"/>
+              </a:spcBef>
+              <a:spcAft>
+                <a:spcPct val="0"/>
+              </a:spcAft>
+              <a:buFontTx/>
+              <a:buChar char="•"/>
+            </a:pPr>
+            <a:r>
+              <a:rPr lang="ko-KR" altLang="ko-KR" b="1" dirty="0">
+                <a:latin typeface="Arial" panose="020B0604020202020204" pitchFamily="34" charset="0"/>
+              </a:rPr>
+              <a:t>기대 결과:</a:t>
+            </a:r>
+            <a:r>
+              <a:rPr lang="ko-KR" altLang="ko-KR" dirty="0">
+                <a:latin typeface="Arial" panose="020B0604020202020204" pitchFamily="34" charset="0"/>
+              </a:rPr>
+              <a:t> “사용자명이 일치하지 않습니다” 오류 배너 출력</a:t>
+            </a:r>
+          </a:p>
+          <a:p>
+            <a:endParaRPr lang="ko-KR" altLang="en-US" dirty="0"/>
+          </a:p>
+        </p:txBody>
+      </p:sp>
       <p:pic>
         <p:nvPicPr>
-          <p:cNvPr id="5" name="Picture 4" descr="inventory.png"/>
+          <p:cNvPr id="7" name="그림 6" descr="텍스트, 스크린샷, 폰트, 소프트웨어이(가) 표시된 사진&#10;&#10;AI가 생성한 콘텐츠는 부정확할 수 있습니다.">
+            <a:extLst>
+              <a:ext uri="{FF2B5EF4-FFF2-40B4-BE49-F238E27FC236}">
+                <a16:creationId xmlns:a16="http://schemas.microsoft.com/office/drawing/2014/main" id="{2F03692C-036B-BC29-89CC-C56150732587}"/>
+              </a:ext>
+            </a:extLst>
+          </p:cNvPr>
           <p:cNvPicPr>
             <a:picLocks noChangeAspect="1"/>
           </p:cNvPicPr>
           <p:nvPr/>
         </p:nvPicPr>
         <p:blipFill>
-          <a:blip r:embed="rId3"/>
+          <a:blip r:embed="rId2"/>
           <a:stretch>
             <a:fillRect/>
           </a:stretch>
         </p:blipFill>
         <p:spPr>
           <a:xfrm>
-            <a:off x="2348807" y="1346787"/>
-            <a:ext cx="4744720" cy="3865293"/>
+            <a:off x="1118849" y="1005840"/>
+            <a:ext cx="7193611" cy="4074160"/>
           </a:xfrm>
           <a:prstGeom prst="rect">
             <a:avLst/>
           </a:prstGeom>
         </p:spPr>
       </p:pic>
-      <p:sp>
-        <p:nvSpPr>
-          <p:cNvPr id="6" name="TextBox 5"/>
-          <p:cNvSpPr txBox="1"/>
-          <p:nvPr/>
-        </p:nvSpPr>
-        <p:spPr>
-          <a:xfrm>
-            <a:off x="822960" y="5786582"/>
-            <a:ext cx="8023629" cy="830997"/>
-          </a:xfrm>
-          <a:prstGeom prst="rect">
-            <a:avLst/>
-          </a:prstGeom>
-          <a:noFill/>
-        </p:spPr>
-        <p:txBody>
-          <a:bodyPr wrap="square">
-            <a:spAutoFit/>
-          </a:bodyPr>
-          <a:lstStyle/>
-          <a:p>
-            <a:pPr>
-              <a:defRPr sz="1600">
-                <a:solidFill>
-                  <a:srgbClr val="1E1E1E"/>
-                </a:solidFill>
-              </a:defRPr>
-            </a:pPr>
-            <a:r>
-              <a:rPr lang="ko-KR" altLang="en-US" dirty="0"/>
-              <a:t>목적</a:t>
-            </a:r>
-            <a:r>
-              <a:rPr lang="en-US" altLang="ko-KR" dirty="0"/>
-              <a:t>: 4</a:t>
-            </a:r>
-            <a:r>
-              <a:rPr lang="ko-KR" altLang="en-US" dirty="0"/>
-              <a:t>가지 정렬 옵션 동작 검증</a:t>
-            </a:r>
-          </a:p>
-          <a:p>
-            <a:pPr>
-              <a:defRPr sz="1600">
-                <a:solidFill>
-                  <a:srgbClr val="1E1E1E"/>
-                </a:solidFill>
-              </a:defRPr>
-            </a:pPr>
-            <a:r>
-              <a:rPr lang="ko-KR" altLang="en-US" dirty="0"/>
-              <a:t>절차</a:t>
-            </a:r>
-            <a:r>
-              <a:rPr lang="en-US" altLang="ko-KR" dirty="0"/>
-              <a:t>: </a:t>
-            </a:r>
-            <a:r>
-              <a:rPr lang="ko-KR" altLang="en-US" dirty="0"/>
-              <a:t>정렬 옵션 선택</a:t>
-            </a:r>
-          </a:p>
-          <a:p>
-            <a:pPr>
-              <a:defRPr sz="1600">
-                <a:solidFill>
-                  <a:srgbClr val="1E1E1E"/>
-                </a:solidFill>
-              </a:defRPr>
-            </a:pPr>
-            <a:r>
-              <a:rPr lang="ko-KR" altLang="en-US" dirty="0"/>
-              <a:t>기대 결과</a:t>
-            </a:r>
-            <a:r>
-              <a:rPr lang="en-US" altLang="ko-KR" dirty="0"/>
-              <a:t>: </a:t>
-            </a:r>
-            <a:r>
-              <a:rPr lang="ko-KR" altLang="en-US" dirty="0"/>
-              <a:t>목록 순서가 정렬 규칙에 맞게 변동</a:t>
-            </a:r>
-            <a:endParaRPr dirty="0"/>
-          </a:p>
-        </p:txBody>
-      </p:sp>
     </p:spTree>
   </p:cSld>
   <p:clrMapOvr>
@@ -5604,30 +5672,6 @@
           <a:chExt cx="0" cy="0"/>
         </a:xfrm>
       </p:grpSpPr>
-      <p:pic>
-        <p:nvPicPr>
-          <p:cNvPr id="2" name="Picture 1" descr="gradient_bg.png"/>
-          <p:cNvPicPr>
-            <a:picLocks noChangeAspect="1"/>
-          </p:cNvPicPr>
-          <p:nvPr/>
-        </p:nvPicPr>
-        <p:blipFill>
-          <a:blip r:embed="rId2"/>
-          <a:stretch>
-            <a:fillRect/>
-          </a:stretch>
-        </p:blipFill>
-        <p:spPr>
-          <a:xfrm>
-            <a:off x="0" y="0"/>
-            <a:ext cx="9144000" cy="6858000"/>
-          </a:xfrm>
-          <a:prstGeom prst="rect">
-            <a:avLst/>
-          </a:prstGeom>
-        </p:spPr>
-      </p:pic>
       <p:sp>
         <p:nvSpPr>
           <p:cNvPr id="3" name="TextBox 2"/>
@@ -5702,9 +5746,147 @@
           </a:p>
         </p:txBody>
       </p:sp>
+      <p:sp>
+        <p:nvSpPr>
+          <p:cNvPr id="6" name="TextBox 5"/>
+          <p:cNvSpPr txBox="1"/>
+          <p:nvPr/>
+        </p:nvSpPr>
+        <p:spPr>
+          <a:xfrm>
+            <a:off x="822960" y="5669280"/>
+            <a:ext cx="10789920" cy="830997"/>
+          </a:xfrm>
+          <a:prstGeom prst="rect">
+            <a:avLst/>
+          </a:prstGeom>
+          <a:noFill/>
+        </p:spPr>
+        <p:txBody>
+          <a:bodyPr wrap="square">
+            <a:spAutoFit/>
+          </a:bodyPr>
+          <a:lstStyle/>
+          <a:p>
+            <a:pPr>
+              <a:defRPr sz="1600">
+                <a:solidFill>
+                  <a:srgbClr val="1E1E1E"/>
+                </a:solidFill>
+              </a:defRPr>
+            </a:pPr>
+            <a:r>
+              <a:rPr lang="ko-KR" altLang="en-US" dirty="0"/>
+              <a:t>목적</a:t>
+            </a:r>
+            <a:r>
+              <a:rPr lang="en-US" altLang="ko-KR" dirty="0"/>
+              <a:t>: </a:t>
+            </a:r>
+            <a:r>
+              <a:rPr lang="ko-KR" altLang="en-US" dirty="0"/>
+              <a:t>장바구니 배지 숫자 동기화 확인</a:t>
+            </a:r>
+          </a:p>
+          <a:p>
+            <a:pPr>
+              <a:defRPr sz="1600">
+                <a:solidFill>
+                  <a:srgbClr val="1E1E1E"/>
+                </a:solidFill>
+              </a:defRPr>
+            </a:pPr>
+            <a:r>
+              <a:rPr lang="ko-KR" altLang="en-US" dirty="0"/>
+              <a:t>절차</a:t>
+            </a:r>
+            <a:r>
+              <a:rPr lang="en-US" altLang="ko-KR" dirty="0"/>
+              <a:t>: 2</a:t>
+            </a:r>
+            <a:r>
+              <a:rPr lang="ko-KR" altLang="en-US" dirty="0"/>
+              <a:t>개 항목 추가 → </a:t>
+            </a:r>
+            <a:r>
+              <a:rPr lang="en-US" altLang="ko-KR" dirty="0"/>
+              <a:t>1</a:t>
+            </a:r>
+            <a:r>
+              <a:rPr lang="ko-KR" altLang="en-US" dirty="0"/>
+              <a:t>개 삭제</a:t>
+            </a:r>
+          </a:p>
+          <a:p>
+            <a:pPr>
+              <a:defRPr sz="1600">
+                <a:solidFill>
+                  <a:srgbClr val="1E1E1E"/>
+                </a:solidFill>
+              </a:defRPr>
+            </a:pPr>
+            <a:r>
+              <a:rPr lang="ko-KR" altLang="en-US" dirty="0"/>
+              <a:t>기대 결과</a:t>
+            </a:r>
+            <a:r>
+              <a:rPr lang="en-US" altLang="ko-KR" dirty="0"/>
+              <a:t>: </a:t>
+            </a:r>
+            <a:r>
+              <a:rPr lang="ko-KR" altLang="en-US" dirty="0"/>
+              <a:t>배지 숫자가 </a:t>
+            </a:r>
+            <a:r>
+              <a:rPr lang="en-US" altLang="ko-KR" dirty="0"/>
+              <a:t>2 → 1</a:t>
+            </a:r>
+            <a:r>
+              <a:rPr lang="ko-KR" altLang="en-US" dirty="0"/>
+              <a:t>로 정확히 반영</a:t>
+            </a:r>
+            <a:endParaRPr dirty="0"/>
+          </a:p>
+        </p:txBody>
+      </p:sp>
       <p:pic>
         <p:nvPicPr>
-          <p:cNvPr id="5" name="Picture 4" descr="inventory.png"/>
+          <p:cNvPr id="8" name="그림 7" descr="텍스트, 스크린샷, 소프트웨어, 웹 페이지이(가) 표시된 사진&#10;&#10;AI가 생성한 콘텐츠는 부정확할 수 있습니다.">
+            <a:extLst>
+              <a:ext uri="{FF2B5EF4-FFF2-40B4-BE49-F238E27FC236}">
+                <a16:creationId xmlns:a16="http://schemas.microsoft.com/office/drawing/2014/main" id="{E82F2C25-4564-3C4A-2197-9A118A1DBBE5}"/>
+              </a:ext>
+            </a:extLst>
+          </p:cNvPr>
+          <p:cNvPicPr>
+            <a:picLocks noChangeAspect="1"/>
+          </p:cNvPicPr>
+          <p:nvPr/>
+        </p:nvPicPr>
+        <p:blipFill>
+          <a:blip r:embed="rId2"/>
+          <a:srcRect b="6191"/>
+          <a:stretch/>
+        </p:blipFill>
+        <p:spPr>
+          <a:xfrm>
+            <a:off x="2774791" y="3736110"/>
+            <a:ext cx="3256556" cy="1754104"/>
+          </a:xfrm>
+          <a:prstGeom prst="rect">
+            <a:avLst/>
+          </a:prstGeom>
+        </p:spPr>
+      </p:pic>
+      <p:pic>
+        <p:nvPicPr>
+          <p:cNvPr id="5" name="그림 4" descr="텍스트, 스크린샷, 소프트웨어, 웹 페이지이(가) 표시된 사진&#10;&#10;AI가 생성한 콘텐츠는 부정확할 수 있습니다.">
+            <a:extLst>
+              <a:ext uri="{FF2B5EF4-FFF2-40B4-BE49-F238E27FC236}">
+                <a16:creationId xmlns:a16="http://schemas.microsoft.com/office/drawing/2014/main" id="{F7DDFCF3-75F8-4115-49B6-43A7ED449528}"/>
+              </a:ext>
+            </a:extLst>
+          </p:cNvPr>
           <p:cNvPicPr>
             <a:picLocks noChangeAspect="1"/>
           </p:cNvPicPr>
@@ -5712,123 +5894,19 @@
         </p:nvPicPr>
         <p:blipFill>
           <a:blip r:embed="rId3"/>
-          <a:stretch>
-            <a:fillRect/>
-          </a:stretch>
+          <a:srcRect r="11150" b="12091"/>
+          <a:stretch/>
         </p:blipFill>
         <p:spPr>
           <a:xfrm>
-            <a:off x="1973811" y="848485"/>
-            <a:ext cx="5659115" cy="4610206"/>
+            <a:off x="1213341" y="869605"/>
+            <a:ext cx="6717317" cy="2252286"/>
           </a:xfrm>
           <a:prstGeom prst="rect">
             <a:avLst/>
           </a:prstGeom>
         </p:spPr>
       </p:pic>
-      <p:sp>
-        <p:nvSpPr>
-          <p:cNvPr id="6" name="TextBox 5"/>
-          <p:cNvSpPr txBox="1"/>
-          <p:nvPr/>
-        </p:nvSpPr>
-        <p:spPr>
-          <a:xfrm>
-            <a:off x="822960" y="5669280"/>
-            <a:ext cx="10789920" cy="830997"/>
-          </a:xfrm>
-          <a:prstGeom prst="rect">
-            <a:avLst/>
-          </a:prstGeom>
-          <a:noFill/>
-        </p:spPr>
-        <p:txBody>
-          <a:bodyPr wrap="square">
-            <a:spAutoFit/>
-          </a:bodyPr>
-          <a:lstStyle/>
-          <a:p>
-            <a:pPr>
-              <a:defRPr sz="1600">
-                <a:solidFill>
-                  <a:srgbClr val="1E1E1E"/>
-                </a:solidFill>
-              </a:defRPr>
-            </a:pPr>
-            <a:r>
-              <a:rPr lang="ko-KR" altLang="en-US" dirty="0"/>
-              <a:t>목적</a:t>
-            </a:r>
-            <a:r>
-              <a:rPr lang="en-US" altLang="ko-KR" dirty="0"/>
-              <a:t>: </a:t>
-            </a:r>
-            <a:r>
-              <a:rPr lang="ko-KR" altLang="en-US" dirty="0"/>
-              <a:t>장바구니 배지 숫자 동기화 확인</a:t>
-            </a:r>
-          </a:p>
-          <a:p>
-            <a:pPr>
-              <a:defRPr sz="1600">
-                <a:solidFill>
-                  <a:srgbClr val="1E1E1E"/>
-                </a:solidFill>
-              </a:defRPr>
-            </a:pPr>
-            <a:r>
-              <a:rPr lang="ko-KR" altLang="en-US" dirty="0"/>
-              <a:t>절차</a:t>
-            </a:r>
-            <a:r>
-              <a:rPr lang="en-US" altLang="ko-KR" dirty="0"/>
-              <a:t>: 2</a:t>
-            </a:r>
-            <a:r>
-              <a:rPr lang="ko-KR" altLang="en-US" dirty="0"/>
-              <a:t>개 항목 추가 → </a:t>
-            </a:r>
-            <a:r>
-              <a:rPr lang="en-US" altLang="ko-KR" dirty="0"/>
-              <a:t>1</a:t>
-            </a:r>
-            <a:r>
-              <a:rPr lang="ko-KR" altLang="en-US" dirty="0"/>
-              <a:t>개 삭제</a:t>
-            </a:r>
-          </a:p>
-          <a:p>
-            <a:pPr>
-              <a:defRPr sz="1600">
-                <a:solidFill>
-                  <a:srgbClr val="1E1E1E"/>
-                </a:solidFill>
-              </a:defRPr>
-            </a:pPr>
-            <a:r>
-              <a:rPr lang="ko-KR" altLang="en-US" dirty="0"/>
-              <a:t>기대 결과</a:t>
-            </a:r>
-            <a:r>
-              <a:rPr lang="en-US" altLang="ko-KR" dirty="0"/>
-              <a:t>: </a:t>
-            </a:r>
-            <a:r>
-              <a:rPr lang="ko-KR" altLang="en-US" dirty="0"/>
-              <a:t>배지 숫자가 </a:t>
-            </a:r>
-            <a:r>
-              <a:rPr lang="en-US" altLang="ko-KR" dirty="0"/>
-              <a:t>2 → 1</a:t>
-            </a:r>
-            <a:r>
-              <a:rPr lang="ko-KR" altLang="en-US" dirty="0"/>
-              <a:t>로 정확히 반영</a:t>
-            </a:r>
-            <a:endParaRPr dirty="0"/>
-          </a:p>
-        </p:txBody>
-      </p:sp>
     </p:spTree>
   </p:cSld>
   <p:clrMapOvr>
@@ -5854,36 +5932,12 @@
           <a:chExt cx="0" cy="0"/>
         </a:xfrm>
       </p:grpSpPr>
-      <p:pic>
-        <p:nvPicPr>
-          <p:cNvPr id="2" name="Picture 1" descr="gradient_bg.png"/>
-          <p:cNvPicPr>
-            <a:picLocks noChangeAspect="1"/>
-          </p:cNvPicPr>
-          <p:nvPr/>
-        </p:nvPicPr>
-        <p:blipFill>
-          <a:blip r:embed="rId2"/>
-          <a:stretch>
-            <a:fillRect/>
-          </a:stretch>
-        </p:blipFill>
-        <p:spPr>
-          <a:xfrm>
-            <a:off x="0" y="0"/>
-            <a:ext cx="9144000" cy="6858000"/>
-          </a:xfrm>
-          <a:prstGeom prst="rect">
-            <a:avLst/>
-          </a:prstGeom>
-        </p:spPr>
-      </p:pic>
       <p:sp>
         <p:nvSpPr>
           <p:cNvPr id="6" name="Rounded Rectangle 3">
             <a:extLst>
               <a:ext uri="{FF2B5EF4-FFF2-40B4-BE49-F238E27FC236}">
-                <a16:creationId xmlns:a16="http://schemas.microsoft.com/office/drawing/2014/main" id="{CC487CF8-9867-B0EE-5351-F288988E2301}"/>
+                <a16:creationId xmlns:a16="http://schemas.microsoft.com/office/drawing/2014/main" id="{B91B532A-E7ED-E6A6-5ED0-8606627AF0D0}"/>
               </a:ext>
             </a:extLst>
           </p:cNvPr>
@@ -5953,7 +6007,12 @@
           <a:lstStyle/>
           <a:p>
             <a:r>
-              <a:t>1. 프로젝트 개요</a:t>
+              <a:rPr dirty="0" err="1"/>
+              <a:t>SauceDemo</a:t>
+            </a:r>
+            <a:r>
+              <a:rPr dirty="0"/>
+              <a:t> E2E Test Automation</a:t>
             </a:r>
           </a:p>
         </p:txBody>
@@ -5967,7 +6026,7 @@
         <p:spPr>
           <a:xfrm>
             <a:off x="822960" y="1280160"/>
-            <a:ext cx="10789920" cy="1200329"/>
+            <a:ext cx="10789920" cy="1015663"/>
           </a:xfrm>
           <a:prstGeom prst="rect">
             <a:avLst/>
@@ -5980,107 +6039,54 @@
           </a:bodyPr>
           <a:lstStyle/>
           <a:p>
-            <a:r>
-              <a:rPr lang="ko-KR" altLang="en-US" b="1" dirty="0"/>
-              <a:t>대상 사이트</a:t>
-            </a:r>
-            <a:r>
-              <a:rPr lang="en-US" altLang="ko-KR" b="1" dirty="0"/>
-              <a:t>:</a:t>
-            </a:r>
-            <a:r>
-              <a:rPr lang="ko-KR" altLang="en-US" dirty="0"/>
+            <a:pPr>
+              <a:defRPr sz="2000">
+                <a:solidFill>
+                  <a:srgbClr val="1E1E1E"/>
+                </a:solidFill>
+              </a:defRPr>
+            </a:pPr>
+            <a:r>
+              <a:rPr lang="en-US" dirty="0" err="1"/>
+              <a:t>P</a:t>
+            </a:r>
+            <a:r>
+              <a:rPr dirty="0" err="1"/>
+              <a:t>ytest</a:t>
+            </a:r>
+            <a:r>
+              <a:rPr lang="en-US" dirty="0"/>
               <a:t> </a:t>
             </a:r>
             <a:r>
-              <a:rPr lang="en-US" altLang="ko-KR" dirty="0" err="1"/>
-              <a:t>catshop</a:t>
-            </a:r>
-            <a:r>
-              <a:rPr lang="en-US" altLang="ko-KR" dirty="0"/>
-              <a:t>(local)</a:t>
-            </a:r>
-          </a:p>
-          <a:p>
-            <a:r>
-              <a:rPr lang="ko-KR" altLang="en-US" b="1" dirty="0"/>
-              <a:t>프로젝트 목표</a:t>
-            </a:r>
-            <a:r>
-              <a:rPr lang="en-US" altLang="ko-KR" b="1" dirty="0"/>
-              <a:t>:</a:t>
-            </a:r>
-            <a:r>
-              <a:rPr lang="ko-KR" altLang="en-US" dirty="0"/>
-              <a:t> 실무 수준의 </a:t>
-            </a:r>
-            <a:r>
-              <a:rPr lang="en-US" altLang="ko-KR" dirty="0"/>
-              <a:t>E2E </a:t>
-            </a:r>
-            <a:r>
-              <a:rPr lang="ko-KR" altLang="en-US" dirty="0"/>
-              <a:t>자동화 테스트 구축</a:t>
-            </a:r>
-          </a:p>
-          <a:p>
-            <a:r>
-              <a:rPr lang="ko-KR" altLang="en-US" b="1" dirty="0"/>
-              <a:t>산출물</a:t>
-            </a:r>
-            <a:r>
-              <a:rPr lang="en-US" altLang="ko-KR" b="1" dirty="0"/>
-              <a:t>:</a:t>
-            </a:r>
-            <a:r>
-              <a:rPr lang="ko-KR" altLang="en-US" dirty="0"/>
-              <a:t> 테스트 스위트</a:t>
-            </a:r>
-            <a:r>
-              <a:rPr lang="en-US" altLang="ko-KR" dirty="0"/>
-              <a:t>(</a:t>
-            </a:r>
-            <a:r>
-              <a:rPr lang="en-US" altLang="ko-KR" dirty="0" err="1"/>
-              <a:t>pytest</a:t>
-            </a:r>
-            <a:r>
-              <a:rPr lang="en-US" altLang="ko-KR" dirty="0"/>
-              <a:t> + Selenium), CI </a:t>
-            </a:r>
-            <a:r>
-              <a:rPr lang="ko-KR" altLang="en-US" dirty="0"/>
-              <a:t>파이프라인</a:t>
-            </a:r>
-            <a:r>
-              <a:rPr lang="en-US" altLang="ko-KR" dirty="0"/>
-              <a:t>, </a:t>
-            </a:r>
-            <a:r>
-              <a:rPr lang="ko-KR" altLang="en-US" dirty="0"/>
-              <a:t>테스트 리포트</a:t>
-            </a:r>
-          </a:p>
-          <a:p>
-            <a:r>
-              <a:rPr lang="ko-KR" altLang="en-US" b="1" dirty="0"/>
-              <a:t>프로젝트 기간</a:t>
-            </a:r>
-            <a:r>
-              <a:rPr lang="en-US" altLang="ko-KR" b="1" dirty="0"/>
-              <a:t>:</a:t>
-            </a:r>
-            <a:r>
-              <a:rPr lang="ko-KR" altLang="en-US" dirty="0"/>
-              <a:t> </a:t>
-            </a:r>
-            <a:r>
-              <a:rPr lang="en-US" altLang="ko-KR" dirty="0"/>
-              <a:t>2</a:t>
-            </a:r>
-            <a:r>
-              <a:rPr lang="ko-KR" altLang="en-US" dirty="0"/>
-              <a:t>주 팀 프로젝트</a:t>
+              <a:rPr dirty="0"/>
+              <a:t>GitHub Actions</a:t>
+            </a:r>
+          </a:p>
+          <a:p>
+            <a:pPr>
+              <a:defRPr sz="2000">
+                <a:solidFill>
+                  <a:srgbClr val="1E1E1E"/>
+                </a:solidFill>
+              </a:defRPr>
+            </a:pPr>
+            <a:r>
+              <a:rPr dirty="0"/>
+              <a:t>Gradient Startup Template (Clean Ver.)</a:t>
+            </a:r>
+          </a:p>
+          <a:p>
+            <a:pPr>
+              <a:defRPr sz="2000">
+                <a:solidFill>
+                  <a:srgbClr val="1E1E1E"/>
+                </a:solidFill>
+              </a:defRPr>
+            </a:pPr>
+            <a:r>
+              <a:rPr dirty="0"/>
+              <a:t>Actual UI + Test Case Based</a:t>
             </a:r>
           </a:p>
         </p:txBody>
@@ -6110,30 +6116,6 @@
           <a:chExt cx="0" cy="0"/>
         </a:xfrm>
       </p:grpSpPr>
-      <p:pic>
-        <p:nvPicPr>
-          <p:cNvPr id="2" name="Picture 1" descr="gradient_bg.png"/>
-          <p:cNvPicPr>
-            <a:picLocks noChangeAspect="1"/>
-          </p:cNvPicPr>
-          <p:nvPr/>
-        </p:nvPicPr>
-        <p:blipFill>
-          <a:blip r:embed="rId2"/>
-          <a:stretch>
-            <a:fillRect/>
-          </a:stretch>
-        </p:blipFill>
-        <p:spPr>
-          <a:xfrm>
-            <a:off x="0" y="0"/>
-            <a:ext cx="9144000" cy="6858000"/>
-          </a:xfrm>
-          <a:prstGeom prst="rect">
-            <a:avLst/>
-          </a:prstGeom>
-        </p:spPr>
-      </p:pic>
       <p:sp>
         <p:nvSpPr>
           <p:cNvPr id="3" name="TextBox 2"/>
@@ -6208,30 +6190,6 @@
           </a:p>
         </p:txBody>
       </p:sp>
-      <p:pic>
-        <p:nvPicPr>
-          <p:cNvPr id="5" name="Picture 4" descr="cart.png"/>
-          <p:cNvPicPr>
-            <a:picLocks noChangeAspect="1"/>
-          </p:cNvPicPr>
-          <p:nvPr/>
-        </p:nvPicPr>
-        <p:blipFill>
-          <a:blip r:embed="rId3"/>
-          <a:stretch>
-            <a:fillRect/>
-          </a:stretch>
-        </p:blipFill>
-        <p:spPr>
-          <a:xfrm>
-            <a:off x="691599" y="1482437"/>
-            <a:ext cx="8024963" cy="2885108"/>
-          </a:xfrm>
-          <a:prstGeom prst="rect">
-            <a:avLst/>
-          </a:prstGeom>
-        </p:spPr>
-      </p:pic>
       <p:sp>
         <p:nvSpPr>
           <p:cNvPr id="6" name="TextBox 5"/>
@@ -6344,30 +6302,6 @@
           <a:chExt cx="0" cy="0"/>
         </a:xfrm>
       </p:grpSpPr>
-      <p:pic>
-        <p:nvPicPr>
-          <p:cNvPr id="2" name="Picture 1" descr="gradient_bg.png"/>
-          <p:cNvPicPr>
-            <a:picLocks noChangeAspect="1"/>
-          </p:cNvPicPr>
-          <p:nvPr/>
-        </p:nvPicPr>
-        <p:blipFill>
-          <a:blip r:embed="rId2"/>
-          <a:stretch>
-            <a:fillRect/>
-          </a:stretch>
-        </p:blipFill>
-        <p:spPr>
-          <a:xfrm>
-            <a:off x="0" y="0"/>
-            <a:ext cx="9144000" cy="6858000"/>
-          </a:xfrm>
-          <a:prstGeom prst="rect">
-            <a:avLst/>
-          </a:prstGeom>
-        </p:spPr>
-      </p:pic>
       <p:sp>
         <p:nvSpPr>
           <p:cNvPr id="3" name="TextBox 2"/>
@@ -6391,7 +6325,7 @@
           <a:lstStyle/>
           <a:p>
             <a:r>
-              <a:t>TC‑006 체크아웃 Validation &amp; Total Math</a:t>
+              <a:t>7. Test Results &amp; Coverage</a:t>
             </a:r>
           </a:p>
         </p:txBody>
@@ -6404,8 +6338,8 @@
         </p:nvSpPr>
         <p:spPr>
           <a:xfrm>
-            <a:off x="270625" y="1208116"/>
-            <a:ext cx="8316833" cy="3742575"/>
+            <a:off x="510771" y="1189644"/>
+            <a:ext cx="7906327" cy="3557847"/>
           </a:xfrm>
           <a:prstGeom prst="roundRect">
             <a:avLst/>
@@ -6442,141 +6376,54 @@
           </a:p>
         </p:txBody>
       </p:sp>
-      <p:pic>
-        <p:nvPicPr>
-          <p:cNvPr id="5" name="Picture 4" descr="checkout_info.png"/>
-          <p:cNvPicPr>
-            <a:picLocks noChangeAspect="1"/>
-          </p:cNvPicPr>
-          <p:nvPr/>
-        </p:nvPicPr>
-        <p:blipFill>
-          <a:blip r:embed="rId3"/>
-          <a:stretch>
-            <a:fillRect/>
-          </a:stretch>
-        </p:blipFill>
-        <p:spPr>
-          <a:xfrm>
-            <a:off x="544945" y="1482437"/>
-            <a:ext cx="7831685" cy="2959506"/>
-          </a:xfrm>
-          <a:prstGeom prst="rect">
-            <a:avLst/>
-          </a:prstGeom>
-        </p:spPr>
-      </p:pic>
-      <p:sp>
-        <p:nvSpPr>
-          <p:cNvPr id="6" name="TextBox 5"/>
-          <p:cNvSpPr txBox="1"/>
-          <p:nvPr/>
-        </p:nvSpPr>
-        <p:spPr>
-          <a:xfrm>
-            <a:off x="822960" y="5669280"/>
-            <a:ext cx="10789920" cy="830997"/>
-          </a:xfrm>
-          <a:prstGeom prst="rect">
-            <a:avLst/>
-          </a:prstGeom>
-          <a:noFill/>
-        </p:spPr>
-        <p:txBody>
-          <a:bodyPr wrap="square">
-            <a:spAutoFit/>
-          </a:bodyPr>
-          <a:lstStyle/>
-          <a:p>
-            <a:pPr>
-              <a:defRPr sz="1600">
-                <a:solidFill>
-                  <a:srgbClr val="1E1E1E"/>
-                </a:solidFill>
-              </a:defRPr>
-            </a:pPr>
-            <a:r>
-              <a:rPr lang="ko-KR" altLang="en-US" dirty="0"/>
-              <a:t>목적</a:t>
-            </a:r>
-            <a:r>
-              <a:rPr lang="en-US" altLang="ko-KR" dirty="0"/>
-              <a:t>: </a:t>
-            </a:r>
-            <a:r>
-              <a:rPr lang="ko-KR" altLang="en-US" dirty="0"/>
-              <a:t>필수 값 검증 및 총액 계산 확인</a:t>
-            </a:r>
-          </a:p>
-          <a:p>
-            <a:pPr>
-              <a:defRPr sz="1600">
-                <a:solidFill>
-                  <a:srgbClr val="1E1E1E"/>
-                </a:solidFill>
-              </a:defRPr>
-            </a:pPr>
-            <a:r>
-              <a:rPr lang="ko-KR" altLang="en-US" dirty="0"/>
-              <a:t>절차</a:t>
-            </a:r>
-            <a:r>
-              <a:rPr lang="en-US" altLang="ko-KR" dirty="0"/>
-              <a:t>: </a:t>
-            </a:r>
-            <a:r>
-              <a:rPr lang="ko-KR" altLang="en-US" dirty="0"/>
-              <a:t>빈 값 제출 → 오류 확인 → 정보 입력 → 주문 개요 페이지 확인</a:t>
-            </a:r>
-          </a:p>
-          <a:p>
-            <a:pPr>
-              <a:defRPr sz="1600">
-                <a:solidFill>
-                  <a:srgbClr val="1E1E1E"/>
-                </a:solidFill>
-              </a:defRPr>
-            </a:pPr>
-            <a:r>
-              <a:rPr lang="ko-KR" altLang="en-US" dirty="0"/>
-              <a:t>기대 결과</a:t>
-            </a:r>
-            <a:r>
-              <a:rPr lang="en-US" altLang="ko-KR" dirty="0"/>
-              <a:t>: </a:t>
-            </a:r>
-            <a:r>
-              <a:rPr lang="ko-KR" altLang="en-US" dirty="0"/>
-              <a:t>오류 메시지 출력</a:t>
-            </a:r>
-            <a:r>
-              <a:rPr lang="en-US" altLang="ko-KR" dirty="0"/>
-              <a:t>, </a:t>
-            </a:r>
-            <a:r>
-              <a:rPr lang="ko-KR" altLang="en-US" dirty="0"/>
-              <a:t>소계 </a:t>
-            </a:r>
-            <a:r>
-              <a:rPr lang="en-US" altLang="ko-KR" dirty="0"/>
-              <a:t>+ </a:t>
-            </a:r>
-            <a:r>
-              <a:rPr lang="ko-KR" altLang="en-US" dirty="0"/>
-              <a:t>세금 </a:t>
-            </a:r>
-            <a:r>
-              <a:rPr lang="en-US" altLang="ko-KR" dirty="0"/>
-              <a:t>= </a:t>
-            </a:r>
-            <a:r>
-              <a:rPr lang="ko-KR" altLang="en-US" dirty="0"/>
-              <a:t>총액</a:t>
-            </a:r>
-            <a:endParaRPr dirty="0"/>
-          </a:p>
-        </p:txBody>
-      </p:sp>
+      <p:graphicFrame>
+        <p:nvGraphicFramePr>
+          <p:cNvPr id="5" name="Chart 4"/>
+          <p:cNvGraphicFramePr>
+            <a:graphicFrameLocks noGrp="1"/>
+          </p:cNvGraphicFramePr>
+          <p:nvPr>
+            <p:extLst>
+              <p:ext uri="{D42A27DB-BD31-4B8C-83A1-F6EECF244321}">
+                <p14:modId xmlns:p14="http://schemas.microsoft.com/office/powerpoint/2010/main" val="1294357171"/>
+              </p:ext>
+            </p:extLst>
+          </p:nvPr>
+        </p:nvGraphicFramePr>
+        <p:xfrm>
+          <a:off x="967971" y="1738284"/>
+          <a:ext cx="3162531" cy="2371898"/>
+        </p:xfrm>
+        <a:graphic>
+          <a:graphicData uri="http://schemas.openxmlformats.org/drawingml/2006/chart">
+            <c:chart xmlns:c="http://schemas.openxmlformats.org/drawingml/2006/chart" xmlns:r="http://schemas.openxmlformats.org/officeDocument/2006/relationships" r:id="rId2"/>
+          </a:graphicData>
+        </a:graphic>
+      </p:graphicFrame>
+      <p:graphicFrame>
+        <p:nvGraphicFramePr>
+          <p:cNvPr id="6" name="Chart 5"/>
+          <p:cNvGraphicFramePr>
+            <a:graphicFrameLocks noGrp="1"/>
+          </p:cNvGraphicFramePr>
+          <p:nvPr>
+            <p:extLst>
+              <p:ext uri="{D42A27DB-BD31-4B8C-83A1-F6EECF244321}">
+                <p14:modId xmlns:p14="http://schemas.microsoft.com/office/powerpoint/2010/main" val="2967372282"/>
+              </p:ext>
+            </p:extLst>
+          </p:nvPr>
+        </p:nvGraphicFramePr>
+        <p:xfrm>
+          <a:off x="4413597" y="1738284"/>
+          <a:ext cx="3491961" cy="2371898"/>
+        </p:xfrm>
+        <a:graphic>
+          <a:graphicData uri="http://schemas.openxmlformats.org/drawingml/2006/chart">
+            <c:chart xmlns:c="http://schemas.openxmlformats.org/drawingml/2006/chart" xmlns:r="http://schemas.openxmlformats.org/officeDocument/2006/relationships" r:id="rId3"/>
+          </a:graphicData>
+        </a:graphic>
+      </p:graphicFrame>
     </p:spTree>
   </p:cSld>
   <p:clrMapOvr>
@@ -6602,30 +6449,6 @@
           <a:chExt cx="0" cy="0"/>
         </a:xfrm>
       </p:grpSpPr>
-      <p:pic>
-        <p:nvPicPr>
-          <p:cNvPr id="2" name="Picture 1" descr="gradient_bg.png"/>
-          <p:cNvPicPr>
-            <a:picLocks noChangeAspect="1"/>
-          </p:cNvPicPr>
-          <p:nvPr/>
-        </p:nvPicPr>
-        <p:blipFill>
-          <a:blip r:embed="rId2"/>
-          <a:stretch>
-            <a:fillRect/>
-          </a:stretch>
-        </p:blipFill>
-        <p:spPr>
-          <a:xfrm>
-            <a:off x="0" y="0"/>
-            <a:ext cx="9144000" cy="6858000"/>
-          </a:xfrm>
-          <a:prstGeom prst="rect">
-            <a:avLst/>
-          </a:prstGeom>
-        </p:spPr>
-      </p:pic>
       <p:sp>
         <p:nvSpPr>
           <p:cNvPr id="3" name="TextBox 2"/>
@@ -6649,7 +6472,7 @@
           <a:lstStyle/>
           <a:p>
             <a:r>
-              <a:t>7. Test Results &amp; Coverage</a:t>
+              <a:t>8. CI Pipeline (GitHub Actions)</a:t>
             </a:r>
           </a:p>
         </p:txBody>
@@ -6662,8 +6485,8 @@
         </p:nvSpPr>
         <p:spPr>
           <a:xfrm>
-            <a:off x="510771" y="1189644"/>
-            <a:ext cx="7906327" cy="3557847"/>
+            <a:off x="589542" y="1280160"/>
+            <a:ext cx="7940502" cy="4139738"/>
           </a:xfrm>
           <a:prstGeom prst="roundRect">
             <a:avLst/>
@@ -6700,54 +6523,157 @@
           </a:p>
         </p:txBody>
       </p:sp>
-      <p:graphicFrame>
-        <p:nvGraphicFramePr>
-          <p:cNvPr id="5" name="Chart 4"/>
-          <p:cNvGraphicFramePr>
-            <a:graphicFrameLocks noGrp="1"/>
-          </p:cNvGraphicFramePr>
-          <p:nvPr>
-            <p:extLst>
-              <p:ext uri="{D42A27DB-BD31-4B8C-83A1-F6EECF244321}">
-                <p14:modId xmlns:p14="http://schemas.microsoft.com/office/powerpoint/2010/main" val="1294357171"/>
-              </p:ext>
-            </p:extLst>
-          </p:nvPr>
-        </p:nvGraphicFramePr>
-        <p:xfrm>
-          <a:off x="967971" y="1738284"/>
-          <a:ext cx="3162531" cy="2371898"/>
-        </p:xfrm>
-        <a:graphic>
-          <a:graphicData uri="http://schemas.openxmlformats.org/drawingml/2006/chart">
-            <c:chart xmlns:c="http://schemas.openxmlformats.org/drawingml/2006/chart" xmlns:r="http://schemas.openxmlformats.org/officeDocument/2006/relationships" r:id="rId3"/>
-          </a:graphicData>
-        </a:graphic>
-      </p:graphicFrame>
-      <p:graphicFrame>
-        <p:nvGraphicFramePr>
-          <p:cNvPr id="6" name="Chart 5"/>
-          <p:cNvGraphicFramePr>
-            <a:graphicFrameLocks noGrp="1"/>
-          </p:cNvGraphicFramePr>
-          <p:nvPr>
-            <p:extLst>
-              <p:ext uri="{D42A27DB-BD31-4B8C-83A1-F6EECF244321}">
-                <p14:modId xmlns:p14="http://schemas.microsoft.com/office/powerpoint/2010/main" val="2967372282"/>
-              </p:ext>
-            </p:extLst>
-          </p:nvPr>
-        </p:nvGraphicFramePr>
-        <p:xfrm>
-          <a:off x="4413597" y="1738284"/>
-          <a:ext cx="3491961" cy="2371898"/>
-        </p:xfrm>
-        <a:graphic>
-          <a:graphicData uri="http://schemas.openxmlformats.org/drawingml/2006/chart">
-            <c:chart xmlns:c="http://schemas.openxmlformats.org/drawingml/2006/chart" xmlns:r="http://schemas.openxmlformats.org/officeDocument/2006/relationships" r:id="rId4"/>
-          </a:graphicData>
-        </a:graphic>
-      </p:graphicFrame>
+      <p:sp>
+        <p:nvSpPr>
+          <p:cNvPr id="5" name="TextBox 4"/>
+          <p:cNvSpPr txBox="1"/>
+          <p:nvPr/>
+        </p:nvSpPr>
+        <p:spPr>
+          <a:xfrm>
+            <a:off x="874022" y="1555404"/>
+            <a:ext cx="7808160" cy="2585323"/>
+          </a:xfrm>
+          <a:prstGeom prst="rect">
+            <a:avLst/>
+          </a:prstGeom>
+          <a:noFill/>
+        </p:spPr>
+        <p:txBody>
+          <a:bodyPr wrap="square">
+            <a:spAutoFit/>
+          </a:bodyPr>
+          <a:lstStyle/>
+          <a:p>
+            <a:r>
+              <a:rPr lang="ko-KR" altLang="en-US" b="1" dirty="0"/>
+              <a:t>구성 요소</a:t>
+            </a:r>
+          </a:p>
+          <a:p>
+            <a:r>
+              <a:rPr lang="en-US" altLang="ko-KR" dirty="0"/>
+              <a:t>Python 3.10–3.12 matrix</a:t>
+            </a:r>
+          </a:p>
+          <a:p>
+            <a:r>
+              <a:rPr lang="en-US" altLang="ko-KR" dirty="0"/>
+              <a:t>Chrome + </a:t>
+            </a:r>
+            <a:r>
+              <a:rPr lang="en-US" altLang="ko-KR" dirty="0" err="1"/>
+              <a:t>ChromeDriver</a:t>
+            </a:r>
+            <a:r>
+              <a:rPr lang="en-US" altLang="ko-KR" dirty="0"/>
+              <a:t> </a:t>
+            </a:r>
+            <a:r>
+              <a:rPr lang="ko-KR" altLang="en-US" dirty="0"/>
+              <a:t>자동 설치</a:t>
+            </a:r>
+          </a:p>
+          <a:p>
+            <a:r>
+              <a:rPr lang="en-US" altLang="ko-KR" dirty="0"/>
+              <a:t>Headless </a:t>
+            </a:r>
+            <a:r>
+              <a:rPr lang="ko-KR" altLang="en-US" dirty="0"/>
+              <a:t>모드에서 </a:t>
+            </a:r>
+            <a:r>
+              <a:rPr lang="en-US" altLang="ko-KR" dirty="0" err="1"/>
+              <a:t>pytest</a:t>
+            </a:r>
+            <a:r>
+              <a:rPr lang="en-US" altLang="ko-KR" dirty="0"/>
+              <a:t> </a:t>
+            </a:r>
+            <a:r>
+              <a:rPr lang="ko-KR" altLang="en-US" dirty="0"/>
+              <a:t>실행</a:t>
+            </a:r>
+          </a:p>
+          <a:p>
+            <a:r>
+              <a:rPr lang="en-US" altLang="ko-KR" dirty="0"/>
+              <a:t>HTML </a:t>
+            </a:r>
+            <a:r>
+              <a:rPr lang="ko-KR" altLang="en-US" dirty="0"/>
+              <a:t>리포트 </a:t>
+            </a:r>
+            <a:r>
+              <a:rPr lang="en-US" altLang="ko-KR" dirty="0"/>
+              <a:t>+ </a:t>
+            </a:r>
+            <a:r>
+              <a:rPr lang="ko-KR" altLang="en-US" dirty="0"/>
+              <a:t>스크린샷 </a:t>
+            </a:r>
+            <a:r>
+              <a:rPr lang="ko-KR" altLang="en-US" dirty="0" err="1"/>
+              <a:t>아티팩트</a:t>
+            </a:r>
+            <a:r>
+              <a:rPr lang="ko-KR" altLang="en-US" dirty="0"/>
+              <a:t> 업로드</a:t>
+            </a:r>
+            <a:endParaRPr lang="en-US" altLang="ko-KR" dirty="0"/>
+          </a:p>
+          <a:p>
+            <a:endParaRPr lang="ko-KR" altLang="en-US" dirty="0"/>
+          </a:p>
+          <a:p>
+            <a:r>
+              <a:rPr lang="ko-KR" altLang="en-US" b="1" dirty="0"/>
+              <a:t>트리거 조건</a:t>
+            </a:r>
+          </a:p>
+          <a:p>
+            <a:r>
+              <a:rPr lang="en-US" altLang="ko-KR" b="1" dirty="0"/>
+              <a:t>Pull Request:</a:t>
+            </a:r>
+            <a:r>
+              <a:rPr lang="ko-KR" altLang="en-US" dirty="0"/>
+              <a:t> </a:t>
+            </a:r>
+            <a:r>
+              <a:rPr lang="ko-KR" altLang="en-US" dirty="0" err="1"/>
+              <a:t>스모크</a:t>
+            </a:r>
+            <a:r>
+              <a:rPr lang="ko-KR" altLang="en-US" dirty="0"/>
+              <a:t> 테스트</a:t>
+            </a:r>
+          </a:p>
+          <a:p>
+            <a:r>
+              <a:rPr lang="en-US" altLang="ko-KR" b="1" dirty="0"/>
+              <a:t>main </a:t>
+            </a:r>
+            <a:r>
+              <a:rPr lang="ko-KR" altLang="en-US" b="1" dirty="0" err="1"/>
+              <a:t>브랜치</a:t>
+            </a:r>
+            <a:r>
+              <a:rPr lang="ko-KR" altLang="en-US" b="1" dirty="0"/>
+              <a:t> </a:t>
+            </a:r>
+            <a:r>
+              <a:rPr lang="en-US" altLang="ko-KR" b="1" dirty="0"/>
+              <a:t>push:</a:t>
+            </a:r>
+            <a:r>
+              <a:rPr lang="ko-KR" altLang="en-US" dirty="0"/>
+              <a:t> 전체 회귀 테스트</a:t>
+            </a:r>
+          </a:p>
+        </p:txBody>
+      </p:sp>
     </p:spTree>
   </p:cSld>
   <p:clrMapOvr>
@@ -6773,304 +6699,6 @@
           <a:chExt cx="0" cy="0"/>
         </a:xfrm>
       </p:grpSpPr>
-      <p:pic>
-        <p:nvPicPr>
-          <p:cNvPr id="2" name="Picture 1" descr="gradient_bg.png"/>
-          <p:cNvPicPr>
-            <a:picLocks noChangeAspect="1"/>
-          </p:cNvPicPr>
-          <p:nvPr/>
-        </p:nvPicPr>
-        <p:blipFill>
-          <a:blip r:embed="rId2"/>
-          <a:stretch>
-            <a:fillRect/>
-          </a:stretch>
-        </p:blipFill>
-        <p:spPr>
-          <a:xfrm>
-            <a:off x="0" y="0"/>
-            <a:ext cx="9144000" cy="6858000"/>
-          </a:xfrm>
-          <a:prstGeom prst="rect">
-            <a:avLst/>
-          </a:prstGeom>
-        </p:spPr>
-      </p:pic>
-      <p:sp>
-        <p:nvSpPr>
-          <p:cNvPr id="3" name="TextBox 2"/>
-          <p:cNvSpPr txBox="1"/>
-          <p:nvPr/>
-        </p:nvSpPr>
-        <p:spPr>
-          <a:xfrm>
-            <a:off x="640080" y="274320"/>
-            <a:ext cx="10972800" cy="731520"/>
-          </a:xfrm>
-          <a:prstGeom prst="rect">
-            <a:avLst/>
-          </a:prstGeom>
-          <a:noFill/>
-        </p:spPr>
-        <p:txBody>
-          <a:bodyPr wrap="none">
-            <a:spAutoFit/>
-          </a:bodyPr>
-          <a:lstStyle/>
-          <a:p>
-            <a:r>
-              <a:t>8. CI Pipeline (GitHub Actions)</a:t>
-            </a:r>
-          </a:p>
-        </p:txBody>
-      </p:sp>
-      <p:sp>
-        <p:nvSpPr>
-          <p:cNvPr id="4" name="Rounded Rectangle 3"/>
-          <p:cNvSpPr/>
-          <p:nvPr/>
-        </p:nvSpPr>
-        <p:spPr>
-          <a:xfrm>
-            <a:off x="589542" y="1280160"/>
-            <a:ext cx="7940502" cy="4139738"/>
-          </a:xfrm>
-          <a:prstGeom prst="roundRect">
-            <a:avLst/>
-          </a:prstGeom>
-          <a:solidFill>
-            <a:srgbClr val="FFFFFF"/>
-          </a:solidFill>
-          <a:ln>
-            <a:solidFill>
-              <a:srgbClr val="F0F0F0"/>
-            </a:solidFill>
-          </a:ln>
-        </p:spPr>
-        <p:style>
-          <a:lnRef idx="1">
-            <a:schemeClr val="accent1"/>
-          </a:lnRef>
-          <a:fillRef idx="3">
-            <a:schemeClr val="accent1"/>
-          </a:fillRef>
-          <a:effectRef idx="2">
-            <a:schemeClr val="accent1"/>
-          </a:effectRef>
-          <a:fontRef idx="minor">
-            <a:schemeClr val="lt1"/>
-          </a:fontRef>
-        </p:style>
-        <p:txBody>
-          <a:bodyPr rtlCol="0" anchor="ctr"/>
-          <a:lstStyle/>
-          <a:p>
-            <a:pPr algn="ctr"/>
-            <a:endParaRPr/>
-          </a:p>
-        </p:txBody>
-      </p:sp>
-      <p:sp>
-        <p:nvSpPr>
-          <p:cNvPr id="5" name="TextBox 4"/>
-          <p:cNvSpPr txBox="1"/>
-          <p:nvPr/>
-        </p:nvSpPr>
-        <p:spPr>
-          <a:xfrm>
-            <a:off x="874022" y="1555404"/>
-            <a:ext cx="7808160" cy="2585323"/>
-          </a:xfrm>
-          <a:prstGeom prst="rect">
-            <a:avLst/>
-          </a:prstGeom>
-          <a:noFill/>
-        </p:spPr>
-        <p:txBody>
-          <a:bodyPr wrap="square">
-            <a:spAutoFit/>
-          </a:bodyPr>
-          <a:lstStyle/>
-          <a:p>
-            <a:r>
-              <a:rPr lang="ko-KR" altLang="en-US" b="1" dirty="0"/>
-              <a:t>구성 요소</a:t>
-            </a:r>
-          </a:p>
-          <a:p>
-            <a:r>
-              <a:rPr lang="en-US" altLang="ko-KR" dirty="0"/>
-              <a:t>Python 3.10–3.12 matrix</a:t>
-            </a:r>
-          </a:p>
-          <a:p>
-            <a:r>
-              <a:rPr lang="en-US" altLang="ko-KR" dirty="0"/>
-              <a:t>Chrome + </a:t>
-            </a:r>
-            <a:r>
-              <a:rPr lang="en-US" altLang="ko-KR" dirty="0" err="1"/>
-              <a:t>ChromeDriver</a:t>
-            </a:r>
-            <a:r>
-              <a:rPr lang="en-US" altLang="ko-KR" dirty="0"/>
-              <a:t> </a:t>
-            </a:r>
-            <a:r>
-              <a:rPr lang="ko-KR" altLang="en-US" dirty="0"/>
-              <a:t>자동 설치</a:t>
-            </a:r>
-          </a:p>
-          <a:p>
-            <a:r>
-              <a:rPr lang="en-US" altLang="ko-KR" dirty="0"/>
-              <a:t>Headless </a:t>
-            </a:r>
-            <a:r>
-              <a:rPr lang="ko-KR" altLang="en-US" dirty="0"/>
-              <a:t>모드에서 </a:t>
-            </a:r>
-            <a:r>
-              <a:rPr lang="en-US" altLang="ko-KR" dirty="0" err="1"/>
-              <a:t>pytest</a:t>
-            </a:r>
-            <a:r>
-              <a:rPr lang="en-US" altLang="ko-KR" dirty="0"/>
-              <a:t> </a:t>
-            </a:r>
-            <a:r>
-              <a:rPr lang="ko-KR" altLang="en-US" dirty="0"/>
-              <a:t>실행</a:t>
-            </a:r>
-          </a:p>
-          <a:p>
-            <a:r>
-              <a:rPr lang="en-US" altLang="ko-KR" dirty="0"/>
-              <a:t>HTML </a:t>
-            </a:r>
-            <a:r>
-              <a:rPr lang="ko-KR" altLang="en-US" dirty="0"/>
-              <a:t>리포트 </a:t>
-            </a:r>
-            <a:r>
-              <a:rPr lang="en-US" altLang="ko-KR" dirty="0"/>
-              <a:t>+ </a:t>
-            </a:r>
-            <a:r>
-              <a:rPr lang="ko-KR" altLang="en-US" dirty="0"/>
-              <a:t>스크린샷 </a:t>
-            </a:r>
-            <a:r>
-              <a:rPr lang="ko-KR" altLang="en-US" dirty="0" err="1"/>
-              <a:t>아티팩트</a:t>
-            </a:r>
-            <a:r>
-              <a:rPr lang="ko-KR" altLang="en-US" dirty="0"/>
-              <a:t> 업로드</a:t>
-            </a:r>
-            <a:endParaRPr lang="en-US" altLang="ko-KR" dirty="0"/>
-          </a:p>
-          <a:p>
-            <a:endParaRPr lang="ko-KR" altLang="en-US" dirty="0"/>
-          </a:p>
-          <a:p>
-            <a:r>
-              <a:rPr lang="ko-KR" altLang="en-US" b="1" dirty="0"/>
-              <a:t>트리거 조건</a:t>
-            </a:r>
-          </a:p>
-          <a:p>
-            <a:r>
-              <a:rPr lang="en-US" altLang="ko-KR" b="1" dirty="0"/>
-              <a:t>Pull Request:</a:t>
-            </a:r>
-            <a:r>
-              <a:rPr lang="ko-KR" altLang="en-US" dirty="0"/>
-              <a:t> </a:t>
-            </a:r>
-            <a:r>
-              <a:rPr lang="ko-KR" altLang="en-US" dirty="0" err="1"/>
-              <a:t>스모크</a:t>
-            </a:r>
-            <a:r>
-              <a:rPr lang="ko-KR" altLang="en-US" dirty="0"/>
-              <a:t> 테스트</a:t>
-            </a:r>
-          </a:p>
-          <a:p>
-            <a:r>
-              <a:rPr lang="en-US" altLang="ko-KR" b="1" dirty="0"/>
-              <a:t>main </a:t>
-            </a:r>
-            <a:r>
-              <a:rPr lang="ko-KR" altLang="en-US" b="1" dirty="0" err="1"/>
-              <a:t>브랜치</a:t>
-            </a:r>
-            <a:r>
-              <a:rPr lang="ko-KR" altLang="en-US" b="1" dirty="0"/>
-              <a:t> </a:t>
-            </a:r>
-            <a:r>
-              <a:rPr lang="en-US" altLang="ko-KR" b="1" dirty="0"/>
-              <a:t>push:</a:t>
-            </a:r>
-            <a:r>
-              <a:rPr lang="ko-KR" altLang="en-US" dirty="0"/>
-              <a:t> 전체 회귀 테스트</a:t>
-            </a:r>
-          </a:p>
-        </p:txBody>
-      </p:sp>
-    </p:spTree>
-  </p:cSld>
-  <p:clrMapOvr>
-    <a:masterClrMapping/>
-  </p:clrMapOvr>
-</p:sld>
-</file>
-
-<file path=ppt/slides/slide24.xml><?xml version="1.0" encoding="utf-8"?>
-<p:sld xmlns:a="http://schemas.openxmlformats.org/drawingml/2006/main" xmlns:r="http://schemas.openxmlformats.org/officeDocument/2006/relationships" xmlns:p="http://schemas.openxmlformats.org/presentationml/2006/main">
-  <p:cSld>
-    <p:spTree>
-      <p:nvGrpSpPr>
-        <p:cNvPr id="1" name=""/>
-        <p:cNvGrpSpPr/>
-        <p:nvPr/>
-      </p:nvGrpSpPr>
-      <p:grpSpPr>
-        <a:xfrm>
-          <a:off x="0" y="0"/>
-          <a:ext cx="0" cy="0"/>
-          <a:chOff x="0" y="0"/>
-          <a:chExt cx="0" cy="0"/>
-        </a:xfrm>
-      </p:grpSpPr>
-      <p:pic>
-        <p:nvPicPr>
-          <p:cNvPr id="2" name="Picture 1" descr="gradient_bg.png"/>
-          <p:cNvPicPr>
-            <a:picLocks noChangeAspect="1"/>
-          </p:cNvPicPr>
-          <p:nvPr/>
-        </p:nvPicPr>
-        <p:blipFill>
-          <a:blip r:embed="rId2"/>
-          <a:stretch>
-            <a:fillRect/>
-          </a:stretch>
-        </p:blipFill>
-        <p:spPr>
-          <a:xfrm>
-            <a:off x="0" y="0"/>
-            <a:ext cx="9144000" cy="6858000"/>
-          </a:xfrm>
-          <a:prstGeom prst="rect">
-            <a:avLst/>
-          </a:prstGeom>
-        </p:spPr>
-      </p:pic>
       <p:sp>
         <p:nvSpPr>
           <p:cNvPr id="3" name="TextBox 2"/>
@@ -7312,7 +6940,7 @@
           <p:nvPr>
             <p:extLst>
               <p:ext uri="{D42A27DB-BD31-4B8C-83A1-F6EECF244321}">
-                <p14:modId xmlns:p14="http://schemas.microsoft.com/office/powerpoint/2010/main" val="4127352579"/>
+                <p14:modId xmlns:p14="http://schemas.microsoft.com/office/powerpoint/2010/main" val="1565999213"/>
               </p:ext>
             </p:extLst>
           </p:nvPr>
@@ -7358,11 +6986,15 @@
                         <a:buNone/>
                       </a:pPr>
                       <a:r>
-                        <a:rPr lang="en-US"/>
-                        <a:t>ChromeDriver </a:t>
+                        <a:rPr lang="en-US" dirty="0" err="1"/>
+                        <a:t>ChromeDriver</a:t>
                       </a:r>
                       <a:r>
-                        <a:rPr lang="ko-KR" altLang="en-US"/>
+                        <a:rPr lang="en-US" dirty="0"/>
+                        <a:t> </a:t>
+                      </a:r>
+                      <a:r>
+                        <a:rPr lang="ko-KR" altLang="en-US" dirty="0"/>
                         <a:t>버전 불일치</a:t>
                       </a:r>
                     </a:p>
@@ -7797,7 +7429,7 @@
 </p:sld>
 </file>
 
-<file path=ppt/slides/slide25.xml><?xml version="1.0" encoding="utf-8"?>
+<file path=ppt/slides/slide24.xml><?xml version="1.0" encoding="utf-8"?>
 <p:sld xmlns:a="http://schemas.openxmlformats.org/drawingml/2006/main" xmlns:r="http://schemas.openxmlformats.org/officeDocument/2006/relationships" xmlns:p="http://schemas.openxmlformats.org/presentationml/2006/main">
   <p:cSld>
     <p:spTree>
@@ -7814,30 +7446,6 @@
           <a:chExt cx="0" cy="0"/>
         </a:xfrm>
       </p:grpSpPr>
-      <p:pic>
-        <p:nvPicPr>
-          <p:cNvPr id="2" name="Picture 1" descr="gradient_bg.png"/>
-          <p:cNvPicPr>
-            <a:picLocks noChangeAspect="1"/>
-          </p:cNvPicPr>
-          <p:nvPr/>
-        </p:nvPicPr>
-        <p:blipFill>
-          <a:blip r:embed="rId2"/>
-          <a:stretch>
-            <a:fillRect/>
-          </a:stretch>
-        </p:blipFill>
-        <p:spPr>
-          <a:xfrm>
-            <a:off x="0" y="0"/>
-            <a:ext cx="9144000" cy="6858000"/>
-          </a:xfrm>
-          <a:prstGeom prst="rect">
-            <a:avLst/>
-          </a:prstGeom>
-        </p:spPr>
-      </p:pic>
       <p:sp>
         <p:nvSpPr>
           <p:cNvPr id="3" name="TextBox 2"/>
@@ -7942,7 +7550,7 @@
           <a:p>
             <a:r>
               <a:rPr lang="en-US" altLang="ko-KR" dirty="0" err="1"/>
-              <a:t>SauceDemo</a:t>
+              <a:t>catshop</a:t>
             </a:r>
             <a:r>
               <a:rPr lang="en-US" altLang="ko-KR" dirty="0"/>
@@ -8071,36 +7679,12 @@
           <a:chExt cx="0" cy="0"/>
         </a:xfrm>
       </p:grpSpPr>
-      <p:pic>
-        <p:nvPicPr>
-          <p:cNvPr id="2" name="Picture 1" descr="gradient_bg.png"/>
-          <p:cNvPicPr>
-            <a:picLocks noChangeAspect="1"/>
-          </p:cNvPicPr>
-          <p:nvPr/>
-        </p:nvPicPr>
-        <p:blipFill>
-          <a:blip r:embed="rId2"/>
-          <a:stretch>
-            <a:fillRect/>
-          </a:stretch>
-        </p:blipFill>
-        <p:spPr>
-          <a:xfrm>
-            <a:off x="0" y="0"/>
-            <a:ext cx="9144000" cy="6858000"/>
-          </a:xfrm>
-          <a:prstGeom prst="rect">
-            <a:avLst/>
-          </a:prstGeom>
-        </p:spPr>
-      </p:pic>
       <p:sp>
         <p:nvSpPr>
           <p:cNvPr id="6" name="Rounded Rectangle 3">
             <a:extLst>
               <a:ext uri="{FF2B5EF4-FFF2-40B4-BE49-F238E27FC236}">
-                <a16:creationId xmlns:a16="http://schemas.microsoft.com/office/drawing/2014/main" id="{1562C942-5DE9-CCF1-D516-02CABC7086EF}"/>
+                <a16:creationId xmlns:a16="http://schemas.microsoft.com/office/drawing/2014/main" id="{CC487CF8-9867-B0EE-5351-F288988E2301}"/>
               </a:ext>
             </a:extLst>
           </p:cNvPr>
@@ -8156,7 +7740,7 @@
         <p:spPr>
           <a:xfrm>
             <a:off x="640080" y="274320"/>
-            <a:ext cx="10972800" cy="731520"/>
+            <a:ext cx="2149948" cy="400110"/>
           </a:xfrm>
           <a:prstGeom prst="rect">
             <a:avLst/>
@@ -8170,8 +7754,37 @@
           <a:lstStyle/>
           <a:p>
             <a:r>
-              <a:t>2. 팀 구성 및 역할 (Team Project)</a:t>
-            </a:r>
+              <a:rPr sz="2000" b="1" dirty="0">
+                <a:latin typeface="HY견고딕" panose="02030600000101010101" pitchFamily="18" charset="-127"/>
+                <a:ea typeface="HY견고딕" panose="02030600000101010101" pitchFamily="18" charset="-127"/>
+              </a:rPr>
+              <a:t>1. </a:t>
+            </a:r>
+            <a:r>
+              <a:rPr sz="2000" b="1" dirty="0" err="1">
+                <a:latin typeface="HY견고딕" panose="02030600000101010101" pitchFamily="18" charset="-127"/>
+                <a:ea typeface="HY견고딕" panose="02030600000101010101" pitchFamily="18" charset="-127"/>
+              </a:rPr>
+              <a:t>프로젝트</a:t>
+            </a:r>
+            <a:r>
+              <a:rPr sz="2000" b="1" dirty="0">
+                <a:latin typeface="HY견고딕" panose="02030600000101010101" pitchFamily="18" charset="-127"/>
+                <a:ea typeface="HY견고딕" panose="02030600000101010101" pitchFamily="18" charset="-127"/>
+              </a:rPr>
+              <a:t> </a:t>
+            </a:r>
+            <a:r>
+              <a:rPr sz="2000" b="1" dirty="0" err="1">
+                <a:latin typeface="HY견고딕" panose="02030600000101010101" pitchFamily="18" charset="-127"/>
+                <a:ea typeface="HY견고딕" panose="02030600000101010101" pitchFamily="18" charset="-127"/>
+              </a:rPr>
+              <a:t>개요</a:t>
+            </a:r>
+            <a:endParaRPr sz="2000" b="1" dirty="0">
+              <a:latin typeface="HY견고딕" panose="02030600000101010101" pitchFamily="18" charset="-127"/>
+              <a:ea typeface="HY견고딕" panose="02030600000101010101" pitchFamily="18" charset="-127"/>
+            </a:endParaRPr>
           </a:p>
         </p:txBody>
       </p:sp>
@@ -8184,7 +7797,7 @@
         <p:spPr>
           <a:xfrm>
             <a:off x="822960" y="1280160"/>
-            <a:ext cx="10789920" cy="3139321"/>
+            <a:ext cx="10789920" cy="2862322"/>
           </a:xfrm>
           <a:prstGeom prst="rect">
             <a:avLst/>
@@ -8198,134 +7811,214 @@
           <a:lstStyle/>
           <a:p>
             <a:r>
-              <a:rPr lang="ko-KR" altLang="en-US" b="1" dirty="0"/>
-              <a:t>팀장 </a:t>
-            </a:r>
-            <a:r>
-              <a:rPr lang="en-US" altLang="ko-KR" b="1" dirty="0"/>
-              <a:t>(Team Lead)</a:t>
-            </a:r>
-          </a:p>
-          <a:p>
-            <a:r>
-              <a:rPr lang="ko-KR" altLang="en-US" dirty="0"/>
-              <a:t>전체 일정 관리</a:t>
-            </a:r>
-          </a:p>
-          <a:p>
-            <a:r>
-              <a:rPr lang="ko-KR" altLang="en-US" dirty="0"/>
-              <a:t>테스트 아키텍처 및 통합</a:t>
-            </a:r>
-          </a:p>
-          <a:p>
-            <a:r>
-              <a:rPr lang="en-US" altLang="ko-KR" dirty="0"/>
-              <a:t>CI </a:t>
-            </a:r>
-            <a:r>
-              <a:rPr lang="ko-KR" altLang="en-US" dirty="0"/>
-              <a:t>파이프라인 구축 및 운영</a:t>
-            </a:r>
-          </a:p>
-          <a:p>
-            <a:r>
-              <a:rPr lang="ko-KR" altLang="en-US" dirty="0"/>
-              <a:t>최종 품질 검토</a:t>
-            </a:r>
-            <a:endParaRPr lang="en-US" altLang="ko-KR" dirty="0"/>
-          </a:p>
-          <a:p>
-            <a:endParaRPr lang="ko-KR" altLang="en-US" dirty="0"/>
-          </a:p>
-          <a:p>
-            <a:r>
-              <a:rPr lang="ko-KR" altLang="en-US" b="1" dirty="0"/>
-              <a:t>팀원 </a:t>
-            </a:r>
-            <a:r>
-              <a:rPr lang="en-US" altLang="ko-KR" b="1" dirty="0"/>
-              <a:t>(Team Members)</a:t>
-            </a:r>
-          </a:p>
-          <a:p>
-            <a:r>
-              <a:rPr lang="en-US" altLang="ko-KR" b="1" dirty="0"/>
-              <a:t>QA1:</a:t>
-            </a:r>
-            <a:r>
-              <a:rPr lang="ko-KR" altLang="en-US" dirty="0"/>
-              <a:t> 테스트 케이스 설계</a:t>
-            </a:r>
-            <a:r>
-              <a:rPr lang="en-US" altLang="ko-KR" dirty="0"/>
+              <a:rPr lang="ko-KR" altLang="en-US" b="1" dirty="0">
+                <a:latin typeface="+mj-ea"/>
+                <a:ea typeface="+mj-ea"/>
+              </a:rPr>
+              <a:t>□ 대상 사이트</a:t>
+            </a:r>
+            <a:r>
+              <a:rPr lang="en-US" altLang="ko-KR" b="1" dirty="0">
+                <a:latin typeface="+mj-ea"/>
+                <a:ea typeface="+mj-ea"/>
+              </a:rPr>
+              <a:t>:</a:t>
+            </a:r>
+            <a:r>
+              <a:rPr lang="ko-KR" altLang="en-US" dirty="0">
+                <a:latin typeface="+mj-ea"/>
+                <a:ea typeface="+mj-ea"/>
+              </a:rPr>
+              <a:t> </a:t>
+            </a:r>
+            <a:r>
+              <a:rPr lang="en-US" altLang="ko-KR" dirty="0" err="1">
+                <a:latin typeface="+mj-ea"/>
+                <a:ea typeface="+mj-ea"/>
+              </a:rPr>
+              <a:t>catshop</a:t>
+            </a:r>
+            <a:r>
+              <a:rPr lang="en-US" altLang="ko-KR" dirty="0">
+                <a:latin typeface="+mj-ea"/>
+                <a:ea typeface="+mj-ea"/>
+              </a:rPr>
+              <a:t>(local)</a:t>
+            </a:r>
+          </a:p>
+          <a:p>
+            <a:endParaRPr lang="en-US" altLang="ko-KR" b="1" dirty="0">
+              <a:latin typeface="+mj-ea"/>
+              <a:ea typeface="+mj-ea"/>
+            </a:endParaRPr>
+          </a:p>
+          <a:p>
+            <a:endParaRPr lang="en-US" altLang="ko-KR" b="1" dirty="0">
+              <a:latin typeface="+mj-ea"/>
+              <a:ea typeface="+mj-ea"/>
+            </a:endParaRPr>
+          </a:p>
+          <a:p>
+            <a:r>
+              <a:rPr lang="ko-KR" altLang="en-US" b="1" dirty="0">
+                <a:latin typeface="+mj-ea"/>
+                <a:ea typeface="+mj-ea"/>
+              </a:rPr>
+              <a:t>□ 프로젝트 목표</a:t>
+            </a:r>
+            <a:r>
+              <a:rPr lang="en-US" altLang="ko-KR" b="1" dirty="0">
+                <a:latin typeface="+mj-ea"/>
+                <a:ea typeface="+mj-ea"/>
+              </a:rPr>
+              <a:t>:</a:t>
+            </a:r>
+            <a:r>
+              <a:rPr lang="ko-KR" altLang="en-US" dirty="0">
+                <a:latin typeface="+mj-ea"/>
+                <a:ea typeface="+mj-ea"/>
+              </a:rPr>
+              <a:t> 실무 수준의 </a:t>
+            </a:r>
+            <a:r>
+              <a:rPr lang="en-US" altLang="ko-KR" dirty="0">
+                <a:latin typeface="+mj-ea"/>
+                <a:ea typeface="+mj-ea"/>
+              </a:rPr>
+              <a:t>E2E </a:t>
+            </a:r>
+            <a:r>
+              <a:rPr lang="ko-KR" altLang="en-US" dirty="0">
+                <a:latin typeface="+mj-ea"/>
+                <a:ea typeface="+mj-ea"/>
+              </a:rPr>
+              <a:t>자동화 테스트 구축</a:t>
+            </a:r>
+          </a:p>
+          <a:p>
+            <a:endParaRPr lang="en-US" altLang="ko-KR" b="1" dirty="0">
+              <a:latin typeface="+mj-ea"/>
+              <a:ea typeface="+mj-ea"/>
+            </a:endParaRPr>
+          </a:p>
+          <a:p>
+            <a:endParaRPr lang="en-US" altLang="ko-KR" b="1" dirty="0">
+              <a:latin typeface="+mj-ea"/>
+              <a:ea typeface="+mj-ea"/>
+            </a:endParaRPr>
+          </a:p>
+          <a:p>
+            <a:r>
+              <a:rPr lang="ko-KR" altLang="en-US" b="1" dirty="0">
+                <a:latin typeface="+mj-ea"/>
+                <a:ea typeface="+mj-ea"/>
+              </a:rPr>
+              <a:t>□ 산출물</a:t>
+            </a:r>
+            <a:r>
+              <a:rPr lang="en-US" altLang="ko-KR" b="1" dirty="0">
+                <a:latin typeface="+mj-ea"/>
+                <a:ea typeface="+mj-ea"/>
+              </a:rPr>
+              <a:t>:</a:t>
+            </a:r>
+            <a:r>
+              <a:rPr lang="ko-KR" altLang="en-US" dirty="0">
+                <a:latin typeface="+mj-ea"/>
+                <a:ea typeface="+mj-ea"/>
+              </a:rPr>
+              <a:t> 테스트 스위트</a:t>
+            </a:r>
+            <a:r>
+              <a:rPr lang="en-US" altLang="ko-KR" dirty="0">
+                <a:latin typeface="+mj-ea"/>
+                <a:ea typeface="+mj-ea"/>
+              </a:rPr>
+              <a:t>(</a:t>
+            </a:r>
+            <a:r>
+              <a:rPr lang="en-US" altLang="ko-KR" dirty="0" err="1">
+                <a:latin typeface="+mj-ea"/>
+                <a:ea typeface="+mj-ea"/>
+              </a:rPr>
+              <a:t>pytest</a:t>
+            </a:r>
+            <a:r>
+              <a:rPr lang="en-US" altLang="ko-KR" dirty="0">
+                <a:latin typeface="+mj-ea"/>
+                <a:ea typeface="+mj-ea"/>
+              </a:rPr>
+              <a:t> + Selenium), CI </a:t>
+            </a:r>
+            <a:r>
+              <a:rPr lang="ko-KR" altLang="en-US" dirty="0">
+                <a:latin typeface="+mj-ea"/>
+                <a:ea typeface="+mj-ea"/>
+              </a:rPr>
+              <a:t>파이프라인</a:t>
+            </a:r>
+            <a:r>
+              <a:rPr lang="en-US" altLang="ko-KR" dirty="0">
+                <a:latin typeface="+mj-ea"/>
+                <a:ea typeface="+mj-ea"/>
+              </a:rPr>
               <a:t>, </a:t>
             </a:r>
             <a:r>
-              <a:rPr lang="ko-KR" altLang="en-US" dirty="0"/>
-              <a:t>커버리지 매핑</a:t>
-            </a:r>
-          </a:p>
-          <a:p>
-            <a:r>
-              <a:rPr lang="en-US" altLang="ko-KR" b="1" dirty="0"/>
-              <a:t>QA2:</a:t>
-            </a:r>
-            <a:r>
-              <a:rPr lang="ko-KR" altLang="en-US" dirty="0"/>
+              <a:rPr lang="ko-KR" altLang="en-US" dirty="0">
+                <a:latin typeface="+mj-ea"/>
+                <a:ea typeface="+mj-ea"/>
+              </a:rPr>
+              <a:t>테스트 리포트</a:t>
+            </a:r>
+          </a:p>
+          <a:p>
+            <a:endParaRPr lang="en-US" altLang="ko-KR" b="1" dirty="0">
+              <a:latin typeface="+mj-ea"/>
+              <a:ea typeface="+mj-ea"/>
+            </a:endParaRPr>
+          </a:p>
+          <a:p>
+            <a:endParaRPr lang="en-US" altLang="ko-KR" b="1" dirty="0">
+              <a:latin typeface="+mj-ea"/>
+              <a:ea typeface="+mj-ea"/>
+            </a:endParaRPr>
+          </a:p>
+          <a:p>
+            <a:r>
+              <a:rPr lang="ko-KR" altLang="en-US" b="1" dirty="0">
+                <a:latin typeface="+mj-ea"/>
+                <a:ea typeface="+mj-ea"/>
+              </a:rPr>
+              <a:t>□ 프로젝트 기간</a:t>
+            </a:r>
+            <a:r>
+              <a:rPr lang="en-US" altLang="ko-KR" b="1" dirty="0">
+                <a:latin typeface="+mj-ea"/>
+                <a:ea typeface="+mj-ea"/>
+              </a:rPr>
+              <a:t>:</a:t>
+            </a:r>
+            <a:r>
+              <a:rPr lang="ko-KR" altLang="en-US" dirty="0">
+                <a:latin typeface="+mj-ea"/>
+                <a:ea typeface="+mj-ea"/>
+              </a:rPr>
               <a:t> </a:t>
             </a:r>
             <a:r>
-              <a:rPr lang="en-US" altLang="ko-KR" dirty="0"/>
-              <a:t>Page Object Model(POM) </a:t>
-            </a:r>
-            <a:r>
-              <a:rPr lang="ko-KR" altLang="en-US" dirty="0"/>
-              <a:t>페이지 개발</a:t>
-            </a:r>
-          </a:p>
-          <a:p>
-            <a:r>
-              <a:rPr lang="en-US" altLang="ko-KR" b="1" dirty="0"/>
-              <a:t>QA3:</a:t>
-            </a:r>
-            <a:r>
-              <a:rPr lang="ko-KR" altLang="en-US" dirty="0"/>
-              <a:t> 테스트 스크립트 구현</a:t>
-            </a:r>
-            <a:r>
-              <a:rPr lang="en-US" altLang="ko-KR" dirty="0"/>
-              <a:t>, </a:t>
-            </a:r>
-            <a:r>
-              <a:rPr lang="ko-KR" altLang="en-US" dirty="0"/>
-              <a:t>예외</a:t>
-            </a:r>
-            <a:r>
-              <a:rPr lang="en-US" altLang="ko-KR" dirty="0"/>
-              <a:t>·</a:t>
-            </a:r>
-            <a:r>
-              <a:rPr lang="ko-KR" altLang="en-US" dirty="0"/>
-              <a:t>실패 케이스 처리</a:t>
-            </a:r>
-          </a:p>
-          <a:p>
-            <a:r>
-              <a:rPr lang="en-US" altLang="ko-KR" b="1" dirty="0"/>
-              <a:t>QA4:</a:t>
-            </a:r>
-            <a:r>
-              <a:rPr lang="ko-KR" altLang="en-US" dirty="0"/>
-              <a:t> 결과 분석</a:t>
-            </a:r>
-            <a:r>
-              <a:rPr lang="en-US" altLang="ko-KR" dirty="0"/>
-              <a:t>, </a:t>
-            </a:r>
-            <a:r>
-              <a:rPr lang="ko-KR" altLang="en-US" dirty="0"/>
-              <a:t>보고서 및 발표 자료 제작</a:t>
+              <a:rPr lang="en-US" altLang="ko-KR" dirty="0">
+                <a:latin typeface="+mj-ea"/>
+                <a:ea typeface="+mj-ea"/>
+              </a:rPr>
+              <a:t>2</a:t>
+            </a:r>
+            <a:r>
+              <a:rPr lang="ko-KR" altLang="en-US" dirty="0">
+                <a:latin typeface="+mj-ea"/>
+                <a:ea typeface="+mj-ea"/>
+              </a:rPr>
+              <a:t>주 팀 프로젝트</a:t>
             </a:r>
           </a:p>
         </p:txBody>
@@ -8339,6 +8032,352 @@
 </file>
 
 <file path=ppt/slides/slide4.xml><?xml version="1.0" encoding="utf-8"?>
+<p:sld xmlns:a="http://schemas.openxmlformats.org/drawingml/2006/main" xmlns:r="http://schemas.openxmlformats.org/officeDocument/2006/relationships" xmlns:p="http://schemas.openxmlformats.org/presentationml/2006/main">
+  <p:cSld>
+    <p:spTree>
+      <p:nvGrpSpPr>
+        <p:cNvPr id="1" name=""/>
+        <p:cNvGrpSpPr/>
+        <p:nvPr/>
+      </p:nvGrpSpPr>
+      <p:grpSpPr>
+        <a:xfrm>
+          <a:off x="0" y="0"/>
+          <a:ext cx="0" cy="0"/>
+          <a:chOff x="0" y="0"/>
+          <a:chExt cx="0" cy="0"/>
+        </a:xfrm>
+      </p:grpSpPr>
+      <p:sp>
+        <p:nvSpPr>
+          <p:cNvPr id="6" name="Rounded Rectangle 3">
+            <a:extLst>
+              <a:ext uri="{FF2B5EF4-FFF2-40B4-BE49-F238E27FC236}">
+                <a16:creationId xmlns:a16="http://schemas.microsoft.com/office/drawing/2014/main" id="{1562C942-5DE9-CCF1-D516-02CABC7086EF}"/>
+              </a:ext>
+            </a:extLst>
+          </p:cNvPr>
+          <p:cNvSpPr/>
+          <p:nvPr/>
+        </p:nvSpPr>
+        <p:spPr>
+          <a:xfrm>
+            <a:off x="249382" y="1097280"/>
+            <a:ext cx="8765309" cy="4754880"/>
+          </a:xfrm>
+          <a:prstGeom prst="roundRect">
+            <a:avLst/>
+          </a:prstGeom>
+          <a:solidFill>
+            <a:srgbClr val="FFFFFF"/>
+          </a:solidFill>
+          <a:ln>
+            <a:solidFill>
+              <a:srgbClr val="F0F0F0"/>
+            </a:solidFill>
+          </a:ln>
+        </p:spPr>
+        <p:style>
+          <a:lnRef idx="1">
+            <a:schemeClr val="accent1"/>
+          </a:lnRef>
+          <a:fillRef idx="3">
+            <a:schemeClr val="accent1"/>
+          </a:fillRef>
+          <a:effectRef idx="2">
+            <a:schemeClr val="accent1"/>
+          </a:effectRef>
+          <a:fontRef idx="minor">
+            <a:schemeClr val="lt1"/>
+          </a:fontRef>
+        </p:style>
+        <p:txBody>
+          <a:bodyPr rtlCol="0" anchor="ctr"/>
+          <a:lstStyle/>
+          <a:p>
+            <a:pPr algn="ctr"/>
+            <a:endParaRPr/>
+          </a:p>
+        </p:txBody>
+      </p:sp>
+      <p:sp>
+        <p:nvSpPr>
+          <p:cNvPr id="3" name="TextBox 2"/>
+          <p:cNvSpPr txBox="1"/>
+          <p:nvPr/>
+        </p:nvSpPr>
+        <p:spPr>
+          <a:xfrm>
+            <a:off x="640080" y="274320"/>
+            <a:ext cx="4373313" cy="400110"/>
+          </a:xfrm>
+          <a:prstGeom prst="rect">
+            <a:avLst/>
+          </a:prstGeom>
+          <a:noFill/>
+        </p:spPr>
+        <p:txBody>
+          <a:bodyPr wrap="none">
+            <a:spAutoFit/>
+          </a:bodyPr>
+          <a:lstStyle/>
+          <a:p>
+            <a:r>
+              <a:rPr sz="2000" b="1" dirty="0">
+                <a:latin typeface="HY견고딕" panose="02030600000101010101" pitchFamily="18" charset="-127"/>
+                <a:ea typeface="HY견고딕" panose="02030600000101010101" pitchFamily="18" charset="-127"/>
+              </a:rPr>
+              <a:t>2. 팀 </a:t>
+            </a:r>
+            <a:r>
+              <a:rPr sz="2000" b="1" dirty="0" err="1">
+                <a:latin typeface="HY견고딕" panose="02030600000101010101" pitchFamily="18" charset="-127"/>
+                <a:ea typeface="HY견고딕" panose="02030600000101010101" pitchFamily="18" charset="-127"/>
+              </a:rPr>
+              <a:t>구성</a:t>
+            </a:r>
+            <a:r>
+              <a:rPr sz="2000" b="1" dirty="0">
+                <a:latin typeface="HY견고딕" panose="02030600000101010101" pitchFamily="18" charset="-127"/>
+                <a:ea typeface="HY견고딕" panose="02030600000101010101" pitchFamily="18" charset="-127"/>
+              </a:rPr>
+              <a:t> 및 </a:t>
+            </a:r>
+            <a:r>
+              <a:rPr sz="2000" b="1" dirty="0" err="1">
+                <a:latin typeface="HY견고딕" panose="02030600000101010101" pitchFamily="18" charset="-127"/>
+                <a:ea typeface="HY견고딕" panose="02030600000101010101" pitchFamily="18" charset="-127"/>
+              </a:rPr>
+              <a:t>역할</a:t>
+            </a:r>
+            <a:r>
+              <a:rPr sz="2000" b="1" dirty="0">
+                <a:latin typeface="HY견고딕" panose="02030600000101010101" pitchFamily="18" charset="-127"/>
+                <a:ea typeface="HY견고딕" panose="02030600000101010101" pitchFamily="18" charset="-127"/>
+              </a:rPr>
+              <a:t> (Team Project)</a:t>
+            </a:r>
+          </a:p>
+        </p:txBody>
+      </p:sp>
+      <p:sp>
+        <p:nvSpPr>
+          <p:cNvPr id="5" name="TextBox 4"/>
+          <p:cNvSpPr txBox="1"/>
+          <p:nvPr/>
+        </p:nvSpPr>
+        <p:spPr>
+          <a:xfrm>
+            <a:off x="822960" y="1280160"/>
+            <a:ext cx="10789920" cy="4617611"/>
+          </a:xfrm>
+          <a:prstGeom prst="rect">
+            <a:avLst/>
+          </a:prstGeom>
+          <a:noFill/>
+        </p:spPr>
+        <p:txBody>
+          <a:bodyPr wrap="square">
+            <a:spAutoFit/>
+          </a:bodyPr>
+          <a:lstStyle/>
+          <a:p>
+            <a:pPr>
+              <a:lnSpc>
+                <a:spcPct val="150000"/>
+              </a:lnSpc>
+            </a:pPr>
+            <a:r>
+              <a:rPr lang="ko-KR" altLang="en-US" b="1" dirty="0"/>
+              <a:t>□ 팀장 </a:t>
+            </a:r>
+            <a:r>
+              <a:rPr lang="en-US" altLang="ko-KR" b="1" dirty="0"/>
+              <a:t>(Team Lead)</a:t>
+            </a:r>
+          </a:p>
+          <a:p>
+            <a:pPr>
+              <a:lnSpc>
+                <a:spcPct val="150000"/>
+              </a:lnSpc>
+            </a:pPr>
+            <a:r>
+              <a:rPr lang="en-US" altLang="ko-KR" dirty="0"/>
+              <a:t>   </a:t>
+            </a:r>
+            <a:r>
+              <a:rPr lang="ko-KR" altLang="en-US" dirty="0"/>
+              <a:t>전체 일정 관리</a:t>
+            </a:r>
+          </a:p>
+          <a:p>
+            <a:pPr>
+              <a:lnSpc>
+                <a:spcPct val="150000"/>
+              </a:lnSpc>
+            </a:pPr>
+            <a:r>
+              <a:rPr lang="ko-KR" altLang="en-US" dirty="0"/>
+              <a:t>   테스트 아키텍처 및 통합</a:t>
+            </a:r>
+          </a:p>
+          <a:p>
+            <a:pPr>
+              <a:lnSpc>
+                <a:spcPct val="150000"/>
+              </a:lnSpc>
+            </a:pPr>
+            <a:r>
+              <a:rPr lang="en-US" altLang="ko-KR" dirty="0"/>
+              <a:t>   CI </a:t>
+            </a:r>
+            <a:r>
+              <a:rPr lang="ko-KR" altLang="en-US" dirty="0"/>
+              <a:t>파이프라인 구축 및 운영</a:t>
+            </a:r>
+          </a:p>
+          <a:p>
+            <a:pPr>
+              <a:lnSpc>
+                <a:spcPct val="150000"/>
+              </a:lnSpc>
+            </a:pPr>
+            <a:r>
+              <a:rPr lang="ko-KR" altLang="en-US" dirty="0"/>
+              <a:t>   최종 품질 검토</a:t>
+            </a:r>
+            <a:endParaRPr lang="en-US" altLang="ko-KR" dirty="0"/>
+          </a:p>
+          <a:p>
+            <a:endParaRPr lang="ko-KR" altLang="en-US" dirty="0"/>
+          </a:p>
+          <a:p>
+            <a:pPr>
+              <a:lnSpc>
+                <a:spcPct val="150000"/>
+              </a:lnSpc>
+            </a:pPr>
+            <a:r>
+              <a:rPr lang="ko-KR" altLang="en-US" b="1" dirty="0"/>
+              <a:t>□ 팀원 </a:t>
+            </a:r>
+            <a:r>
+              <a:rPr lang="en-US" altLang="ko-KR" b="1" dirty="0"/>
+              <a:t>(Team Members)</a:t>
+            </a:r>
+          </a:p>
+          <a:p>
+            <a:pPr>
+              <a:lnSpc>
+                <a:spcPct val="150000"/>
+              </a:lnSpc>
+            </a:pPr>
+            <a:r>
+              <a:rPr lang="en-US" altLang="ko-KR" b="1" dirty="0"/>
+              <a:t>   QA1:</a:t>
+            </a:r>
+            <a:r>
+              <a:rPr lang="ko-KR" altLang="en-US" dirty="0"/>
+              <a:t> 테스트 케이스 설계</a:t>
+            </a:r>
+            <a:r>
+              <a:rPr lang="en-US" altLang="ko-KR" dirty="0"/>
+              <a:t>, </a:t>
+            </a:r>
+            <a:r>
+              <a:rPr lang="ko-KR" altLang="en-US" dirty="0"/>
+              <a:t>커버리지 매핑</a:t>
+            </a:r>
+          </a:p>
+          <a:p>
+            <a:pPr>
+              <a:lnSpc>
+                <a:spcPct val="150000"/>
+              </a:lnSpc>
+            </a:pPr>
+            <a:r>
+              <a:rPr lang="en-US" altLang="ko-KR" b="1" dirty="0"/>
+              <a:t>   QA2:</a:t>
+            </a:r>
+            <a:r>
+              <a:rPr lang="ko-KR" altLang="en-US" dirty="0"/>
+              <a:t> </a:t>
+            </a:r>
+            <a:r>
+              <a:rPr lang="en-US" altLang="ko-KR" dirty="0"/>
+              <a:t>Page Object Model(POM) </a:t>
+            </a:r>
+            <a:r>
+              <a:rPr lang="ko-KR" altLang="en-US" dirty="0"/>
+              <a:t>페이지 개발</a:t>
+            </a:r>
+          </a:p>
+          <a:p>
+            <a:pPr>
+              <a:lnSpc>
+                <a:spcPct val="150000"/>
+              </a:lnSpc>
+            </a:pPr>
+            <a:r>
+              <a:rPr lang="en-US" altLang="ko-KR" b="1" dirty="0"/>
+              <a:t>   QA3:</a:t>
+            </a:r>
+            <a:r>
+              <a:rPr lang="ko-KR" altLang="en-US" dirty="0"/>
+              <a:t> 테스트 스크립트 구현</a:t>
+            </a:r>
+            <a:r>
+              <a:rPr lang="en-US" altLang="ko-KR" dirty="0"/>
+              <a:t>, </a:t>
+            </a:r>
+            <a:r>
+              <a:rPr lang="ko-KR" altLang="en-US" dirty="0"/>
+              <a:t>예외</a:t>
+            </a:r>
+            <a:r>
+              <a:rPr lang="en-US" altLang="ko-KR" dirty="0"/>
+              <a:t>·</a:t>
+            </a:r>
+            <a:r>
+              <a:rPr lang="ko-KR" altLang="en-US" dirty="0"/>
+              <a:t>실패 케이스 처리</a:t>
+            </a:r>
+          </a:p>
+          <a:p>
+            <a:pPr>
+              <a:lnSpc>
+                <a:spcPct val="150000"/>
+              </a:lnSpc>
+            </a:pPr>
+            <a:r>
+              <a:rPr lang="en-US" altLang="ko-KR" b="1" dirty="0"/>
+              <a:t>   QA4:</a:t>
+            </a:r>
+            <a:r>
+              <a:rPr lang="ko-KR" altLang="en-US" dirty="0"/>
+              <a:t> 결과 분석</a:t>
+            </a:r>
+            <a:r>
+              <a:rPr lang="en-US" altLang="ko-KR" dirty="0"/>
+              <a:t>, </a:t>
+            </a:r>
+            <a:r>
+              <a:rPr lang="ko-KR" altLang="en-US" dirty="0"/>
+              <a:t>보고서 및 발표 자료 제작</a:t>
+            </a:r>
+          </a:p>
+        </p:txBody>
+      </p:sp>
+    </p:spTree>
+  </p:cSld>
+  <p:clrMapOvr>
+    <a:masterClrMapping/>
+  </p:clrMapOvr>
+</p:sld>
+</file>
+
+<file path=ppt/slides/slide5.xml><?xml version="1.0" encoding="utf-8"?>
 <p:sld xmlns:a="http://schemas.openxmlformats.org/drawingml/2006/main" xmlns:r="http://schemas.openxmlformats.org/officeDocument/2006/relationships" xmlns:p="http://schemas.openxmlformats.org/presentationml/2006/main">
   <p:cSld>
     <p:spTree>
@@ -8361,36 +8400,6 @@
           <a:chExt cx="0" cy="0"/>
         </a:xfrm>
       </p:grpSpPr>
-      <p:pic>
-        <p:nvPicPr>
-          <p:cNvPr id="2" name="Picture 1" descr="gradient_bg.png">
-            <a:extLst>
-              <a:ext uri="{FF2B5EF4-FFF2-40B4-BE49-F238E27FC236}">
-                <a16:creationId xmlns:a16="http://schemas.microsoft.com/office/drawing/2014/main" id="{3E5BAE34-5C24-7D34-A4C8-376A42BB18FD}"/>
-              </a:ext>
-            </a:extLst>
-          </p:cNvPr>
-          <p:cNvPicPr>
-            <a:picLocks noChangeAspect="1"/>
-          </p:cNvPicPr>
-          <p:nvPr/>
-        </p:nvPicPr>
-        <p:blipFill>
-          <a:blip r:embed="rId2"/>
-          <a:stretch>
-            <a:fillRect/>
-          </a:stretch>
-        </p:blipFill>
-        <p:spPr>
-          <a:xfrm>
-            <a:off x="0" y="0"/>
-            <a:ext cx="9144000" cy="6858000"/>
-          </a:xfrm>
-          <a:prstGeom prst="rect">
-            <a:avLst/>
-          </a:prstGeom>
-        </p:spPr>
-      </p:pic>
       <p:sp>
         <p:nvSpPr>
           <p:cNvPr id="3" name="TextBox 2">
@@ -8406,7 +8415,7 @@
         <p:spPr>
           <a:xfrm>
             <a:off x="640080" y="274320"/>
-            <a:ext cx="10972800" cy="731520"/>
+            <a:ext cx="3421129" cy="400110"/>
           </a:xfrm>
           <a:prstGeom prst="rect">
             <a:avLst/>
@@ -8420,7 +8429,39 @@
           <a:lstStyle/>
           <a:p>
             <a:r>
-              <a:t>3. 테스트 범위 (In Scope)</a:t>
+              <a:rPr sz="2000" b="1" dirty="0">
+                <a:latin typeface="HY견고딕" panose="02030600000101010101" pitchFamily="18" charset="-127"/>
+                <a:ea typeface="HY견고딕" panose="02030600000101010101" pitchFamily="18" charset="-127"/>
+              </a:rPr>
+              <a:t>3. </a:t>
+            </a:r>
+            <a:r>
+              <a:rPr sz="2000" b="1" dirty="0" err="1">
+                <a:latin typeface="HY견고딕" panose="02030600000101010101" pitchFamily="18" charset="-127"/>
+                <a:ea typeface="HY견고딕" panose="02030600000101010101" pitchFamily="18" charset="-127"/>
+              </a:rPr>
+              <a:t>테스트</a:t>
+            </a:r>
+            <a:r>
+              <a:rPr sz="2000" b="1" dirty="0">
+                <a:latin typeface="HY견고딕" panose="02030600000101010101" pitchFamily="18" charset="-127"/>
+                <a:ea typeface="HY견고딕" panose="02030600000101010101" pitchFamily="18" charset="-127"/>
+              </a:rPr>
+              <a:t> </a:t>
+            </a:r>
+            <a:r>
+              <a:rPr sz="2000" b="1" dirty="0" err="1">
+                <a:latin typeface="HY견고딕" panose="02030600000101010101" pitchFamily="18" charset="-127"/>
+                <a:ea typeface="HY견고딕" panose="02030600000101010101" pitchFamily="18" charset="-127"/>
+              </a:rPr>
+              <a:t>범위</a:t>
+            </a:r>
+            <a:r>
+              <a:rPr sz="2000" b="1" dirty="0">
+                <a:latin typeface="HY견고딕" panose="02030600000101010101" pitchFamily="18" charset="-127"/>
+                <a:ea typeface="HY견고딕" panose="02030600000101010101" pitchFamily="18" charset="-127"/>
+              </a:rPr>
+              <a:t> (In Scope)</a:t>
             </a:r>
           </a:p>
         </p:txBody>
@@ -8492,7 +8533,7 @@
         <p:spPr>
           <a:xfrm>
             <a:off x="1062182" y="1280160"/>
-            <a:ext cx="7370618" cy="2031325"/>
+            <a:ext cx="7370618" cy="4524315"/>
           </a:xfrm>
           <a:prstGeom prst="rect">
             <a:avLst/>
@@ -8519,9 +8560,50 @@
           </a:p>
           <a:p>
             <a:r>
-              <a:rPr lang="en-US" altLang="ko-KR" b="1" dirty="0"/>
-              <a:t>B.  </a:t>
-            </a:r>
+              <a:rPr lang="ko-KR" altLang="en-US" dirty="0"/>
+              <a:t>메뉴</a:t>
+            </a:r>
+            <a:r>
+              <a:rPr lang="en-US" altLang="ko-KR" dirty="0"/>
+              <a:t>(Home, Cart(0), Login, Sing Up)</a:t>
+            </a:r>
+          </a:p>
+          <a:p>
+            <a:r>
+              <a:rPr lang="ko-KR" altLang="en-US" dirty="0"/>
+              <a:t>사용자 </a:t>
+            </a:r>
+            <a:r>
+              <a:rPr lang="ko-KR" altLang="en-US" dirty="0" err="1"/>
+              <a:t>상태창</a:t>
+            </a:r>
+            <a:r>
+              <a:rPr lang="en-US" altLang="ko-KR" dirty="0"/>
+              <a:t>(</a:t>
+            </a:r>
+            <a:r>
+              <a:rPr lang="ko-KR" altLang="en-US" dirty="0"/>
+              <a:t>집사</a:t>
+            </a:r>
+            <a:r>
+              <a:rPr lang="en-US" altLang="ko-KR" dirty="0"/>
+              <a:t>, username)</a:t>
+            </a:r>
+          </a:p>
+          <a:p>
+            <a:r>
+              <a:rPr lang="ko-KR" altLang="en-US" dirty="0"/>
+              <a:t>로그아웃 버튼</a:t>
+            </a:r>
+            <a:endParaRPr lang="en-US" altLang="ko-KR" dirty="0"/>
+          </a:p>
+          <a:p>
+            <a:endParaRPr lang="en-US" altLang="ko-KR" b="1" dirty="0"/>
+          </a:p>
+          <a:p>
+            <a:pPr marL="342900" indent="-342900">
+              <a:buAutoNum type="alphaUcPeriod" startAt="2"/>
+            </a:pPr>
             <a:r>
               <a:rPr lang="ko-KR" altLang="en-US" b="1" dirty="0"/>
               <a:t>인덱스</a:t>
@@ -8533,76 +8615,128 @@
           </a:p>
           <a:p>
             <a:r>
+              <a:rPr lang="ko-KR" altLang="en-US" dirty="0"/>
+              <a:t>상품</a:t>
+            </a:r>
+            <a:r>
+              <a:rPr lang="en-US" altLang="ko-KR" dirty="0"/>
+              <a:t> </a:t>
+            </a:r>
+            <a:r>
+              <a:rPr lang="ko-KR" altLang="en-US" dirty="0"/>
+              <a:t>목록</a:t>
+            </a:r>
+            <a:endParaRPr lang="en-US" altLang="ko-KR" dirty="0"/>
+          </a:p>
+          <a:p>
+            <a:r>
+              <a:rPr lang="ko-KR" altLang="en-US" dirty="0"/>
+              <a:t>장바구니 추가</a:t>
+            </a:r>
+            <a:r>
+              <a:rPr lang="en-US" altLang="ko-KR" dirty="0"/>
+              <a:t>/</a:t>
+            </a:r>
+            <a:r>
+              <a:rPr lang="ko-KR" altLang="en-US" dirty="0"/>
+              <a:t>제거 버튼</a:t>
+            </a:r>
+          </a:p>
+          <a:p>
+            <a:endParaRPr lang="en-US" altLang="ko-KR" b="1" dirty="0"/>
+          </a:p>
+          <a:p>
+            <a:r>
               <a:rPr lang="en-US" altLang="ko-KR" b="1" dirty="0"/>
               <a:t>C. </a:t>
             </a:r>
             <a:r>
               <a:rPr lang="ko-KR" altLang="en-US" b="1" dirty="0"/>
-              <a:t>장바구니</a:t>
+              <a:t>상품 상세페이지</a:t>
             </a:r>
             <a:r>
               <a:rPr lang="en-US" altLang="ko-KR" b="1" dirty="0"/>
-              <a:t>(Cart)</a:t>
-            </a:r>
-          </a:p>
-          <a:p>
+              <a:t>(</a:t>
+            </a:r>
+            <a:r>
+              <a:rPr lang="en-US" altLang="ko-KR" b="1" dirty="0" err="1"/>
+              <a:t>product_detail</a:t>
+            </a:r>
+            <a:r>
+              <a:rPr lang="en-US" altLang="ko-KR" b="1" dirty="0"/>
+              <a:t>)</a:t>
+            </a:r>
+          </a:p>
+          <a:p>
+            <a:r>
+              <a:rPr lang="en-US" altLang="ko-KR" dirty="0"/>
+              <a:t> </a:t>
+            </a:r>
             <a:r>
               <a:rPr lang="ko-KR" altLang="en-US" dirty="0"/>
-              <a:t>상품 추가</a:t>
-            </a:r>
+              <a:t>단일상품의 상세정보</a:t>
+            </a:r>
+            <a:endParaRPr lang="en-US" altLang="ko-KR" dirty="0"/>
+          </a:p>
+          <a:p>
             <a:r>
               <a:rPr lang="en-US" altLang="ko-KR" dirty="0"/>
-              <a:t>/</a:t>
+              <a:t> </a:t>
             </a:r>
             <a:r>
               <a:rPr lang="ko-KR" altLang="en-US" dirty="0"/>
-              <a:t>삭제</a:t>
+              <a:t>장바구니 버튼</a:t>
+            </a:r>
+            <a:endParaRPr lang="en-US" altLang="ko-KR" dirty="0"/>
+          </a:p>
+          <a:p>
+            <a:endParaRPr lang="en-US" altLang="ko-KR" dirty="0"/>
+          </a:p>
+          <a:p>
+            <a:r>
+              <a:rPr lang="en-US" altLang="ko-KR" b="1" dirty="0"/>
+              <a:t>D. </a:t>
+            </a:r>
+            <a:r>
+              <a:rPr lang="ko-KR" altLang="en-US" b="1" dirty="0"/>
+              <a:t>장바구니페이지</a:t>
+            </a:r>
+            <a:r>
+              <a:rPr lang="en-US" altLang="ko-KR" b="1" dirty="0"/>
+              <a:t>(cart)</a:t>
             </a:r>
           </a:p>
           <a:p>
             <a:r>
               <a:rPr lang="ko-KR" altLang="en-US" dirty="0"/>
-              <a:t>장바구니 배지</a:t>
-            </a:r>
+              <a:t> 장바구니에 담긴 상품 목록 및 합계 표시</a:t>
+            </a:r>
+            <a:endParaRPr lang="en-US" altLang="ko-KR" dirty="0"/>
+          </a:p>
+          <a:p>
             <a:r>
               <a:rPr lang="en-US" altLang="ko-KR" dirty="0"/>
-              <a:t>(</a:t>
+              <a:t> </a:t>
             </a:r>
             <a:r>
               <a:rPr lang="ko-KR" altLang="en-US" dirty="0"/>
-              <a:t>숫자</a:t>
+              <a:t>제거</a:t>
             </a:r>
             <a:r>
               <a:rPr lang="en-US" altLang="ko-KR" dirty="0"/>
-              <a:t>) </a:t>
+              <a:t>, </a:t>
+            </a:r>
+            <a:r>
+              <a:rPr lang="ko-KR" altLang="en-US" dirty="0" err="1"/>
+              <a:t>쇼핑계속하기</a:t>
+            </a:r>
+            <a:r>
+              <a:rPr lang="en-US" altLang="ko-KR" dirty="0"/>
+              <a:t>, </a:t>
             </a:r>
             <a:r>
               <a:rPr lang="ko-KR" altLang="en-US" dirty="0"/>
-              <a:t>동기화</a:t>
-            </a:r>
-          </a:p>
-          <a:p>
-            <a:r>
-              <a:rPr lang="ko-KR" altLang="en-US" dirty="0"/>
-              <a:t>장바구니 페이지에서 항목 삭제</a:t>
-            </a:r>
-          </a:p>
-          <a:p>
-            <a:r>
-              <a:rPr lang="en-US" altLang="ko-KR" dirty="0"/>
-              <a:t>"</a:t>
-            </a:r>
-            <a:r>
-              <a:rPr lang="ko-KR" altLang="en-US" dirty="0"/>
-              <a:t>계속 쇼핑하기</a:t>
-            </a:r>
-            <a:r>
-              <a:rPr lang="en-US" altLang="ko-KR" dirty="0"/>
-              <a:t>" </a:t>
-            </a:r>
-            <a:r>
-              <a:rPr lang="ko-KR" altLang="en-US" dirty="0"/>
-              <a:t>동작 확인</a:t>
+              <a:t>결제 버튼</a:t>
             </a:r>
             <a:endParaRPr lang="en-US" altLang="ko-KR" dirty="0"/>
           </a:p>
@@ -8614,262 +8748,6 @@
         <p14:creationId xmlns:p14="http://schemas.microsoft.com/office/powerpoint/2010/main" val="171012814"/>
       </p:ext>
     </p:extLst>
-  </p:cSld>
-  <p:clrMapOvr>
-    <a:masterClrMapping/>
-  </p:clrMapOvr>
-</p:sld>
-</file>
-
-<file path=ppt/slides/slide5.xml><?xml version="1.0" encoding="utf-8"?>
-<p:sld xmlns:a="http://schemas.openxmlformats.org/drawingml/2006/main" xmlns:r="http://schemas.openxmlformats.org/officeDocument/2006/relationships" xmlns:p="http://schemas.openxmlformats.org/presentationml/2006/main">
-  <p:cSld>
-    <p:spTree>
-      <p:nvGrpSpPr>
-        <p:cNvPr id="1" name=""/>
-        <p:cNvGrpSpPr/>
-        <p:nvPr/>
-      </p:nvGrpSpPr>
-      <p:grpSpPr>
-        <a:xfrm>
-          <a:off x="0" y="0"/>
-          <a:ext cx="0" cy="0"/>
-          <a:chOff x="0" y="0"/>
-          <a:chExt cx="0" cy="0"/>
-        </a:xfrm>
-      </p:grpSpPr>
-      <p:pic>
-        <p:nvPicPr>
-          <p:cNvPr id="2" name="Picture 1" descr="gradient_bg.png"/>
-          <p:cNvPicPr>
-            <a:picLocks noChangeAspect="1"/>
-          </p:cNvPicPr>
-          <p:nvPr/>
-        </p:nvPicPr>
-        <p:blipFill>
-          <a:blip r:embed="rId2"/>
-          <a:stretch>
-            <a:fillRect/>
-          </a:stretch>
-        </p:blipFill>
-        <p:spPr>
-          <a:xfrm>
-            <a:off x="0" y="0"/>
-            <a:ext cx="9144000" cy="6858000"/>
-          </a:xfrm>
-          <a:prstGeom prst="rect">
-            <a:avLst/>
-          </a:prstGeom>
-        </p:spPr>
-      </p:pic>
-      <p:sp>
-        <p:nvSpPr>
-          <p:cNvPr id="3" name="TextBox 2"/>
-          <p:cNvSpPr txBox="1"/>
-          <p:nvPr/>
-        </p:nvSpPr>
-        <p:spPr>
-          <a:xfrm>
-            <a:off x="640080" y="274320"/>
-            <a:ext cx="10972800" cy="731520"/>
-          </a:xfrm>
-          <a:prstGeom prst="rect">
-            <a:avLst/>
-          </a:prstGeom>
-          <a:noFill/>
-        </p:spPr>
-        <p:txBody>
-          <a:bodyPr wrap="none">
-            <a:spAutoFit/>
-          </a:bodyPr>
-          <a:lstStyle/>
-          <a:p>
-            <a:r>
-              <a:t>3. 테스트 범위 (In Scope)</a:t>
-            </a:r>
-          </a:p>
-        </p:txBody>
-      </p:sp>
-      <p:sp>
-        <p:nvSpPr>
-          <p:cNvPr id="6" name="Rounded Rectangle 3">
-            <a:extLst>
-              <a:ext uri="{FF2B5EF4-FFF2-40B4-BE49-F238E27FC236}">
-                <a16:creationId xmlns:a16="http://schemas.microsoft.com/office/drawing/2014/main" id="{D21EF948-79CA-2E9E-638A-50881D7A713A}"/>
-              </a:ext>
-            </a:extLst>
-          </p:cNvPr>
-          <p:cNvSpPr/>
-          <p:nvPr/>
-        </p:nvSpPr>
-        <p:spPr>
-          <a:xfrm>
-            <a:off x="249382" y="1097280"/>
-            <a:ext cx="8765309" cy="4754880"/>
-          </a:xfrm>
-          <a:prstGeom prst="roundRect">
-            <a:avLst/>
-          </a:prstGeom>
-          <a:solidFill>
-            <a:srgbClr val="FFFFFF"/>
-          </a:solidFill>
-          <a:ln>
-            <a:solidFill>
-              <a:srgbClr val="F0F0F0"/>
-            </a:solidFill>
-          </a:ln>
-        </p:spPr>
-        <p:style>
-          <a:lnRef idx="1">
-            <a:schemeClr val="accent1"/>
-          </a:lnRef>
-          <a:fillRef idx="3">
-            <a:schemeClr val="accent1"/>
-          </a:fillRef>
-          <a:effectRef idx="2">
-            <a:schemeClr val="accent1"/>
-          </a:effectRef>
-          <a:fontRef idx="minor">
-            <a:schemeClr val="lt1"/>
-          </a:fontRef>
-        </p:style>
-        <p:txBody>
-          <a:bodyPr rtlCol="0" anchor="ctr"/>
-          <a:lstStyle/>
-          <a:p>
-            <a:pPr algn="ctr"/>
-            <a:endParaRPr/>
-          </a:p>
-        </p:txBody>
-      </p:sp>
-      <p:sp>
-        <p:nvSpPr>
-          <p:cNvPr id="5" name="TextBox 4"/>
-          <p:cNvSpPr txBox="1"/>
-          <p:nvPr/>
-        </p:nvSpPr>
-        <p:spPr>
-          <a:xfrm>
-            <a:off x="1062182" y="1280160"/>
-            <a:ext cx="7370618" cy="2031325"/>
-          </a:xfrm>
-          <a:prstGeom prst="rect">
-            <a:avLst/>
-          </a:prstGeom>
-          <a:noFill/>
-        </p:spPr>
-        <p:txBody>
-          <a:bodyPr wrap="square">
-            <a:spAutoFit/>
-          </a:bodyPr>
-          <a:lstStyle/>
-          <a:p>
-            <a:r>
-              <a:rPr lang="en-US" altLang="ko-KR" b="1" dirty="0"/>
-              <a:t>D. </a:t>
-            </a:r>
-            <a:r>
-              <a:rPr lang="ko-KR" altLang="en-US" b="1" dirty="0"/>
-              <a:t>로그인</a:t>
-            </a:r>
-            <a:r>
-              <a:rPr lang="en-US" altLang="ko-KR" b="1" dirty="0"/>
-              <a:t>(login)</a:t>
-            </a:r>
-          </a:p>
-          <a:p>
-            <a:r>
-              <a:rPr lang="en-US" altLang="ko-KR" b="1" dirty="0"/>
-              <a:t>E. </a:t>
-            </a:r>
-            <a:r>
-              <a:rPr lang="ko-KR" altLang="en-US" b="1" dirty="0"/>
-              <a:t>체크아웃</a:t>
-            </a:r>
-            <a:r>
-              <a:rPr lang="en-US" altLang="ko-KR" b="1" dirty="0"/>
-              <a:t>(Checkout)</a:t>
-            </a:r>
-          </a:p>
-          <a:p>
-            <a:r>
-              <a:rPr lang="ko-KR" altLang="en-US" dirty="0"/>
-              <a:t>필수 </a:t>
-            </a:r>
-            <a:r>
-              <a:rPr lang="ko-KR" altLang="en-US" dirty="0" err="1"/>
-              <a:t>입력값</a:t>
-            </a:r>
-            <a:r>
-              <a:rPr lang="ko-KR" altLang="en-US" dirty="0"/>
-              <a:t> 검증</a:t>
-            </a:r>
-          </a:p>
-          <a:p>
-            <a:r>
-              <a:rPr lang="ko-KR" altLang="en-US" dirty="0"/>
-              <a:t>총합 계산</a:t>
-            </a:r>
-            <a:r>
-              <a:rPr lang="en-US" altLang="ko-KR" dirty="0"/>
-              <a:t>(</a:t>
-            </a:r>
-            <a:r>
-              <a:rPr lang="ko-KR" altLang="en-US" dirty="0"/>
-              <a:t>소계 </a:t>
-            </a:r>
-            <a:r>
-              <a:rPr lang="en-US" altLang="ko-KR" dirty="0"/>
-              <a:t>+ </a:t>
-            </a:r>
-            <a:r>
-              <a:rPr lang="ko-KR" altLang="en-US" dirty="0"/>
-              <a:t>세금 </a:t>
-            </a:r>
-            <a:r>
-              <a:rPr lang="en-US" altLang="ko-KR" dirty="0"/>
-              <a:t>= </a:t>
-            </a:r>
-            <a:r>
-              <a:rPr lang="ko-KR" altLang="en-US" dirty="0"/>
-              <a:t>총액</a:t>
-            </a:r>
-            <a:r>
-              <a:rPr lang="en-US" altLang="ko-KR" dirty="0"/>
-              <a:t>)</a:t>
-            </a:r>
-          </a:p>
-          <a:p>
-            <a:r>
-              <a:rPr lang="ko-KR" altLang="en-US" dirty="0"/>
-              <a:t>주문 완료 및 홈으로 이동</a:t>
-            </a:r>
-          </a:p>
-          <a:p>
-            <a:r>
-              <a:rPr lang="en-US" altLang="ko-KR" b="1" dirty="0"/>
-              <a:t>F. </a:t>
-            </a:r>
-            <a:r>
-              <a:rPr lang="ko-KR" altLang="en-US" b="1" dirty="0"/>
-              <a:t>레지스터리</a:t>
-            </a:r>
-            <a:endParaRPr lang="en-US" altLang="ko-KR" b="1" dirty="0"/>
-          </a:p>
-          <a:p>
-            <a:r>
-              <a:rPr lang="en-US" altLang="ko-KR" b="1" dirty="0"/>
-              <a:t>G. </a:t>
-            </a:r>
-            <a:r>
-              <a:rPr lang="ko-KR" altLang="en-US" b="1" dirty="0" err="1"/>
-              <a:t>제품상세</a:t>
-            </a:r>
-            <a:endParaRPr lang="en-US" altLang="ko-KR" b="1" dirty="0"/>
-          </a:p>
-        </p:txBody>
-      </p:sp>
-    </p:spTree>
   </p:cSld>
   <p:clrMapOvr>
     <a:masterClrMapping/>
@@ -8894,36 +8772,72 @@
           <a:chExt cx="0" cy="0"/>
         </a:xfrm>
       </p:grpSpPr>
-      <p:pic>
-        <p:nvPicPr>
-          <p:cNvPr id="2" name="Picture 1" descr="gradient_bg.png"/>
-          <p:cNvPicPr>
-            <a:picLocks noChangeAspect="1"/>
-          </p:cNvPicPr>
+      <p:sp>
+        <p:nvSpPr>
+          <p:cNvPr id="3" name="TextBox 2"/>
+          <p:cNvSpPr txBox="1"/>
           <p:nvPr/>
-        </p:nvPicPr>
-        <p:blipFill>
-          <a:blip r:embed="rId2"/>
-          <a:stretch>
-            <a:fillRect/>
-          </a:stretch>
-        </p:blipFill>
-        <p:spPr>
-          <a:xfrm>
-            <a:off x="0" y="0"/>
-            <a:ext cx="9144000" cy="6858000"/>
+        </p:nvSpPr>
+        <p:spPr>
+          <a:xfrm>
+            <a:off x="640080" y="274320"/>
+            <a:ext cx="3361818" cy="400110"/>
           </a:xfrm>
           <a:prstGeom prst="rect">
             <a:avLst/>
           </a:prstGeom>
-        </p:spPr>
-      </p:pic>
+          <a:noFill/>
+        </p:spPr>
+        <p:txBody>
+          <a:bodyPr wrap="none">
+            <a:spAutoFit/>
+          </a:bodyPr>
+          <a:lstStyle/>
+          <a:p>
+            <a:r>
+              <a:rPr sz="2000" b="1" dirty="0">
+                <a:latin typeface="HY견고딕" panose="02030600000101010101" pitchFamily="18" charset="-127"/>
+                <a:ea typeface="HY견고딕" panose="02030600000101010101" pitchFamily="18" charset="-127"/>
+              </a:rPr>
+              <a:t>3. </a:t>
+            </a:r>
+            <a:r>
+              <a:rPr sz="2000" b="1" dirty="0" err="1">
+                <a:latin typeface="HY견고딕" panose="02030600000101010101" pitchFamily="18" charset="-127"/>
+                <a:ea typeface="HY견고딕" panose="02030600000101010101" pitchFamily="18" charset="-127"/>
+              </a:rPr>
+              <a:t>테스트</a:t>
+            </a:r>
+            <a:r>
+              <a:rPr sz="2000" b="1" dirty="0">
+                <a:latin typeface="HY견고딕" panose="02030600000101010101" pitchFamily="18" charset="-127"/>
+                <a:ea typeface="HY견고딕" panose="02030600000101010101" pitchFamily="18" charset="-127"/>
+              </a:rPr>
+              <a:t> </a:t>
+            </a:r>
+            <a:r>
+              <a:rPr sz="2000" b="1" dirty="0" err="1">
+                <a:latin typeface="HY견고딕" panose="02030600000101010101" pitchFamily="18" charset="-127"/>
+                <a:ea typeface="HY견고딕" panose="02030600000101010101" pitchFamily="18" charset="-127"/>
+              </a:rPr>
+              <a:t>범위</a:t>
+            </a:r>
+            <a:r>
+              <a:rPr sz="2000" b="1" dirty="0">
+                <a:latin typeface="HY견고딕" panose="02030600000101010101" pitchFamily="18" charset="-127"/>
+                <a:ea typeface="HY견고딕" panose="02030600000101010101" pitchFamily="18" charset="-127"/>
+              </a:rPr>
+              <a:t> (In Scope)</a:t>
+            </a:r>
+          </a:p>
+        </p:txBody>
+      </p:sp>
       <p:sp>
         <p:nvSpPr>
           <p:cNvPr id="6" name="Rounded Rectangle 3">
             <a:extLst>
               <a:ext uri="{FF2B5EF4-FFF2-40B4-BE49-F238E27FC236}">
-                <a16:creationId xmlns:a16="http://schemas.microsoft.com/office/drawing/2014/main" id="{5DCCA428-26A9-85F8-074F-CF8CB2D254D7}"/>
+                <a16:creationId xmlns:a16="http://schemas.microsoft.com/office/drawing/2014/main" id="{D21EF948-79CA-2E9E-638A-50881D7A713A}"/>
               </a:ext>
             </a:extLst>
           </p:cNvPr>
@@ -8972,14 +8886,14 @@
       </p:sp>
       <p:sp>
         <p:nvSpPr>
-          <p:cNvPr id="3" name="TextBox 2"/>
+          <p:cNvPr id="5" name="TextBox 4"/>
           <p:cNvSpPr txBox="1"/>
           <p:nvPr/>
         </p:nvSpPr>
         <p:spPr>
           <a:xfrm>
-            <a:off x="640080" y="274320"/>
-            <a:ext cx="10972800" cy="731520"/>
+            <a:off x="1062182" y="1280160"/>
+            <a:ext cx="7370618" cy="4247317"/>
           </a:xfrm>
           <a:prstGeom prst="rect">
             <a:avLst/>
@@ -8987,161 +8901,226 @@
           <a:noFill/>
         </p:spPr>
         <p:txBody>
-          <a:bodyPr wrap="none">
-            <a:spAutoFit/>
-          </a:bodyPr>
-          <a:lstStyle/>
-          <a:p>
-            <a:r>
-              <a:t>4. 테스트 전략</a:t>
-            </a:r>
-          </a:p>
-        </p:txBody>
-      </p:sp>
-      <p:sp>
-        <p:nvSpPr>
-          <p:cNvPr id="5" name="TextBox 4"/>
-          <p:cNvSpPr txBox="1"/>
-          <p:nvPr/>
-        </p:nvSpPr>
-        <p:spPr>
-          <a:xfrm>
-            <a:off x="822960" y="1280160"/>
-            <a:ext cx="7896167" cy="2308324"/>
-          </a:xfrm>
-          <a:prstGeom prst="rect">
-            <a:avLst/>
-          </a:prstGeom>
-          <a:noFill/>
-        </p:spPr>
-        <p:txBody>
           <a:bodyPr wrap="square">
             <a:spAutoFit/>
           </a:bodyPr>
           <a:lstStyle/>
           <a:p>
             <a:r>
+              <a:rPr lang="en-US" altLang="ko-KR" b="1" dirty="0"/>
+              <a:t>E. </a:t>
+            </a:r>
+            <a:r>
               <a:rPr lang="ko-KR" altLang="en-US" b="1" dirty="0"/>
-              <a:t>테스트 유형</a:t>
-            </a:r>
-          </a:p>
-          <a:p>
-            <a:r>
-              <a:rPr lang="ko-KR" altLang="en-US" b="1" dirty="0" err="1"/>
-              <a:t>스모크</a:t>
+              <a:t>결제</a:t>
             </a:r>
             <a:r>
               <a:rPr lang="en-US" altLang="ko-KR" b="1" dirty="0"/>
-              <a:t>(Smoke):</a:t>
-            </a:r>
+              <a:t> </a:t>
+            </a:r>
+            <a:r>
+              <a:rPr lang="ko-KR" altLang="en-US" b="1" dirty="0"/>
+              <a:t>페이지</a:t>
+            </a:r>
+            <a:r>
+              <a:rPr lang="en-US" altLang="ko-KR" b="1" dirty="0"/>
+              <a:t>(checkout)</a:t>
+            </a:r>
+          </a:p>
+          <a:p>
             <a:r>
               <a:rPr lang="ko-KR" altLang="en-US" dirty="0"/>
-              <a:t> 핵심 기능 빠른 검증 </a:t>
+              <a:t> 결제정보</a:t>
             </a:r>
             <a:r>
               <a:rPr lang="en-US" altLang="ko-KR" dirty="0"/>
-              <a:t>(PR </a:t>
+              <a:t>(</a:t>
             </a:r>
             <a:r>
               <a:rPr lang="ko-KR" altLang="en-US" dirty="0"/>
-              <a:t>기준</a:t>
+              <a:t>이름</a:t>
+            </a:r>
+            <a:r>
+              <a:rPr lang="en-US" altLang="ko-KR" dirty="0"/>
+              <a:t>, </a:t>
+            </a:r>
+            <a:r>
+              <a:rPr lang="ko-KR" altLang="en-US" dirty="0"/>
+              <a:t>전화번호</a:t>
+            </a:r>
+            <a:r>
+              <a:rPr lang="en-US" altLang="ko-KR" dirty="0"/>
+              <a:t>, </a:t>
+            </a:r>
+            <a:r>
+              <a:rPr lang="ko-KR" altLang="en-US" dirty="0"/>
+              <a:t>주소</a:t>
             </a:r>
             <a:r>
               <a:rPr lang="en-US" altLang="ko-KR" dirty="0"/>
               <a:t>)</a:t>
             </a:r>
+            <a:r>
+              <a:rPr lang="ko-KR" altLang="en-US" dirty="0"/>
+              <a:t> 입력</a:t>
+            </a:r>
+            <a:endParaRPr lang="en-US" altLang="ko-KR" dirty="0"/>
+          </a:p>
+          <a:p>
+            <a:r>
+              <a:rPr lang="ko-KR" altLang="en-US" dirty="0"/>
+              <a:t> 결제완료</a:t>
+            </a:r>
+            <a:r>
+              <a:rPr lang="en-US" altLang="ko-KR" dirty="0"/>
+              <a:t>, </a:t>
+            </a:r>
+            <a:r>
+              <a:rPr lang="ko-KR" altLang="en-US" dirty="0"/>
+              <a:t>취소</a:t>
+            </a:r>
+            <a:r>
+              <a:rPr lang="en-US" altLang="ko-KR" dirty="0"/>
+              <a:t>, </a:t>
+            </a:r>
+            <a:r>
+              <a:rPr lang="ko-KR" altLang="en-US" dirty="0"/>
+              <a:t>장바구니로 돌아가기 버튼</a:t>
+            </a:r>
+            <a:endParaRPr lang="en-US" altLang="ko-KR" dirty="0"/>
           </a:p>
           <a:p>
             <a:r>
               <a:rPr lang="ko-KR" altLang="en-US" b="1" dirty="0"/>
-              <a:t>회귀 테스트</a:t>
-            </a:r>
+              <a:t> </a:t>
+            </a:r>
+            <a:r>
+              <a:rPr lang="ko-KR" altLang="en-US" dirty="0"/>
+              <a:t>결제완료시 주문접수 팝업</a:t>
+            </a:r>
+            <a:endParaRPr lang="en-US" altLang="ko-KR" dirty="0"/>
+          </a:p>
+          <a:p>
+            <a:endParaRPr lang="en-US" altLang="ko-KR" dirty="0"/>
+          </a:p>
+          <a:p>
             <a:r>
               <a:rPr lang="en-US" altLang="ko-KR" b="1" dirty="0"/>
-              <a:t>(Regression):</a:t>
-            </a:r>
+              <a:t>F. </a:t>
+            </a:r>
+            <a:r>
+              <a:rPr lang="ko-KR" altLang="en-US" b="1" dirty="0"/>
+              <a:t>로그인 페이지</a:t>
+            </a:r>
+            <a:r>
+              <a:rPr lang="en-US" altLang="ko-KR" b="1" dirty="0"/>
+              <a:t>(login) </a:t>
+            </a:r>
+          </a:p>
+          <a:p>
             <a:r>
               <a:rPr lang="ko-KR" altLang="en-US" dirty="0"/>
-              <a:t> 전체 스위트 실행 </a:t>
+              <a:t> </a:t>
+            </a:r>
+            <a:r>
+              <a:rPr lang="ko-KR" altLang="en-US" dirty="0" err="1"/>
+              <a:t>유저명</a:t>
             </a:r>
             <a:r>
               <a:rPr lang="en-US" altLang="ko-KR" dirty="0"/>
-              <a:t>(main push / nightly)</a:t>
-            </a:r>
-          </a:p>
-          <a:p>
+              <a:t>, </a:t>
+            </a:r>
+            <a:r>
+              <a:rPr lang="ko-KR" altLang="en-US" dirty="0"/>
+              <a:t>패스워드 입력</a:t>
+            </a:r>
+            <a:endParaRPr lang="en-US" altLang="ko-KR" dirty="0"/>
+          </a:p>
+          <a:p>
+            <a:r>
+              <a:rPr lang="en-US" altLang="ko-KR" dirty="0"/>
+              <a:t> login</a:t>
+            </a:r>
+            <a:r>
+              <a:rPr lang="ko-KR" altLang="en-US" dirty="0"/>
+              <a:t> 버튼입력</a:t>
+            </a:r>
+            <a:endParaRPr lang="en-US" altLang="ko-KR" dirty="0"/>
+          </a:p>
+          <a:p>
+            <a:r>
+              <a:rPr lang="en-US" altLang="ko-KR" dirty="0"/>
+              <a:t> logout</a:t>
+            </a:r>
+          </a:p>
+          <a:p>
+            <a:r>
+              <a:rPr lang="en-US" altLang="ko-KR" dirty="0"/>
+              <a:t> register </a:t>
+            </a:r>
+            <a:r>
+              <a:rPr lang="ko-KR" altLang="en-US" dirty="0"/>
+              <a:t>버튼입력</a:t>
+            </a:r>
+            <a:endParaRPr lang="en-US" altLang="ko-KR" dirty="0"/>
+          </a:p>
+          <a:p>
+            <a:endParaRPr lang="en-US" altLang="ko-KR" dirty="0"/>
+          </a:p>
+          <a:p>
+            <a:r>
+              <a:rPr lang="en-US" altLang="ko-KR" b="1" dirty="0"/>
+              <a:t>G. </a:t>
+            </a:r>
             <a:r>
               <a:rPr lang="ko-KR" altLang="en-US" b="1" dirty="0"/>
-              <a:t>네거티브</a:t>
+              <a:t>회원가입</a:t>
             </a:r>
             <a:r>
               <a:rPr lang="en-US" altLang="ko-KR" b="1" dirty="0"/>
-              <a:t>(Negative):</a:t>
+              <a:t>(register)</a:t>
+            </a:r>
+          </a:p>
+          <a:p>
+            <a:r>
+              <a:rPr lang="en-US" altLang="ko-KR" dirty="0"/>
+              <a:t> </a:t>
+            </a:r>
+            <a:r>
+              <a:rPr lang="ko-KR" altLang="en-US" dirty="0" err="1"/>
+              <a:t>유저명</a:t>
+            </a:r>
+            <a:r>
+              <a:rPr lang="en-US" altLang="ko-KR" dirty="0"/>
+              <a:t>, </a:t>
             </a:r>
             <a:r>
               <a:rPr lang="ko-KR" altLang="en-US" dirty="0"/>
-              <a:t> 실패</a:t>
-            </a:r>
+              <a:t>패스워드 입력</a:t>
+            </a:r>
+            <a:endParaRPr lang="en-US" altLang="ko-KR" dirty="0"/>
+          </a:p>
+          <a:p>
             <a:r>
               <a:rPr lang="en-US" altLang="ko-KR" dirty="0"/>
-              <a:t>/</a:t>
+              <a:t> </a:t>
             </a:r>
             <a:r>
               <a:rPr lang="ko-KR" altLang="en-US" dirty="0"/>
-              <a:t>오류 처리 검증</a:t>
-            </a:r>
-          </a:p>
-          <a:p>
-            <a:r>
-              <a:rPr lang="ko-KR" altLang="en-US" b="1" dirty="0"/>
-              <a:t>안정성 규칙</a:t>
-            </a:r>
-          </a:p>
-          <a:p>
+              <a:t>패스워드 재확인 입력</a:t>
+            </a:r>
+            <a:endParaRPr lang="en-US" altLang="ko-KR" dirty="0"/>
+          </a:p>
+          <a:p>
+            <a:r>
+              <a:rPr lang="en-US" altLang="ko-KR" dirty="0"/>
+              <a:t> sign up </a:t>
+            </a:r>
             <a:r>
               <a:rPr lang="ko-KR" altLang="en-US" dirty="0"/>
-              <a:t>모든 액션 전 </a:t>
-            </a:r>
-            <a:r>
-              <a:rPr lang="en-US" altLang="ko-KR" b="1" dirty="0"/>
-              <a:t>Explicit Wait</a:t>
-            </a:r>
-            <a:r>
-              <a:rPr lang="ko-KR" altLang="en-US" dirty="0"/>
-              <a:t> 적용</a:t>
-            </a:r>
-          </a:p>
-          <a:p>
-            <a:r>
-              <a:rPr lang="ko-KR" altLang="en-US" dirty="0"/>
-              <a:t>실패 시 자동 스크린샷 저장</a:t>
-            </a:r>
-          </a:p>
-          <a:p>
-            <a:r>
-              <a:rPr lang="en-US" altLang="ko-KR" dirty="0"/>
-              <a:t>CI </a:t>
-            </a:r>
-            <a:r>
-              <a:rPr lang="ko-KR" altLang="en-US" dirty="0"/>
-              <a:t>환경에서는 </a:t>
-            </a:r>
-            <a:r>
-              <a:rPr lang="en-US" altLang="ko-KR" dirty="0"/>
-              <a:t>Selenium Manager </a:t>
-            </a:r>
-            <a:r>
-              <a:rPr lang="ko-KR" altLang="en-US" dirty="0"/>
-              <a:t>기반으로 </a:t>
-            </a:r>
-            <a:r>
-              <a:rPr lang="en-US" altLang="ko-KR" dirty="0"/>
-              <a:t>Chrome/Driver </a:t>
-            </a:r>
-            <a:r>
-              <a:rPr lang="ko-KR" altLang="en-US" dirty="0"/>
-              <a:t>동기화</a:t>
-            </a:r>
+              <a:t>버튼</a:t>
+            </a:r>
+            <a:endParaRPr lang="en-US" altLang="ko-KR" dirty="0"/>
           </a:p>
         </p:txBody>
       </p:sp>
@@ -9170,61 +9149,15 @@
           <a:chExt cx="0" cy="0"/>
         </a:xfrm>
       </p:grpSpPr>
-      <p:pic>
-        <p:nvPicPr>
-          <p:cNvPr id="2" name="Picture 1" descr="gradient_bg.png"/>
-          <p:cNvPicPr>
-            <a:picLocks noChangeAspect="1"/>
-          </p:cNvPicPr>
-          <p:nvPr/>
-        </p:nvPicPr>
-        <p:blipFill>
-          <a:blip r:embed="rId2"/>
-          <a:stretch>
-            <a:fillRect/>
-          </a:stretch>
-        </p:blipFill>
-        <p:spPr>
-          <a:xfrm>
-            <a:off x="0" y="0"/>
-            <a:ext cx="9144000" cy="6858000"/>
-          </a:xfrm>
-          <a:prstGeom prst="rect">
-            <a:avLst/>
-          </a:prstGeom>
-        </p:spPr>
-      </p:pic>
-      <p:sp>
-        <p:nvSpPr>
-          <p:cNvPr id="3" name="TextBox 2"/>
-          <p:cNvSpPr txBox="1"/>
-          <p:nvPr/>
-        </p:nvSpPr>
-        <p:spPr>
-          <a:xfrm>
-            <a:off x="640080" y="274320"/>
-            <a:ext cx="10972800" cy="731520"/>
-          </a:xfrm>
-          <a:prstGeom prst="rect">
-            <a:avLst/>
-          </a:prstGeom>
-          <a:noFill/>
-        </p:spPr>
-        <p:txBody>
-          <a:bodyPr wrap="none">
-            <a:spAutoFit/>
-          </a:bodyPr>
-          <a:lstStyle/>
-          <a:p>
-            <a:r>
-              <a:t>5. 테스트 아키텍처</a:t>
-            </a:r>
-          </a:p>
-        </p:txBody>
-      </p:sp>
-      <p:sp>
-        <p:nvSpPr>
-          <p:cNvPr id="4" name="Rounded Rectangle 3"/>
+      <p:sp>
+        <p:nvSpPr>
+          <p:cNvPr id="6" name="Rounded Rectangle 3">
+            <a:extLst>
+              <a:ext uri="{FF2B5EF4-FFF2-40B4-BE49-F238E27FC236}">
+                <a16:creationId xmlns:a16="http://schemas.microsoft.com/office/drawing/2014/main" id="{5DCCA428-26A9-85F8-074F-CF8CB2D254D7}"/>
+              </a:ext>
+            </a:extLst>
+          </p:cNvPr>
           <p:cNvSpPr/>
           <p:nvPr/>
         </p:nvSpPr>
@@ -9270,14 +9203,14 @@
       </p:sp>
       <p:sp>
         <p:nvSpPr>
-          <p:cNvPr id="5" name="TextBox 4"/>
+          <p:cNvPr id="3" name="TextBox 2"/>
           <p:cNvSpPr txBox="1"/>
           <p:nvPr/>
         </p:nvSpPr>
         <p:spPr>
           <a:xfrm>
-            <a:off x="822960" y="1280160"/>
-            <a:ext cx="7859222" cy="1631216"/>
+            <a:off x="640080" y="274320"/>
+            <a:ext cx="1861407" cy="400110"/>
           </a:xfrm>
           <a:prstGeom prst="rect">
             <a:avLst/>
@@ -9285,227 +9218,168 @@
           <a:noFill/>
         </p:spPr>
         <p:txBody>
+          <a:bodyPr wrap="none">
+            <a:spAutoFit/>
+          </a:bodyPr>
+          <a:lstStyle/>
+          <a:p>
+            <a:r>
+              <a:rPr sz="2000" b="1" dirty="0">
+                <a:latin typeface="HY견고딕" panose="02030600000101010101" pitchFamily="18" charset="-127"/>
+                <a:ea typeface="HY견고딕" panose="02030600000101010101" pitchFamily="18" charset="-127"/>
+              </a:rPr>
+              <a:t>4. </a:t>
+            </a:r>
+            <a:r>
+              <a:rPr sz="2000" b="1" dirty="0" err="1">
+                <a:latin typeface="HY견고딕" panose="02030600000101010101" pitchFamily="18" charset="-127"/>
+                <a:ea typeface="HY견고딕" panose="02030600000101010101" pitchFamily="18" charset="-127"/>
+              </a:rPr>
+              <a:t>테스트</a:t>
+            </a:r>
+            <a:r>
+              <a:rPr sz="2000" b="1" dirty="0">
+                <a:latin typeface="HY견고딕" panose="02030600000101010101" pitchFamily="18" charset="-127"/>
+                <a:ea typeface="HY견고딕" panose="02030600000101010101" pitchFamily="18" charset="-127"/>
+              </a:rPr>
+              <a:t> </a:t>
+            </a:r>
+            <a:r>
+              <a:rPr sz="2000" b="1" dirty="0" err="1">
+                <a:latin typeface="HY견고딕" panose="02030600000101010101" pitchFamily="18" charset="-127"/>
+                <a:ea typeface="HY견고딕" panose="02030600000101010101" pitchFamily="18" charset="-127"/>
+              </a:rPr>
+              <a:t>전략</a:t>
+            </a:r>
+            <a:endParaRPr sz="2000" b="1" dirty="0">
+              <a:latin typeface="HY견고딕" panose="02030600000101010101" pitchFamily="18" charset="-127"/>
+              <a:ea typeface="HY견고딕" panose="02030600000101010101" pitchFamily="18" charset="-127"/>
+            </a:endParaRPr>
+          </a:p>
+        </p:txBody>
+      </p:sp>
+      <p:sp>
+        <p:nvSpPr>
+          <p:cNvPr id="5" name="TextBox 4"/>
+          <p:cNvSpPr txBox="1"/>
+          <p:nvPr/>
+        </p:nvSpPr>
+        <p:spPr>
+          <a:xfrm>
+            <a:off x="822960" y="1280160"/>
+            <a:ext cx="7896167" cy="2031325"/>
+          </a:xfrm>
+          <a:prstGeom prst="rect">
+            <a:avLst/>
+          </a:prstGeom>
+          <a:noFill/>
+        </p:spPr>
+        <p:txBody>
           <a:bodyPr wrap="square">
             <a:spAutoFit/>
           </a:bodyPr>
           <a:lstStyle/>
           <a:p>
-            <a:pPr lvl="0" defTabSz="914400" eaLnBrk="0" fontAlgn="base" hangingPunct="0">
-              <a:spcBef>
-                <a:spcPct val="0"/>
-              </a:spcBef>
-              <a:spcAft>
-                <a:spcPct val="0"/>
-              </a:spcAft>
-              <a:buFontTx/>
-              <a:buChar char="•"/>
-            </a:pPr>
-            <a:r>
-              <a:rPr lang="ko-KR" altLang="ko-KR" sz="2000" b="1" dirty="0" err="1">
-                <a:latin typeface="Arial" panose="020B0604020202020204" pitchFamily="34" charset="0"/>
-              </a:rPr>
-              <a:t>Page</a:t>
-            </a:r>
-            <a:r>
-              <a:rPr lang="ko-KR" altLang="ko-KR" sz="2000" b="1" dirty="0">
-                <a:latin typeface="Arial" panose="020B0604020202020204" pitchFamily="34" charset="0"/>
-              </a:rPr>
-              <a:t> </a:t>
-            </a:r>
-            <a:r>
-              <a:rPr lang="ko-KR" altLang="ko-KR" sz="2000" b="1" dirty="0" err="1">
-                <a:latin typeface="Arial" panose="020B0604020202020204" pitchFamily="34" charset="0"/>
-              </a:rPr>
-              <a:t>Object</a:t>
-            </a:r>
-            <a:r>
-              <a:rPr lang="ko-KR" altLang="ko-KR" sz="2000" b="1" dirty="0">
-                <a:latin typeface="Arial" panose="020B0604020202020204" pitchFamily="34" charset="0"/>
-              </a:rPr>
-              <a:t> </a:t>
-            </a:r>
-            <a:r>
-              <a:rPr lang="ko-KR" altLang="ko-KR" sz="2000" b="1" dirty="0" err="1">
-                <a:latin typeface="Arial" panose="020B0604020202020204" pitchFamily="34" charset="0"/>
-              </a:rPr>
-              <a:t>Model</a:t>
-            </a:r>
-            <a:r>
-              <a:rPr lang="ko-KR" altLang="ko-KR" sz="2000" b="1" dirty="0">
-                <a:latin typeface="Arial" panose="020B0604020202020204" pitchFamily="34" charset="0"/>
-              </a:rPr>
-              <a:t>:</a:t>
-            </a:r>
-            <a:r>
-              <a:rPr lang="ko-KR" altLang="ko-KR" sz="2000" dirty="0">
-                <a:latin typeface="Arial" panose="020B0604020202020204" pitchFamily="34" charset="0"/>
-              </a:rPr>
-              <a:t> UI 요소와 동작을 페이지별로 분리</a:t>
-            </a:r>
-          </a:p>
-          <a:p>
-            <a:pPr lvl="0" defTabSz="914400" eaLnBrk="0" fontAlgn="base" hangingPunct="0">
-              <a:spcBef>
-                <a:spcPct val="0"/>
-              </a:spcBef>
-              <a:spcAft>
-                <a:spcPct val="0"/>
-              </a:spcAft>
-              <a:buFontTx/>
-              <a:buChar char="•"/>
-            </a:pPr>
-            <a:r>
-              <a:rPr lang="ko-KR" altLang="ko-KR" sz="2000" b="1" dirty="0">
-                <a:latin typeface="Arial" panose="020B0604020202020204" pitchFamily="34" charset="0"/>
-              </a:rPr>
-              <a:t>Service </a:t>
-            </a:r>
-            <a:r>
-              <a:rPr lang="ko-KR" altLang="ko-KR" sz="2000" b="1" dirty="0" err="1">
-                <a:latin typeface="Arial" panose="020B0604020202020204" pitchFamily="34" charset="0"/>
-              </a:rPr>
-              <a:t>Layer</a:t>
-            </a:r>
-            <a:r>
-              <a:rPr lang="ko-KR" altLang="ko-KR" sz="2000" b="1" dirty="0">
-                <a:latin typeface="Arial" panose="020B0604020202020204" pitchFamily="34" charset="0"/>
-              </a:rPr>
-              <a:t>:</a:t>
-            </a:r>
-            <a:r>
-              <a:rPr lang="ko-KR" altLang="ko-KR" sz="2000" dirty="0">
-                <a:latin typeface="Arial" panose="020B0604020202020204" pitchFamily="34" charset="0"/>
-              </a:rPr>
-              <a:t> 로그인/상품추가 등 반복 동작 공통 처리</a:t>
-            </a:r>
-          </a:p>
-          <a:p>
-            <a:pPr lvl="0" defTabSz="914400" eaLnBrk="0" fontAlgn="base" hangingPunct="0">
-              <a:spcBef>
-                <a:spcPct val="0"/>
-              </a:spcBef>
-              <a:spcAft>
-                <a:spcPct val="0"/>
-              </a:spcAft>
-              <a:buFontTx/>
-              <a:buChar char="•"/>
-            </a:pPr>
-            <a:r>
-              <a:rPr lang="ko-KR" altLang="ko-KR" sz="2000" b="1" dirty="0" err="1">
-                <a:latin typeface="Arial" panose="020B0604020202020204" pitchFamily="34" charset="0"/>
-              </a:rPr>
-              <a:t>Fixtures</a:t>
-            </a:r>
-            <a:r>
-              <a:rPr lang="ko-KR" altLang="ko-KR" sz="2000" b="1" dirty="0">
-                <a:latin typeface="Arial" panose="020B0604020202020204" pitchFamily="34" charset="0"/>
-              </a:rPr>
-              <a:t>:</a:t>
-            </a:r>
-            <a:r>
-              <a:rPr lang="ko-KR" altLang="ko-KR" sz="2000" dirty="0">
-                <a:latin typeface="Arial" panose="020B0604020202020204" pitchFamily="34" charset="0"/>
-              </a:rPr>
-              <a:t> 브라우저 및 세션 재사용</a:t>
-            </a:r>
-          </a:p>
-          <a:p>
-            <a:pPr lvl="0" defTabSz="914400" eaLnBrk="0" fontAlgn="base" hangingPunct="0">
-              <a:spcBef>
-                <a:spcPct val="0"/>
-              </a:spcBef>
-              <a:spcAft>
-                <a:spcPct val="0"/>
-              </a:spcAft>
-              <a:buFontTx/>
-              <a:buChar char="•"/>
-            </a:pPr>
-            <a:r>
-              <a:rPr lang="ko-KR" altLang="ko-KR" sz="2000" b="1" dirty="0" err="1">
-                <a:latin typeface="Arial" panose="020B0604020202020204" pitchFamily="34" charset="0"/>
-              </a:rPr>
-              <a:t>Utils</a:t>
-            </a:r>
-            <a:r>
-              <a:rPr lang="ko-KR" altLang="ko-KR" sz="2000" b="1" dirty="0">
-                <a:latin typeface="Arial" panose="020B0604020202020204" pitchFamily="34" charset="0"/>
-              </a:rPr>
-              <a:t>:</a:t>
-            </a:r>
-            <a:r>
-              <a:rPr lang="ko-KR" altLang="ko-KR" sz="2000" dirty="0">
-                <a:latin typeface="Arial" panose="020B0604020202020204" pitchFamily="34" charset="0"/>
-              </a:rPr>
-              <a:t> 공용 </a:t>
-            </a:r>
-            <a:r>
-              <a:rPr lang="ko-KR" altLang="ko-KR" sz="2000" dirty="0" err="1">
-                <a:latin typeface="Arial" panose="020B0604020202020204" pitchFamily="34" charset="0"/>
-              </a:rPr>
-              <a:t>waits</a:t>
-            </a:r>
-            <a:r>
-              <a:rPr lang="ko-KR" altLang="ko-KR" sz="2000" dirty="0">
-                <a:latin typeface="Arial" panose="020B0604020202020204" pitchFamily="34" charset="0"/>
-              </a:rPr>
-              <a:t>, </a:t>
-            </a:r>
-            <a:r>
-              <a:rPr lang="ko-KR" altLang="ko-KR" sz="2000" dirty="0" err="1">
-                <a:latin typeface="Arial" panose="020B0604020202020204" pitchFamily="34" charset="0"/>
-              </a:rPr>
-              <a:t>assertions</a:t>
-            </a:r>
-            <a:r>
-              <a:rPr lang="ko-KR" altLang="ko-KR" sz="2000" dirty="0">
-                <a:latin typeface="Arial" panose="020B0604020202020204" pitchFamily="34" charset="0"/>
-              </a:rPr>
-              <a:t>, 데이터 </a:t>
-            </a:r>
-            <a:r>
-              <a:rPr lang="ko-KR" altLang="ko-KR" sz="2000" dirty="0" err="1">
-                <a:latin typeface="Arial" panose="020B0604020202020204" pitchFamily="34" charset="0"/>
-              </a:rPr>
-              <a:t>생성기</a:t>
-            </a:r>
-            <a:endParaRPr lang="ko-KR" altLang="ko-KR" sz="2000" dirty="0">
-              <a:latin typeface="Arial" panose="020B0604020202020204" pitchFamily="34" charset="0"/>
-            </a:endParaRPr>
-          </a:p>
-          <a:p>
-            <a:pPr lvl="0" defTabSz="914400" eaLnBrk="0" fontAlgn="base" hangingPunct="0">
-              <a:spcBef>
-                <a:spcPct val="0"/>
-              </a:spcBef>
-              <a:spcAft>
-                <a:spcPct val="0"/>
-              </a:spcAft>
-              <a:buFontTx/>
-              <a:buChar char="•"/>
-            </a:pPr>
-            <a:r>
-              <a:rPr lang="ko-KR" altLang="ko-KR" sz="2000" b="1" dirty="0">
-                <a:latin typeface="Arial" panose="020B0604020202020204" pitchFamily="34" charset="0"/>
-              </a:rPr>
-              <a:t>CI 파이프라인:</a:t>
-            </a:r>
-            <a:r>
-              <a:rPr lang="ko-KR" altLang="ko-KR" sz="2000" dirty="0">
-                <a:latin typeface="Arial" panose="020B0604020202020204" pitchFamily="34" charset="0"/>
-              </a:rPr>
-              <a:t> GitHub </a:t>
-            </a:r>
-            <a:r>
-              <a:rPr lang="ko-KR" altLang="ko-KR" sz="2000" dirty="0" err="1">
-                <a:latin typeface="Arial" panose="020B0604020202020204" pitchFamily="34" charset="0"/>
-              </a:rPr>
-              <a:t>Actions</a:t>
-            </a:r>
-            <a:r>
-              <a:rPr lang="ko-KR" altLang="ko-KR" sz="2000" dirty="0">
-                <a:latin typeface="Arial" panose="020B0604020202020204" pitchFamily="34" charset="0"/>
-              </a:rPr>
-              <a:t> 기반 자동 테스트</a:t>
+            <a:r>
+              <a:rPr lang="ko-KR" altLang="en-US" b="1" dirty="0"/>
+              <a:t>테스트 유형 </a:t>
+            </a:r>
+            <a:r>
+              <a:rPr lang="en-US" altLang="ko-KR" b="1" dirty="0"/>
+              <a:t>monk</a:t>
+            </a:r>
+            <a:endParaRPr lang="ko-KR" altLang="en-US" b="1" dirty="0"/>
+          </a:p>
+          <a:p>
+            <a:r>
+              <a:rPr lang="ko-KR" altLang="en-US" b="1" dirty="0"/>
+              <a:t>회귀 테스트</a:t>
+            </a:r>
+            <a:r>
+              <a:rPr lang="en-US" altLang="ko-KR" b="1" dirty="0"/>
+              <a:t>(Regression):</a:t>
+            </a:r>
+            <a:r>
+              <a:rPr lang="ko-KR" altLang="en-US" dirty="0"/>
+              <a:t> 전체 스위트 실행 </a:t>
+            </a:r>
+            <a:r>
+              <a:rPr lang="en-US" altLang="ko-KR" dirty="0"/>
+              <a:t>(main push / nightly)</a:t>
+            </a:r>
+          </a:p>
+          <a:p>
+            <a:r>
+              <a:rPr lang="ko-KR" altLang="en-US" b="1" dirty="0"/>
+              <a:t>네거티브</a:t>
+            </a:r>
+            <a:r>
+              <a:rPr lang="en-US" altLang="ko-KR" b="1" dirty="0"/>
+              <a:t>(Negative):</a:t>
+            </a:r>
+            <a:r>
+              <a:rPr lang="ko-KR" altLang="en-US" dirty="0"/>
+              <a:t> 실패</a:t>
+            </a:r>
+            <a:r>
+              <a:rPr lang="en-US" altLang="ko-KR" dirty="0"/>
+              <a:t>/</a:t>
+            </a:r>
+            <a:r>
+              <a:rPr lang="ko-KR" altLang="en-US" dirty="0"/>
+              <a:t>오류 처리 검증</a:t>
+            </a:r>
+          </a:p>
+          <a:p>
+            <a:r>
+              <a:rPr lang="ko-KR" altLang="en-US" b="1" dirty="0"/>
+              <a:t>안정성 규칙</a:t>
+            </a:r>
+          </a:p>
+          <a:p>
+            <a:r>
+              <a:rPr lang="ko-KR" altLang="en-US" dirty="0"/>
+              <a:t>모든 액션 전 </a:t>
+            </a:r>
+            <a:r>
+              <a:rPr lang="en-US" altLang="ko-KR" b="1" dirty="0"/>
+              <a:t>Explicit Wait</a:t>
+            </a:r>
+            <a:r>
+              <a:rPr lang="ko-KR" altLang="en-US" dirty="0"/>
+              <a:t> 적용</a:t>
+            </a:r>
+          </a:p>
+          <a:p>
+            <a:r>
+              <a:rPr lang="ko-KR" altLang="en-US" dirty="0"/>
+              <a:t>실패 시 자동 스크린샷 저장</a:t>
+            </a:r>
+          </a:p>
+          <a:p>
+            <a:r>
+              <a:rPr lang="en-US" altLang="ko-KR" dirty="0"/>
+              <a:t>CI </a:t>
+            </a:r>
+            <a:r>
+              <a:rPr lang="ko-KR" altLang="en-US" dirty="0"/>
+              <a:t>환경에서는 </a:t>
+            </a:r>
+            <a:r>
+              <a:rPr lang="en-US" altLang="ko-KR" dirty="0"/>
+              <a:t>Selenium Manager </a:t>
+            </a:r>
+            <a:r>
+              <a:rPr lang="ko-KR" altLang="en-US" dirty="0"/>
+              <a:t>기반으로 </a:t>
+            </a:r>
+            <a:r>
+              <a:rPr lang="en-US" altLang="ko-KR" dirty="0"/>
+              <a:t>Chrome/Driver </a:t>
+            </a:r>
+            <a:r>
+              <a:rPr lang="ko-KR" altLang="en-US" dirty="0"/>
+              <a:t>동기화</a:t>
             </a:r>
           </a:p>
         </p:txBody>
@@ -9535,30 +9409,6 @@
           <a:chExt cx="0" cy="0"/>
         </a:xfrm>
       </p:grpSpPr>
-      <p:pic>
-        <p:nvPicPr>
-          <p:cNvPr id="2" name="Picture 1" descr="gradient_bg.png"/>
-          <p:cNvPicPr>
-            <a:picLocks noChangeAspect="1"/>
-          </p:cNvPicPr>
-          <p:nvPr/>
-        </p:nvPicPr>
-        <p:blipFill>
-          <a:blip r:embed="rId2"/>
-          <a:stretch>
-            <a:fillRect/>
-          </a:stretch>
-        </p:blipFill>
-        <p:spPr>
-          <a:xfrm>
-            <a:off x="0" y="0"/>
-            <a:ext cx="9144000" cy="6858000"/>
-          </a:xfrm>
-          <a:prstGeom prst="rect">
-            <a:avLst/>
-          </a:prstGeom>
-        </p:spPr>
-      </p:pic>
       <p:sp>
         <p:nvSpPr>
           <p:cNvPr id="3" name="TextBox 2"/>
@@ -9568,7 +9418,7 @@
         <p:spPr>
           <a:xfrm>
             <a:off x="640080" y="274320"/>
-            <a:ext cx="1396536" cy="369332"/>
+            <a:ext cx="2406428" cy="400110"/>
           </a:xfrm>
           <a:prstGeom prst="rect">
             <a:avLst/>
@@ -9582,14 +9432,37 @@
           <a:lstStyle/>
           <a:p>
             <a:r>
-              <a:rPr dirty="0"/>
-              <a:t>UI — </a:t>
-            </a:r>
-            <a:r>
-              <a:rPr lang="ko-KR" altLang="en-US" dirty="0"/>
-              <a:t>베이스</a:t>
-            </a:r>
-            <a:endParaRPr dirty="0"/>
+              <a:rPr sz="2000" dirty="0">
+                <a:latin typeface="HY견고딕" panose="02030600000101010101" pitchFamily="18" charset="-127"/>
+                <a:ea typeface="HY견고딕" panose="02030600000101010101" pitchFamily="18" charset="-127"/>
+              </a:rPr>
+              <a:t>5. </a:t>
+            </a:r>
+            <a:r>
+              <a:rPr sz="2000" dirty="0" err="1">
+                <a:latin typeface="HY견고딕" panose="02030600000101010101" pitchFamily="18" charset="-127"/>
+                <a:ea typeface="HY견고딕" panose="02030600000101010101" pitchFamily="18" charset="-127"/>
+              </a:rPr>
+              <a:t>테스트</a:t>
+            </a:r>
+            <a:r>
+              <a:rPr sz="2000" dirty="0">
+                <a:latin typeface="HY견고딕" panose="02030600000101010101" pitchFamily="18" charset="-127"/>
+                <a:ea typeface="HY견고딕" panose="02030600000101010101" pitchFamily="18" charset="-127"/>
+              </a:rPr>
+              <a:t> </a:t>
+            </a:r>
+            <a:r>
+              <a:rPr sz="2000" dirty="0" err="1">
+                <a:latin typeface="HY견고딕" panose="02030600000101010101" pitchFamily="18" charset="-127"/>
+                <a:ea typeface="HY견고딕" panose="02030600000101010101" pitchFamily="18" charset="-127"/>
+              </a:rPr>
+              <a:t>아키텍처</a:t>
+            </a:r>
+            <a:endParaRPr sz="2000" dirty="0">
+              <a:latin typeface="HY견고딕" panose="02030600000101010101" pitchFamily="18" charset="-127"/>
+              <a:ea typeface="HY견고딕" panose="02030600000101010101" pitchFamily="18" charset="-127"/>
+            </a:endParaRPr>
           </a:p>
         </p:txBody>
       </p:sp>
@@ -9601,8 +9474,8 @@
         </p:nvSpPr>
         <p:spPr>
           <a:xfrm>
-            <a:off x="129309" y="1097280"/>
-            <a:ext cx="9014691" cy="4937760"/>
+            <a:off x="249382" y="1097280"/>
+            <a:ext cx="8765309" cy="4754880"/>
           </a:xfrm>
           <a:prstGeom prst="roundRect">
             <a:avLst/>
@@ -9636,6 +9509,293 @@
           <a:p>
             <a:pPr algn="ctr"/>
             <a:endParaRPr/>
+          </a:p>
+        </p:txBody>
+      </p:sp>
+      <p:sp>
+        <p:nvSpPr>
+          <p:cNvPr id="5" name="TextBox 4"/>
+          <p:cNvSpPr txBox="1"/>
+          <p:nvPr/>
+        </p:nvSpPr>
+        <p:spPr>
+          <a:xfrm>
+            <a:off x="822960" y="1280160"/>
+            <a:ext cx="7859222" cy="2343206"/>
+          </a:xfrm>
+          <a:prstGeom prst="rect">
+            <a:avLst/>
+          </a:prstGeom>
+          <a:noFill/>
+        </p:spPr>
+        <p:txBody>
+          <a:bodyPr wrap="square">
+            <a:spAutoFit/>
+          </a:bodyPr>
+          <a:lstStyle/>
+          <a:p>
+            <a:pPr lvl="0" defTabSz="914400" eaLnBrk="0" fontAlgn="base" hangingPunct="0">
+              <a:lnSpc>
+                <a:spcPct val="150000"/>
+              </a:lnSpc>
+              <a:spcBef>
+                <a:spcPct val="0"/>
+              </a:spcBef>
+              <a:spcAft>
+                <a:spcPct val="0"/>
+              </a:spcAft>
+              <a:buFontTx/>
+              <a:buChar char="•"/>
+            </a:pPr>
+            <a:r>
+              <a:rPr lang="en-US" altLang="ko-KR" sz="2000" b="1" dirty="0">
+                <a:latin typeface="Arial" panose="020B0604020202020204" pitchFamily="34" charset="0"/>
+              </a:rPr>
+              <a:t> </a:t>
+            </a:r>
+            <a:r>
+              <a:rPr lang="ko-KR" altLang="ko-KR" sz="2000" b="1" dirty="0" err="1">
+                <a:latin typeface="Arial" panose="020B0604020202020204" pitchFamily="34" charset="0"/>
+              </a:rPr>
+              <a:t>Page</a:t>
+            </a:r>
+            <a:r>
+              <a:rPr lang="ko-KR" altLang="ko-KR" sz="2000" b="1" dirty="0">
+                <a:latin typeface="Arial" panose="020B0604020202020204" pitchFamily="34" charset="0"/>
+              </a:rPr>
+              <a:t> </a:t>
+            </a:r>
+            <a:r>
+              <a:rPr lang="ko-KR" altLang="ko-KR" sz="2000" b="1" dirty="0" err="1">
+                <a:latin typeface="Arial" panose="020B0604020202020204" pitchFamily="34" charset="0"/>
+              </a:rPr>
+              <a:t>Object</a:t>
+            </a:r>
+            <a:r>
+              <a:rPr lang="ko-KR" altLang="ko-KR" sz="2000" b="1" dirty="0">
+                <a:latin typeface="Arial" panose="020B0604020202020204" pitchFamily="34" charset="0"/>
+              </a:rPr>
+              <a:t> </a:t>
+            </a:r>
+            <a:r>
+              <a:rPr lang="ko-KR" altLang="ko-KR" sz="2000" b="1" dirty="0" err="1">
+                <a:latin typeface="Arial" panose="020B0604020202020204" pitchFamily="34" charset="0"/>
+              </a:rPr>
+              <a:t>Model</a:t>
+            </a:r>
+            <a:r>
+              <a:rPr lang="ko-KR" altLang="ko-KR" sz="2000" b="1" dirty="0">
+                <a:latin typeface="Arial" panose="020B0604020202020204" pitchFamily="34" charset="0"/>
+              </a:rPr>
+              <a:t>:</a:t>
+            </a:r>
+            <a:r>
+              <a:rPr lang="ko-KR" altLang="ko-KR" sz="2000" dirty="0">
+                <a:latin typeface="Arial" panose="020B0604020202020204" pitchFamily="34" charset="0"/>
+              </a:rPr>
+              <a:t> UI 요소와 동작을 페이지별로 분리</a:t>
+            </a:r>
+          </a:p>
+          <a:p>
+            <a:pPr lvl="0" defTabSz="914400" eaLnBrk="0" fontAlgn="base" hangingPunct="0">
+              <a:lnSpc>
+                <a:spcPct val="150000"/>
+              </a:lnSpc>
+              <a:spcBef>
+                <a:spcPct val="0"/>
+              </a:spcBef>
+              <a:spcAft>
+                <a:spcPct val="0"/>
+              </a:spcAft>
+              <a:buFontTx/>
+              <a:buChar char="•"/>
+            </a:pPr>
+            <a:r>
+              <a:rPr lang="en-US" altLang="ko-KR" sz="2000" b="1" dirty="0">
+                <a:latin typeface="Arial" panose="020B0604020202020204" pitchFamily="34" charset="0"/>
+              </a:rPr>
+              <a:t> </a:t>
+            </a:r>
+            <a:r>
+              <a:rPr lang="ko-KR" altLang="ko-KR" sz="2000" b="1" dirty="0">
+                <a:latin typeface="Arial" panose="020B0604020202020204" pitchFamily="34" charset="0"/>
+              </a:rPr>
+              <a:t>Service </a:t>
+            </a:r>
+            <a:r>
+              <a:rPr lang="ko-KR" altLang="ko-KR" sz="2000" b="1" dirty="0" err="1">
+                <a:latin typeface="Arial" panose="020B0604020202020204" pitchFamily="34" charset="0"/>
+              </a:rPr>
+              <a:t>Layer</a:t>
+            </a:r>
+            <a:r>
+              <a:rPr lang="ko-KR" altLang="ko-KR" sz="2000" b="1" dirty="0">
+                <a:latin typeface="Arial" panose="020B0604020202020204" pitchFamily="34" charset="0"/>
+              </a:rPr>
+              <a:t>:</a:t>
+            </a:r>
+            <a:r>
+              <a:rPr lang="ko-KR" altLang="ko-KR" sz="2000" dirty="0">
+                <a:latin typeface="Arial" panose="020B0604020202020204" pitchFamily="34" charset="0"/>
+              </a:rPr>
+              <a:t> 로그인/상품추가 등 반복 동작 공통 처리</a:t>
+            </a:r>
+          </a:p>
+          <a:p>
+            <a:pPr lvl="0" defTabSz="914400" eaLnBrk="0" fontAlgn="base" hangingPunct="0">
+              <a:lnSpc>
+                <a:spcPct val="150000"/>
+              </a:lnSpc>
+              <a:spcBef>
+                <a:spcPct val="0"/>
+              </a:spcBef>
+              <a:spcAft>
+                <a:spcPct val="0"/>
+              </a:spcAft>
+              <a:buFontTx/>
+              <a:buChar char="•"/>
+            </a:pPr>
+            <a:r>
+              <a:rPr lang="en-US" altLang="ko-KR" sz="2000" b="1" dirty="0">
+                <a:latin typeface="Arial" panose="020B0604020202020204" pitchFamily="34" charset="0"/>
+              </a:rPr>
+              <a:t> </a:t>
+            </a:r>
+            <a:r>
+              <a:rPr lang="ko-KR" altLang="ko-KR" sz="2000" b="1" dirty="0" err="1">
+                <a:latin typeface="Arial" panose="020B0604020202020204" pitchFamily="34" charset="0"/>
+              </a:rPr>
+              <a:t>Fixtures</a:t>
+            </a:r>
+            <a:r>
+              <a:rPr lang="ko-KR" altLang="ko-KR" sz="2000" b="1" dirty="0">
+                <a:latin typeface="Arial" panose="020B0604020202020204" pitchFamily="34" charset="0"/>
+              </a:rPr>
+              <a:t>:</a:t>
+            </a:r>
+            <a:r>
+              <a:rPr lang="ko-KR" altLang="ko-KR" sz="2000" dirty="0">
+                <a:latin typeface="Arial" panose="020B0604020202020204" pitchFamily="34" charset="0"/>
+              </a:rPr>
+              <a:t> 브라우저 및 세션 재사용</a:t>
+            </a:r>
+          </a:p>
+          <a:p>
+            <a:pPr lvl="0" defTabSz="914400" eaLnBrk="0" fontAlgn="base" hangingPunct="0">
+              <a:lnSpc>
+                <a:spcPct val="150000"/>
+              </a:lnSpc>
+              <a:spcBef>
+                <a:spcPct val="0"/>
+              </a:spcBef>
+              <a:spcAft>
+                <a:spcPct val="0"/>
+              </a:spcAft>
+              <a:buFontTx/>
+              <a:buChar char="•"/>
+            </a:pPr>
+            <a:r>
+              <a:rPr lang="en-US" altLang="ko-KR" sz="2000" b="1" dirty="0">
+                <a:latin typeface="Arial" panose="020B0604020202020204" pitchFamily="34" charset="0"/>
+              </a:rPr>
+              <a:t> </a:t>
+            </a:r>
+            <a:r>
+              <a:rPr lang="ko-KR" altLang="ko-KR" sz="2000" b="1" dirty="0" err="1">
+                <a:latin typeface="Arial" panose="020B0604020202020204" pitchFamily="34" charset="0"/>
+              </a:rPr>
+              <a:t>Utils</a:t>
+            </a:r>
+            <a:r>
+              <a:rPr lang="ko-KR" altLang="ko-KR" sz="2000" b="1" dirty="0">
+                <a:latin typeface="Arial" panose="020B0604020202020204" pitchFamily="34" charset="0"/>
+              </a:rPr>
+              <a:t>:</a:t>
+            </a:r>
+            <a:r>
+              <a:rPr lang="ko-KR" altLang="ko-KR" sz="2000" dirty="0">
+                <a:latin typeface="Arial" panose="020B0604020202020204" pitchFamily="34" charset="0"/>
+              </a:rPr>
+              <a:t> 공용 </a:t>
+            </a:r>
+            <a:r>
+              <a:rPr lang="ko-KR" altLang="ko-KR" sz="2000" dirty="0" err="1">
+                <a:latin typeface="Arial" panose="020B0604020202020204" pitchFamily="34" charset="0"/>
+              </a:rPr>
+              <a:t>waits</a:t>
+            </a:r>
+            <a:r>
+              <a:rPr lang="ko-KR" altLang="ko-KR" sz="2000" dirty="0">
+                <a:latin typeface="Arial" panose="020B0604020202020204" pitchFamily="34" charset="0"/>
+              </a:rPr>
+              <a:t>, </a:t>
+            </a:r>
+            <a:r>
+              <a:rPr lang="ko-KR" altLang="ko-KR" sz="2000" dirty="0" err="1">
+                <a:latin typeface="Arial" panose="020B0604020202020204" pitchFamily="34" charset="0"/>
+              </a:rPr>
+              <a:t>assertions</a:t>
+            </a:r>
+            <a:r>
+              <a:rPr lang="ko-KR" altLang="ko-KR" sz="2000" dirty="0">
+                <a:latin typeface="Arial" panose="020B0604020202020204" pitchFamily="34" charset="0"/>
+              </a:rPr>
+              <a:t>, 데이터 </a:t>
+            </a:r>
+            <a:r>
+              <a:rPr lang="ko-KR" altLang="ko-KR" sz="2000" dirty="0" err="1">
+                <a:latin typeface="Arial" panose="020B0604020202020204" pitchFamily="34" charset="0"/>
+              </a:rPr>
+              <a:t>생성기</a:t>
+            </a:r>
+            <a:endParaRPr lang="ko-KR" altLang="ko-KR" sz="2000" dirty="0">
+              <a:latin typeface="Arial" panose="020B0604020202020204" pitchFamily="34" charset="0"/>
+            </a:endParaRPr>
+          </a:p>
+          <a:p>
+            <a:pPr lvl="0" defTabSz="914400" eaLnBrk="0" fontAlgn="base" hangingPunct="0">
+              <a:lnSpc>
+                <a:spcPct val="150000"/>
+              </a:lnSpc>
+              <a:spcBef>
+                <a:spcPct val="0"/>
+              </a:spcBef>
+              <a:spcAft>
+                <a:spcPct val="0"/>
+              </a:spcAft>
+              <a:buFontTx/>
+              <a:buChar char="•"/>
+            </a:pPr>
+            <a:r>
+              <a:rPr lang="en-US" altLang="ko-KR" sz="2000" b="1" dirty="0">
+                <a:latin typeface="Arial" panose="020B0604020202020204" pitchFamily="34" charset="0"/>
+              </a:rPr>
+              <a:t> </a:t>
+            </a:r>
+            <a:r>
+              <a:rPr lang="ko-KR" altLang="ko-KR" sz="2000" b="1" dirty="0">
+                <a:latin typeface="Arial" panose="020B0604020202020204" pitchFamily="34" charset="0"/>
+              </a:rPr>
+              <a:t>CI 파이프라인:</a:t>
+            </a:r>
+            <a:r>
+              <a:rPr lang="ko-KR" altLang="ko-KR" sz="2000" dirty="0">
+                <a:latin typeface="Arial" panose="020B0604020202020204" pitchFamily="34" charset="0"/>
+              </a:rPr>
+              <a:t> GitHub </a:t>
+            </a:r>
+            <a:r>
+              <a:rPr lang="ko-KR" altLang="ko-KR" sz="2000" dirty="0" err="1">
+                <a:latin typeface="Arial" panose="020B0604020202020204" pitchFamily="34" charset="0"/>
+              </a:rPr>
+              <a:t>Actions</a:t>
+            </a:r>
+            <a:r>
+              <a:rPr lang="ko-KR" altLang="ko-KR" sz="2000" dirty="0">
+                <a:latin typeface="Arial" panose="020B0604020202020204" pitchFamily="34" charset="0"/>
+              </a:rPr>
+              <a:t> 기반 자동 테스트</a:t>
+            </a:r>
           </a:p>
         </p:txBody>
       </p:sp>
@@ -9664,30 +9824,6 @@
           <a:chExt cx="0" cy="0"/>
         </a:xfrm>
       </p:grpSpPr>
-      <p:pic>
-        <p:nvPicPr>
-          <p:cNvPr id="2" name="Picture 1" descr="gradient_bg.png"/>
-          <p:cNvPicPr>
-            <a:picLocks noChangeAspect="1"/>
-          </p:cNvPicPr>
-          <p:nvPr/>
-        </p:nvPicPr>
-        <p:blipFill>
-          <a:blip r:embed="rId2"/>
-          <a:stretch>
-            <a:fillRect/>
-          </a:stretch>
-        </p:blipFill>
-        <p:spPr>
-          <a:xfrm>
-            <a:off x="0" y="0"/>
-            <a:ext cx="9144000" cy="6858000"/>
-          </a:xfrm>
-          <a:prstGeom prst="rect">
-            <a:avLst/>
-          </a:prstGeom>
-        </p:spPr>
-      </p:pic>
       <p:sp>
         <p:nvSpPr>
           <p:cNvPr id="3" name="TextBox 2"/>
@@ -9697,7 +9833,7 @@
         <p:spPr>
           <a:xfrm>
             <a:off x="640080" y="274320"/>
-            <a:ext cx="10972800" cy="731520"/>
+            <a:ext cx="1651414" cy="400110"/>
           </a:xfrm>
           <a:prstGeom prst="rect">
             <a:avLst/>
@@ -9711,17 +9847,23 @@
           <a:lstStyle/>
           <a:p>
             <a:r>
-              <a:rPr dirty="0"/>
+              <a:rPr sz="2000" b="1" dirty="0">
+                <a:latin typeface="HY견고딕" panose="02030600000101010101" pitchFamily="18" charset="-127"/>
+                <a:ea typeface="HY견고딕" panose="02030600000101010101" pitchFamily="18" charset="-127"/>
+              </a:rPr>
               <a:t>UI — </a:t>
             </a:r>
             <a:r>
-              <a:rPr dirty="0" err="1"/>
-              <a:t>로그인</a:t>
-            </a:r>
-            <a:r>
-              <a:rPr dirty="0"/>
-              <a:t> Page</a:t>
-            </a:r>
+              <a:rPr lang="ko-KR" altLang="en-US" sz="2000" b="1" dirty="0">
+                <a:latin typeface="HY견고딕" panose="02030600000101010101" pitchFamily="18" charset="-127"/>
+                <a:ea typeface="HY견고딕" panose="02030600000101010101" pitchFamily="18" charset="-127"/>
+              </a:rPr>
+              <a:t>베이스</a:t>
+            </a:r>
+            <a:endParaRPr sz="2000" b="1" dirty="0">
+              <a:latin typeface="HY견고딕" panose="02030600000101010101" pitchFamily="18" charset="-127"/>
+              <a:ea typeface="HY견고딕" panose="02030600000101010101" pitchFamily="18" charset="-127"/>
+            </a:endParaRPr>
           </a:p>
         </p:txBody>
       </p:sp>
@@ -9771,12 +9913,37 @@
           </a:p>
         </p:txBody>
       </p:sp>
+      <p:pic>
+        <p:nvPicPr>
+          <p:cNvPr id="6" name="그림 5" descr="텍스트, 포유류, 고양이이(가) 표시된 사진&#10;&#10;AI가 생성한 콘텐츠는 부정확할 수 있습니다.">
+            <a:extLst>
+              <a:ext uri="{FF2B5EF4-FFF2-40B4-BE49-F238E27FC236}">
+                <a16:creationId xmlns:a16="http://schemas.microsoft.com/office/drawing/2014/main" id="{E0A5A08C-330E-D71F-87B9-AF5163AAB689}"/>
+              </a:ext>
+            </a:extLst>
+          </p:cNvPr>
+          <p:cNvPicPr>
+            <a:picLocks noChangeAspect="1"/>
+          </p:cNvPicPr>
+          <p:nvPr/>
+        </p:nvPicPr>
+        <p:blipFill>
+          <a:blip r:embed="rId2"/>
+          <a:stretch>
+            <a:fillRect/>
+          </a:stretch>
+        </p:blipFill>
+        <p:spPr>
+          <a:xfrm>
+            <a:off x="2363540" y="1190546"/>
+            <a:ext cx="4416920" cy="4751228"/>
+          </a:xfrm>
+          <a:prstGeom prst="rect">
+            <a:avLst/>
+          </a:prstGeom>
+        </p:spPr>
+      </p:pic>
     </p:spTree>
-    <p:extLst>
-      <p:ext uri="{BB962C8B-B14F-4D97-AF65-F5344CB8AC3E}">
-        <p14:creationId xmlns:p14="http://schemas.microsoft.com/office/powerpoint/2010/main" val="876417687"/>
-      </p:ext>
-    </p:extLst>
   </p:cSld>
   <p:clrMapOvr>
     <a:masterClrMapping/>

--- a/2조 프로젝트 과제(제작중).pptx
+++ b/2조 프로젝트 과제(제작중).pptx
@@ -24,11 +24,10 @@
     <p:sldId id="269" r:id="rId18"/>
     <p:sldId id="270" r:id="rId19"/>
     <p:sldId id="272" r:id="rId20"/>
-    <p:sldId id="273" r:id="rId21"/>
-    <p:sldId id="275" r:id="rId22"/>
-    <p:sldId id="276" r:id="rId23"/>
-    <p:sldId id="277" r:id="rId24"/>
-    <p:sldId id="278" r:id="rId25"/>
+    <p:sldId id="275" r:id="rId21"/>
+    <p:sldId id="276" r:id="rId22"/>
+    <p:sldId id="277" r:id="rId23"/>
+    <p:sldId id="278" r:id="rId24"/>
   </p:sldIdLst>
   <p:sldSz cx="9144000" cy="6858000" type="screen4x3"/>
   <p:notesSz cx="6858000" cy="9144000"/>
@@ -3768,7 +3767,7 @@
         <p:spPr>
           <a:xfrm>
             <a:off x="640080" y="274320"/>
-            <a:ext cx="1910523" cy="369332"/>
+            <a:ext cx="2395207" cy="400110"/>
           </a:xfrm>
           <a:prstGeom prst="rect">
             <a:avLst/>
@@ -3782,15 +3781,24 @@
           <a:lstStyle/>
           <a:p>
             <a:r>
-              <a:rPr b="1" dirty="0"/>
+              <a:rPr sz="2000" b="1" dirty="0">
+                <a:latin typeface="HY견고딕" panose="02030600000101010101" pitchFamily="18" charset="-127"/>
+                <a:ea typeface="HY견고딕" panose="02030600000101010101" pitchFamily="18" charset="-127"/>
+              </a:rPr>
               <a:t>UI — </a:t>
             </a:r>
             <a:r>
-              <a:rPr b="1" dirty="0" err="1"/>
+              <a:rPr sz="2000" b="1" dirty="0" err="1">
+                <a:latin typeface="HY견고딕" panose="02030600000101010101" pitchFamily="18" charset="-127"/>
+                <a:ea typeface="HY견고딕" panose="02030600000101010101" pitchFamily="18" charset="-127"/>
+              </a:rPr>
               <a:t>로그인</a:t>
             </a:r>
             <a:r>
-              <a:rPr b="1" dirty="0"/>
+              <a:rPr sz="2000" b="1" dirty="0">
+                <a:latin typeface="HY견고딕" panose="02030600000101010101" pitchFamily="18" charset="-127"/>
+                <a:ea typeface="HY견고딕" panose="02030600000101010101" pitchFamily="18" charset="-127"/>
+              </a:rPr>
               <a:t> Page</a:t>
             </a:r>
           </a:p>
@@ -3910,7 +3918,7 @@
         <p:spPr>
           <a:xfrm>
             <a:off x="640080" y="274320"/>
-            <a:ext cx="1433469" cy="369332"/>
+            <a:ext cx="1965603" cy="400110"/>
           </a:xfrm>
           <a:prstGeom prst="rect">
             <a:avLst/>
@@ -3924,14 +3932,23 @@
           <a:lstStyle/>
           <a:p>
             <a:r>
-              <a:rPr b="1" dirty="0"/>
+              <a:rPr sz="2000" b="1" dirty="0">
+                <a:latin typeface="HY견고딕" panose="02030600000101010101" pitchFamily="18" charset="-127"/>
+                <a:ea typeface="HY견고딕" panose="02030600000101010101" pitchFamily="18" charset="-127"/>
+              </a:rPr>
               <a:t>UI — </a:t>
             </a:r>
             <a:r>
-              <a:rPr lang="en-US" b="1" dirty="0"/>
+              <a:rPr lang="en-US" sz="2000" b="1" dirty="0">
+                <a:latin typeface="HY견고딕" panose="02030600000101010101" pitchFamily="18" charset="-127"/>
+                <a:ea typeface="HY견고딕" panose="02030600000101010101" pitchFamily="18" charset="-127"/>
+              </a:rPr>
               <a:t>register</a:t>
             </a:r>
-            <a:endParaRPr b="1" dirty="0"/>
+            <a:endParaRPr sz="2000" b="1" dirty="0">
+              <a:latin typeface="HY견고딕" panose="02030600000101010101" pitchFamily="18" charset="-127"/>
+              <a:ea typeface="HY견고딕" panose="02030600000101010101" pitchFamily="18" charset="-127"/>
+            </a:endParaRPr>
           </a:p>
         </p:txBody>
       </p:sp>
@@ -4045,7 +4062,7 @@
         <p:spPr>
           <a:xfrm>
             <a:off x="640080" y="274320"/>
-            <a:ext cx="2141355" cy="369332"/>
+            <a:ext cx="2646878" cy="400110"/>
           </a:xfrm>
           <a:prstGeom prst="rect">
             <a:avLst/>
@@ -4059,15 +4076,24 @@
           <a:lstStyle/>
           <a:p>
             <a:r>
-              <a:rPr b="1" dirty="0"/>
+              <a:rPr sz="2000" b="1" dirty="0">
+                <a:latin typeface="HY견고딕" panose="02030600000101010101" pitchFamily="18" charset="-127"/>
+                <a:ea typeface="HY견고딕" panose="02030600000101010101" pitchFamily="18" charset="-127"/>
+              </a:rPr>
               <a:t>UI — </a:t>
             </a:r>
             <a:r>
-              <a:rPr b="1" dirty="0" err="1"/>
+              <a:rPr sz="2000" b="1" dirty="0" err="1">
+                <a:latin typeface="HY견고딕" panose="02030600000101010101" pitchFamily="18" charset="-127"/>
+                <a:ea typeface="HY견고딕" panose="02030600000101010101" pitchFamily="18" charset="-127"/>
+              </a:rPr>
               <a:t>장바구니</a:t>
             </a:r>
             <a:r>
-              <a:rPr b="1" dirty="0"/>
+              <a:rPr sz="2000" b="1" dirty="0">
+                <a:latin typeface="HY견고딕" panose="02030600000101010101" pitchFamily="18" charset="-127"/>
+                <a:ea typeface="HY견고딕" panose="02030600000101010101" pitchFamily="18" charset="-127"/>
+              </a:rPr>
               <a:t> Page</a:t>
             </a:r>
           </a:p>
@@ -4182,7 +4208,7 @@
         <p:spPr>
           <a:xfrm>
             <a:off x="640080" y="274320"/>
-            <a:ext cx="1627369" cy="369332"/>
+            <a:ext cx="1903085" cy="400110"/>
           </a:xfrm>
           <a:prstGeom prst="rect">
             <a:avLst/>
@@ -4196,14 +4222,23 @@
           <a:lstStyle/>
           <a:p>
             <a:r>
-              <a:rPr b="1" dirty="0"/>
+              <a:rPr sz="2000" b="1" dirty="0">
+                <a:latin typeface="HY견고딕" panose="02030600000101010101" pitchFamily="18" charset="-127"/>
+                <a:ea typeface="HY견고딕" panose="02030600000101010101" pitchFamily="18" charset="-127"/>
+              </a:rPr>
               <a:t>UI — </a:t>
             </a:r>
             <a:r>
-              <a:rPr lang="ko-KR" altLang="en-US" b="1" dirty="0"/>
+              <a:rPr lang="ko-KR" altLang="en-US" sz="2000" b="1" dirty="0">
+                <a:latin typeface="HY견고딕" panose="02030600000101010101" pitchFamily="18" charset="-127"/>
+                <a:ea typeface="HY견고딕" panose="02030600000101010101" pitchFamily="18" charset="-127"/>
+              </a:rPr>
               <a:t>로그아웃</a:t>
             </a:r>
-            <a:endParaRPr b="1" dirty="0"/>
+            <a:endParaRPr sz="2000" b="1" dirty="0">
+              <a:latin typeface="HY견고딕" panose="02030600000101010101" pitchFamily="18" charset="-127"/>
+              <a:ea typeface="HY견고딕" panose="02030600000101010101" pitchFamily="18" charset="-127"/>
+            </a:endParaRPr>
           </a:p>
         </p:txBody>
       </p:sp>
@@ -4317,7 +4352,7 @@
         <p:spPr>
           <a:xfrm>
             <a:off x="640080" y="274320"/>
-            <a:ext cx="2021259" cy="369332"/>
+            <a:ext cx="1819729" cy="400110"/>
           </a:xfrm>
           <a:prstGeom prst="rect">
             <a:avLst/>
@@ -4331,17 +4366,23 @@
           <a:lstStyle/>
           <a:p>
             <a:r>
-              <a:rPr b="1" dirty="0"/>
+              <a:rPr sz="2000" b="1" dirty="0">
+                <a:latin typeface="HY견고딕" panose="02030600000101010101" pitchFamily="18" charset="-127"/>
+                <a:ea typeface="HY견고딕" panose="02030600000101010101" pitchFamily="18" charset="-127"/>
+              </a:rPr>
               <a:t>UI —</a:t>
             </a:r>
             <a:r>
-              <a:rPr lang="ko-KR" altLang="en-US" b="1" dirty="0"/>
+              <a:rPr lang="ko-KR" altLang="en-US" sz="2000" b="1" dirty="0">
+                <a:latin typeface="HY견고딕" panose="02030600000101010101" pitchFamily="18" charset="-127"/>
+                <a:ea typeface="HY견고딕" panose="02030600000101010101" pitchFamily="18" charset="-127"/>
+              </a:rPr>
               <a:t>체크아웃</a:t>
             </a:r>
-            <a:r>
-              <a:rPr b="1" dirty="0"/>
-              <a:t>Page</a:t>
-            </a:r>
+            <a:endParaRPr sz="2000" b="1" dirty="0">
+              <a:latin typeface="HY견고딕" panose="02030600000101010101" pitchFamily="18" charset="-127"/>
+              <a:ea typeface="HY견고딕" panose="02030600000101010101" pitchFamily="18" charset="-127"/>
+            </a:endParaRPr>
           </a:p>
         </p:txBody>
       </p:sp>
@@ -4455,7 +4496,7 @@
         <p:spPr>
           <a:xfrm>
             <a:off x="640080" y="274320"/>
-            <a:ext cx="3915880" cy="369332"/>
+            <a:ext cx="3159839" cy="400110"/>
           </a:xfrm>
           <a:prstGeom prst="rect">
             <a:avLst/>
@@ -4469,40 +4510,53 @@
           <a:lstStyle/>
           <a:p>
             <a:r>
-              <a:rPr b="1" dirty="0"/>
+              <a:rPr sz="2000" b="1" dirty="0">
+                <a:latin typeface="HY견고딕" panose="02030600000101010101" pitchFamily="18" charset="-127"/>
+                <a:ea typeface="HY견고딕" panose="02030600000101010101" pitchFamily="18" charset="-127"/>
+              </a:rPr>
               <a:t>UI — </a:t>
             </a:r>
             <a:r>
-              <a:rPr b="1" dirty="0" err="1"/>
+              <a:rPr sz="2000" b="1" dirty="0" err="1">
+                <a:latin typeface="HY견고딕" panose="02030600000101010101" pitchFamily="18" charset="-127"/>
+                <a:ea typeface="HY견고딕" panose="02030600000101010101" pitchFamily="18" charset="-127"/>
+              </a:rPr>
               <a:t>체크아웃</a:t>
             </a:r>
             <a:r>
-              <a:rPr b="1" dirty="0"/>
+              <a:rPr sz="2000" b="1" dirty="0">
+                <a:latin typeface="HY견고딕" panose="02030600000101010101" pitchFamily="18" charset="-127"/>
+                <a:ea typeface="HY견고딕" panose="02030600000101010101" pitchFamily="18" charset="-127"/>
+              </a:rPr>
               <a:t> </a:t>
             </a:r>
             <a:r>
-              <a:rPr b="1" dirty="0" err="1"/>
+              <a:rPr sz="2000" b="1" dirty="0" err="1">
+                <a:latin typeface="HY견고딕" panose="02030600000101010101" pitchFamily="18" charset="-127"/>
+                <a:ea typeface="HY견고딕" panose="02030600000101010101" pitchFamily="18" charset="-127"/>
+              </a:rPr>
               <a:t>주문</a:t>
             </a:r>
             <a:r>
-              <a:rPr b="1" dirty="0"/>
+              <a:rPr sz="2000" b="1" dirty="0">
+                <a:latin typeface="HY견고딕" panose="02030600000101010101" pitchFamily="18" charset="-127"/>
+                <a:ea typeface="HY견고딕" panose="02030600000101010101" pitchFamily="18" charset="-127"/>
+              </a:rPr>
               <a:t> </a:t>
             </a:r>
             <a:r>
-              <a:rPr b="1" dirty="0" err="1"/>
+              <a:rPr sz="2000" b="1" dirty="0" err="1">
+                <a:latin typeface="HY견고딕" panose="02030600000101010101" pitchFamily="18" charset="-127"/>
+                <a:ea typeface="HY견고딕" panose="02030600000101010101" pitchFamily="18" charset="-127"/>
+              </a:rPr>
               <a:t>완료</a:t>
             </a:r>
             <a:r>
-              <a:rPr b="1" dirty="0"/>
+              <a:rPr sz="2000" b="1" dirty="0">
+                <a:latin typeface="HY견고딕" panose="02030600000101010101" pitchFamily="18" charset="-127"/>
+                <a:ea typeface="HY견고딕" panose="02030600000101010101" pitchFamily="18" charset="-127"/>
+              </a:rPr>
               <a:t> </a:t>
-            </a:r>
-            <a:r>
-              <a:rPr b="1" dirty="0" err="1"/>
-              <a:t>페이지</a:t>
-            </a:r>
-            <a:r>
-              <a:rPr b="1" dirty="0"/>
-              <a:t> Page</a:t>
             </a:r>
           </a:p>
         </p:txBody>
@@ -4617,7 +4671,7 @@
         <p:spPr>
           <a:xfrm>
             <a:off x="640080" y="274320"/>
-            <a:ext cx="10972800" cy="731520"/>
+            <a:ext cx="4588115" cy="400110"/>
           </a:xfrm>
           <a:prstGeom prst="rect">
             <a:avLst/>
@@ -4631,6 +4685,10 @@
           <a:lstStyle/>
           <a:p>
             <a:r>
+              <a:rPr sz="2000" b="1" dirty="0">
+                <a:latin typeface="HY견고딕" panose="02030600000101010101" pitchFamily="18" charset="-127"/>
+                <a:ea typeface="HY견고딕" panose="02030600000101010101" pitchFamily="18" charset="-127"/>
+              </a:rPr>
               <a:t>6. User Flow with UI Thumbnails</a:t>
             </a:r>
           </a:p>
@@ -4690,7 +4748,7 @@
         </p:nvSpPr>
         <p:spPr>
           <a:xfrm>
-            <a:off x="226290" y="2834640"/>
+            <a:off x="901566" y="2868359"/>
             <a:ext cx="1395153" cy="369332"/>
           </a:xfrm>
           <a:prstGeom prst="rect">
@@ -4705,8 +4763,10 @@
           <a:lstStyle/>
           <a:p>
             <a:r>
+              <a:rPr dirty="0" err="1"/>
               <a:t>로그인</a:t>
             </a:r>
+            <a:endParaRPr dirty="0"/>
           </a:p>
         </p:txBody>
       </p:sp>
@@ -4718,7 +4778,7 @@
         </p:nvSpPr>
         <p:spPr>
           <a:xfrm>
-            <a:off x="1661622" y="2834640"/>
+            <a:off x="2981860" y="2868359"/>
             <a:ext cx="1395153" cy="369332"/>
           </a:xfrm>
           <a:prstGeom prst="rect">
@@ -4748,7 +4808,7 @@
         </p:nvSpPr>
         <p:spPr>
           <a:xfrm>
-            <a:off x="3181465" y="2834640"/>
+            <a:off x="6023342" y="2743760"/>
             <a:ext cx="1395153" cy="369332"/>
           </a:xfrm>
           <a:prstGeom prst="rect">
@@ -4778,7 +4838,7 @@
         </p:nvSpPr>
         <p:spPr>
           <a:xfrm>
-            <a:off x="6457767" y="2834640"/>
+            <a:off x="1803130" y="5161681"/>
             <a:ext cx="1395153" cy="369332"/>
           </a:xfrm>
           <a:prstGeom prst="rect">
@@ -4793,8 +4853,10 @@
           <a:lstStyle/>
           <a:p>
             <a:r>
+              <a:rPr dirty="0" err="1"/>
               <a:t>체크아웃</a:t>
             </a:r>
+            <a:endParaRPr dirty="0"/>
           </a:p>
         </p:txBody>
       </p:sp>
@@ -4806,8 +4868,8 @@
         </p:nvSpPr>
         <p:spPr>
           <a:xfrm>
-            <a:off x="7874923" y="2833255"/>
-            <a:ext cx="1395153" cy="646331"/>
+            <a:off x="4964465" y="4917063"/>
+            <a:ext cx="2147359" cy="369332"/>
           </a:xfrm>
           <a:prstGeom prst="rect">
             <a:avLst/>
@@ -5022,8 +5084,8 @@
         </p:blipFill>
         <p:spPr>
           <a:xfrm>
-            <a:off x="115515" y="1702525"/>
-            <a:ext cx="1616701" cy="1132115"/>
+            <a:off x="271138" y="1505553"/>
+            <a:ext cx="1897985" cy="1329088"/>
           </a:xfrm>
           <a:prstGeom prst="rect">
             <a:avLst/>
@@ -5052,8 +5114,8 @@
         </p:blipFill>
         <p:spPr>
           <a:xfrm>
-            <a:off x="1790865" y="1589677"/>
-            <a:ext cx="1199868" cy="1290683"/>
+            <a:off x="2784314" y="1315407"/>
+            <a:ext cx="1408629" cy="1515245"/>
           </a:xfrm>
           <a:prstGeom prst="rect">
             <a:avLst/>
@@ -5081,8 +5143,8 @@
         </p:blipFill>
         <p:spPr>
           <a:xfrm>
-            <a:off x="3056775" y="1690945"/>
-            <a:ext cx="3112339" cy="1080173"/>
+            <a:off x="4626512" y="1366146"/>
+            <a:ext cx="3653844" cy="1268109"/>
           </a:xfrm>
           <a:prstGeom prst="rect">
             <a:avLst/>
@@ -5111,8 +5173,8 @@
         </p:blipFill>
         <p:spPr>
           <a:xfrm>
-            <a:off x="6237264" y="1671786"/>
-            <a:ext cx="1637659" cy="1148519"/>
+            <a:off x="1220130" y="3440659"/>
+            <a:ext cx="2231958" cy="1565311"/>
           </a:xfrm>
           <a:prstGeom prst="rect">
             <a:avLst/>
@@ -5140,14 +5202,190 @@
         </p:blipFill>
         <p:spPr>
           <a:xfrm>
-            <a:off x="7940965" y="2129444"/>
-            <a:ext cx="1662273" cy="731520"/>
+            <a:off x="4846320" y="3495136"/>
+            <a:ext cx="2265504" cy="996985"/>
           </a:xfrm>
           <a:prstGeom prst="rect">
             <a:avLst/>
           </a:prstGeom>
         </p:spPr>
       </p:pic>
+      <p:sp>
+        <p:nvSpPr>
+          <p:cNvPr id="2" name="화살표: 오른쪽 1">
+            <a:extLst>
+              <a:ext uri="{FF2B5EF4-FFF2-40B4-BE49-F238E27FC236}">
+                <a16:creationId xmlns:a16="http://schemas.microsoft.com/office/drawing/2014/main" id="{1153859C-E24C-9E88-A181-A93FF2EF8D12}"/>
+              </a:ext>
+            </a:extLst>
+          </p:cNvPr>
+          <p:cNvSpPr/>
+          <p:nvPr/>
+        </p:nvSpPr>
+        <p:spPr>
+          <a:xfrm>
+            <a:off x="2316767" y="1790248"/>
+            <a:ext cx="218049" cy="731520"/>
+          </a:xfrm>
+          <a:prstGeom prst="rightArrow">
+            <a:avLst/>
+          </a:prstGeom>
+        </p:spPr>
+        <p:style>
+          <a:lnRef idx="1">
+            <a:schemeClr val="accent1"/>
+          </a:lnRef>
+          <a:fillRef idx="3">
+            <a:schemeClr val="accent1"/>
+          </a:fillRef>
+          <a:effectRef idx="2">
+            <a:schemeClr val="accent1"/>
+          </a:effectRef>
+          <a:fontRef idx="minor">
+            <a:schemeClr val="lt1"/>
+          </a:fontRef>
+        </p:style>
+        <p:txBody>
+          <a:bodyPr rtlCol="0" anchor="ctr"/>
+          <a:lstStyle/>
+          <a:p>
+            <a:pPr algn="ctr"/>
+            <a:endParaRPr lang="ko-KR" altLang="en-US"/>
+          </a:p>
+        </p:txBody>
+      </p:sp>
+      <p:sp>
+        <p:nvSpPr>
+          <p:cNvPr id="5" name="화살표: 오른쪽 4">
+            <a:extLst>
+              <a:ext uri="{FF2B5EF4-FFF2-40B4-BE49-F238E27FC236}">
+                <a16:creationId xmlns:a16="http://schemas.microsoft.com/office/drawing/2014/main" id="{B8437657-4B33-4BF9-2DAB-2F2686451D40}"/>
+              </a:ext>
+            </a:extLst>
+          </p:cNvPr>
+          <p:cNvSpPr/>
+          <p:nvPr/>
+        </p:nvSpPr>
+        <p:spPr>
+          <a:xfrm>
+            <a:off x="4300703" y="1752226"/>
+            <a:ext cx="218049" cy="731520"/>
+          </a:xfrm>
+          <a:prstGeom prst="rightArrow">
+            <a:avLst/>
+          </a:prstGeom>
+        </p:spPr>
+        <p:style>
+          <a:lnRef idx="1">
+            <a:schemeClr val="accent1"/>
+          </a:lnRef>
+          <a:fillRef idx="3">
+            <a:schemeClr val="accent1"/>
+          </a:fillRef>
+          <a:effectRef idx="2">
+            <a:schemeClr val="accent1"/>
+          </a:effectRef>
+          <a:fontRef idx="minor">
+            <a:schemeClr val="lt1"/>
+          </a:fontRef>
+        </p:style>
+        <p:txBody>
+          <a:bodyPr rtlCol="0" anchor="ctr"/>
+          <a:lstStyle/>
+          <a:p>
+            <a:pPr algn="ctr"/>
+            <a:endParaRPr lang="ko-KR" altLang="en-US"/>
+          </a:p>
+        </p:txBody>
+      </p:sp>
+      <p:sp>
+        <p:nvSpPr>
+          <p:cNvPr id="7" name="화살표: 오른쪽 6">
+            <a:extLst>
+              <a:ext uri="{FF2B5EF4-FFF2-40B4-BE49-F238E27FC236}">
+                <a16:creationId xmlns:a16="http://schemas.microsoft.com/office/drawing/2014/main" id="{B73701C2-E9BE-E5DB-6D2F-DC4881FB4840}"/>
+              </a:ext>
+            </a:extLst>
+          </p:cNvPr>
+          <p:cNvSpPr/>
+          <p:nvPr/>
+        </p:nvSpPr>
+        <p:spPr>
+          <a:xfrm rot="5400000">
+            <a:off x="5708085" y="2871931"/>
+            <a:ext cx="218049" cy="731520"/>
+          </a:xfrm>
+          <a:prstGeom prst="rightArrow">
+            <a:avLst/>
+          </a:prstGeom>
+        </p:spPr>
+        <p:style>
+          <a:lnRef idx="1">
+            <a:schemeClr val="accent1"/>
+          </a:lnRef>
+          <a:fillRef idx="3">
+            <a:schemeClr val="accent1"/>
+          </a:fillRef>
+          <a:effectRef idx="2">
+            <a:schemeClr val="accent1"/>
+          </a:effectRef>
+          <a:fontRef idx="minor">
+            <a:schemeClr val="lt1"/>
+          </a:fontRef>
+        </p:style>
+        <p:txBody>
+          <a:bodyPr rtlCol="0" anchor="ctr"/>
+          <a:lstStyle/>
+          <a:p>
+            <a:pPr algn="ctr"/>
+            <a:endParaRPr lang="ko-KR" altLang="en-US"/>
+          </a:p>
+        </p:txBody>
+      </p:sp>
+      <p:sp>
+        <p:nvSpPr>
+          <p:cNvPr id="9" name="화살표: 오른쪽 8">
+            <a:extLst>
+              <a:ext uri="{FF2B5EF4-FFF2-40B4-BE49-F238E27FC236}">
+                <a16:creationId xmlns:a16="http://schemas.microsoft.com/office/drawing/2014/main" id="{7D7E13A1-CC82-1B7A-FC56-358576772C70}"/>
+              </a:ext>
+            </a:extLst>
+          </p:cNvPr>
+          <p:cNvSpPr/>
+          <p:nvPr/>
+        </p:nvSpPr>
+        <p:spPr>
+          <a:xfrm rot="10800000">
+            <a:off x="4033003" y="3943723"/>
+            <a:ext cx="218049" cy="731520"/>
+          </a:xfrm>
+          <a:prstGeom prst="rightArrow">
+            <a:avLst/>
+          </a:prstGeom>
+        </p:spPr>
+        <p:style>
+          <a:lnRef idx="1">
+            <a:schemeClr val="accent1"/>
+          </a:lnRef>
+          <a:fillRef idx="3">
+            <a:schemeClr val="accent1"/>
+          </a:fillRef>
+          <a:effectRef idx="2">
+            <a:schemeClr val="accent1"/>
+          </a:effectRef>
+          <a:fontRef idx="minor">
+            <a:schemeClr val="lt1"/>
+          </a:fontRef>
+        </p:style>
+        <p:txBody>
+          <a:bodyPr rtlCol="0" anchor="ctr"/>
+          <a:lstStyle/>
+          <a:p>
+            <a:pPr algn="ctr"/>
+            <a:endParaRPr lang="ko-KR" altLang="en-US"/>
+          </a:p>
+        </p:txBody>
+      </p:sp>
     </p:spTree>
   </p:cSld>
   <p:clrMapOvr>
@@ -5182,7 +5420,7 @@
         <p:spPr>
           <a:xfrm>
             <a:off x="640080" y="274320"/>
-            <a:ext cx="10972800" cy="731520"/>
+            <a:ext cx="3265638" cy="400110"/>
           </a:xfrm>
           <a:prstGeom prst="rect">
             <a:avLst/>
@@ -5196,7 +5434,25 @@
           <a:lstStyle/>
           <a:p>
             <a:r>
-              <a:t>TC‑001 로그인 Success</a:t>
+              <a:rPr sz="2000" b="1" dirty="0">
+                <a:latin typeface="HY견고딕" panose="02030600000101010101" pitchFamily="18" charset="-127"/>
+                <a:ea typeface="HY견고딕" panose="02030600000101010101" pitchFamily="18" charset="-127"/>
+              </a:rPr>
+              <a:t>TC‑001 </a:t>
+            </a:r>
+            <a:r>
+              <a:rPr sz="2000" b="1" dirty="0" err="1">
+                <a:latin typeface="HY견고딕" panose="02030600000101010101" pitchFamily="18" charset="-127"/>
+                <a:ea typeface="HY견고딕" panose="02030600000101010101" pitchFamily="18" charset="-127"/>
+              </a:rPr>
+              <a:t>로그인</a:t>
+            </a:r>
+            <a:r>
+              <a:rPr sz="2000" b="1" dirty="0">
+                <a:latin typeface="HY견고딕" panose="02030600000101010101" pitchFamily="18" charset="-127"/>
+                <a:ea typeface="HY견고딕" panose="02030600000101010101" pitchFamily="18" charset="-127"/>
+              </a:rPr>
+              <a:t> Success</a:t>
             </a:r>
           </a:p>
         </p:txBody>
@@ -5448,7 +5704,7 @@
         <p:spPr>
           <a:xfrm>
             <a:off x="640080" y="274320"/>
-            <a:ext cx="10972800" cy="731520"/>
+            <a:ext cx="4326826" cy="400110"/>
           </a:xfrm>
           <a:prstGeom prst="rect">
             <a:avLst/>
@@ -5462,7 +5718,25 @@
           <a:lstStyle/>
           <a:p>
             <a:r>
-              <a:t>TC‑002 로그인 Failure (Invalid)</a:t>
+              <a:rPr sz="2000" b="1" dirty="0">
+                <a:latin typeface="HY견고딕" panose="02030600000101010101" pitchFamily="18" charset="-127"/>
+                <a:ea typeface="HY견고딕" panose="02030600000101010101" pitchFamily="18" charset="-127"/>
+              </a:rPr>
+              <a:t>TC‑002 </a:t>
+            </a:r>
+            <a:r>
+              <a:rPr sz="2000" b="1" dirty="0" err="1">
+                <a:latin typeface="HY견고딕" panose="02030600000101010101" pitchFamily="18" charset="-127"/>
+                <a:ea typeface="HY견고딕" panose="02030600000101010101" pitchFamily="18" charset="-127"/>
+              </a:rPr>
+              <a:t>로그인</a:t>
+            </a:r>
+            <a:r>
+              <a:rPr sz="2000" b="1" dirty="0">
+                <a:latin typeface="HY견고딕" panose="02030600000101010101" pitchFamily="18" charset="-127"/>
+                <a:ea typeface="HY견고딕" panose="02030600000101010101" pitchFamily="18" charset="-127"/>
+              </a:rPr>
+              <a:t> Failure (Invalid)</a:t>
             </a:r>
           </a:p>
         </p:txBody>
@@ -5681,7 +5955,7 @@
         <p:spPr>
           <a:xfrm>
             <a:off x="640080" y="274320"/>
-            <a:ext cx="10972800" cy="731520"/>
+            <a:ext cx="4483920" cy="400110"/>
           </a:xfrm>
           <a:prstGeom prst="rect">
             <a:avLst/>
@@ -5695,7 +5969,39 @@
           <a:lstStyle/>
           <a:p>
             <a:r>
-              <a:t>TC‑004 Add/삭제 &amp; Badge Sync</a:t>
+              <a:rPr sz="2000" dirty="0">
+                <a:latin typeface="HY견고딕" panose="02030600000101010101" pitchFamily="18" charset="-127"/>
+                <a:ea typeface="HY견고딕" panose="02030600000101010101" pitchFamily="18" charset="-127"/>
+              </a:rPr>
+              <a:t>TC‑00</a:t>
+            </a:r>
+            <a:r>
+              <a:rPr lang="en-US" sz="2000" dirty="0">
+                <a:latin typeface="HY견고딕" panose="02030600000101010101" pitchFamily="18" charset="-127"/>
+                <a:ea typeface="HY견고딕" panose="02030600000101010101" pitchFamily="18" charset="-127"/>
+              </a:rPr>
+              <a:t>3</a:t>
+            </a:r>
+            <a:r>
+              <a:rPr sz="2000" dirty="0">
+                <a:latin typeface="HY견고딕" panose="02030600000101010101" pitchFamily="18" charset="-127"/>
+                <a:ea typeface="HY견고딕" panose="02030600000101010101" pitchFamily="18" charset="-127"/>
+              </a:rPr>
+              <a:t> Add/</a:t>
+            </a:r>
+            <a:r>
+              <a:rPr sz="2000" dirty="0" err="1">
+                <a:latin typeface="HY견고딕" panose="02030600000101010101" pitchFamily="18" charset="-127"/>
+                <a:ea typeface="HY견고딕" panose="02030600000101010101" pitchFamily="18" charset="-127"/>
+              </a:rPr>
+              <a:t>삭제</a:t>
+            </a:r>
+            <a:r>
+              <a:rPr sz="2000" dirty="0">
+                <a:latin typeface="HY견고딕" panose="02030600000101010101" pitchFamily="18" charset="-127"/>
+                <a:ea typeface="HY견고딕" panose="02030600000101010101" pitchFamily="18" charset="-127"/>
+              </a:rPr>
+              <a:t> &amp; Badge Sync</a:t>
             </a:r>
           </a:p>
         </p:txBody>
@@ -5743,109 +6049,6 @@
           <a:p>
             <a:pPr algn="ctr"/>
             <a:endParaRPr/>
-          </a:p>
-        </p:txBody>
-      </p:sp>
-      <p:sp>
-        <p:nvSpPr>
-          <p:cNvPr id="6" name="TextBox 5"/>
-          <p:cNvSpPr txBox="1"/>
-          <p:nvPr/>
-        </p:nvSpPr>
-        <p:spPr>
-          <a:xfrm>
-            <a:off x="822960" y="5669280"/>
-            <a:ext cx="10789920" cy="830997"/>
-          </a:xfrm>
-          <a:prstGeom prst="rect">
-            <a:avLst/>
-          </a:prstGeom>
-          <a:noFill/>
-        </p:spPr>
-        <p:txBody>
-          <a:bodyPr wrap="square">
-            <a:spAutoFit/>
-          </a:bodyPr>
-          <a:lstStyle/>
-          <a:p>
-            <a:pPr>
-              <a:defRPr sz="1600">
-                <a:solidFill>
-                  <a:srgbClr val="1E1E1E"/>
-                </a:solidFill>
-              </a:defRPr>
-            </a:pPr>
-            <a:r>
-              <a:rPr lang="ko-KR" altLang="en-US" dirty="0"/>
-              <a:t>목적</a:t>
-            </a:r>
-            <a:r>
-              <a:rPr lang="en-US" altLang="ko-KR" dirty="0"/>
-              <a:t>: </a:t>
-            </a:r>
-            <a:r>
-              <a:rPr lang="ko-KR" altLang="en-US" dirty="0"/>
-              <a:t>장바구니 배지 숫자 동기화 확인</a:t>
-            </a:r>
-          </a:p>
-          <a:p>
-            <a:pPr>
-              <a:defRPr sz="1600">
-                <a:solidFill>
-                  <a:srgbClr val="1E1E1E"/>
-                </a:solidFill>
-              </a:defRPr>
-            </a:pPr>
-            <a:r>
-              <a:rPr lang="ko-KR" altLang="en-US" dirty="0"/>
-              <a:t>절차</a:t>
-            </a:r>
-            <a:r>
-              <a:rPr lang="en-US" altLang="ko-KR" dirty="0"/>
-              <a:t>: 2</a:t>
-            </a:r>
-            <a:r>
-              <a:rPr lang="ko-KR" altLang="en-US" dirty="0"/>
-              <a:t>개 항목 추가 → </a:t>
-            </a:r>
-            <a:r>
-              <a:rPr lang="en-US" altLang="ko-KR" dirty="0"/>
-              <a:t>1</a:t>
-            </a:r>
-            <a:r>
-              <a:rPr lang="ko-KR" altLang="en-US" dirty="0"/>
-              <a:t>개 삭제</a:t>
-            </a:r>
-          </a:p>
-          <a:p>
-            <a:pPr>
-              <a:defRPr sz="1600">
-                <a:solidFill>
-                  <a:srgbClr val="1E1E1E"/>
-                </a:solidFill>
-              </a:defRPr>
-            </a:pPr>
-            <a:r>
-              <a:rPr lang="ko-KR" altLang="en-US" dirty="0"/>
-              <a:t>기대 결과</a:t>
-            </a:r>
-            <a:r>
-              <a:rPr lang="en-US" altLang="ko-KR" dirty="0"/>
-              <a:t>: </a:t>
-            </a:r>
-            <a:r>
-              <a:rPr lang="ko-KR" altLang="en-US" dirty="0"/>
-              <a:t>배지 숫자가 </a:t>
-            </a:r>
-            <a:r>
-              <a:rPr lang="en-US" altLang="ko-KR" dirty="0"/>
-              <a:t>2 → 1</a:t>
-            </a:r>
-            <a:r>
-              <a:rPr lang="ko-KR" altLang="en-US" dirty="0"/>
-              <a:t>로 정확히 반영</a:t>
-            </a:r>
-            <a:endParaRPr dirty="0"/>
           </a:p>
         </p:txBody>
       </p:sp>
@@ -5907,6 +6110,107 @@
           </a:prstGeom>
         </p:spPr>
       </p:pic>
+      <p:sp>
+        <p:nvSpPr>
+          <p:cNvPr id="2" name="TextBox 1">
+            <a:extLst>
+              <a:ext uri="{FF2B5EF4-FFF2-40B4-BE49-F238E27FC236}">
+                <a16:creationId xmlns:a16="http://schemas.microsoft.com/office/drawing/2014/main" id="{84C8D0EA-A0E5-860A-4A03-AFB6BD011602}"/>
+              </a:ext>
+            </a:extLst>
+          </p:cNvPr>
+          <p:cNvSpPr txBox="1"/>
+          <p:nvPr/>
+        </p:nvSpPr>
+        <p:spPr>
+          <a:xfrm>
+            <a:off x="822960" y="5669280"/>
+            <a:ext cx="10789920" cy="830997"/>
+          </a:xfrm>
+          <a:prstGeom prst="rect">
+            <a:avLst/>
+          </a:prstGeom>
+          <a:noFill/>
+        </p:spPr>
+        <p:txBody>
+          <a:bodyPr wrap="square">
+            <a:spAutoFit/>
+          </a:bodyPr>
+          <a:lstStyle/>
+          <a:p>
+            <a:pPr>
+              <a:defRPr sz="1600">
+                <a:solidFill>
+                  <a:srgbClr val="1E1E1E"/>
+                </a:solidFill>
+              </a:defRPr>
+            </a:pPr>
+            <a:r>
+              <a:rPr lang="ko-KR" altLang="en-US" dirty="0"/>
+              <a:t>목적</a:t>
+            </a:r>
+            <a:r>
+              <a:rPr lang="en-US" altLang="ko-KR" dirty="0"/>
+              <a:t>: </a:t>
+            </a:r>
+            <a:r>
+              <a:rPr lang="ko-KR" altLang="en-US" dirty="0"/>
+              <a:t>장바구니 페이지에서 항목 제거 기능 검증</a:t>
+            </a:r>
+          </a:p>
+          <a:p>
+            <a:pPr>
+              <a:defRPr sz="1600">
+                <a:solidFill>
+                  <a:srgbClr val="1E1E1E"/>
+                </a:solidFill>
+              </a:defRPr>
+            </a:pPr>
+            <a:r>
+              <a:rPr lang="ko-KR" altLang="en-US" dirty="0"/>
+              <a:t>절차</a:t>
+            </a:r>
+            <a:r>
+              <a:rPr lang="en-US" altLang="ko-KR" dirty="0"/>
+              <a:t>: Cart → </a:t>
+            </a:r>
+            <a:r>
+              <a:rPr lang="ko-KR" altLang="en-US" dirty="0"/>
+              <a:t>제거</a:t>
+            </a:r>
+            <a:r>
+              <a:rPr lang="en-US" altLang="ko-KR" dirty="0"/>
+              <a:t> </a:t>
+            </a:r>
+            <a:r>
+              <a:rPr lang="ko-KR" altLang="en-US" dirty="0"/>
+              <a:t>클릭</a:t>
+            </a:r>
+          </a:p>
+          <a:p>
+            <a:pPr>
+              <a:defRPr sz="1600">
+                <a:solidFill>
+                  <a:srgbClr val="1E1E1E"/>
+                </a:solidFill>
+              </a:defRPr>
+            </a:pPr>
+            <a:r>
+              <a:rPr lang="ko-KR" altLang="en-US" dirty="0"/>
+              <a:t>기대 결과</a:t>
+            </a:r>
+            <a:r>
+              <a:rPr lang="en-US" altLang="ko-KR" dirty="0"/>
+              <a:t>: </a:t>
+            </a:r>
+            <a:r>
+              <a:rPr lang="ko-KR" altLang="en-US" dirty="0"/>
+              <a:t>항목 제거 및 갱신된 카트 상태 표시</a:t>
+            </a:r>
+            <a:endParaRPr dirty="0"/>
+          </a:p>
+        </p:txBody>
+      </p:sp>
     </p:spTree>
   </p:cSld>
   <p:clrMapOvr>
@@ -5993,7 +6297,7 @@
         <p:spPr>
           <a:xfrm>
             <a:off x="640080" y="274320"/>
-            <a:ext cx="10972800" cy="731520"/>
+            <a:ext cx="4238661" cy="400110"/>
           </a:xfrm>
           <a:prstGeom prst="rect">
             <a:avLst/>
@@ -6007,11 +6311,17 @@
           <a:lstStyle/>
           <a:p>
             <a:r>
-              <a:rPr dirty="0" err="1"/>
-              <a:t>SauceDemo</a:t>
-            </a:r>
-            <a:r>
-              <a:rPr dirty="0"/>
+              <a:rPr lang="en-US" sz="2000" b="1" dirty="0" err="1">
+                <a:latin typeface="HY견고딕" panose="02030600000101010101" pitchFamily="18" charset="-127"/>
+                <a:ea typeface="HY견고딕" panose="02030600000101010101" pitchFamily="18" charset="-127"/>
+              </a:rPr>
+              <a:t>Catshop</a:t>
+            </a:r>
+            <a:r>
+              <a:rPr sz="2000" b="1" dirty="0">
+                <a:latin typeface="HY견고딕" panose="02030600000101010101" pitchFamily="18" charset="-127"/>
+                <a:ea typeface="HY견고딕" panose="02030600000101010101" pitchFamily="18" charset="-127"/>
+              </a:rPr>
               <a:t> E2E Test Automation</a:t>
             </a:r>
           </a:p>
@@ -6026,7 +6336,7 @@
         <p:spPr>
           <a:xfrm>
             <a:off x="822960" y="1280160"/>
-            <a:ext cx="10789920" cy="1015663"/>
+            <a:ext cx="10789920" cy="1429622"/>
           </a:xfrm>
           <a:prstGeom prst="rect">
             <a:avLst/>
@@ -6040,6 +6350,9 @@
           <a:lstStyle/>
           <a:p>
             <a:pPr>
+              <a:lnSpc>
+                <a:spcPct val="150000"/>
+              </a:lnSpc>
               <a:defRPr sz="2000">
                 <a:solidFill>
                   <a:srgbClr val="1E1E1E"/>
@@ -6065,6 +6378,9 @@
           </a:p>
           <a:p>
             <a:pPr>
+              <a:lnSpc>
+                <a:spcPct val="150000"/>
+              </a:lnSpc>
               <a:defRPr sz="2000">
                 <a:solidFill>
                   <a:srgbClr val="1E1E1E"/>
@@ -6078,6 +6394,9 @@
           </a:p>
           <a:p>
             <a:pPr>
+              <a:lnSpc>
+                <a:spcPct val="150000"/>
+              </a:lnSpc>
               <a:defRPr sz="2000">
                 <a:solidFill>
                   <a:srgbClr val="1E1E1E"/>
@@ -6125,7 +6444,7 @@
         <p:spPr>
           <a:xfrm>
             <a:off x="640080" y="274320"/>
-            <a:ext cx="10972800" cy="731520"/>
+            <a:ext cx="3958135" cy="400110"/>
           </a:xfrm>
           <a:prstGeom prst="rect">
             <a:avLst/>
@@ -6139,192 +6458,10 @@
           <a:lstStyle/>
           <a:p>
             <a:r>
-              <a:t>TC‑005 장바구니 Page Operations</a:t>
-            </a:r>
-          </a:p>
-        </p:txBody>
-      </p:sp>
-      <p:sp>
-        <p:nvSpPr>
-          <p:cNvPr id="4" name="Rounded Rectangle 3"/>
-          <p:cNvSpPr/>
-          <p:nvPr/>
-        </p:nvSpPr>
-        <p:spPr>
-          <a:xfrm>
-            <a:off x="417279" y="1208116"/>
-            <a:ext cx="8522084" cy="3834938"/>
-          </a:xfrm>
-          <a:prstGeom prst="roundRect">
-            <a:avLst/>
-          </a:prstGeom>
-          <a:solidFill>
-            <a:srgbClr val="FFFFFF"/>
-          </a:solidFill>
-          <a:ln>
-            <a:solidFill>
-              <a:srgbClr val="F0F0F0"/>
-            </a:solidFill>
-          </a:ln>
-        </p:spPr>
-        <p:style>
-          <a:lnRef idx="1">
-            <a:schemeClr val="accent1"/>
-          </a:lnRef>
-          <a:fillRef idx="3">
-            <a:schemeClr val="accent1"/>
-          </a:fillRef>
-          <a:effectRef idx="2">
-            <a:schemeClr val="accent1"/>
-          </a:effectRef>
-          <a:fontRef idx="minor">
-            <a:schemeClr val="lt1"/>
-          </a:fontRef>
-        </p:style>
-        <p:txBody>
-          <a:bodyPr rtlCol="0" anchor="ctr"/>
-          <a:lstStyle/>
-          <a:p>
-            <a:pPr algn="ctr"/>
-            <a:endParaRPr/>
-          </a:p>
-        </p:txBody>
-      </p:sp>
-      <p:sp>
-        <p:nvSpPr>
-          <p:cNvPr id="6" name="TextBox 5"/>
-          <p:cNvSpPr txBox="1"/>
-          <p:nvPr/>
-        </p:nvSpPr>
-        <p:spPr>
-          <a:xfrm>
-            <a:off x="822960" y="5669280"/>
-            <a:ext cx="10789920" cy="830997"/>
-          </a:xfrm>
-          <a:prstGeom prst="rect">
-            <a:avLst/>
-          </a:prstGeom>
-          <a:noFill/>
-        </p:spPr>
-        <p:txBody>
-          <a:bodyPr wrap="square">
-            <a:spAutoFit/>
-          </a:bodyPr>
-          <a:lstStyle/>
-          <a:p>
-            <a:pPr>
-              <a:defRPr sz="1600">
-                <a:solidFill>
-                  <a:srgbClr val="1E1E1E"/>
-                </a:solidFill>
-              </a:defRPr>
-            </a:pPr>
-            <a:r>
-              <a:rPr lang="ko-KR" altLang="en-US" dirty="0"/>
-              <a:t>목적</a:t>
-            </a:r>
-            <a:r>
-              <a:rPr lang="en-US" altLang="ko-KR" dirty="0"/>
-              <a:t>: </a:t>
-            </a:r>
-            <a:r>
-              <a:rPr lang="ko-KR" altLang="en-US" dirty="0"/>
-              <a:t>장바구니 페이지에서 항목 제거 기능 검증</a:t>
-            </a:r>
-          </a:p>
-          <a:p>
-            <a:pPr>
-              <a:defRPr sz="1600">
-                <a:solidFill>
-                  <a:srgbClr val="1E1E1E"/>
-                </a:solidFill>
-              </a:defRPr>
-            </a:pPr>
-            <a:r>
-              <a:rPr lang="ko-KR" altLang="en-US" dirty="0"/>
-              <a:t>절차</a:t>
-            </a:r>
-            <a:r>
-              <a:rPr lang="en-US" altLang="ko-KR" dirty="0"/>
-              <a:t>: Cart → Remove </a:t>
-            </a:r>
-            <a:r>
-              <a:rPr lang="ko-KR" altLang="en-US" dirty="0"/>
-              <a:t>클릭</a:t>
-            </a:r>
-          </a:p>
-          <a:p>
-            <a:pPr>
-              <a:defRPr sz="1600">
-                <a:solidFill>
-                  <a:srgbClr val="1E1E1E"/>
-                </a:solidFill>
-              </a:defRPr>
-            </a:pPr>
-            <a:r>
-              <a:rPr lang="ko-KR" altLang="en-US" dirty="0"/>
-              <a:t>기대 결과</a:t>
-            </a:r>
-            <a:r>
-              <a:rPr lang="en-US" altLang="ko-KR" dirty="0"/>
-              <a:t>: </a:t>
-            </a:r>
-            <a:r>
-              <a:rPr lang="ko-KR" altLang="en-US" dirty="0"/>
-              <a:t>항목 제거 및 갱신된 카트 상태 표시</a:t>
-            </a:r>
-            <a:endParaRPr dirty="0"/>
-          </a:p>
-        </p:txBody>
-      </p:sp>
-    </p:spTree>
-  </p:cSld>
-  <p:clrMapOvr>
-    <a:masterClrMapping/>
-  </p:clrMapOvr>
-</p:sld>
-</file>
-
-<file path=ppt/slides/slide21.xml><?xml version="1.0" encoding="utf-8"?>
-<p:sld xmlns:a="http://schemas.openxmlformats.org/drawingml/2006/main" xmlns:r="http://schemas.openxmlformats.org/officeDocument/2006/relationships" xmlns:p="http://schemas.openxmlformats.org/presentationml/2006/main">
-  <p:cSld>
-    <p:spTree>
-      <p:nvGrpSpPr>
-        <p:cNvPr id="1" name=""/>
-        <p:cNvGrpSpPr/>
-        <p:nvPr/>
-      </p:nvGrpSpPr>
-      <p:grpSpPr>
-        <a:xfrm>
-          <a:off x="0" y="0"/>
-          <a:ext cx="0" cy="0"/>
-          <a:chOff x="0" y="0"/>
-          <a:chExt cx="0" cy="0"/>
-        </a:xfrm>
-      </p:grpSpPr>
-      <p:sp>
-        <p:nvSpPr>
-          <p:cNvPr id="3" name="TextBox 2"/>
-          <p:cNvSpPr txBox="1"/>
-          <p:nvPr/>
-        </p:nvSpPr>
-        <p:spPr>
-          <a:xfrm>
-            <a:off x="640080" y="274320"/>
-            <a:ext cx="10972800" cy="731520"/>
-          </a:xfrm>
-          <a:prstGeom prst="rect">
-            <a:avLst/>
-          </a:prstGeom>
-          <a:noFill/>
-        </p:spPr>
-        <p:txBody>
-          <a:bodyPr wrap="none">
-            <a:spAutoFit/>
-          </a:bodyPr>
-          <a:lstStyle/>
-          <a:p>
-            <a:r>
+              <a:rPr sz="2000" dirty="0">
+                <a:latin typeface="HY견고딕" panose="02030600000101010101" pitchFamily="18" charset="-127"/>
+                <a:ea typeface="HY견고딕" panose="02030600000101010101" pitchFamily="18" charset="-127"/>
+              </a:rPr>
               <a:t>7. Test Results &amp; Coverage</a:t>
             </a:r>
           </a:p>
@@ -6432,6 +6569,330 @@
 </p:sld>
 </file>
 
+<file path=ppt/slides/slide21.xml><?xml version="1.0" encoding="utf-8"?>
+<p:sld xmlns:a="http://schemas.openxmlformats.org/drawingml/2006/main" xmlns:r="http://schemas.openxmlformats.org/officeDocument/2006/relationships" xmlns:p="http://schemas.openxmlformats.org/presentationml/2006/main">
+  <p:cSld>
+    <p:spTree>
+      <p:nvGrpSpPr>
+        <p:cNvPr id="1" name=""/>
+        <p:cNvGrpSpPr/>
+        <p:nvPr/>
+      </p:nvGrpSpPr>
+      <p:grpSpPr>
+        <a:xfrm>
+          <a:off x="0" y="0"/>
+          <a:ext cx="0" cy="0"/>
+          <a:chOff x="0" y="0"/>
+          <a:chExt cx="0" cy="0"/>
+        </a:xfrm>
+      </p:grpSpPr>
+      <p:sp>
+        <p:nvSpPr>
+          <p:cNvPr id="3" name="TextBox 2"/>
+          <p:cNvSpPr txBox="1"/>
+          <p:nvPr/>
+        </p:nvSpPr>
+        <p:spPr>
+          <a:xfrm>
+            <a:off x="640080" y="274320"/>
+            <a:ext cx="4416594" cy="400110"/>
+          </a:xfrm>
+          <a:prstGeom prst="rect">
+            <a:avLst/>
+          </a:prstGeom>
+          <a:noFill/>
+        </p:spPr>
+        <p:txBody>
+          <a:bodyPr wrap="none">
+            <a:spAutoFit/>
+          </a:bodyPr>
+          <a:lstStyle/>
+          <a:p>
+            <a:r>
+              <a:rPr sz="2000" dirty="0">
+                <a:latin typeface="HY견고딕" panose="02030600000101010101" pitchFamily="18" charset="-127"/>
+                <a:ea typeface="HY견고딕" panose="02030600000101010101" pitchFamily="18" charset="-127"/>
+              </a:rPr>
+              <a:t>8. </a:t>
+            </a:r>
+            <a:r>
+              <a:rPr lang="en-US" sz="2000" dirty="0">
+                <a:latin typeface="HY견고딕" panose="02030600000101010101" pitchFamily="18" charset="-127"/>
+                <a:ea typeface="HY견고딕" panose="02030600000101010101" pitchFamily="18" charset="-127"/>
+              </a:rPr>
+              <a:t>E2E</a:t>
+            </a:r>
+            <a:r>
+              <a:rPr lang="ko-KR" altLang="en-US" sz="2000" dirty="0">
+                <a:latin typeface="HY견고딕" panose="02030600000101010101" pitchFamily="18" charset="-127"/>
+                <a:ea typeface="HY견고딕" panose="02030600000101010101" pitchFamily="18" charset="-127"/>
+              </a:rPr>
+              <a:t>테스트</a:t>
+            </a:r>
+            <a:r>
+              <a:rPr lang="en-US" altLang="ko-KR" sz="2000" dirty="0">
+                <a:latin typeface="HY견고딕" panose="02030600000101010101" pitchFamily="18" charset="-127"/>
+                <a:ea typeface="HY견고딕" panose="02030600000101010101" pitchFamily="18" charset="-127"/>
+              </a:rPr>
+              <a:t>(End-to-End Test)</a:t>
+            </a:r>
+            <a:endParaRPr sz="2000" dirty="0">
+              <a:latin typeface="HY견고딕" panose="02030600000101010101" pitchFamily="18" charset="-127"/>
+              <a:ea typeface="HY견고딕" panose="02030600000101010101" pitchFamily="18" charset="-127"/>
+            </a:endParaRPr>
+          </a:p>
+        </p:txBody>
+      </p:sp>
+      <p:sp>
+        <p:nvSpPr>
+          <p:cNvPr id="4" name="Rounded Rectangle 3"/>
+          <p:cNvSpPr/>
+          <p:nvPr/>
+        </p:nvSpPr>
+        <p:spPr>
+          <a:xfrm>
+            <a:off x="589542" y="1280160"/>
+            <a:ext cx="7940502" cy="4139738"/>
+          </a:xfrm>
+          <a:prstGeom prst="roundRect">
+            <a:avLst/>
+          </a:prstGeom>
+          <a:solidFill>
+            <a:srgbClr val="FFFFFF"/>
+          </a:solidFill>
+          <a:ln>
+            <a:solidFill>
+              <a:srgbClr val="F0F0F0"/>
+            </a:solidFill>
+          </a:ln>
+        </p:spPr>
+        <p:style>
+          <a:lnRef idx="1">
+            <a:schemeClr val="accent1"/>
+          </a:lnRef>
+          <a:fillRef idx="3">
+            <a:schemeClr val="accent1"/>
+          </a:fillRef>
+          <a:effectRef idx="2">
+            <a:schemeClr val="accent1"/>
+          </a:effectRef>
+          <a:fontRef idx="minor">
+            <a:schemeClr val="lt1"/>
+          </a:fontRef>
+        </p:style>
+        <p:txBody>
+          <a:bodyPr rtlCol="0" anchor="ctr"/>
+          <a:lstStyle/>
+          <a:p>
+            <a:pPr algn="ctr"/>
+            <a:endParaRPr/>
+          </a:p>
+        </p:txBody>
+      </p:sp>
+      <p:sp>
+        <p:nvSpPr>
+          <p:cNvPr id="5" name="TextBox 4"/>
+          <p:cNvSpPr txBox="1"/>
+          <p:nvPr/>
+        </p:nvSpPr>
+        <p:spPr>
+          <a:xfrm>
+            <a:off x="874022" y="1555404"/>
+            <a:ext cx="7808160" cy="3786614"/>
+          </a:xfrm>
+          <a:prstGeom prst="rect">
+            <a:avLst/>
+          </a:prstGeom>
+          <a:noFill/>
+        </p:spPr>
+        <p:txBody>
+          <a:bodyPr wrap="square">
+            <a:spAutoFit/>
+          </a:bodyPr>
+          <a:lstStyle/>
+          <a:p>
+            <a:pPr>
+              <a:lnSpc>
+                <a:spcPct val="150000"/>
+              </a:lnSpc>
+            </a:pPr>
+            <a:r>
+              <a:rPr lang="ko-KR" altLang="en-US" b="1" dirty="0"/>
+              <a:t>○ 구성 요소</a:t>
+            </a:r>
+          </a:p>
+          <a:p>
+            <a:pPr>
+              <a:lnSpc>
+                <a:spcPct val="150000"/>
+              </a:lnSpc>
+            </a:pPr>
+            <a:r>
+              <a:rPr lang="en-US" altLang="ko-KR" dirty="0"/>
+              <a:t>	Python 3.14 matrix</a:t>
+            </a:r>
+          </a:p>
+          <a:p>
+            <a:pPr>
+              <a:lnSpc>
+                <a:spcPct val="150000"/>
+              </a:lnSpc>
+            </a:pPr>
+            <a:r>
+              <a:rPr lang="en-US" altLang="ko-KR" dirty="0"/>
+              <a:t>	Chrome + </a:t>
+            </a:r>
+            <a:r>
+              <a:rPr lang="en-US" altLang="ko-KR" dirty="0" err="1"/>
+              <a:t>ChromeDriver</a:t>
+            </a:r>
+            <a:r>
+              <a:rPr lang="en-US" altLang="ko-KR" dirty="0"/>
+              <a:t> </a:t>
+            </a:r>
+            <a:r>
+              <a:rPr lang="ko-KR" altLang="en-US" dirty="0"/>
+              <a:t>자동 설치</a:t>
+            </a:r>
+          </a:p>
+          <a:p>
+            <a:pPr>
+              <a:lnSpc>
+                <a:spcPct val="150000"/>
+              </a:lnSpc>
+            </a:pPr>
+            <a:r>
+              <a:rPr lang="en-US" altLang="ko-KR" dirty="0"/>
+              <a:t>	Headless </a:t>
+            </a:r>
+            <a:r>
+              <a:rPr lang="ko-KR" altLang="en-US" dirty="0"/>
+              <a:t>모드에서 </a:t>
+            </a:r>
+            <a:r>
+              <a:rPr lang="en-US" altLang="ko-KR" dirty="0" err="1"/>
+              <a:t>pytest</a:t>
+            </a:r>
+            <a:r>
+              <a:rPr lang="en-US" altLang="ko-KR" dirty="0"/>
+              <a:t> </a:t>
+            </a:r>
+            <a:r>
+              <a:rPr lang="ko-KR" altLang="en-US" dirty="0"/>
+              <a:t>실행</a:t>
+            </a:r>
+          </a:p>
+          <a:p>
+            <a:pPr>
+              <a:lnSpc>
+                <a:spcPct val="150000"/>
+              </a:lnSpc>
+            </a:pPr>
+            <a:r>
+              <a:rPr lang="en-US" altLang="ko-KR" dirty="0"/>
+              <a:t>	HTML </a:t>
+            </a:r>
+            <a:r>
+              <a:rPr lang="ko-KR" altLang="en-US" dirty="0"/>
+              <a:t>리포트 </a:t>
+            </a:r>
+            <a:r>
+              <a:rPr lang="en-US" altLang="ko-KR" dirty="0"/>
+              <a:t>+ </a:t>
+            </a:r>
+            <a:r>
+              <a:rPr lang="ko-KR" altLang="en-US" dirty="0"/>
+              <a:t>스크린샷 </a:t>
+            </a:r>
+            <a:r>
+              <a:rPr lang="ko-KR" altLang="en-US" dirty="0" err="1"/>
+              <a:t>아티팩트</a:t>
+            </a:r>
+            <a:r>
+              <a:rPr lang="ko-KR" altLang="en-US" dirty="0"/>
+              <a:t> 업로드</a:t>
+            </a:r>
+            <a:endParaRPr lang="en-US" altLang="ko-KR" dirty="0"/>
+          </a:p>
+          <a:p>
+            <a:pPr>
+              <a:lnSpc>
+                <a:spcPct val="150000"/>
+              </a:lnSpc>
+            </a:pPr>
+            <a:endParaRPr lang="ko-KR" altLang="en-US" dirty="0"/>
+          </a:p>
+          <a:p>
+            <a:pPr>
+              <a:lnSpc>
+                <a:spcPct val="150000"/>
+              </a:lnSpc>
+            </a:pPr>
+            <a:r>
+              <a:rPr lang="ko-KR" altLang="en-US" b="1" dirty="0"/>
+              <a:t>○ 트리거 조건</a:t>
+            </a:r>
+          </a:p>
+          <a:p>
+            <a:pPr>
+              <a:lnSpc>
+                <a:spcPct val="150000"/>
+              </a:lnSpc>
+            </a:pPr>
+            <a:r>
+              <a:rPr lang="en-US" altLang="ko-KR" b="1" dirty="0"/>
+              <a:t>	Pull Request:</a:t>
+            </a:r>
+            <a:r>
+              <a:rPr lang="ko-KR" altLang="en-US" dirty="0"/>
+              <a:t> </a:t>
+            </a:r>
+            <a:r>
+              <a:rPr lang="ko-KR" altLang="en-US" dirty="0" err="1"/>
+              <a:t>스모크</a:t>
+            </a:r>
+            <a:r>
+              <a:rPr lang="ko-KR" altLang="en-US" dirty="0"/>
+              <a:t> 테스트</a:t>
+            </a:r>
+          </a:p>
+          <a:p>
+            <a:pPr>
+              <a:lnSpc>
+                <a:spcPct val="150000"/>
+              </a:lnSpc>
+            </a:pPr>
+            <a:r>
+              <a:rPr lang="en-US" altLang="ko-KR" b="1" dirty="0"/>
+              <a:t>	main </a:t>
+            </a:r>
+            <a:r>
+              <a:rPr lang="ko-KR" altLang="en-US" b="1" dirty="0" err="1"/>
+              <a:t>브랜치</a:t>
+            </a:r>
+            <a:r>
+              <a:rPr lang="ko-KR" altLang="en-US" b="1" dirty="0"/>
+              <a:t> </a:t>
+            </a:r>
+            <a:r>
+              <a:rPr lang="en-US" altLang="ko-KR" b="1" dirty="0"/>
+              <a:t>push:</a:t>
+            </a:r>
+            <a:r>
+              <a:rPr lang="ko-KR" altLang="en-US" dirty="0"/>
+              <a:t> 전체 회귀 테스트</a:t>
+            </a:r>
+          </a:p>
+        </p:txBody>
+      </p:sp>
+    </p:spTree>
+  </p:cSld>
+  <p:clrMapOvr>
+    <a:masterClrMapping/>
+  </p:clrMapOvr>
+</p:sld>
+</file>
+
 <file path=ppt/slides/slide22.xml><?xml version="1.0" encoding="utf-8"?>
 <p:sld xmlns:a="http://schemas.openxmlformats.org/drawingml/2006/main" xmlns:r="http://schemas.openxmlformats.org/officeDocument/2006/relationships" xmlns:p="http://schemas.openxmlformats.org/presentationml/2006/main">
   <p:cSld>
@@ -6458,7 +6919,7 @@
         <p:spPr>
           <a:xfrm>
             <a:off x="640080" y="274320"/>
-            <a:ext cx="10972800" cy="731520"/>
+            <a:ext cx="2557110" cy="400110"/>
           </a:xfrm>
           <a:prstGeom prst="rect">
             <a:avLst/>
@@ -6472,256 +6933,10 @@
           <a:lstStyle/>
           <a:p>
             <a:r>
-              <a:t>8. CI Pipeline (GitHub Actions)</a:t>
-            </a:r>
-          </a:p>
-        </p:txBody>
-      </p:sp>
-      <p:sp>
-        <p:nvSpPr>
-          <p:cNvPr id="4" name="Rounded Rectangle 3"/>
-          <p:cNvSpPr/>
-          <p:nvPr/>
-        </p:nvSpPr>
-        <p:spPr>
-          <a:xfrm>
-            <a:off x="589542" y="1280160"/>
-            <a:ext cx="7940502" cy="4139738"/>
-          </a:xfrm>
-          <a:prstGeom prst="roundRect">
-            <a:avLst/>
-          </a:prstGeom>
-          <a:solidFill>
-            <a:srgbClr val="FFFFFF"/>
-          </a:solidFill>
-          <a:ln>
-            <a:solidFill>
-              <a:srgbClr val="F0F0F0"/>
-            </a:solidFill>
-          </a:ln>
-        </p:spPr>
-        <p:style>
-          <a:lnRef idx="1">
-            <a:schemeClr val="accent1"/>
-          </a:lnRef>
-          <a:fillRef idx="3">
-            <a:schemeClr val="accent1"/>
-          </a:fillRef>
-          <a:effectRef idx="2">
-            <a:schemeClr val="accent1"/>
-          </a:effectRef>
-          <a:fontRef idx="minor">
-            <a:schemeClr val="lt1"/>
-          </a:fontRef>
-        </p:style>
-        <p:txBody>
-          <a:bodyPr rtlCol="0" anchor="ctr"/>
-          <a:lstStyle/>
-          <a:p>
-            <a:pPr algn="ctr"/>
-            <a:endParaRPr/>
-          </a:p>
-        </p:txBody>
-      </p:sp>
-      <p:sp>
-        <p:nvSpPr>
-          <p:cNvPr id="5" name="TextBox 4"/>
-          <p:cNvSpPr txBox="1"/>
-          <p:nvPr/>
-        </p:nvSpPr>
-        <p:spPr>
-          <a:xfrm>
-            <a:off x="874022" y="1555404"/>
-            <a:ext cx="7808160" cy="2585323"/>
-          </a:xfrm>
-          <a:prstGeom prst="rect">
-            <a:avLst/>
-          </a:prstGeom>
-          <a:noFill/>
-        </p:spPr>
-        <p:txBody>
-          <a:bodyPr wrap="square">
-            <a:spAutoFit/>
-          </a:bodyPr>
-          <a:lstStyle/>
-          <a:p>
-            <a:r>
-              <a:rPr lang="ko-KR" altLang="en-US" b="1" dirty="0"/>
-              <a:t>구성 요소</a:t>
-            </a:r>
-          </a:p>
-          <a:p>
-            <a:r>
-              <a:rPr lang="en-US" altLang="ko-KR" dirty="0"/>
-              <a:t>Python 3.10–3.12 matrix</a:t>
-            </a:r>
-          </a:p>
-          <a:p>
-            <a:r>
-              <a:rPr lang="en-US" altLang="ko-KR" dirty="0"/>
-              <a:t>Chrome + </a:t>
-            </a:r>
-            <a:r>
-              <a:rPr lang="en-US" altLang="ko-KR" dirty="0" err="1"/>
-              <a:t>ChromeDriver</a:t>
-            </a:r>
-            <a:r>
-              <a:rPr lang="en-US" altLang="ko-KR" dirty="0"/>
-              <a:t> </a:t>
-            </a:r>
-            <a:r>
-              <a:rPr lang="ko-KR" altLang="en-US" dirty="0"/>
-              <a:t>자동 설치</a:t>
-            </a:r>
-          </a:p>
-          <a:p>
-            <a:r>
-              <a:rPr lang="en-US" altLang="ko-KR" dirty="0"/>
-              <a:t>Headless </a:t>
-            </a:r>
-            <a:r>
-              <a:rPr lang="ko-KR" altLang="en-US" dirty="0"/>
-              <a:t>모드에서 </a:t>
-            </a:r>
-            <a:r>
-              <a:rPr lang="en-US" altLang="ko-KR" dirty="0" err="1"/>
-              <a:t>pytest</a:t>
-            </a:r>
-            <a:r>
-              <a:rPr lang="en-US" altLang="ko-KR" dirty="0"/>
-              <a:t> </a:t>
-            </a:r>
-            <a:r>
-              <a:rPr lang="ko-KR" altLang="en-US" dirty="0"/>
-              <a:t>실행</a:t>
-            </a:r>
-          </a:p>
-          <a:p>
-            <a:r>
-              <a:rPr lang="en-US" altLang="ko-KR" dirty="0"/>
-              <a:t>HTML </a:t>
-            </a:r>
-            <a:r>
-              <a:rPr lang="ko-KR" altLang="en-US" dirty="0"/>
-              <a:t>리포트 </a:t>
-            </a:r>
-            <a:r>
-              <a:rPr lang="en-US" altLang="ko-KR" dirty="0"/>
-              <a:t>+ </a:t>
-            </a:r>
-            <a:r>
-              <a:rPr lang="ko-KR" altLang="en-US" dirty="0"/>
-              <a:t>스크린샷 </a:t>
-            </a:r>
-            <a:r>
-              <a:rPr lang="ko-KR" altLang="en-US" dirty="0" err="1"/>
-              <a:t>아티팩트</a:t>
-            </a:r>
-            <a:r>
-              <a:rPr lang="ko-KR" altLang="en-US" dirty="0"/>
-              <a:t> 업로드</a:t>
-            </a:r>
-            <a:endParaRPr lang="en-US" altLang="ko-KR" dirty="0"/>
-          </a:p>
-          <a:p>
-            <a:endParaRPr lang="ko-KR" altLang="en-US" dirty="0"/>
-          </a:p>
-          <a:p>
-            <a:r>
-              <a:rPr lang="ko-KR" altLang="en-US" b="1" dirty="0"/>
-              <a:t>트리거 조건</a:t>
-            </a:r>
-          </a:p>
-          <a:p>
-            <a:r>
-              <a:rPr lang="en-US" altLang="ko-KR" b="1" dirty="0"/>
-              <a:t>Pull Request:</a:t>
-            </a:r>
-            <a:r>
-              <a:rPr lang="ko-KR" altLang="en-US" dirty="0"/>
-              <a:t> </a:t>
-            </a:r>
-            <a:r>
-              <a:rPr lang="ko-KR" altLang="en-US" dirty="0" err="1"/>
-              <a:t>스모크</a:t>
-            </a:r>
-            <a:r>
-              <a:rPr lang="ko-KR" altLang="en-US" dirty="0"/>
-              <a:t> 테스트</a:t>
-            </a:r>
-          </a:p>
-          <a:p>
-            <a:r>
-              <a:rPr lang="en-US" altLang="ko-KR" b="1" dirty="0"/>
-              <a:t>main </a:t>
-            </a:r>
-            <a:r>
-              <a:rPr lang="ko-KR" altLang="en-US" b="1" dirty="0" err="1"/>
-              <a:t>브랜치</a:t>
-            </a:r>
-            <a:r>
-              <a:rPr lang="ko-KR" altLang="en-US" b="1" dirty="0"/>
-              <a:t> </a:t>
-            </a:r>
-            <a:r>
-              <a:rPr lang="en-US" altLang="ko-KR" b="1" dirty="0"/>
-              <a:t>push:</a:t>
-            </a:r>
-            <a:r>
-              <a:rPr lang="ko-KR" altLang="en-US" dirty="0"/>
-              <a:t> 전체 회귀 테스트</a:t>
-            </a:r>
-          </a:p>
-        </p:txBody>
-      </p:sp>
-    </p:spTree>
-  </p:cSld>
-  <p:clrMapOvr>
-    <a:masterClrMapping/>
-  </p:clrMapOvr>
-</p:sld>
-</file>
-
-<file path=ppt/slides/slide23.xml><?xml version="1.0" encoding="utf-8"?>
-<p:sld xmlns:a="http://schemas.openxmlformats.org/drawingml/2006/main" xmlns:r="http://schemas.openxmlformats.org/officeDocument/2006/relationships" xmlns:p="http://schemas.openxmlformats.org/presentationml/2006/main">
-  <p:cSld>
-    <p:spTree>
-      <p:nvGrpSpPr>
-        <p:cNvPr id="1" name=""/>
-        <p:cNvGrpSpPr/>
-        <p:nvPr/>
-      </p:nvGrpSpPr>
-      <p:grpSpPr>
-        <a:xfrm>
-          <a:off x="0" y="0"/>
-          <a:ext cx="0" cy="0"/>
-          <a:chOff x="0" y="0"/>
-          <a:chExt cx="0" cy="0"/>
-        </a:xfrm>
-      </p:grpSpPr>
-      <p:sp>
-        <p:nvSpPr>
-          <p:cNvPr id="3" name="TextBox 2"/>
-          <p:cNvSpPr txBox="1"/>
-          <p:nvPr/>
-        </p:nvSpPr>
-        <p:spPr>
-          <a:xfrm>
-            <a:off x="640080" y="274320"/>
-            <a:ext cx="10972800" cy="731520"/>
-          </a:xfrm>
-          <a:prstGeom prst="rect">
-            <a:avLst/>
-          </a:prstGeom>
-          <a:noFill/>
-        </p:spPr>
-        <p:txBody>
-          <a:bodyPr wrap="none">
-            <a:spAutoFit/>
-          </a:bodyPr>
-          <a:lstStyle/>
-          <a:p>
-            <a:r>
+              <a:rPr sz="2000" dirty="0">
+                <a:latin typeface="HY견고딕" panose="02030600000101010101" pitchFamily="18" charset="-127"/>
+                <a:ea typeface="HY견고딕" panose="02030600000101010101" pitchFamily="18" charset="-127"/>
+              </a:rPr>
               <a:t>9. Issues &amp; Fixes</a:t>
             </a:r>
           </a:p>
@@ -6788,7 +7003,7 @@
           <p:nvPr>
             <p:extLst>
               <p:ext uri="{D42A27DB-BD31-4B8C-83A1-F6EECF244321}">
-                <p14:modId xmlns:p14="http://schemas.microsoft.com/office/powerpoint/2010/main" val="836643732"/>
+                <p14:modId xmlns:p14="http://schemas.microsoft.com/office/powerpoint/2010/main" val="3470674411"/>
               </p:ext>
             </p:extLst>
           </p:nvPr>
@@ -6834,7 +7049,7 @@
                         <a:buNone/>
                       </a:pPr>
                       <a:r>
-                        <a:rPr lang="ko-KR" altLang="en-US" dirty="0"/>
+                        <a:rPr lang="ko-KR" altLang="en-US" b="1" dirty="0"/>
                         <a:t>문제</a:t>
                       </a:r>
                     </a:p>
@@ -6864,7 +7079,7 @@
                         <a:buNone/>
                       </a:pPr>
                       <a:r>
-                        <a:rPr lang="ko-KR" altLang="en-US" dirty="0"/>
+                        <a:rPr lang="ko-KR" altLang="en-US" b="1" dirty="0"/>
                         <a:t>원인</a:t>
                       </a:r>
                     </a:p>
@@ -6894,7 +7109,7 @@
                         <a:buNone/>
                       </a:pPr>
                       <a:r>
-                        <a:rPr lang="ko-KR" altLang="en-US" dirty="0"/>
+                        <a:rPr lang="ko-KR" altLang="en-US" b="1" dirty="0"/>
                         <a:t>해결책</a:t>
                       </a:r>
                     </a:p>
@@ -6940,14 +7155,14 @@
           <p:nvPr>
             <p:extLst>
               <p:ext uri="{D42A27DB-BD31-4B8C-83A1-F6EECF244321}">
-                <p14:modId xmlns:p14="http://schemas.microsoft.com/office/powerpoint/2010/main" val="1565999213"/>
+                <p14:modId xmlns:p14="http://schemas.microsoft.com/office/powerpoint/2010/main" val="1921855682"/>
               </p:ext>
             </p:extLst>
           </p:nvPr>
         </p:nvGraphicFramePr>
         <p:xfrm>
           <a:off x="455814" y="2798858"/>
-          <a:ext cx="8229600" cy="640080"/>
+          <a:ext cx="8229600" cy="365760"/>
         </p:xfrm>
         <a:graphic>
           <a:graphicData uri="http://schemas.openxmlformats.org/drawingml/2006/table">
@@ -6986,16 +7201,39 @@
                         <a:buNone/>
                       </a:pPr>
                       <a:r>
-                        <a:rPr lang="en-US" dirty="0" err="1"/>
-                        <a:t>ChromeDriver</a:t>
+                        <a:rPr lang="en-US" dirty="0"/>
+                        <a:t>From .app</a:t>
                       </a:r>
-                      <a:r>
-                        <a:rPr lang="en-US" dirty="0"/>
-                        <a:t> </a:t>
-                      </a:r>
+                      <a:endParaRPr lang="ko-KR" altLang="en-US" dirty="0"/>
+                    </a:p>
+                  </a:txBody>
+                  <a:tcPr anchor="ctr">
+                    <a:lnL>
+                      <a:noFill/>
+                    </a:lnL>
+                    <a:lnR>
+                      <a:noFill/>
+                    </a:lnR>
+                    <a:lnT>
+                      <a:noFill/>
+                    </a:lnT>
+                    <a:lnB>
+                      <a:noFill/>
+                    </a:lnB>
+                    <a:noFill/>
+                  </a:tcPr>
+                </a:tc>
+                <a:tc>
+                  <a:txBody>
+                    <a:bodyPr/>
+                    <a:lstStyle/>
+                    <a:p>
+                      <a:pPr>
+                        <a:buNone/>
+                      </a:pPr>
                       <a:r>
                         <a:rPr lang="ko-KR" altLang="en-US" dirty="0"/>
-                        <a:t>버전 불일치</a:t>
+                        <a:t>오타</a:t>
                       </a:r>
                     </a:p>
                   </a:txBody>
@@ -7023,48 +7261,7 @@
                       <a:pPr>
                         <a:buNone/>
                       </a:pPr>
-                      <a:r>
-                        <a:rPr lang="en-US" altLang="ko-KR" dirty="0"/>
-                        <a:t>OS/</a:t>
-                      </a:r>
-                      <a:r>
-                        <a:rPr lang="ko-KR" altLang="en-US" dirty="0"/>
-                        <a:t>브라우저 업데이트</a:t>
-                      </a:r>
-                    </a:p>
-                  </a:txBody>
-                  <a:tcPr anchor="ctr">
-                    <a:lnL>
-                      <a:noFill/>
-                    </a:lnL>
-                    <a:lnR>
-                      <a:noFill/>
-                    </a:lnR>
-                    <a:lnT>
-                      <a:noFill/>
-                    </a:lnT>
-                    <a:lnB>
-                      <a:noFill/>
-                    </a:lnB>
-                    <a:noFill/>
-                  </a:tcPr>
-                </a:tc>
-                <a:tc>
-                  <a:txBody>
-                    <a:bodyPr/>
-                    <a:lstStyle/>
-                    <a:p>
-                      <a:pPr>
-                        <a:buNone/>
-                      </a:pPr>
-                      <a:r>
-                        <a:rPr lang="en-US" dirty="0"/>
-                        <a:t>setup-chrome + Selenium Manager </a:t>
-                      </a:r>
-                      <a:r>
-                        <a:rPr lang="ko-KR" altLang="en-US" dirty="0"/>
-                        <a:t>사용</a:t>
-                      </a:r>
+                      <a:endParaRPr lang="ko-KR" altLang="en-US" dirty="0"/>
                     </a:p>
                   </a:txBody>
                   <a:tcPr anchor="ctr">
@@ -7108,14 +7305,14 @@
           <p:nvPr>
             <p:extLst>
               <p:ext uri="{D42A27DB-BD31-4B8C-83A1-F6EECF244321}">
-                <p14:modId xmlns:p14="http://schemas.microsoft.com/office/powerpoint/2010/main" val="2475652026"/>
+                <p14:modId xmlns:p14="http://schemas.microsoft.com/office/powerpoint/2010/main" val="3110154903"/>
               </p:ext>
             </p:extLst>
           </p:nvPr>
         </p:nvGraphicFramePr>
         <p:xfrm>
           <a:off x="455814" y="3472404"/>
-          <a:ext cx="8229600" cy="640080"/>
+          <a:ext cx="8229600" cy="365760"/>
         </p:xfrm>
         <a:graphic>
           <a:graphicData uri="http://schemas.openxmlformats.org/drawingml/2006/table">
@@ -7154,12 +7351,8 @@
                         <a:buNone/>
                       </a:pPr>
                       <a:r>
-                        <a:rPr lang="en-US" dirty="0"/>
-                        <a:t>Headless </a:t>
-                      </a:r>
-                      <a:r>
                         <a:rPr lang="ko-KR" altLang="en-US" dirty="0"/>
-                        <a:t>모드 불안정</a:t>
+                        <a:t>로그인 문제</a:t>
                       </a:r>
                     </a:p>
                   </a:txBody>
@@ -7188,17 +7381,10 @@
                         <a:buNone/>
                       </a:pPr>
                       <a:r>
-                        <a:rPr lang="ko-KR" altLang="en-US"/>
-                        <a:t>리소스</a:t>
+                        <a:rPr lang="en-US" altLang="ko-KR" dirty="0"/>
+                        <a:t>App.py</a:t>
                       </a:r>
-                      <a:r>
-                        <a:rPr lang="en-US" altLang="ko-KR"/>
-                        <a:t>/</a:t>
-                      </a:r>
-                      <a:r>
-                        <a:rPr lang="ko-KR" altLang="en-US"/>
-                        <a:t>윈도우 크기 설정 문제</a:t>
-                      </a:r>
+                      <a:endParaRPr lang="ko-KR" altLang="en-US" dirty="0"/>
                     </a:p>
                   </a:txBody>
                   <a:tcPr anchor="ctr">
@@ -7429,7 +7615,7 @@
 </p:sld>
 </file>
 
-<file path=ppt/slides/slide24.xml><?xml version="1.0" encoding="utf-8"?>
+<file path=ppt/slides/slide23.xml><?xml version="1.0" encoding="utf-8"?>
 <p:sld xmlns:a="http://schemas.openxmlformats.org/drawingml/2006/main" xmlns:r="http://schemas.openxmlformats.org/officeDocument/2006/relationships" xmlns:p="http://schemas.openxmlformats.org/presentationml/2006/main">
   <p:cSld>
     <p:spTree>
@@ -7455,7 +7641,7 @@
         <p:spPr>
           <a:xfrm>
             <a:off x="640080" y="274320"/>
-            <a:ext cx="10972800" cy="731520"/>
+            <a:ext cx="4618572" cy="400110"/>
           </a:xfrm>
           <a:prstGeom prst="rect">
             <a:avLst/>
@@ -7469,7 +7655,53 @@
           <a:lstStyle/>
           <a:p>
             <a:r>
-              <a:t>10. 결론 및 향후 계획 &amp; Next Steps</a:t>
+              <a:rPr sz="2000" dirty="0">
+                <a:latin typeface="HY견고딕" panose="02030600000101010101" pitchFamily="18" charset="-127"/>
+                <a:ea typeface="HY견고딕" panose="02030600000101010101" pitchFamily="18" charset="-127"/>
+              </a:rPr>
+              <a:t>10. </a:t>
+            </a:r>
+            <a:r>
+              <a:rPr sz="2000" dirty="0" err="1">
+                <a:latin typeface="HY견고딕" panose="02030600000101010101" pitchFamily="18" charset="-127"/>
+                <a:ea typeface="HY견고딕" panose="02030600000101010101" pitchFamily="18" charset="-127"/>
+              </a:rPr>
+              <a:t>결론</a:t>
+            </a:r>
+            <a:r>
+              <a:rPr sz="2000" dirty="0">
+                <a:latin typeface="HY견고딕" panose="02030600000101010101" pitchFamily="18" charset="-127"/>
+                <a:ea typeface="HY견고딕" panose="02030600000101010101" pitchFamily="18" charset="-127"/>
+              </a:rPr>
+              <a:t> 및 </a:t>
+            </a:r>
+            <a:r>
+              <a:rPr sz="2000" dirty="0" err="1">
+                <a:latin typeface="HY견고딕" panose="02030600000101010101" pitchFamily="18" charset="-127"/>
+                <a:ea typeface="HY견고딕" panose="02030600000101010101" pitchFamily="18" charset="-127"/>
+              </a:rPr>
+              <a:t>향후</a:t>
+            </a:r>
+            <a:r>
+              <a:rPr sz="2000" dirty="0">
+                <a:latin typeface="HY견고딕" panose="02030600000101010101" pitchFamily="18" charset="-127"/>
+                <a:ea typeface="HY견고딕" panose="02030600000101010101" pitchFamily="18" charset="-127"/>
+              </a:rPr>
+              <a:t> </a:t>
+            </a:r>
+            <a:r>
+              <a:rPr sz="2000" dirty="0" err="1">
+                <a:latin typeface="HY견고딕" panose="02030600000101010101" pitchFamily="18" charset="-127"/>
+                <a:ea typeface="HY견고딕" panose="02030600000101010101" pitchFamily="18" charset="-127"/>
+              </a:rPr>
+              <a:t>계획</a:t>
+            </a:r>
+            <a:r>
+              <a:rPr sz="2000" dirty="0">
+                <a:latin typeface="HY견고딕" panose="02030600000101010101" pitchFamily="18" charset="-127"/>
+                <a:ea typeface="HY견고딕" panose="02030600000101010101" pitchFamily="18" charset="-127"/>
+              </a:rPr>
+              <a:t> &amp; Next Steps</a:t>
             </a:r>
           </a:p>
         </p:txBody>
@@ -7529,7 +7761,7 @@
         <p:spPr>
           <a:xfrm>
             <a:off x="518160" y="1095433"/>
-            <a:ext cx="7681006" cy="2893100"/>
+            <a:ext cx="7681006" cy="4139595"/>
           </a:xfrm>
           <a:prstGeom prst="rect">
             <a:avLst/>
@@ -7542,18 +7774,32 @@
           </a:bodyPr>
           <a:lstStyle/>
           <a:p>
+            <a:pPr>
+              <a:lnSpc>
+                <a:spcPct val="150000"/>
+              </a:lnSpc>
+            </a:pPr>
             <a:r>
               <a:rPr lang="ko-KR" altLang="en-US" b="1" dirty="0"/>
-              <a:t>성과</a:t>
-            </a:r>
-          </a:p>
-          <a:p>
-            <a:r>
-              <a:rPr lang="en-US" altLang="ko-KR" dirty="0" err="1"/>
+              <a:t>○ 성과</a:t>
+            </a:r>
+          </a:p>
+          <a:p>
+            <a:pPr>
+              <a:lnSpc>
+                <a:spcPct val="150000"/>
+              </a:lnSpc>
+            </a:pPr>
+            <a:r>
+              <a:rPr lang="en-US" altLang="ko-KR" dirty="0" err="1">
+                <a:latin typeface="+mn-ea"/>
+              </a:rPr>
               <a:t>catshop</a:t>
             </a:r>
             <a:r>
-              <a:rPr lang="en-US" altLang="ko-KR" dirty="0"/>
+              <a:rPr lang="en-US" altLang="ko-KR" dirty="0">
+                <a:latin typeface="+mn-ea"/>
+              </a:rPr>
               <a:t> </a:t>
             </a:r>
             <a:r>
@@ -7578,6 +7824,11 @@
             </a:r>
           </a:p>
           <a:p>
+            <a:pPr>
+              <a:lnSpc>
+                <a:spcPct val="150000"/>
+              </a:lnSpc>
+            </a:pPr>
             <a:r>
               <a:rPr lang="en-US" altLang="ko-KR" dirty="0"/>
               <a:t>GitHub Actions </a:t>
@@ -7597,6 +7848,11 @@
             <a:endParaRPr lang="ko-KR" altLang="en-US" dirty="0"/>
           </a:p>
           <a:p>
+            <a:pPr>
+              <a:lnSpc>
+                <a:spcPct val="150000"/>
+              </a:lnSpc>
+            </a:pPr>
             <a:r>
               <a:rPr lang="ko-KR" altLang="en-US" dirty="0"/>
               <a:t>테스트 커버리지 시각화 및 문서화 완료</a:t>
@@ -7604,15 +7860,30 @@
             <a:endParaRPr lang="en-US" altLang="ko-KR" dirty="0"/>
           </a:p>
           <a:p>
+            <a:pPr>
+              <a:lnSpc>
+                <a:spcPct val="150000"/>
+              </a:lnSpc>
+            </a:pPr>
             <a:endParaRPr lang="ko-KR" altLang="en-US" dirty="0"/>
           </a:p>
           <a:p>
+            <a:pPr>
+              <a:lnSpc>
+                <a:spcPct val="150000"/>
+              </a:lnSpc>
+            </a:pPr>
             <a:r>
               <a:rPr lang="ko-KR" altLang="en-US" b="1" dirty="0"/>
-              <a:t>향후 개선</a:t>
-            </a:r>
-          </a:p>
-          <a:p>
+              <a:t>○ 향후 개선</a:t>
+            </a:r>
+          </a:p>
+          <a:p>
+            <a:pPr>
+              <a:lnSpc>
+                <a:spcPct val="150000"/>
+              </a:lnSpc>
+            </a:pPr>
             <a:r>
               <a:rPr lang="en-US" altLang="ko-KR" dirty="0"/>
               <a:t>Allure </a:t>
@@ -7623,6 +7894,11 @@
             </a:r>
           </a:p>
           <a:p>
+            <a:pPr>
+              <a:lnSpc>
+                <a:spcPct val="150000"/>
+              </a:lnSpc>
+            </a:pPr>
             <a:r>
               <a:rPr lang="ko-KR" altLang="en-US" dirty="0"/>
               <a:t>크로스 브라우저 테스트</a:t>
@@ -7633,6 +7909,11 @@
             </a:r>
           </a:p>
           <a:p>
+            <a:pPr>
+              <a:lnSpc>
+                <a:spcPct val="150000"/>
+              </a:lnSpc>
+            </a:pPr>
             <a:r>
               <a:rPr lang="en-US" altLang="ko-KR" dirty="0"/>
               <a:t>Nightly </a:t>
@@ -8230,11 +8511,11 @@
             </a:pPr>
             <a:r>
               <a:rPr lang="en-US" altLang="ko-KR" dirty="0"/>
-              <a:t>   CI </a:t>
+              <a:t>   E2E </a:t>
             </a:r>
             <a:r>
               <a:rPr lang="ko-KR" altLang="en-US" dirty="0"/>
-              <a:t>파이프라인 구축 및 운영</a:t>
+              <a:t>테스트 구축 및 운영</a:t>
             </a:r>
           </a:p>
           <a:p>
@@ -9267,7 +9548,7 @@
         <p:spPr>
           <a:xfrm>
             <a:off x="822960" y="1280160"/>
-            <a:ext cx="7896167" cy="2031325"/>
+            <a:ext cx="7896167" cy="2955617"/>
           </a:xfrm>
           <a:prstGeom prst="rect">
             <a:avLst/>
@@ -9280,17 +9561,27 @@
           </a:bodyPr>
           <a:lstStyle/>
           <a:p>
+            <a:pPr>
+              <a:lnSpc>
+                <a:spcPct val="150000"/>
+              </a:lnSpc>
+            </a:pPr>
             <a:r>
               <a:rPr lang="ko-KR" altLang="en-US" b="1" dirty="0"/>
               <a:t>테스트 유형 </a:t>
             </a:r>
             <a:r>
               <a:rPr lang="en-US" altLang="ko-KR" b="1" dirty="0"/>
-              <a:t>monk</a:t>
+              <a:t>mock</a:t>
             </a:r>
             <a:endParaRPr lang="ko-KR" altLang="en-US" b="1" dirty="0"/>
           </a:p>
           <a:p>
+            <a:pPr>
+              <a:lnSpc>
+                <a:spcPct val="150000"/>
+              </a:lnSpc>
+            </a:pPr>
             <a:r>
               <a:rPr lang="ko-KR" altLang="en-US" b="1" dirty="0"/>
               <a:t>회귀 테스트</a:t>
@@ -9309,6 +9600,11 @@
             </a:r>
           </a:p>
           <a:p>
+            <a:pPr>
+              <a:lnSpc>
+                <a:spcPct val="150000"/>
+              </a:lnSpc>
+            </a:pPr>
             <a:r>
               <a:rPr lang="ko-KR" altLang="en-US" b="1" dirty="0"/>
               <a:t>네거티브</a:t>
@@ -9331,12 +9627,22 @@
             </a:r>
           </a:p>
           <a:p>
+            <a:pPr>
+              <a:lnSpc>
+                <a:spcPct val="150000"/>
+              </a:lnSpc>
+            </a:pPr>
             <a:r>
               <a:rPr lang="ko-KR" altLang="en-US" b="1" dirty="0"/>
               <a:t>안정성 규칙</a:t>
             </a:r>
           </a:p>
           <a:p>
+            <a:pPr>
+              <a:lnSpc>
+                <a:spcPct val="150000"/>
+              </a:lnSpc>
+            </a:pPr>
             <a:r>
               <a:rPr lang="ko-KR" altLang="en-US" dirty="0"/>
               <a:t>모든 액션 전 </a:t>
@@ -9351,12 +9657,22 @@
             </a:r>
           </a:p>
           <a:p>
+            <a:pPr>
+              <a:lnSpc>
+                <a:spcPct val="150000"/>
+              </a:lnSpc>
+            </a:pPr>
             <a:r>
               <a:rPr lang="ko-KR" altLang="en-US" dirty="0"/>
               <a:t>실패 시 자동 스크린샷 저장</a:t>
             </a:r>
           </a:p>
           <a:p>
+            <a:pPr>
+              <a:lnSpc>
+                <a:spcPct val="150000"/>
+              </a:lnSpc>
+            </a:pPr>
             <a:r>
               <a:rPr lang="en-US" altLang="ko-KR" dirty="0"/>
               <a:t>CI </a:t>
@@ -9521,7 +9837,7 @@
         <p:spPr>
           <a:xfrm>
             <a:off x="822960" y="1280160"/>
-            <a:ext cx="7859222" cy="2343206"/>
+            <a:ext cx="7859222" cy="2118080"/>
           </a:xfrm>
           <a:prstGeom prst="rect">
             <a:avLst/>
@@ -9548,49 +9864,49 @@
               <a:buChar char="•"/>
             </a:pPr>
             <a:r>
-              <a:rPr lang="en-US" altLang="ko-KR" sz="2000" b="1" dirty="0">
+              <a:rPr lang="en-US" altLang="ko-KR" b="1" dirty="0">
                 <a:latin typeface="Arial" panose="020B0604020202020204" pitchFamily="34" charset="0"/>
               </a:rPr>
               <a:t> </a:t>
             </a:r>
             <a:r>
-              <a:rPr lang="ko-KR" altLang="ko-KR" sz="2000" b="1" dirty="0" err="1">
+              <a:rPr lang="ko-KR" altLang="ko-KR" b="1" dirty="0" err="1">
                 <a:latin typeface="Arial" panose="020B0604020202020204" pitchFamily="34" charset="0"/>
               </a:rPr>
               <a:t>Page</a:t>
             </a:r>
             <a:r>
-              <a:rPr lang="ko-KR" altLang="ko-KR" sz="2000" b="1" dirty="0">
+              <a:rPr lang="ko-KR" altLang="ko-KR" b="1" dirty="0">
                 <a:latin typeface="Arial" panose="020B0604020202020204" pitchFamily="34" charset="0"/>
               </a:rPr>
               <a:t> </a:t>
             </a:r>
             <a:r>
-              <a:rPr lang="ko-KR" altLang="ko-KR" sz="2000" b="1" dirty="0" err="1">
+              <a:rPr lang="ko-KR" altLang="ko-KR" b="1" dirty="0" err="1">
                 <a:latin typeface="Arial" panose="020B0604020202020204" pitchFamily="34" charset="0"/>
               </a:rPr>
               <a:t>Object</a:t>
             </a:r>
             <a:r>
-              <a:rPr lang="ko-KR" altLang="ko-KR" sz="2000" b="1" dirty="0">
+              <a:rPr lang="ko-KR" altLang="ko-KR" b="1" dirty="0">
                 <a:latin typeface="Arial" panose="020B0604020202020204" pitchFamily="34" charset="0"/>
               </a:rPr>
               <a:t> </a:t>
             </a:r>
             <a:r>
-              <a:rPr lang="ko-KR" altLang="ko-KR" sz="2000" b="1" dirty="0" err="1">
+              <a:rPr lang="ko-KR" altLang="ko-KR" b="1" dirty="0" err="1">
                 <a:latin typeface="Arial" panose="020B0604020202020204" pitchFamily="34" charset="0"/>
               </a:rPr>
               <a:t>Model</a:t>
             </a:r>
             <a:r>
-              <a:rPr lang="ko-KR" altLang="ko-KR" sz="2000" b="1" dirty="0">
+              <a:rPr lang="ko-KR" altLang="ko-KR" b="1" dirty="0">
                 <a:latin typeface="Arial" panose="020B0604020202020204" pitchFamily="34" charset="0"/>
               </a:rPr>
               <a:t>:</a:t>
             </a:r>
             <a:r>
-              <a:rPr lang="ko-KR" altLang="ko-KR" sz="2000" dirty="0">
+              <a:rPr lang="ko-KR" altLang="ko-KR" dirty="0">
                 <a:latin typeface="Arial" panose="020B0604020202020204" pitchFamily="34" charset="0"/>
               </a:rPr>
               <a:t> UI 요소와 동작을 페이지별로 분리</a:t>
@@ -9611,31 +9927,31 @@
               <a:buChar char="•"/>
             </a:pPr>
             <a:r>
-              <a:rPr lang="en-US" altLang="ko-KR" sz="2000" b="1" dirty="0">
+              <a:rPr lang="en-US" altLang="ko-KR" b="1" dirty="0">
                 <a:latin typeface="Arial" panose="020B0604020202020204" pitchFamily="34" charset="0"/>
               </a:rPr>
               <a:t> </a:t>
             </a:r>
             <a:r>
-              <a:rPr lang="ko-KR" altLang="ko-KR" sz="2000" b="1" dirty="0">
+              <a:rPr lang="ko-KR" altLang="ko-KR" b="1" dirty="0">
                 <a:latin typeface="Arial" panose="020B0604020202020204" pitchFamily="34" charset="0"/>
               </a:rPr>
               <a:t>Service </a:t>
             </a:r>
             <a:r>
-              <a:rPr lang="ko-KR" altLang="ko-KR" sz="2000" b="1" dirty="0" err="1">
+              <a:rPr lang="ko-KR" altLang="ko-KR" b="1" dirty="0" err="1">
                 <a:latin typeface="Arial" panose="020B0604020202020204" pitchFamily="34" charset="0"/>
               </a:rPr>
               <a:t>Layer</a:t>
             </a:r>
             <a:r>
-              <a:rPr lang="ko-KR" altLang="ko-KR" sz="2000" b="1" dirty="0">
+              <a:rPr lang="ko-KR" altLang="ko-KR" b="1" dirty="0">
                 <a:latin typeface="Arial" panose="020B0604020202020204" pitchFamily="34" charset="0"/>
               </a:rPr>
               <a:t>:</a:t>
             </a:r>
             <a:r>
-              <a:rPr lang="ko-KR" altLang="ko-KR" sz="2000" dirty="0">
+              <a:rPr lang="ko-KR" altLang="ko-KR" dirty="0">
                 <a:latin typeface="Arial" panose="020B0604020202020204" pitchFamily="34" charset="0"/>
               </a:rPr>
               <a:t> 로그인/상품추가 등 반복 동작 공통 처리</a:t>
@@ -9656,25 +9972,25 @@
               <a:buChar char="•"/>
             </a:pPr>
             <a:r>
-              <a:rPr lang="en-US" altLang="ko-KR" sz="2000" b="1" dirty="0">
+              <a:rPr lang="en-US" altLang="ko-KR" b="1" dirty="0">
                 <a:latin typeface="Arial" panose="020B0604020202020204" pitchFamily="34" charset="0"/>
               </a:rPr>
               <a:t> </a:t>
             </a:r>
             <a:r>
-              <a:rPr lang="ko-KR" altLang="ko-KR" sz="2000" b="1" dirty="0" err="1">
+              <a:rPr lang="ko-KR" altLang="ko-KR" b="1" dirty="0" err="1">
                 <a:latin typeface="Arial" panose="020B0604020202020204" pitchFamily="34" charset="0"/>
               </a:rPr>
               <a:t>Fixtures</a:t>
             </a:r>
             <a:r>
-              <a:rPr lang="ko-KR" altLang="ko-KR" sz="2000" b="1" dirty="0">
+              <a:rPr lang="ko-KR" altLang="ko-KR" b="1" dirty="0">
                 <a:latin typeface="Arial" panose="020B0604020202020204" pitchFamily="34" charset="0"/>
               </a:rPr>
               <a:t>:</a:t>
             </a:r>
             <a:r>
-              <a:rPr lang="ko-KR" altLang="ko-KR" sz="2000" dirty="0">
+              <a:rPr lang="ko-KR" altLang="ko-KR" dirty="0">
                 <a:latin typeface="Arial" panose="020B0604020202020204" pitchFamily="34" charset="0"/>
               </a:rPr>
               <a:t> 브라우저 및 세션 재사용</a:t>
@@ -9695,60 +10011,60 @@
               <a:buChar char="•"/>
             </a:pPr>
             <a:r>
-              <a:rPr lang="en-US" altLang="ko-KR" sz="2000" b="1" dirty="0">
+              <a:rPr lang="en-US" altLang="ko-KR" b="1" dirty="0">
                 <a:latin typeface="Arial" panose="020B0604020202020204" pitchFamily="34" charset="0"/>
               </a:rPr>
               <a:t> </a:t>
             </a:r>
             <a:r>
-              <a:rPr lang="ko-KR" altLang="ko-KR" sz="2000" b="1" dirty="0" err="1">
+              <a:rPr lang="ko-KR" altLang="ko-KR" b="1" dirty="0" err="1">
                 <a:latin typeface="Arial" panose="020B0604020202020204" pitchFamily="34" charset="0"/>
               </a:rPr>
               <a:t>Utils</a:t>
             </a:r>
             <a:r>
-              <a:rPr lang="ko-KR" altLang="ko-KR" sz="2000" b="1" dirty="0">
+              <a:rPr lang="ko-KR" altLang="ko-KR" b="1" dirty="0">
                 <a:latin typeface="Arial" panose="020B0604020202020204" pitchFamily="34" charset="0"/>
               </a:rPr>
               <a:t>:</a:t>
             </a:r>
             <a:r>
-              <a:rPr lang="ko-KR" altLang="ko-KR" sz="2000" dirty="0">
+              <a:rPr lang="ko-KR" altLang="ko-KR" dirty="0">
                 <a:latin typeface="Arial" panose="020B0604020202020204" pitchFamily="34" charset="0"/>
               </a:rPr>
               <a:t> 공용 </a:t>
             </a:r>
             <a:r>
-              <a:rPr lang="ko-KR" altLang="ko-KR" sz="2000" dirty="0" err="1">
+              <a:rPr lang="ko-KR" altLang="ko-KR" dirty="0" err="1">
                 <a:latin typeface="Arial" panose="020B0604020202020204" pitchFamily="34" charset="0"/>
               </a:rPr>
               <a:t>waits</a:t>
             </a:r>
             <a:r>
-              <a:rPr lang="ko-KR" altLang="ko-KR" sz="2000" dirty="0">
+              <a:rPr lang="ko-KR" altLang="ko-KR" dirty="0">
                 <a:latin typeface="Arial" panose="020B0604020202020204" pitchFamily="34" charset="0"/>
               </a:rPr>
               <a:t>, </a:t>
             </a:r>
             <a:r>
-              <a:rPr lang="ko-KR" altLang="ko-KR" sz="2000" dirty="0" err="1">
+              <a:rPr lang="ko-KR" altLang="ko-KR" dirty="0" err="1">
                 <a:latin typeface="Arial" panose="020B0604020202020204" pitchFamily="34" charset="0"/>
               </a:rPr>
               <a:t>assertions</a:t>
             </a:r>
             <a:r>
-              <a:rPr lang="ko-KR" altLang="ko-KR" sz="2000" dirty="0">
+              <a:rPr lang="ko-KR" altLang="ko-KR" dirty="0">
                 <a:latin typeface="Arial" panose="020B0604020202020204" pitchFamily="34" charset="0"/>
               </a:rPr>
               <a:t>, 데이터 </a:t>
             </a:r>
             <a:r>
-              <a:rPr lang="ko-KR" altLang="ko-KR" sz="2000" dirty="0" err="1">
+              <a:rPr lang="ko-KR" altLang="ko-KR" dirty="0" err="1">
                 <a:latin typeface="Arial" panose="020B0604020202020204" pitchFamily="34" charset="0"/>
               </a:rPr>
               <a:t>생성기</a:t>
             </a:r>
-            <a:endParaRPr lang="ko-KR" altLang="ko-KR" sz="2000" dirty="0">
+            <a:endParaRPr lang="ko-KR" altLang="ko-KR" dirty="0">
               <a:latin typeface="Arial" panose="020B0604020202020204" pitchFamily="34" charset="0"/>
             </a:endParaRPr>
           </a:p>
@@ -9767,31 +10083,31 @@
               <a:buChar char="•"/>
             </a:pPr>
             <a:r>
-              <a:rPr lang="en-US" altLang="ko-KR" sz="2000" b="1" dirty="0">
+              <a:rPr lang="en-US" altLang="ko-KR" b="1" dirty="0">
                 <a:latin typeface="Arial" panose="020B0604020202020204" pitchFamily="34" charset="0"/>
               </a:rPr>
               <a:t> </a:t>
             </a:r>
             <a:r>
-              <a:rPr lang="ko-KR" altLang="ko-KR" sz="2000" b="1" dirty="0">
+              <a:rPr lang="ko-KR" altLang="ko-KR" b="1" dirty="0">
                 <a:latin typeface="Arial" panose="020B0604020202020204" pitchFamily="34" charset="0"/>
               </a:rPr>
               <a:t>CI 파이프라인:</a:t>
             </a:r>
             <a:r>
-              <a:rPr lang="ko-KR" altLang="ko-KR" sz="2000" dirty="0">
+              <a:rPr lang="ko-KR" altLang="ko-KR" dirty="0">
                 <a:latin typeface="Arial" panose="020B0604020202020204" pitchFamily="34" charset="0"/>
               </a:rPr>
               <a:t> GitHub </a:t>
             </a:r>
             <a:r>
-              <a:rPr lang="ko-KR" altLang="ko-KR" sz="2000" dirty="0" err="1">
+              <a:rPr lang="ko-KR" altLang="ko-KR" dirty="0" err="1">
                 <a:latin typeface="Arial" panose="020B0604020202020204" pitchFamily="34" charset="0"/>
               </a:rPr>
               <a:t>Actions</a:t>
             </a:r>
             <a:r>
-              <a:rPr lang="ko-KR" altLang="ko-KR" sz="2000" dirty="0">
+              <a:rPr lang="ko-KR" altLang="ko-KR" dirty="0">
                 <a:latin typeface="Arial" panose="020B0604020202020204" pitchFamily="34" charset="0"/>
               </a:rPr>
               <a:t> 기반 자동 테스트</a:t>

--- a/2조 프로젝트 과제(제작중).pptx
+++ b/2조 프로젝트 과제(제작중).pptx
@@ -4,6 +4,9 @@
   <p:sldMasterIdLst>
     <p:sldMasterId id="2147483648" r:id="rId1"/>
   </p:sldMasterIdLst>
+  <p:notesMasterIdLst>
+    <p:notesMasterId r:id="rId25"/>
+  </p:notesMasterIdLst>
   <p:sldIdLst>
     <p:sldId id="281" r:id="rId2"/>
     <p:sldId id="256" r:id="rId3"/>
@@ -393,6 +396,439 @@
 </c:chartSpace>
 </file>
 
+<file path=ppt/notesMasters/notesMaster1.xml><?xml version="1.0" encoding="utf-8"?>
+<p:notesMaster xmlns:a="http://schemas.openxmlformats.org/drawingml/2006/main" xmlns:r="http://schemas.openxmlformats.org/officeDocument/2006/relationships" xmlns:p="http://schemas.openxmlformats.org/presentationml/2006/main">
+  <p:cSld>
+    <p:bg>
+      <p:bgRef idx="1001">
+        <a:schemeClr val="bg1"/>
+      </p:bgRef>
+    </p:bg>
+    <p:spTree>
+      <p:nvGrpSpPr>
+        <p:cNvPr id="1" name=""/>
+        <p:cNvGrpSpPr/>
+        <p:nvPr/>
+      </p:nvGrpSpPr>
+      <p:grpSpPr>
+        <a:xfrm>
+          <a:off x="0" y="0"/>
+          <a:ext cx="0" cy="0"/>
+          <a:chOff x="0" y="0"/>
+          <a:chExt cx="0" cy="0"/>
+        </a:xfrm>
+      </p:grpSpPr>
+      <p:sp>
+        <p:nvSpPr>
+          <p:cNvPr id="2" name="머리글 개체 틀 1"/>
+          <p:cNvSpPr>
+            <a:spLocks noGrp="1"/>
+          </p:cNvSpPr>
+          <p:nvPr>
+            <p:ph type="hdr" sz="quarter"/>
+          </p:nvPr>
+        </p:nvSpPr>
+        <p:spPr>
+          <a:xfrm>
+            <a:off x="0" y="0"/>
+            <a:ext cx="2971800" cy="458788"/>
+          </a:xfrm>
+          <a:prstGeom prst="rect">
+            <a:avLst/>
+          </a:prstGeom>
+        </p:spPr>
+        <p:txBody>
+          <a:bodyPr vert="horz" lIns="91440" tIns="45720" rIns="91440" bIns="45720" rtlCol="0"/>
+          <a:lstStyle>
+            <a:lvl1pPr algn="l">
+              <a:defRPr sz="1200"/>
+            </a:lvl1pPr>
+          </a:lstStyle>
+          <a:p>
+            <a:endParaRPr lang="ko-KR" altLang="en-US"/>
+          </a:p>
+        </p:txBody>
+      </p:sp>
+      <p:sp>
+        <p:nvSpPr>
+          <p:cNvPr id="3" name="날짜 개체 틀 2"/>
+          <p:cNvSpPr>
+            <a:spLocks noGrp="1"/>
+          </p:cNvSpPr>
+          <p:nvPr>
+            <p:ph type="dt" idx="1"/>
+          </p:nvPr>
+        </p:nvSpPr>
+        <p:spPr>
+          <a:xfrm>
+            <a:off x="3884613" y="0"/>
+            <a:ext cx="2971800" cy="458788"/>
+          </a:xfrm>
+          <a:prstGeom prst="rect">
+            <a:avLst/>
+          </a:prstGeom>
+        </p:spPr>
+        <p:txBody>
+          <a:bodyPr vert="horz" lIns="91440" tIns="45720" rIns="91440" bIns="45720" rtlCol="0"/>
+          <a:lstStyle>
+            <a:lvl1pPr algn="r">
+              <a:defRPr sz="1200"/>
+            </a:lvl1pPr>
+          </a:lstStyle>
+          <a:p>
+            <a:fld id="{94A5B7A1-F27C-4F97-A3C4-EF92E3293E7C}" type="datetimeFigureOut">
+              <a:rPr lang="ko-KR" altLang="en-US" smtClean="0"/>
+              <a:t>2025-11-29</a:t>
+            </a:fld>
+            <a:endParaRPr lang="ko-KR" altLang="en-US"/>
+          </a:p>
+        </p:txBody>
+      </p:sp>
+      <p:sp>
+        <p:nvSpPr>
+          <p:cNvPr id="4" name="슬라이드 이미지 개체 틀 3"/>
+          <p:cNvSpPr>
+            <a:spLocks noGrp="1" noRot="1" noChangeAspect="1"/>
+          </p:cNvSpPr>
+          <p:nvPr>
+            <p:ph type="sldImg" idx="2"/>
+          </p:nvPr>
+        </p:nvSpPr>
+        <p:spPr>
+          <a:xfrm>
+            <a:off x="1371600" y="1143000"/>
+            <a:ext cx="4114800" cy="3086100"/>
+          </a:xfrm>
+          <a:prstGeom prst="rect">
+            <a:avLst/>
+          </a:prstGeom>
+          <a:noFill/>
+          <a:ln w="12700">
+            <a:solidFill>
+              <a:prstClr val="black"/>
+            </a:solidFill>
+          </a:ln>
+        </p:spPr>
+        <p:txBody>
+          <a:bodyPr vert="horz" lIns="91440" tIns="45720" rIns="91440" bIns="45720" rtlCol="0" anchor="ctr"/>
+          <a:lstStyle/>
+          <a:p>
+            <a:endParaRPr lang="ko-KR" altLang="en-US"/>
+          </a:p>
+        </p:txBody>
+      </p:sp>
+      <p:sp>
+        <p:nvSpPr>
+          <p:cNvPr id="5" name="슬라이드 노트 개체 틀 4"/>
+          <p:cNvSpPr>
+            <a:spLocks noGrp="1"/>
+          </p:cNvSpPr>
+          <p:nvPr>
+            <p:ph type="body" sz="quarter" idx="3"/>
+          </p:nvPr>
+        </p:nvSpPr>
+        <p:spPr>
+          <a:xfrm>
+            <a:off x="685800" y="4400550"/>
+            <a:ext cx="5486400" cy="3600450"/>
+          </a:xfrm>
+          <a:prstGeom prst="rect">
+            <a:avLst/>
+          </a:prstGeom>
+        </p:spPr>
+        <p:txBody>
+          <a:bodyPr vert="horz" lIns="91440" tIns="45720" rIns="91440" bIns="45720" rtlCol="0"/>
+          <a:lstStyle/>
+          <a:p>
+            <a:pPr lvl="0"/>
+            <a:r>
+              <a:rPr lang="ko-KR" altLang="en-US"/>
+              <a:t>마스터 텍스트 스타일을 편집하려면 클릭</a:t>
+            </a:r>
+          </a:p>
+          <a:p>
+            <a:pPr lvl="1"/>
+            <a:r>
+              <a:rPr lang="ko-KR" altLang="en-US"/>
+              <a:t>두 번째 수준</a:t>
+            </a:r>
+          </a:p>
+          <a:p>
+            <a:pPr lvl="2"/>
+            <a:r>
+              <a:rPr lang="ko-KR" altLang="en-US"/>
+              <a:t>세 번째 수준</a:t>
+            </a:r>
+          </a:p>
+          <a:p>
+            <a:pPr lvl="3"/>
+            <a:r>
+              <a:rPr lang="ko-KR" altLang="en-US"/>
+              <a:t>네 번째 수준</a:t>
+            </a:r>
+          </a:p>
+          <a:p>
+            <a:pPr lvl="4"/>
+            <a:r>
+              <a:rPr lang="ko-KR" altLang="en-US"/>
+              <a:t>다섯 번째 수준</a:t>
+            </a:r>
+          </a:p>
+        </p:txBody>
+      </p:sp>
+      <p:sp>
+        <p:nvSpPr>
+          <p:cNvPr id="6" name="바닥글 개체 틀 5"/>
+          <p:cNvSpPr>
+            <a:spLocks noGrp="1"/>
+          </p:cNvSpPr>
+          <p:nvPr>
+            <p:ph type="ftr" sz="quarter" idx="4"/>
+          </p:nvPr>
+        </p:nvSpPr>
+        <p:spPr>
+          <a:xfrm>
+            <a:off x="0" y="8685213"/>
+            <a:ext cx="2971800" cy="458787"/>
+          </a:xfrm>
+          <a:prstGeom prst="rect">
+            <a:avLst/>
+          </a:prstGeom>
+        </p:spPr>
+        <p:txBody>
+          <a:bodyPr vert="horz" lIns="91440" tIns="45720" rIns="91440" bIns="45720" rtlCol="0" anchor="b"/>
+          <a:lstStyle>
+            <a:lvl1pPr algn="l">
+              <a:defRPr sz="1200"/>
+            </a:lvl1pPr>
+          </a:lstStyle>
+          <a:p>
+            <a:endParaRPr lang="ko-KR" altLang="en-US"/>
+          </a:p>
+        </p:txBody>
+      </p:sp>
+      <p:sp>
+        <p:nvSpPr>
+          <p:cNvPr id="7" name="슬라이드 번호 개체 틀 6"/>
+          <p:cNvSpPr>
+            <a:spLocks noGrp="1"/>
+          </p:cNvSpPr>
+          <p:nvPr>
+            <p:ph type="sldNum" sz="quarter" idx="5"/>
+          </p:nvPr>
+        </p:nvSpPr>
+        <p:spPr>
+          <a:xfrm>
+            <a:off x="3884613" y="8685213"/>
+            <a:ext cx="2971800" cy="458787"/>
+          </a:xfrm>
+          <a:prstGeom prst="rect">
+            <a:avLst/>
+          </a:prstGeom>
+        </p:spPr>
+        <p:txBody>
+          <a:bodyPr vert="horz" lIns="91440" tIns="45720" rIns="91440" bIns="45720" rtlCol="0" anchor="b"/>
+          <a:lstStyle>
+            <a:lvl1pPr algn="r">
+              <a:defRPr sz="1200"/>
+            </a:lvl1pPr>
+          </a:lstStyle>
+          <a:p>
+            <a:fld id="{8910F4BF-B131-4CA0-A505-78F72BC4623D}" type="slidenum">
+              <a:rPr lang="ko-KR" altLang="en-US" smtClean="0"/>
+              <a:t>‹#›</a:t>
+            </a:fld>
+            <a:endParaRPr lang="ko-KR" altLang="en-US"/>
+          </a:p>
+        </p:txBody>
+      </p:sp>
+    </p:spTree>
+    <p:extLst>
+      <p:ext uri="{BB962C8B-B14F-4D97-AF65-F5344CB8AC3E}">
+        <p14:creationId xmlns:p14="http://schemas.microsoft.com/office/powerpoint/2010/main" val="4112397752"/>
+      </p:ext>
+    </p:extLst>
+  </p:cSld>
+  <p:clrMap bg1="lt1" tx1="dk1" bg2="lt2" tx2="dk2" accent1="accent1" accent2="accent2" accent3="accent3" accent4="accent4" accent5="accent5" accent6="accent6" hlink="hlink" folHlink="folHlink"/>
+  <p:notesStyle>
+    <a:lvl1pPr marL="0" algn="l" defTabSz="914400" rtl="0" eaLnBrk="1" latinLnBrk="1" hangingPunct="1">
+      <a:defRPr sz="1200" kern="1200">
+        <a:solidFill>
+          <a:schemeClr val="tx1"/>
+        </a:solidFill>
+        <a:latin typeface="+mn-lt"/>
+        <a:ea typeface="+mn-ea"/>
+        <a:cs typeface="+mn-cs"/>
+      </a:defRPr>
+    </a:lvl1pPr>
+    <a:lvl2pPr marL="457200" algn="l" defTabSz="914400" rtl="0" eaLnBrk="1" latinLnBrk="1" hangingPunct="1">
+      <a:defRPr sz="1200" kern="1200">
+        <a:solidFill>
+          <a:schemeClr val="tx1"/>
+        </a:solidFill>
+        <a:latin typeface="+mn-lt"/>
+        <a:ea typeface="+mn-ea"/>
+        <a:cs typeface="+mn-cs"/>
+      </a:defRPr>
+    </a:lvl2pPr>
+    <a:lvl3pPr marL="914400" algn="l" defTabSz="914400" rtl="0" eaLnBrk="1" latinLnBrk="1" hangingPunct="1">
+      <a:defRPr sz="1200" kern="1200">
+        <a:solidFill>
+          <a:schemeClr val="tx1"/>
+        </a:solidFill>
+        <a:latin typeface="+mn-lt"/>
+        <a:ea typeface="+mn-ea"/>
+        <a:cs typeface="+mn-cs"/>
+      </a:defRPr>
+    </a:lvl3pPr>
+    <a:lvl4pPr marL="1371600" algn="l" defTabSz="914400" rtl="0" eaLnBrk="1" latinLnBrk="1" hangingPunct="1">
+      <a:defRPr sz="1200" kern="1200">
+        <a:solidFill>
+          <a:schemeClr val="tx1"/>
+        </a:solidFill>
+        <a:latin typeface="+mn-lt"/>
+        <a:ea typeface="+mn-ea"/>
+        <a:cs typeface="+mn-cs"/>
+      </a:defRPr>
+    </a:lvl4pPr>
+    <a:lvl5pPr marL="1828800" algn="l" defTabSz="914400" rtl="0" eaLnBrk="1" latinLnBrk="1" hangingPunct="1">
+      <a:defRPr sz="1200" kern="1200">
+        <a:solidFill>
+          <a:schemeClr val="tx1"/>
+        </a:solidFill>
+        <a:latin typeface="+mn-lt"/>
+        <a:ea typeface="+mn-ea"/>
+        <a:cs typeface="+mn-cs"/>
+      </a:defRPr>
+    </a:lvl5pPr>
+    <a:lvl6pPr marL="2286000" algn="l" defTabSz="914400" rtl="0" eaLnBrk="1" latinLnBrk="1" hangingPunct="1">
+      <a:defRPr sz="1200" kern="1200">
+        <a:solidFill>
+          <a:schemeClr val="tx1"/>
+        </a:solidFill>
+        <a:latin typeface="+mn-lt"/>
+        <a:ea typeface="+mn-ea"/>
+        <a:cs typeface="+mn-cs"/>
+      </a:defRPr>
+    </a:lvl6pPr>
+    <a:lvl7pPr marL="2743200" algn="l" defTabSz="914400" rtl="0" eaLnBrk="1" latinLnBrk="1" hangingPunct="1">
+      <a:defRPr sz="1200" kern="1200">
+        <a:solidFill>
+          <a:schemeClr val="tx1"/>
+        </a:solidFill>
+        <a:latin typeface="+mn-lt"/>
+        <a:ea typeface="+mn-ea"/>
+        <a:cs typeface="+mn-cs"/>
+      </a:defRPr>
+    </a:lvl7pPr>
+    <a:lvl8pPr marL="3200400" algn="l" defTabSz="914400" rtl="0" eaLnBrk="1" latinLnBrk="1" hangingPunct="1">
+      <a:defRPr sz="1200" kern="1200">
+        <a:solidFill>
+          <a:schemeClr val="tx1"/>
+        </a:solidFill>
+        <a:latin typeface="+mn-lt"/>
+        <a:ea typeface="+mn-ea"/>
+        <a:cs typeface="+mn-cs"/>
+      </a:defRPr>
+    </a:lvl8pPr>
+    <a:lvl9pPr marL="3657600" algn="l" defTabSz="914400" rtl="0" eaLnBrk="1" latinLnBrk="1" hangingPunct="1">
+      <a:defRPr sz="1200" kern="1200">
+        <a:solidFill>
+          <a:schemeClr val="tx1"/>
+        </a:solidFill>
+        <a:latin typeface="+mn-lt"/>
+        <a:ea typeface="+mn-ea"/>
+        <a:cs typeface="+mn-cs"/>
+      </a:defRPr>
+    </a:lvl9pPr>
+  </p:notesStyle>
+</p:notesMaster>
+</file>
+
+<file path=ppt/notesSlides/notesSlide1.xml><?xml version="1.0" encoding="utf-8"?>
+<p:notes xmlns:a="http://schemas.openxmlformats.org/drawingml/2006/main" xmlns:r="http://schemas.openxmlformats.org/officeDocument/2006/relationships" xmlns:p="http://schemas.openxmlformats.org/presentationml/2006/main">
+  <p:cSld>
+    <p:spTree>
+      <p:nvGrpSpPr>
+        <p:cNvPr id="1" name=""/>
+        <p:cNvGrpSpPr/>
+        <p:nvPr/>
+      </p:nvGrpSpPr>
+      <p:grpSpPr>
+        <a:xfrm>
+          <a:off x="0" y="0"/>
+          <a:ext cx="0" cy="0"/>
+          <a:chOff x="0" y="0"/>
+          <a:chExt cx="0" cy="0"/>
+        </a:xfrm>
+      </p:grpSpPr>
+      <p:sp>
+        <p:nvSpPr>
+          <p:cNvPr id="2" name="슬라이드 이미지 개체 틀 1"/>
+          <p:cNvSpPr>
+            <a:spLocks noGrp="1" noRot="1" noChangeAspect="1"/>
+          </p:cNvSpPr>
+          <p:nvPr>
+            <p:ph type="sldImg"/>
+          </p:nvPr>
+        </p:nvSpPr>
+        <p:spPr/>
+      </p:sp>
+      <p:sp>
+        <p:nvSpPr>
+          <p:cNvPr id="3" name="슬라이드 노트 개체 틀 2"/>
+          <p:cNvSpPr>
+            <a:spLocks noGrp="1"/>
+          </p:cNvSpPr>
+          <p:nvPr>
+            <p:ph type="body" idx="1"/>
+          </p:nvPr>
+        </p:nvSpPr>
+        <p:spPr/>
+        <p:txBody>
+          <a:bodyPr/>
+          <a:lstStyle/>
+          <a:p>
+            <a:endParaRPr lang="ko-KR" altLang="en-US" dirty="0"/>
+          </a:p>
+        </p:txBody>
+      </p:sp>
+      <p:sp>
+        <p:nvSpPr>
+          <p:cNvPr id="4" name="슬라이드 번호 개체 틀 3"/>
+          <p:cNvSpPr>
+            <a:spLocks noGrp="1"/>
+          </p:cNvSpPr>
+          <p:nvPr>
+            <p:ph type="sldNum" sz="quarter" idx="5"/>
+          </p:nvPr>
+        </p:nvSpPr>
+        <p:spPr/>
+        <p:txBody>
+          <a:bodyPr/>
+          <a:lstStyle/>
+          <a:p>
+            <a:fld id="{8910F4BF-B131-4CA0-A505-78F72BC4623D}" type="slidenum">
+              <a:rPr lang="ko-KR" altLang="en-US" smtClean="0"/>
+              <a:t>22</a:t>
+            </a:fld>
+            <a:endParaRPr lang="ko-KR" altLang="en-US"/>
+          </a:p>
+        </p:txBody>
+      </p:sp>
+    </p:spTree>
+    <p:extLst>
+      <p:ext uri="{BB962C8B-B14F-4D97-AF65-F5344CB8AC3E}">
+        <p14:creationId xmlns:p14="http://schemas.microsoft.com/office/powerpoint/2010/main" val="3460967220"/>
+      </p:ext>
+    </p:extLst>
+  </p:cSld>
+  <p:clrMapOvr>
+    <a:masterClrMapping/>
+  </p:clrMapOvr>
+</p:notes>
+</file>
+
 <file path=ppt/slideLayouts/slideLayout1.xml><?xml version="1.0" encoding="utf-8"?>
 <p:sldLayout xmlns:a="http://schemas.openxmlformats.org/drawingml/2006/main" xmlns:r="http://schemas.openxmlformats.org/officeDocument/2006/relationships" xmlns:p="http://schemas.openxmlformats.org/presentationml/2006/main" type="title" preserve="1">
   <p:cSld name="Title Slide">
@@ -5969,35 +6405,35 @@
           <a:lstStyle/>
           <a:p>
             <a:r>
-              <a:rPr sz="2000" dirty="0">
+              <a:rPr sz="2000" b="1" dirty="0">
                 <a:latin typeface="HY견고딕" panose="02030600000101010101" pitchFamily="18" charset="-127"/>
                 <a:ea typeface="HY견고딕" panose="02030600000101010101" pitchFamily="18" charset="-127"/>
               </a:rPr>
               <a:t>TC‑00</a:t>
             </a:r>
             <a:r>
-              <a:rPr lang="en-US" sz="2000" dirty="0">
+              <a:rPr lang="en-US" sz="2000" b="1" dirty="0">
                 <a:latin typeface="HY견고딕" panose="02030600000101010101" pitchFamily="18" charset="-127"/>
                 <a:ea typeface="HY견고딕" panose="02030600000101010101" pitchFamily="18" charset="-127"/>
               </a:rPr>
               <a:t>3</a:t>
             </a:r>
             <a:r>
-              <a:rPr sz="2000" dirty="0">
+              <a:rPr sz="2000" b="1" dirty="0">
                 <a:latin typeface="HY견고딕" panose="02030600000101010101" pitchFamily="18" charset="-127"/>
                 <a:ea typeface="HY견고딕" panose="02030600000101010101" pitchFamily="18" charset="-127"/>
               </a:rPr>
               <a:t> Add/</a:t>
             </a:r>
             <a:r>
-              <a:rPr sz="2000" dirty="0" err="1">
+              <a:rPr sz="2000" b="1" dirty="0" err="1">
                 <a:latin typeface="HY견고딕" panose="02030600000101010101" pitchFamily="18" charset="-127"/>
                 <a:ea typeface="HY견고딕" panose="02030600000101010101" pitchFamily="18" charset="-127"/>
               </a:rPr>
               <a:t>삭제</a:t>
             </a:r>
             <a:r>
-              <a:rPr sz="2000" dirty="0">
+              <a:rPr sz="2000" b="1" dirty="0">
                 <a:latin typeface="HY견고딕" panose="02030600000101010101" pitchFamily="18" charset="-127"/>
                 <a:ea typeface="HY견고딕" panose="02030600000101010101" pitchFamily="18" charset="-127"/>
               </a:rPr>
@@ -6369,11 +6805,7 @@
             </a:r>
             <a:r>
               <a:rPr lang="en-US" dirty="0"/>
-              <a:t> </a:t>
-            </a:r>
-            <a:r>
-              <a:rPr dirty="0"/>
-              <a:t>GitHub Actions</a:t>
+              <a:t> + selenium</a:t>
             </a:r>
           </a:p>
           <a:p>
@@ -6458,7 +6890,7 @@
           <a:lstStyle/>
           <a:p>
             <a:r>
-              <a:rPr sz="2000" dirty="0">
+              <a:rPr sz="2000" b="1" dirty="0">
                 <a:latin typeface="HY견고딕" panose="02030600000101010101" pitchFamily="18" charset="-127"/>
                 <a:ea typeface="HY견고딕" panose="02030600000101010101" pitchFamily="18" charset="-127"/>
               </a:rPr>
@@ -6609,34 +7041,34 @@
           <a:lstStyle/>
           <a:p>
             <a:r>
-              <a:rPr sz="2000" dirty="0">
+              <a:rPr sz="2000" b="1" dirty="0">
                 <a:latin typeface="HY견고딕" panose="02030600000101010101" pitchFamily="18" charset="-127"/>
                 <a:ea typeface="HY견고딕" panose="02030600000101010101" pitchFamily="18" charset="-127"/>
               </a:rPr>
               <a:t>8. </a:t>
             </a:r>
             <a:r>
-              <a:rPr lang="en-US" sz="2000" dirty="0">
+              <a:rPr lang="en-US" sz="2000" b="1" dirty="0">
                 <a:latin typeface="HY견고딕" panose="02030600000101010101" pitchFamily="18" charset="-127"/>
                 <a:ea typeface="HY견고딕" panose="02030600000101010101" pitchFamily="18" charset="-127"/>
               </a:rPr>
               <a:t>E2E</a:t>
             </a:r>
             <a:r>
-              <a:rPr lang="ko-KR" altLang="en-US" sz="2000" dirty="0">
+              <a:rPr lang="ko-KR" altLang="en-US" sz="2000" b="1" dirty="0">
                 <a:latin typeface="HY견고딕" panose="02030600000101010101" pitchFamily="18" charset="-127"/>
                 <a:ea typeface="HY견고딕" panose="02030600000101010101" pitchFamily="18" charset="-127"/>
               </a:rPr>
               <a:t>테스트</a:t>
             </a:r>
             <a:r>
-              <a:rPr lang="en-US" altLang="ko-KR" sz="2000" dirty="0">
+              <a:rPr lang="en-US" altLang="ko-KR" sz="2000" b="1" dirty="0">
                 <a:latin typeface="HY견고딕" panose="02030600000101010101" pitchFamily="18" charset="-127"/>
                 <a:ea typeface="HY견고딕" panose="02030600000101010101" pitchFamily="18" charset="-127"/>
               </a:rPr>
               <a:t>(End-to-End Test)</a:t>
             </a:r>
-            <a:endParaRPr sz="2000" dirty="0">
+            <a:endParaRPr sz="2000" b="1" dirty="0">
               <a:latin typeface="HY견고딕" panose="02030600000101010101" pitchFamily="18" charset="-127"/>
               <a:ea typeface="HY견고딕" panose="02030600000101010101" pitchFamily="18" charset="-127"/>
             </a:endParaRPr>
@@ -6841,7 +7273,7 @@
             </a:pPr>
             <a:r>
               <a:rPr lang="en-US" altLang="ko-KR" b="1" dirty="0"/>
-              <a:t>	Pull Request:</a:t>
+              <a:t>	Pull Request : </a:t>
             </a:r>
             <a:r>
               <a:rPr lang="ko-KR" altLang="en-US" dirty="0"/>
@@ -6876,7 +7308,7 @@
             </a:r>
             <a:r>
               <a:rPr lang="en-US" altLang="ko-KR" b="1" dirty="0"/>
-              <a:t>push:</a:t>
+              <a:t>push : </a:t>
             </a:r>
             <a:r>
               <a:rPr lang="ko-KR" altLang="en-US" dirty="0"/>
@@ -6933,7 +7365,7 @@
           <a:lstStyle/>
           <a:p>
             <a:r>
-              <a:rPr sz="2000" dirty="0">
+              <a:rPr sz="2000" b="1" dirty="0">
                 <a:latin typeface="HY견고딕" panose="02030600000101010101" pitchFamily="18" charset="-127"/>
                 <a:ea typeface="HY견고딕" panose="02030600000101010101" pitchFamily="18" charset="-127"/>
               </a:rPr>
@@ -7305,7 +7737,7 @@
           <p:nvPr>
             <p:extLst>
               <p:ext uri="{D42A27DB-BD31-4B8C-83A1-F6EECF244321}">
-                <p14:modId xmlns:p14="http://schemas.microsoft.com/office/powerpoint/2010/main" val="3110154903"/>
+                <p14:modId xmlns:p14="http://schemas.microsoft.com/office/powerpoint/2010/main" val="1997060001"/>
               </p:ext>
             </p:extLst>
           </p:nvPr>
@@ -7382,7 +7814,7 @@
                       </a:pPr>
                       <a:r>
                         <a:rPr lang="en-US" altLang="ko-KR" dirty="0"/>
-                        <a:t>App.py</a:t>
+                        <a:t>app.py</a:t>
                       </a:r>
                       <a:endParaRPr lang="ko-KR" altLang="en-US" dirty="0"/>
                     </a:p>
@@ -7411,14 +7843,7 @@
                       <a:pPr>
                         <a:buNone/>
                       </a:pPr>
-                      <a:r>
-                        <a:rPr lang="en-US" dirty="0"/>
-                        <a:t>window-size </a:t>
-                      </a:r>
-                      <a:r>
-                        <a:rPr lang="ko-KR" altLang="en-US" dirty="0"/>
-                        <a:t>강제 지정</a:t>
-                      </a:r>
+                      <a:endParaRPr lang="ko-KR" altLang="en-US" dirty="0"/>
                     </a:p>
                   </a:txBody>
                   <a:tcPr anchor="ctr">
@@ -7462,21 +7887,21 @@
           <p:nvPr>
             <p:extLst>
               <p:ext uri="{D42A27DB-BD31-4B8C-83A1-F6EECF244321}">
-                <p14:modId xmlns:p14="http://schemas.microsoft.com/office/powerpoint/2010/main" val="982252103"/>
+                <p14:modId xmlns:p14="http://schemas.microsoft.com/office/powerpoint/2010/main" val="1509683949"/>
               </p:ext>
             </p:extLst>
           </p:nvPr>
         </p:nvGraphicFramePr>
         <p:xfrm>
           <a:off x="457200" y="4145950"/>
-          <a:ext cx="8229600" cy="464017"/>
+          <a:ext cx="7607618" cy="464017"/>
         </p:xfrm>
         <a:graphic>
           <a:graphicData uri="http://schemas.openxmlformats.org/drawingml/2006/table">
             <a:tbl>
               <a:tblPr/>
               <a:tblGrid>
-                <a:gridCol w="2743200">
+                <a:gridCol w="2121218">
                   <a:extLst>
                     <a:ext uri="{9D8B030D-6E8A-4147-A177-3AD203B41FA5}">
                       <a16:colId xmlns:a16="http://schemas.microsoft.com/office/drawing/2014/main" val="343991375"/>
@@ -7508,13 +7933,10 @@
                         <a:buNone/>
                       </a:pPr>
                       <a:r>
-                        <a:rPr lang="en-US" altLang="ko-KR" dirty="0"/>
-                        <a:t>SNS </a:t>
+                        <a:rPr lang="ko-KR" altLang="en-US" dirty="0" err="1"/>
+                        <a:t>카트수량문제</a:t>
                       </a:r>
-                      <a:r>
-                        <a:rPr lang="ko-KR" altLang="en-US" dirty="0"/>
-                        <a:t>링크 응답 지연</a:t>
-                      </a:r>
+                      <a:endParaRPr lang="ko-KR" altLang="en-US" dirty="0"/>
                     </a:p>
                   </a:txBody>
                   <a:tcPr anchor="ctr">
@@ -7541,10 +7963,7 @@
                       <a:pPr>
                         <a:buNone/>
                       </a:pPr>
-                      <a:r>
-                        <a:rPr lang="ko-KR" altLang="en-US" dirty="0"/>
-                        <a:t>외부 도메인 로딩 시간</a:t>
-                      </a:r>
+                      <a:endParaRPr lang="ko-KR" altLang="en-US" dirty="0"/>
                     </a:p>
                   </a:txBody>
                   <a:tcPr anchor="ctr">
@@ -7571,14 +7990,7 @@
                       <a:pPr>
                         <a:buNone/>
                       </a:pPr>
-                      <a:r>
-                        <a:rPr lang="en-US" dirty="0"/>
-                        <a:t>URL contains </a:t>
-                      </a:r>
-                      <a:r>
-                        <a:rPr lang="ko-KR" altLang="en-US" dirty="0"/>
-                        <a:t>방식 검증</a:t>
-                      </a:r>
+                      <a:endParaRPr lang="ko-KR" altLang="en-US" dirty="0"/>
                     </a:p>
                   </a:txBody>
                   <a:tcPr anchor="ctr">
@@ -7655,49 +8067,49 @@
           <a:lstStyle/>
           <a:p>
             <a:r>
-              <a:rPr sz="2000" dirty="0">
+              <a:rPr sz="2000" b="1" dirty="0">
                 <a:latin typeface="HY견고딕" panose="02030600000101010101" pitchFamily="18" charset="-127"/>
                 <a:ea typeface="HY견고딕" panose="02030600000101010101" pitchFamily="18" charset="-127"/>
               </a:rPr>
               <a:t>10. </a:t>
             </a:r>
             <a:r>
-              <a:rPr sz="2000" dirty="0" err="1">
+              <a:rPr sz="2000" b="1" dirty="0" err="1">
                 <a:latin typeface="HY견고딕" panose="02030600000101010101" pitchFamily="18" charset="-127"/>
                 <a:ea typeface="HY견고딕" panose="02030600000101010101" pitchFamily="18" charset="-127"/>
               </a:rPr>
               <a:t>결론</a:t>
             </a:r>
             <a:r>
-              <a:rPr sz="2000" dirty="0">
+              <a:rPr sz="2000" b="1" dirty="0">
                 <a:latin typeface="HY견고딕" panose="02030600000101010101" pitchFamily="18" charset="-127"/>
                 <a:ea typeface="HY견고딕" panose="02030600000101010101" pitchFamily="18" charset="-127"/>
               </a:rPr>
               <a:t> 및 </a:t>
             </a:r>
             <a:r>
-              <a:rPr sz="2000" dirty="0" err="1">
+              <a:rPr sz="2000" b="1" dirty="0" err="1">
                 <a:latin typeface="HY견고딕" panose="02030600000101010101" pitchFamily="18" charset="-127"/>
                 <a:ea typeface="HY견고딕" panose="02030600000101010101" pitchFamily="18" charset="-127"/>
               </a:rPr>
               <a:t>향후</a:t>
             </a:r>
             <a:r>
-              <a:rPr sz="2000" dirty="0">
+              <a:rPr sz="2000" b="1" dirty="0">
                 <a:latin typeface="HY견고딕" panose="02030600000101010101" pitchFamily="18" charset="-127"/>
                 <a:ea typeface="HY견고딕" panose="02030600000101010101" pitchFamily="18" charset="-127"/>
               </a:rPr>
               <a:t> </a:t>
             </a:r>
             <a:r>
-              <a:rPr sz="2000" dirty="0" err="1">
+              <a:rPr sz="2000" b="1" dirty="0" err="1">
                 <a:latin typeface="HY견고딕" panose="02030600000101010101" pitchFamily="18" charset="-127"/>
                 <a:ea typeface="HY견고딕" panose="02030600000101010101" pitchFamily="18" charset="-127"/>
               </a:rPr>
               <a:t>계획</a:t>
             </a:r>
             <a:r>
-              <a:rPr sz="2000" dirty="0">
+              <a:rPr sz="2000" b="1" dirty="0">
                 <a:latin typeface="HY견고딕" panose="02030600000101010101" pitchFamily="18" charset="-127"/>
                 <a:ea typeface="HY견고딕" panose="02030600000101010101" pitchFamily="18" charset="-127"/>
               </a:rPr>
@@ -7761,7 +8173,7 @@
         <p:spPr>
           <a:xfrm>
             <a:off x="518160" y="1095433"/>
-            <a:ext cx="7681006" cy="4139595"/>
+            <a:ext cx="7681006" cy="3724096"/>
           </a:xfrm>
           <a:prstGeom prst="rect">
             <a:avLst/>
@@ -7822,30 +8234,6 @@
               <a:rPr lang="ko-KR" altLang="en-US" dirty="0"/>
               <a:t> 구축</a:t>
             </a:r>
-          </a:p>
-          <a:p>
-            <a:pPr>
-              <a:lnSpc>
-                <a:spcPct val="150000"/>
-              </a:lnSpc>
-            </a:pPr>
-            <a:r>
-              <a:rPr lang="en-US" altLang="ko-KR" dirty="0"/>
-              <a:t>GitHub Actions </a:t>
-            </a:r>
-            <a:r>
-              <a:rPr lang="ko-KR" altLang="en-US" dirty="0"/>
-              <a:t>기반 </a:t>
-            </a:r>
-            <a:r>
-              <a:rPr lang="en-US" altLang="ko-KR" b="1" dirty="0"/>
-              <a:t>CI </a:t>
-            </a:r>
-            <a:r>
-              <a:rPr lang="ko-KR" altLang="en-US" b="1" dirty="0"/>
-              <a:t>품질 게이트 운영 가능</a:t>
-            </a:r>
-            <a:endParaRPr lang="ko-KR" altLang="en-US" dirty="0"/>
           </a:p>
           <a:p>
             <a:pPr>
@@ -8096,7 +8484,7 @@
                 <a:latin typeface="+mj-ea"/>
                 <a:ea typeface="+mj-ea"/>
               </a:rPr>
-              <a:t>□ 대상 사이트</a:t>
+              <a:t>□ 대상 사이트 </a:t>
             </a:r>
             <a:r>
               <a:rPr lang="en-US" altLang="ko-KR" b="1" dirty="0">
@@ -8145,7 +8533,7 @@
                 <a:latin typeface="+mj-ea"/>
                 <a:ea typeface="+mj-ea"/>
               </a:rPr>
-              <a:t>□ 프로젝트 목표</a:t>
+              <a:t>□ 프로젝트 목표 </a:t>
             </a:r>
             <a:r>
               <a:rPr lang="en-US" altLang="ko-KR" b="1" dirty="0">
@@ -8194,7 +8582,7 @@
                 <a:latin typeface="+mj-ea"/>
                 <a:ea typeface="+mj-ea"/>
               </a:rPr>
-              <a:t>□ 산출물</a:t>
+              <a:t>□ 산출물 </a:t>
             </a:r>
             <a:r>
               <a:rPr lang="en-US" altLang="ko-KR" b="1" dirty="0">
@@ -8229,21 +8617,7 @@
                 <a:latin typeface="+mj-ea"/>
                 <a:ea typeface="+mj-ea"/>
               </a:rPr>
-              <a:t> + Selenium), CI </a:t>
-            </a:r>
-            <a:r>
-              <a:rPr lang="ko-KR" altLang="en-US" dirty="0">
-                <a:latin typeface="+mj-ea"/>
-                <a:ea typeface="+mj-ea"/>
-              </a:rPr>
-              <a:t>파이프라인</a:t>
-            </a:r>
-            <a:r>
-              <a:rPr lang="en-US" altLang="ko-KR" dirty="0">
-                <a:latin typeface="+mj-ea"/>
-                <a:ea typeface="+mj-ea"/>
-              </a:rPr>
-              <a:t>, </a:t>
+              <a:t> + Selenium), </a:t>
             </a:r>
             <a:r>
               <a:rPr lang="ko-KR" altLang="en-US" dirty="0">
@@ -8271,7 +8645,7 @@
                 <a:latin typeface="+mj-ea"/>
                 <a:ea typeface="+mj-ea"/>
               </a:rPr>
-              <a:t>□ 프로젝트 기간</a:t>
+              <a:t>□ 프로젝트 기간 </a:t>
             </a:r>
             <a:r>
               <a:rPr lang="en-US" altLang="ko-KR" b="1" dirty="0">
@@ -9568,11 +9942,19 @@
             </a:pPr>
             <a:r>
               <a:rPr lang="ko-KR" altLang="en-US" b="1" dirty="0"/>
-              <a:t>테스트 유형 </a:t>
+              <a:t>○ 테스트 유형 </a:t>
             </a:r>
             <a:r>
               <a:rPr lang="en-US" altLang="ko-KR" b="1" dirty="0"/>
-              <a:t>mock</a:t>
+              <a:t>:</a:t>
+            </a:r>
+            <a:r>
+              <a:rPr lang="ko-KR" altLang="en-US" b="1" dirty="0"/>
+              <a:t> </a:t>
+            </a:r>
+            <a:r>
+              <a:rPr lang="en-US" altLang="ko-KR" b="1" dirty="0"/>
+              <a:t>smoke</a:t>
             </a:r>
             <a:endParaRPr lang="ko-KR" altLang="en-US" b="1" dirty="0"/>
           </a:p>
@@ -9584,7 +9966,7 @@
             </a:pPr>
             <a:r>
               <a:rPr lang="ko-KR" altLang="en-US" b="1" dirty="0"/>
-              <a:t>회귀 테스트</a:t>
+              <a:t>○ 회귀 테스트</a:t>
             </a:r>
             <a:r>
               <a:rPr lang="en-US" altLang="ko-KR" b="1" dirty="0"/>
@@ -9596,7 +9978,7 @@
             </a:r>
             <a:r>
               <a:rPr lang="en-US" altLang="ko-KR" dirty="0"/>
-              <a:t>(main push / nightly)</a:t>
+              <a:t>(main push)</a:t>
             </a:r>
           </a:p>
           <a:p>
@@ -9607,7 +9989,7 @@
             </a:pPr>
             <a:r>
               <a:rPr lang="ko-KR" altLang="en-US" b="1" dirty="0"/>
-              <a:t>네거티브</a:t>
+              <a:t>○ 네거티브</a:t>
             </a:r>
             <a:r>
               <a:rPr lang="en-US" altLang="ko-KR" b="1" dirty="0"/>
@@ -9634,7 +10016,7 @@
             </a:pPr>
             <a:r>
               <a:rPr lang="ko-KR" altLang="en-US" b="1" dirty="0"/>
-              <a:t>안정성 규칙</a:t>
+              <a:t>○ 안정성 규칙</a:t>
             </a:r>
           </a:p>
           <a:p>
@@ -9644,6 +10026,10 @@
               </a:lnSpc>
             </a:pPr>
             <a:r>
+              <a:rPr lang="en-US" altLang="ko-KR" dirty="0"/>
+              <a:t>	</a:t>
+            </a:r>
+            <a:r>
               <a:rPr lang="ko-KR" altLang="en-US" dirty="0"/>
               <a:t>모든 액션 전 </a:t>
             </a:r>
@@ -9663,6 +10049,10 @@
               </a:lnSpc>
             </a:pPr>
             <a:r>
+              <a:rPr lang="en-US" altLang="ko-KR" dirty="0"/>
+              <a:t>	</a:t>
+            </a:r>
+            <a:r>
               <a:rPr lang="ko-KR" altLang="en-US" dirty="0"/>
               <a:t>실패 시 자동 스크린샷 저장</a:t>
             </a:r>
@@ -9675,7 +10065,7 @@
             </a:pPr>
             <a:r>
               <a:rPr lang="en-US" altLang="ko-KR" dirty="0"/>
-              <a:t>CI </a:t>
+              <a:t>	CI </a:t>
             </a:r>
             <a:r>
               <a:rPr lang="ko-KR" altLang="en-US" dirty="0"/>
@@ -10098,19 +10488,25 @@
               <a:rPr lang="ko-KR" altLang="ko-KR" dirty="0">
                 <a:latin typeface="Arial" panose="020B0604020202020204" pitchFamily="34" charset="0"/>
               </a:rPr>
-              <a:t> GitHub </a:t>
-            </a:r>
-            <a:r>
-              <a:rPr lang="ko-KR" altLang="ko-KR" dirty="0" err="1">
+              <a:t> </a:t>
+            </a:r>
+            <a:r>
+              <a:rPr lang="en-US" altLang="ko-KR" dirty="0" err="1">
                 <a:latin typeface="Arial" panose="020B0604020202020204" pitchFamily="34" charset="0"/>
               </a:rPr>
-              <a:t>Actions</a:t>
+              <a:t>pytest</a:t>
+            </a:r>
+            <a:r>
+              <a:rPr lang="en-US" altLang="ko-KR" dirty="0">
+                <a:latin typeface="Arial" panose="020B0604020202020204" pitchFamily="34" charset="0"/>
+              </a:rPr>
+              <a:t> + selenium</a:t>
             </a:r>
             <a:r>
               <a:rPr lang="ko-KR" altLang="ko-KR" dirty="0">
                 <a:latin typeface="Arial" panose="020B0604020202020204" pitchFamily="34" charset="0"/>
               </a:rPr>
-              <a:t> 기반 자동 테스트</a:t>
+              <a:t>기반 자동 테스트</a:t>
             </a:r>
           </a:p>
         </p:txBody>
@@ -10585,4 +10981,319 @@
   </a:objectDefaults>
   <a:extraClrSchemeLst/>
 </a:theme>
+</file>
+
+<file path=ppt/theme/theme2.xml><?xml version="1.0" encoding="utf-8"?>
+<a:theme xmlns:a="http://schemas.openxmlformats.org/drawingml/2006/main" name="Office 테마">
+  <a:themeElements>
+    <a:clrScheme name="Office">
+      <a:dk1>
+        <a:sysClr val="windowText" lastClr="000000"/>
+      </a:dk1>
+      <a:lt1>
+        <a:sysClr val="window" lastClr="FFFFFF"/>
+      </a:lt1>
+      <a:dk2>
+        <a:srgbClr val="0E2841"/>
+      </a:dk2>
+      <a:lt2>
+        <a:srgbClr val="E8E8E8"/>
+      </a:lt2>
+      <a:accent1>
+        <a:srgbClr val="156082"/>
+      </a:accent1>
+      <a:accent2>
+        <a:srgbClr val="E97132"/>
+      </a:accent2>
+      <a:accent3>
+        <a:srgbClr val="196B24"/>
+      </a:accent3>
+      <a:accent4>
+        <a:srgbClr val="0F9ED5"/>
+      </a:accent4>
+      <a:accent5>
+        <a:srgbClr val="A02B93"/>
+      </a:accent5>
+      <a:accent6>
+        <a:srgbClr val="4EA72E"/>
+      </a:accent6>
+      <a:hlink>
+        <a:srgbClr val="467886"/>
+      </a:hlink>
+      <a:folHlink>
+        <a:srgbClr val="96607D"/>
+      </a:folHlink>
+    </a:clrScheme>
+    <a:fontScheme name="Office">
+      <a:majorFont>
+        <a:latin typeface="맑은 고딕" panose="02110004020202020204"/>
+        <a:ea typeface=""/>
+        <a:cs typeface=""/>
+        <a:font script="Jpan" typeface="游ゴシック Light"/>
+        <a:font script="Hang" typeface="맑은 고딕"/>
+        <a:font script="Hans" typeface="等线 Light"/>
+        <a:font script="Hant" typeface="新細明體"/>
+        <a:font script="Arab" typeface="Times New Roman"/>
+        <a:font script="Hebr" typeface="Times New Roman"/>
+        <a:font script="Thai" typeface="Angsana New"/>
+        <a:font script="Ethi" typeface="Nyala"/>
+        <a:font script="Beng" typeface="Vrinda"/>
+        <a:font script="Gujr" typeface="Shruti"/>
+        <a:font script="Khmr" typeface="MoolBoran"/>
+        <a:font script="Knda" typeface="Tunga"/>
+        <a:font script="Guru" typeface="Raavi"/>
+        <a:font script="Cans" typeface="Euphemia"/>
+        <a:font script="Cher" typeface="Plantagenet Cherokee"/>
+        <a:font script="Yiii" typeface="Microsoft Yi Baiti"/>
+        <a:font script="Tibt" typeface="Microsoft Himalaya"/>
+        <a:font script="Thaa" typeface="MV Boli"/>
+        <a:font script="Deva" typeface="Mangal"/>
+        <a:font script="Telu" typeface="Gautami"/>
+        <a:font script="Taml" typeface="Latha"/>
+        <a:font script="Syrc" typeface="Estrangelo Edessa"/>
+        <a:font script="Orya" typeface="Kalinga"/>
+        <a:font script="Mlym" typeface="Kartika"/>
+        <a:font script="Laoo" typeface="DokChampa"/>
+        <a:font script="Sinh" typeface="Iskoola Pota"/>
+        <a:font script="Mong" typeface="Mongolian Baiti"/>
+        <a:font script="Viet" typeface="Times New Roman"/>
+        <a:font script="Uigh" typeface="Microsoft Uighur"/>
+        <a:font script="Geor" typeface="Sylfaen"/>
+        <a:font script="Armn" typeface="Arial"/>
+        <a:font script="Bugi" typeface="Leelawadee UI"/>
+        <a:font script="Bopo" typeface="Microsoft JhengHei"/>
+        <a:font script="Java" typeface="Javanese Text"/>
+        <a:font script="Lisu" typeface="Segoe UI"/>
+        <a:font script="Mymr" typeface="Myanmar Text"/>
+        <a:font script="Nkoo" typeface="Ebrima"/>
+        <a:font script="Olck" typeface="Nirmala UI"/>
+        <a:font script="Osma" typeface="Ebrima"/>
+        <a:font script="Phag" typeface="Phagspa"/>
+        <a:font script="Syrn" typeface="Estrangelo Edessa"/>
+        <a:font script="Syrj" typeface="Estrangelo Edessa"/>
+        <a:font script="Syre" typeface="Estrangelo Edessa"/>
+        <a:font script="Sora" typeface="Nirmala UI"/>
+        <a:font script="Tale" typeface="Microsoft Tai Le"/>
+        <a:font script="Talu" typeface="Microsoft New Tai Lue"/>
+        <a:font script="Tfng" typeface="Ebrima"/>
+      </a:majorFont>
+      <a:minorFont>
+        <a:latin typeface="맑은 고딕" panose="02110004020202020204"/>
+        <a:ea typeface=""/>
+        <a:cs typeface=""/>
+        <a:font script="Jpan" typeface="游ゴシック"/>
+        <a:font script="Hang" typeface="맑은 고딕"/>
+        <a:font script="Hans" typeface="等线"/>
+        <a:font script="Hant" typeface="新細明體"/>
+        <a:font script="Arab" typeface="Arial"/>
+        <a:font script="Hebr" typeface="Arial"/>
+        <a:font script="Thai" typeface="Cordia New"/>
+        <a:font script="Ethi" typeface="Nyala"/>
+        <a:font script="Beng" typeface="Vrinda"/>
+        <a:font script="Gujr" typeface="Shruti"/>
+        <a:font script="Khmr" typeface="DaunPenh"/>
+        <a:font script="Knda" typeface="Tunga"/>
+        <a:font script="Guru" typeface="Raavi"/>
+        <a:font script="Cans" typeface="Euphemia"/>
+        <a:font script="Cher" typeface="Plantagenet Cherokee"/>
+        <a:font script="Yiii" typeface="Microsoft Yi Baiti"/>
+        <a:font script="Tibt" typeface="Microsoft Himalaya"/>
+        <a:font script="Thaa" typeface="MV Boli"/>
+        <a:font script="Deva" typeface="Mangal"/>
+        <a:font script="Telu" typeface="Gautami"/>
+        <a:font script="Taml" typeface="Latha"/>
+        <a:font script="Syrc" typeface="Estrangelo Edessa"/>
+        <a:font script="Orya" typeface="Kalinga"/>
+        <a:font script="Mlym" typeface="Kartika"/>
+        <a:font script="Laoo" typeface="DokChampa"/>
+        <a:font script="Sinh" typeface="Iskoola Pota"/>
+        <a:font script="Mong" typeface="Mongolian Baiti"/>
+        <a:font script="Viet" typeface="Arial"/>
+        <a:font script="Uigh" typeface="Microsoft Uighur"/>
+        <a:font script="Geor" typeface="Sylfaen"/>
+        <a:font script="Armn" typeface="Arial"/>
+        <a:font script="Bugi" typeface="Leelawadee UI"/>
+        <a:font script="Bopo" typeface="Microsoft JhengHei"/>
+        <a:font script="Java" typeface="Javanese Text"/>
+        <a:font script="Lisu" typeface="Segoe UI"/>
+        <a:font script="Mymr" typeface="Myanmar Text"/>
+        <a:font script="Nkoo" typeface="Ebrima"/>
+        <a:font script="Olck" typeface="Nirmala UI"/>
+        <a:font script="Osma" typeface="Ebrima"/>
+        <a:font script="Phag" typeface="Phagspa"/>
+        <a:font script="Syrn" typeface="Estrangelo Edessa"/>
+        <a:font script="Syrj" typeface="Estrangelo Edessa"/>
+        <a:font script="Syre" typeface="Estrangelo Edessa"/>
+        <a:font script="Sora" typeface="Nirmala UI"/>
+        <a:font script="Tale" typeface="Microsoft Tai Le"/>
+        <a:font script="Talu" typeface="Microsoft New Tai Lue"/>
+        <a:font script="Tfng" typeface="Ebrima"/>
+      </a:minorFont>
+    </a:fontScheme>
+    <a:fmtScheme name="Office">
+      <a:fillStyleLst>
+        <a:solidFill>
+          <a:schemeClr val="phClr"/>
+        </a:solidFill>
+        <a:gradFill rotWithShape="1">
+          <a:gsLst>
+            <a:gs pos="0">
+              <a:schemeClr val="phClr">
+                <a:lumMod val="110000"/>
+                <a:satMod val="105000"/>
+                <a:tint val="67000"/>
+              </a:schemeClr>
+            </a:gs>
+            <a:gs pos="50000">
+              <a:schemeClr val="phClr">
+                <a:lumMod val="105000"/>
+                <a:satMod val="103000"/>
+                <a:tint val="73000"/>
+              </a:schemeClr>
+            </a:gs>
+            <a:gs pos="100000">
+              <a:schemeClr val="phClr">
+                <a:lumMod val="105000"/>
+                <a:satMod val="109000"/>
+                <a:tint val="81000"/>
+              </a:schemeClr>
+            </a:gs>
+          </a:gsLst>
+          <a:lin ang="5400000" scaled="0"/>
+        </a:gradFill>
+        <a:gradFill rotWithShape="1">
+          <a:gsLst>
+            <a:gs pos="0">
+              <a:schemeClr val="phClr">
+                <a:satMod val="103000"/>
+                <a:lumMod val="102000"/>
+                <a:tint val="94000"/>
+              </a:schemeClr>
+            </a:gs>
+            <a:gs pos="50000">
+              <a:schemeClr val="phClr">
+                <a:satMod val="110000"/>
+                <a:lumMod val="100000"/>
+                <a:shade val="100000"/>
+              </a:schemeClr>
+            </a:gs>
+            <a:gs pos="100000">
+              <a:schemeClr val="phClr">
+                <a:lumMod val="99000"/>
+                <a:satMod val="120000"/>
+                <a:shade val="78000"/>
+              </a:schemeClr>
+            </a:gs>
+          </a:gsLst>
+          <a:lin ang="5400000" scaled="0"/>
+        </a:gradFill>
+      </a:fillStyleLst>
+      <a:lnStyleLst>
+        <a:ln w="12700" cap="flat" cmpd="sng" algn="ctr">
+          <a:solidFill>
+            <a:schemeClr val="phClr"/>
+          </a:solidFill>
+          <a:prstDash val="solid"/>
+          <a:miter lim="800000"/>
+        </a:ln>
+        <a:ln w="19050" cap="flat" cmpd="sng" algn="ctr">
+          <a:solidFill>
+            <a:schemeClr val="phClr"/>
+          </a:solidFill>
+          <a:prstDash val="solid"/>
+          <a:miter lim="800000"/>
+        </a:ln>
+        <a:ln w="25400" cap="flat" cmpd="sng" algn="ctr">
+          <a:solidFill>
+            <a:schemeClr val="phClr"/>
+          </a:solidFill>
+          <a:prstDash val="solid"/>
+          <a:miter lim="800000"/>
+        </a:ln>
+      </a:lnStyleLst>
+      <a:effectStyleLst>
+        <a:effectStyle>
+          <a:effectLst/>
+        </a:effectStyle>
+        <a:effectStyle>
+          <a:effectLst/>
+        </a:effectStyle>
+        <a:effectStyle>
+          <a:effectLst>
+            <a:outerShdw blurRad="57150" dist="19050" dir="5400000" algn="ctr" rotWithShape="0">
+              <a:srgbClr val="000000">
+                <a:alpha val="63000"/>
+              </a:srgbClr>
+            </a:outerShdw>
+          </a:effectLst>
+        </a:effectStyle>
+      </a:effectStyleLst>
+      <a:bgFillStyleLst>
+        <a:solidFill>
+          <a:schemeClr val="phClr"/>
+        </a:solidFill>
+        <a:solidFill>
+          <a:schemeClr val="phClr">
+            <a:tint val="95000"/>
+            <a:satMod val="170000"/>
+          </a:schemeClr>
+        </a:solidFill>
+        <a:gradFill rotWithShape="1">
+          <a:gsLst>
+            <a:gs pos="0">
+              <a:schemeClr val="phClr">
+                <a:tint val="93000"/>
+                <a:satMod val="150000"/>
+                <a:shade val="98000"/>
+                <a:lumMod val="102000"/>
+              </a:schemeClr>
+            </a:gs>
+            <a:gs pos="50000">
+              <a:schemeClr val="phClr">
+                <a:tint val="98000"/>
+                <a:satMod val="130000"/>
+                <a:shade val="90000"/>
+                <a:lumMod val="103000"/>
+              </a:schemeClr>
+            </a:gs>
+            <a:gs pos="100000">
+              <a:schemeClr val="phClr">
+                <a:shade val="63000"/>
+                <a:satMod val="120000"/>
+              </a:schemeClr>
+            </a:gs>
+          </a:gsLst>
+          <a:lin ang="5400000" scaled="0"/>
+        </a:gradFill>
+      </a:bgFillStyleLst>
+    </a:fmtScheme>
+  </a:themeElements>
+  <a:objectDefaults>
+    <a:lnDef>
+      <a:spPr/>
+      <a:bodyPr/>
+      <a:lstStyle/>
+      <a:style>
+        <a:lnRef idx="2">
+          <a:schemeClr val="accent1"/>
+        </a:lnRef>
+        <a:fillRef idx="0">
+          <a:schemeClr val="accent1"/>
+        </a:fillRef>
+        <a:effectRef idx="1">
+          <a:schemeClr val="accent1"/>
+        </a:effectRef>
+        <a:fontRef idx="minor">
+          <a:schemeClr val="tx1"/>
+        </a:fontRef>
+      </a:style>
+    </a:lnDef>
+  </a:objectDefaults>
+  <a:extraClrSchemeLst/>
+  <a:extLst>
+    <a:ext uri="{05A4C25C-085E-4340-85A3-A5531E510DB2}">
+      <thm15:themeFamily xmlns:thm15="http://schemas.microsoft.com/office/thememl/2012/main" name="Office Theme" id="{2E142A2C-CD16-42D6-873A-C26D2A0506FA}" vid="{1BDDFF52-6CD6-40A5-AB3C-68EB2F1E4D0A}"/>
+    </a:ext>
+  </a:extLst>
+</a:theme>
 </file>
--- a/2조 프로젝트 과제(제작중).pptx
+++ b/2조 프로젝트 과제(제작중).pptx
@@ -4203,7 +4203,7 @@
         <p:spPr>
           <a:xfrm>
             <a:off x="640080" y="274320"/>
-            <a:ext cx="2395207" cy="400110"/>
+            <a:ext cx="2238113" cy="400110"/>
           </a:xfrm>
           <a:prstGeom prst="rect">
             <a:avLst/>
@@ -4224,19 +4224,23 @@
               <a:t>UI — </a:t>
             </a:r>
             <a:r>
+              <a:rPr lang="ko-KR" altLang="en-US" sz="2000" b="1" dirty="0">
+                <a:latin typeface="HY견고딕" panose="02030600000101010101" pitchFamily="18" charset="-127"/>
+                <a:ea typeface="HY견고딕" panose="02030600000101010101" pitchFamily="18" charset="-127"/>
+              </a:rPr>
+              <a:t>집사 </a:t>
+            </a:r>
+            <a:r>
               <a:rPr sz="2000" b="1" dirty="0" err="1">
                 <a:latin typeface="HY견고딕" panose="02030600000101010101" pitchFamily="18" charset="-127"/>
                 <a:ea typeface="HY견고딕" panose="02030600000101010101" pitchFamily="18" charset="-127"/>
               </a:rPr>
               <a:t>로그인</a:t>
             </a:r>
-            <a:r>
-              <a:rPr sz="2000" b="1" dirty="0">
-                <a:latin typeface="HY견고딕" panose="02030600000101010101" pitchFamily="18" charset="-127"/>
-                <a:ea typeface="HY견고딕" panose="02030600000101010101" pitchFamily="18" charset="-127"/>
-              </a:rPr>
-              <a:t> Page</a:t>
-            </a:r>
+            <a:endParaRPr sz="2000" b="1" dirty="0">
+              <a:latin typeface="HY견고딕" panose="02030600000101010101" pitchFamily="18" charset="-127"/>
+              <a:ea typeface="HY견고딕" panose="02030600000101010101" pitchFamily="18" charset="-127"/>
+            </a:endParaRPr>
           </a:p>
         </p:txBody>
       </p:sp>
@@ -4354,7 +4358,7 @@
         <p:spPr>
           <a:xfrm>
             <a:off x="640080" y="274320"/>
-            <a:ext cx="1965603" cy="400110"/>
+            <a:ext cx="2489784" cy="400110"/>
           </a:xfrm>
           <a:prstGeom prst="rect">
             <a:avLst/>
@@ -4375,11 +4379,11 @@
               <a:t>UI — </a:t>
             </a:r>
             <a:r>
-              <a:rPr lang="en-US" sz="2000" b="1" dirty="0">
+              <a:rPr lang="ko-KR" altLang="en-US" sz="2000" b="1" dirty="0">
                 <a:latin typeface="HY견고딕" panose="02030600000101010101" pitchFamily="18" charset="-127"/>
                 <a:ea typeface="HY견고딕" panose="02030600000101010101" pitchFamily="18" charset="-127"/>
               </a:rPr>
-              <a:t>register</a:t>
+              <a:t>집사 회원가입</a:t>
             </a:r>
             <a:endParaRPr sz="2000" b="1" dirty="0">
               <a:latin typeface="HY견고딕" panose="02030600000101010101" pitchFamily="18" charset="-127"/>
@@ -4498,7 +4502,7 @@
         <p:spPr>
           <a:xfrm>
             <a:off x="640080" y="274320"/>
-            <a:ext cx="2646878" cy="400110"/>
+            <a:ext cx="1903085" cy="400110"/>
           </a:xfrm>
           <a:prstGeom prst="rect">
             <a:avLst/>
@@ -4525,13 +4529,10 @@
               </a:rPr>
               <a:t>장바구니</a:t>
             </a:r>
-            <a:r>
-              <a:rPr sz="2000" b="1" dirty="0">
-                <a:latin typeface="HY견고딕" panose="02030600000101010101" pitchFamily="18" charset="-127"/>
-                <a:ea typeface="HY견고딕" panose="02030600000101010101" pitchFamily="18" charset="-127"/>
-              </a:rPr>
-              <a:t> Page</a:t>
-            </a:r>
+            <a:endParaRPr sz="2000" b="1" dirty="0">
+              <a:latin typeface="HY견고딕" panose="02030600000101010101" pitchFamily="18" charset="-127"/>
+              <a:ea typeface="HY견고딕" panose="02030600000101010101" pitchFamily="18" charset="-127"/>
+            </a:endParaRPr>
           </a:p>
         </p:txBody>
       </p:sp>
@@ -4788,7 +4789,7 @@
         <p:spPr>
           <a:xfrm>
             <a:off x="640080" y="274320"/>
-            <a:ext cx="1819729" cy="400110"/>
+            <a:ext cx="2489784" cy="400110"/>
           </a:xfrm>
           <a:prstGeom prst="rect">
             <a:avLst/>
@@ -4813,7 +4814,7 @@
                 <a:latin typeface="HY견고딕" panose="02030600000101010101" pitchFamily="18" charset="-127"/>
                 <a:ea typeface="HY견고딕" panose="02030600000101010101" pitchFamily="18" charset="-127"/>
               </a:rPr>
-              <a:t>체크아웃</a:t>
+              <a:t>결제 정보 입력</a:t>
             </a:r>
             <a:endParaRPr sz="2000" b="1" dirty="0">
               <a:latin typeface="HY견고딕" panose="02030600000101010101" pitchFamily="18" charset="-127"/>
@@ -4932,7 +4933,7 @@
         <p:spPr>
           <a:xfrm>
             <a:off x="640080" y="274320"/>
-            <a:ext cx="3159839" cy="400110"/>
+            <a:ext cx="2991525" cy="400110"/>
           </a:xfrm>
           <a:prstGeom prst="rect">
             <a:avLst/>
@@ -4953,11 +4954,11 @@
               <a:t>UI — </a:t>
             </a:r>
             <a:r>
-              <a:rPr sz="2000" b="1" dirty="0" err="1">
+              <a:rPr lang="ko-KR" altLang="en-US" sz="2000" b="1" dirty="0">
                 <a:latin typeface="HY견고딕" panose="02030600000101010101" pitchFamily="18" charset="-127"/>
                 <a:ea typeface="HY견고딕" panose="02030600000101010101" pitchFamily="18" charset="-127"/>
               </a:rPr>
-              <a:t>체크아웃</a:t>
+              <a:t>결제 및</a:t>
             </a:r>
             <a:r>
               <a:rPr sz="2000" b="1" dirty="0">
@@ -5901,8 +5902,8 @@
         </p:nvSpPr>
         <p:spPr>
           <a:xfrm>
-            <a:off x="822960" y="5669280"/>
-            <a:ext cx="10789920" cy="861774"/>
+            <a:off x="481215" y="5669280"/>
+            <a:ext cx="10789920" cy="923330"/>
           </a:xfrm>
           <a:prstGeom prst="rect">
             <a:avLst/>
@@ -5926,13 +5927,31 @@
               <a:buChar char="•"/>
             </a:pPr>
             <a:r>
-              <a:rPr lang="ko-KR" altLang="ko-KR" sz="1600" b="1" dirty="0">
+              <a:rPr lang="en-US" altLang="ko-KR" b="1" dirty="0">
                 <a:latin typeface="Arial" panose="020B0604020202020204" pitchFamily="34" charset="0"/>
               </a:rPr>
-              <a:t>목적:</a:t>
-            </a:r>
-            <a:r>
-              <a:rPr lang="ko-KR" altLang="ko-KR" sz="1600" dirty="0">
+              <a:t> </a:t>
+            </a:r>
+            <a:r>
+              <a:rPr lang="ko-KR" altLang="ko-KR" b="1" dirty="0">
+                <a:latin typeface="Arial" panose="020B0604020202020204" pitchFamily="34" charset="0"/>
+              </a:rPr>
+              <a:t>목적</a:t>
+            </a:r>
+            <a:r>
+              <a:rPr lang="en-US" altLang="ko-KR" b="1" dirty="0">
+                <a:latin typeface="Arial" panose="020B0604020202020204" pitchFamily="34" charset="0"/>
+              </a:rPr>
+              <a:t> </a:t>
+            </a:r>
+            <a:r>
+              <a:rPr lang="ko-KR" altLang="ko-KR" b="1" dirty="0">
+                <a:latin typeface="Arial" panose="020B0604020202020204" pitchFamily="34" charset="0"/>
+              </a:rPr>
+              <a:t>:</a:t>
+            </a:r>
+            <a:r>
+              <a:rPr lang="ko-KR" altLang="ko-KR" dirty="0">
                 <a:latin typeface="Arial" panose="020B0604020202020204" pitchFamily="34" charset="0"/>
               </a:rPr>
               <a:t> 정상 계정 로그인 가능 여부 확인</a:t>
@@ -5950,51 +5969,63 @@
               <a:buChar char="•"/>
             </a:pPr>
             <a:r>
-              <a:rPr lang="ko-KR" altLang="ko-KR" sz="1600" b="1" dirty="0">
+              <a:rPr lang="en-US" altLang="ko-KR" b="1" dirty="0">
                 <a:latin typeface="Arial" panose="020B0604020202020204" pitchFamily="34" charset="0"/>
               </a:rPr>
+              <a:t> </a:t>
+            </a:r>
+            <a:r>
+              <a:rPr lang="ko-KR" altLang="ko-KR" b="1" dirty="0">
+                <a:latin typeface="Arial" panose="020B0604020202020204" pitchFamily="34" charset="0"/>
+              </a:rPr>
               <a:t>절차</a:t>
             </a:r>
             <a:r>
-              <a:rPr lang="ko-KR" altLang="ko-KR" sz="1600" b="1" dirty="0">
+              <a:rPr lang="en-US" altLang="ko-KR" b="1" dirty="0">
+                <a:latin typeface="Arial" panose="020B0604020202020204" pitchFamily="34" charset="0"/>
+              </a:rPr>
+              <a:t> </a:t>
+            </a:r>
+            <a:r>
+              <a:rPr lang="ko-KR" altLang="ko-KR" b="1" dirty="0">
                 <a:latin typeface="Arial" panose="020B0604020202020204" pitchFamily="34" charset="0"/>
                 <a:cs typeface="Arial" panose="020B0604020202020204" pitchFamily="34" charset="0"/>
               </a:rPr>
               <a:t>:</a:t>
             </a:r>
             <a:r>
-              <a:rPr lang="ko-KR" altLang="ko-KR" sz="1600" dirty="0">
+              <a:rPr lang="ko-KR" altLang="ko-KR" dirty="0">
                 <a:latin typeface="Arial" panose="020B0604020202020204" pitchFamily="34" charset="0"/>
                 <a:cs typeface="Arial" panose="020B0604020202020204" pitchFamily="34" charset="0"/>
               </a:rPr>
               <a:t> </a:t>
             </a:r>
             <a:r>
-              <a:rPr lang="en-US" altLang="ko-KR" sz="1600" dirty="0" err="1">
+              <a:rPr lang="en-US" altLang="ko-KR" dirty="0" err="1">
                 <a:latin typeface="Arial" panose="020B0604020202020204" pitchFamily="34" charset="0"/>
                 <a:cs typeface="Arial" panose="020B0604020202020204" pitchFamily="34" charset="0"/>
               </a:rPr>
               <a:t>testuser</a:t>
             </a:r>
             <a:r>
-              <a:rPr lang="ko-KR" altLang="ko-KR" sz="1600" dirty="0">
+              <a:rPr lang="ko-KR" altLang="ko-KR" dirty="0">
                 <a:latin typeface="Arial" panose="020B0604020202020204" pitchFamily="34" charset="0"/>
                 <a:cs typeface="Arial" panose="020B0604020202020204" pitchFamily="34" charset="0"/>
               </a:rPr>
               <a:t>/ </a:t>
             </a:r>
             <a:r>
-              <a:rPr lang="en-US" altLang="ko-KR" sz="1600" dirty="0">
+              <a:rPr lang="en-US" altLang="ko-KR" dirty="0">
                 <a:latin typeface="Arial" panose="020B0604020202020204" pitchFamily="34" charset="0"/>
                 <a:cs typeface="Arial" panose="020B0604020202020204" pitchFamily="34" charset="0"/>
               </a:rPr>
               <a:t>password123</a:t>
             </a:r>
             <a:r>
-              <a:rPr lang="ko-KR" altLang="ko-KR" sz="1600" dirty="0"/>
+              <a:rPr lang="ko-KR" altLang="ko-KR" dirty="0"/>
               <a:t>입력 → 로그인</a:t>
             </a:r>
-            <a:endParaRPr lang="ko-KR" altLang="ko-KR" sz="3600" dirty="0">
+            <a:endParaRPr lang="ko-KR" altLang="ko-KR" dirty="0">
               <a:latin typeface="Arial" panose="020B0604020202020204" pitchFamily="34" charset="0"/>
             </a:endParaRPr>
           </a:p>
@@ -6010,13 +6041,31 @@
               <a:buChar char="•"/>
             </a:pPr>
             <a:r>
-              <a:rPr lang="ko-KR" altLang="ko-KR" sz="1600" b="1" dirty="0">
+              <a:rPr lang="en-US" altLang="ko-KR" b="1" dirty="0">
                 <a:latin typeface="Arial" panose="020B0604020202020204" pitchFamily="34" charset="0"/>
               </a:rPr>
-              <a:t>기대 결과:</a:t>
-            </a:r>
-            <a:r>
-              <a:rPr lang="ko-KR" altLang="ko-KR" sz="1600" dirty="0">
+              <a:t> </a:t>
+            </a:r>
+            <a:r>
+              <a:rPr lang="ko-KR" altLang="ko-KR" b="1" dirty="0">
+                <a:latin typeface="Arial" panose="020B0604020202020204" pitchFamily="34" charset="0"/>
+              </a:rPr>
+              <a:t>기대 결과</a:t>
+            </a:r>
+            <a:r>
+              <a:rPr lang="en-US" altLang="ko-KR" b="1" dirty="0">
+                <a:latin typeface="Arial" panose="020B0604020202020204" pitchFamily="34" charset="0"/>
+              </a:rPr>
+              <a:t> </a:t>
+            </a:r>
+            <a:r>
+              <a:rPr lang="ko-KR" altLang="ko-KR" b="1" dirty="0">
+                <a:latin typeface="Arial" panose="020B0604020202020204" pitchFamily="34" charset="0"/>
+              </a:rPr>
+              <a:t>:</a:t>
+            </a:r>
+            <a:r>
+              <a:rPr lang="ko-KR" altLang="ko-KR" dirty="0">
                 <a:latin typeface="Arial" panose="020B0604020202020204" pitchFamily="34" charset="0"/>
               </a:rPr>
               <a:t> 상품 목록 페이지(Products) 로딩</a:t>
@@ -6238,7 +6287,7 @@
         <p:spPr>
           <a:xfrm>
             <a:off x="563418" y="5689798"/>
-            <a:ext cx="6276077" cy="1200329"/>
+            <a:ext cx="6404317" cy="1200329"/>
           </a:xfrm>
           <a:prstGeom prst="rect">
             <a:avLst/>
@@ -6262,10 +6311,28 @@
               <a:buChar char="•"/>
             </a:pPr>
             <a:r>
+              <a:rPr lang="en-US" altLang="ko-KR" b="1" dirty="0">
+                <a:latin typeface="Arial" panose="020B0604020202020204" pitchFamily="34" charset="0"/>
+              </a:rPr>
+              <a:t> </a:t>
+            </a:r>
+            <a:r>
               <a:rPr lang="ko-KR" altLang="ko-KR" b="1" dirty="0">
                 <a:latin typeface="Arial" panose="020B0604020202020204" pitchFamily="34" charset="0"/>
               </a:rPr>
-              <a:t>목적:</a:t>
+              <a:t>목적</a:t>
+            </a:r>
+            <a:r>
+              <a:rPr lang="en-US" altLang="ko-KR" b="1" dirty="0">
+                <a:latin typeface="Arial" panose="020B0604020202020204" pitchFamily="34" charset="0"/>
+              </a:rPr>
+              <a:t> </a:t>
+            </a:r>
+            <a:r>
+              <a:rPr lang="ko-KR" altLang="ko-KR" b="1" dirty="0">
+                <a:latin typeface="Arial" panose="020B0604020202020204" pitchFamily="34" charset="0"/>
+              </a:rPr>
+              <a:t>:</a:t>
             </a:r>
             <a:r>
               <a:rPr lang="ko-KR" altLang="ko-KR" dirty="0">
@@ -6286,10 +6353,28 @@
               <a:buChar char="•"/>
             </a:pPr>
             <a:r>
+              <a:rPr lang="en-US" altLang="ko-KR" b="1" dirty="0">
+                <a:latin typeface="Arial" panose="020B0604020202020204" pitchFamily="34" charset="0"/>
+              </a:rPr>
+              <a:t> </a:t>
+            </a:r>
+            <a:r>
               <a:rPr lang="ko-KR" altLang="ko-KR" b="1" dirty="0">
                 <a:latin typeface="Arial" panose="020B0604020202020204" pitchFamily="34" charset="0"/>
               </a:rPr>
-              <a:t>절차:</a:t>
+              <a:t>절차</a:t>
+            </a:r>
+            <a:r>
+              <a:rPr lang="en-US" altLang="ko-KR" b="1" dirty="0">
+                <a:latin typeface="Arial" panose="020B0604020202020204" pitchFamily="34" charset="0"/>
+              </a:rPr>
+              <a:t> </a:t>
+            </a:r>
+            <a:r>
+              <a:rPr lang="ko-KR" altLang="ko-KR" b="1" dirty="0">
+                <a:latin typeface="Arial" panose="020B0604020202020204" pitchFamily="34" charset="0"/>
+              </a:rPr>
+              <a:t>:</a:t>
             </a:r>
             <a:r>
               <a:rPr lang="ko-KR" altLang="ko-KR" dirty="0">
@@ -6310,10 +6395,28 @@
               <a:buChar char="•"/>
             </a:pPr>
             <a:r>
+              <a:rPr lang="en-US" altLang="ko-KR" b="1" dirty="0">
+                <a:latin typeface="Arial" panose="020B0604020202020204" pitchFamily="34" charset="0"/>
+              </a:rPr>
+              <a:t> </a:t>
+            </a:r>
+            <a:r>
               <a:rPr lang="ko-KR" altLang="ko-KR" b="1" dirty="0">
                 <a:latin typeface="Arial" panose="020B0604020202020204" pitchFamily="34" charset="0"/>
               </a:rPr>
-              <a:t>기대 결과:</a:t>
+              <a:t>기대 결과</a:t>
+            </a:r>
+            <a:r>
+              <a:rPr lang="en-US" altLang="ko-KR" b="1" dirty="0">
+                <a:latin typeface="Arial" panose="020B0604020202020204" pitchFamily="34" charset="0"/>
+              </a:rPr>
+              <a:t> </a:t>
+            </a:r>
+            <a:r>
+              <a:rPr lang="ko-KR" altLang="ko-KR" b="1" dirty="0">
+                <a:latin typeface="Arial" panose="020B0604020202020204" pitchFamily="34" charset="0"/>
+              </a:rPr>
+              <a:t>:</a:t>
             </a:r>
             <a:r>
               <a:rPr lang="ko-KR" altLang="ko-KR" dirty="0">
@@ -6582,15 +6685,24 @@
               </a:defRPr>
             </a:pPr>
             <a:r>
-              <a:rPr lang="ko-KR" altLang="en-US" dirty="0"/>
-              <a:t>목적</a:t>
-            </a:r>
-            <a:r>
-              <a:rPr lang="en-US" altLang="ko-KR" dirty="0"/>
+              <a:rPr lang="ko-KR" altLang="en-US" b="1" dirty="0">
+                <a:latin typeface="Arial" panose="020B0604020202020204" pitchFamily="34" charset="0"/>
+                <a:cs typeface="Arial" panose="020B0604020202020204" pitchFamily="34" charset="0"/>
+              </a:rPr>
+              <a:t>목적 </a:t>
+            </a:r>
+            <a:r>
+              <a:rPr lang="en-US" altLang="ko-KR" b="1" dirty="0">
+                <a:latin typeface="Arial" panose="020B0604020202020204" pitchFamily="34" charset="0"/>
+                <a:cs typeface="Arial" panose="020B0604020202020204" pitchFamily="34" charset="0"/>
+              </a:rPr>
               <a:t>: </a:t>
             </a:r>
             <a:r>
-              <a:rPr lang="ko-KR" altLang="en-US" dirty="0"/>
+              <a:rPr lang="ko-KR" altLang="en-US" dirty="0">
+                <a:latin typeface="Arial" panose="020B0604020202020204" pitchFamily="34" charset="0"/>
+                <a:cs typeface="Arial" panose="020B0604020202020204" pitchFamily="34" charset="0"/>
+              </a:rPr>
               <a:t>장바구니 페이지에서 항목 제거 기능 검증</a:t>
             </a:r>
           </a:p>
@@ -6603,23 +6715,45 @@
               </a:defRPr>
             </a:pPr>
             <a:r>
-              <a:rPr lang="ko-KR" altLang="en-US" dirty="0"/>
-              <a:t>절차</a:t>
-            </a:r>
-            <a:r>
-              <a:rPr lang="en-US" altLang="ko-KR" dirty="0"/>
-              <a:t>: Cart → </a:t>
-            </a:r>
-            <a:r>
-              <a:rPr lang="ko-KR" altLang="en-US" dirty="0"/>
+              <a:rPr lang="ko-KR" altLang="en-US" b="1" dirty="0">
+                <a:latin typeface="Arial" panose="020B0604020202020204" pitchFamily="34" charset="0"/>
+                <a:cs typeface="Arial" panose="020B0604020202020204" pitchFamily="34" charset="0"/>
+              </a:rPr>
+              <a:t>절차 </a:t>
+            </a:r>
+            <a:r>
+              <a:rPr lang="en-US" altLang="ko-KR" b="1" dirty="0">
+                <a:latin typeface="Arial" panose="020B0604020202020204" pitchFamily="34" charset="0"/>
+                <a:cs typeface="Arial" panose="020B0604020202020204" pitchFamily="34" charset="0"/>
+              </a:rPr>
+              <a:t>: </a:t>
+            </a:r>
+            <a:r>
+              <a:rPr lang="en-US" altLang="ko-KR" dirty="0">
+                <a:latin typeface="Arial" panose="020B0604020202020204" pitchFamily="34" charset="0"/>
+                <a:cs typeface="Arial" panose="020B0604020202020204" pitchFamily="34" charset="0"/>
+              </a:rPr>
+              <a:t>Cart → </a:t>
+            </a:r>
+            <a:r>
+              <a:rPr lang="ko-KR" altLang="en-US" dirty="0">
+                <a:latin typeface="Arial" panose="020B0604020202020204" pitchFamily="34" charset="0"/>
+                <a:cs typeface="Arial" panose="020B0604020202020204" pitchFamily="34" charset="0"/>
+              </a:rPr>
               <a:t>제거</a:t>
             </a:r>
             <a:r>
-              <a:rPr lang="en-US" altLang="ko-KR" dirty="0"/>
+              <a:rPr lang="en-US" altLang="ko-KR" dirty="0">
+                <a:latin typeface="Arial" panose="020B0604020202020204" pitchFamily="34" charset="0"/>
+                <a:cs typeface="Arial" panose="020B0604020202020204" pitchFamily="34" charset="0"/>
+              </a:rPr>
               <a:t> </a:t>
             </a:r>
             <a:r>
-              <a:rPr lang="ko-KR" altLang="en-US" dirty="0"/>
+              <a:rPr lang="ko-KR" altLang="en-US" dirty="0">
+                <a:latin typeface="Arial" panose="020B0604020202020204" pitchFamily="34" charset="0"/>
+                <a:cs typeface="Arial" panose="020B0604020202020204" pitchFamily="34" charset="0"/>
+              </a:rPr>
               <a:t>클릭</a:t>
             </a:r>
           </a:p>
@@ -6632,18 +6766,30 @@
               </a:defRPr>
             </a:pPr>
             <a:r>
-              <a:rPr lang="ko-KR" altLang="en-US" dirty="0"/>
-              <a:t>기대 결과</a:t>
-            </a:r>
-            <a:r>
-              <a:rPr lang="en-US" altLang="ko-KR" dirty="0"/>
+              <a:rPr lang="ko-KR" altLang="en-US" b="1" dirty="0">
+                <a:latin typeface="Arial" panose="020B0604020202020204" pitchFamily="34" charset="0"/>
+                <a:cs typeface="Arial" panose="020B0604020202020204" pitchFamily="34" charset="0"/>
+              </a:rPr>
+              <a:t>기대 결과 </a:t>
+            </a:r>
+            <a:r>
+              <a:rPr lang="en-US" altLang="ko-KR" b="1" dirty="0">
+                <a:latin typeface="Arial" panose="020B0604020202020204" pitchFamily="34" charset="0"/>
+                <a:cs typeface="Arial" panose="020B0604020202020204" pitchFamily="34" charset="0"/>
+              </a:rPr>
               <a:t>: </a:t>
             </a:r>
             <a:r>
-              <a:rPr lang="ko-KR" altLang="en-US" dirty="0"/>
+              <a:rPr lang="ko-KR" altLang="en-US" dirty="0">
+                <a:latin typeface="Arial" panose="020B0604020202020204" pitchFamily="34" charset="0"/>
+                <a:cs typeface="Arial" panose="020B0604020202020204" pitchFamily="34" charset="0"/>
+              </a:rPr>
               <a:t>항목 제거 및 갱신된 카트 상태 표시</a:t>
             </a:r>
-            <a:endParaRPr dirty="0"/>
+            <a:endParaRPr dirty="0">
+              <a:latin typeface="Arial" panose="020B0604020202020204" pitchFamily="34" charset="0"/>
+              <a:cs typeface="Arial" panose="020B0604020202020204" pitchFamily="34" charset="0"/>
+            </a:endParaRPr>
           </a:p>
         </p:txBody>
       </p:sp>
@@ -9970,7 +10116,7 @@
             </a:r>
             <a:r>
               <a:rPr lang="en-US" altLang="ko-KR" b="1" dirty="0"/>
-              <a:t>(Regression):</a:t>
+              <a:t>(Regression) :</a:t>
             </a:r>
             <a:r>
               <a:rPr lang="ko-KR" altLang="en-US" dirty="0"/>
@@ -9993,7 +10139,7 @@
             </a:r>
             <a:r>
               <a:rPr lang="en-US" altLang="ko-KR" b="1" dirty="0"/>
-              <a:t>(Negative):</a:t>
+              <a:t>(Negative) :</a:t>
             </a:r>
             <a:r>
               <a:rPr lang="ko-KR" altLang="en-US" dirty="0"/>
@@ -10290,6 +10436,12 @@
               <a:t>Model</a:t>
             </a:r>
             <a:r>
+              <a:rPr lang="en-US" altLang="ko-KR" b="1" dirty="0">
+                <a:latin typeface="Arial" panose="020B0604020202020204" pitchFamily="34" charset="0"/>
+              </a:rPr>
+              <a:t> </a:t>
+            </a:r>
+            <a:r>
               <a:rPr lang="ko-KR" altLang="ko-KR" b="1" dirty="0">
                 <a:latin typeface="Arial" panose="020B0604020202020204" pitchFamily="34" charset="0"/>
               </a:rPr>
@@ -10335,6 +10487,12 @@
               <a:t>Layer</a:t>
             </a:r>
             <a:r>
+              <a:rPr lang="en-US" altLang="ko-KR" b="1" dirty="0">
+                <a:latin typeface="Arial" panose="020B0604020202020204" pitchFamily="34" charset="0"/>
+              </a:rPr>
+              <a:t> </a:t>
+            </a:r>
+            <a:r>
               <a:rPr lang="ko-KR" altLang="ko-KR" b="1" dirty="0">
                 <a:latin typeface="Arial" panose="020B0604020202020204" pitchFamily="34" charset="0"/>
               </a:rPr>
@@ -10374,6 +10532,12 @@
               <a:t>Fixtures</a:t>
             </a:r>
             <a:r>
+              <a:rPr lang="en-US" altLang="ko-KR" b="1" dirty="0">
+                <a:latin typeface="Arial" panose="020B0604020202020204" pitchFamily="34" charset="0"/>
+              </a:rPr>
+              <a:t> </a:t>
+            </a:r>
+            <a:r>
               <a:rPr lang="ko-KR" altLang="ko-KR" b="1" dirty="0">
                 <a:latin typeface="Arial" panose="020B0604020202020204" pitchFamily="34" charset="0"/>
               </a:rPr>
@@ -10413,16 +10577,28 @@
               <a:t>Utils</a:t>
             </a:r>
             <a:r>
+              <a:rPr lang="en-US" altLang="ko-KR" b="1" dirty="0">
+                <a:latin typeface="Arial" panose="020B0604020202020204" pitchFamily="34" charset="0"/>
+              </a:rPr>
+              <a:t> </a:t>
+            </a:r>
+            <a:r>
               <a:rPr lang="ko-KR" altLang="ko-KR" b="1" dirty="0">
                 <a:latin typeface="Arial" panose="020B0604020202020204" pitchFamily="34" charset="0"/>
               </a:rPr>
               <a:t>:</a:t>
             </a:r>
             <a:r>
+              <a:rPr lang="en-US" altLang="ko-KR" b="1" dirty="0">
+                <a:latin typeface="Arial" panose="020B0604020202020204" pitchFamily="34" charset="0"/>
+              </a:rPr>
+              <a:t> </a:t>
+            </a:r>
+            <a:r>
               <a:rPr lang="ko-KR" altLang="ko-KR" dirty="0">
                 <a:latin typeface="Arial" panose="020B0604020202020204" pitchFamily="34" charset="0"/>
               </a:rPr>
-              <a:t> 공용 </a:t>
+              <a:t>공용 </a:t>
             </a:r>
             <a:r>
               <a:rPr lang="ko-KR" altLang="ko-KR" dirty="0" err="1">
@@ -10482,7 +10658,19 @@
               <a:rPr lang="ko-KR" altLang="ko-KR" b="1" dirty="0">
                 <a:latin typeface="Arial" panose="020B0604020202020204" pitchFamily="34" charset="0"/>
               </a:rPr>
-              <a:t>CI 파이프라인:</a:t>
+              <a:t>CI 파이프라인</a:t>
+            </a:r>
+            <a:r>
+              <a:rPr lang="en-US" altLang="ko-KR" b="1" dirty="0">
+                <a:latin typeface="Arial" panose="020B0604020202020204" pitchFamily="34" charset="0"/>
+              </a:rPr>
+              <a:t> </a:t>
+            </a:r>
+            <a:r>
+              <a:rPr lang="ko-KR" altLang="ko-KR" b="1" dirty="0">
+                <a:latin typeface="Arial" panose="020B0604020202020204" pitchFamily="34" charset="0"/>
+              </a:rPr>
+              <a:t>:</a:t>
             </a:r>
             <a:r>
               <a:rPr lang="ko-KR" altLang="ko-KR" dirty="0">
